--- a/答辩PPT.pptx
+++ b/答辩PPT.pptx
@@ -218,7 +218,7 @@
           <a:p>
             <a:fld id="{6BE9D863-D48F-4BAF-9BCB-E04EC86678A0}" type="datetimeFigureOut">
               <a:rPr lang="zh-CN" altLang="en-US" smtClean="0"/>
-              <a:t>2019/12/8</a:t>
+              <a:t>2019/12/10</a:t>
             </a:fld>
             <a:endParaRPr lang="zh-CN" altLang="en-US"/>
           </a:p>
@@ -3251,7 +3251,7 @@
           <a:p>
             <a:fld id="{946EC223-8CCF-469F-BA8D-614965A5FCBC}" type="datetimeFigureOut">
               <a:rPr lang="zh-CN" altLang="en-US" smtClean="0"/>
-              <a:t>2019/12/8</a:t>
+              <a:t>2019/12/10</a:t>
             </a:fld>
             <a:endParaRPr lang="zh-CN" altLang="en-US"/>
           </a:p>
@@ -3309,13 +3309,13 @@
   <p:clrMapOvr>
     <a:masterClrMapping/>
   </p:clrMapOvr>
-  <mc:AlternateContent xmlns:mc="http://schemas.openxmlformats.org/markup-compatibility/2006">
-    <mc:Choice xmlns:p14="http://schemas.microsoft.com/office/powerpoint/2010/main" Requires="p14">
+  <mc:AlternateContent xmlns:mc="http://schemas.openxmlformats.org/markup-compatibility/2006" xmlns:p14="http://schemas.microsoft.com/office/powerpoint/2010/main">
+    <mc:Choice Requires="p14">
       <p:transition p14:dur="250">
         <p:push dir="u"/>
       </p:transition>
     </mc:Choice>
-    <mc:Fallback>
+    <mc:Fallback xmlns="">
       <p:transition>
         <p:push dir="u"/>
       </p:transition>
@@ -3433,7 +3433,7 @@
           <a:p>
             <a:fld id="{946EC223-8CCF-469F-BA8D-614965A5FCBC}" type="datetimeFigureOut">
               <a:rPr lang="zh-CN" altLang="en-US" smtClean="0"/>
-              <a:t>2019/12/8</a:t>
+              <a:t>2019/12/10</a:t>
             </a:fld>
             <a:endParaRPr lang="zh-CN" altLang="en-US"/>
           </a:p>
@@ -3491,13 +3491,13 @@
   <p:clrMapOvr>
     <a:masterClrMapping/>
   </p:clrMapOvr>
-  <mc:AlternateContent xmlns:mc="http://schemas.openxmlformats.org/markup-compatibility/2006">
-    <mc:Choice xmlns:p14="http://schemas.microsoft.com/office/powerpoint/2010/main" Requires="p14">
+  <mc:AlternateContent xmlns:mc="http://schemas.openxmlformats.org/markup-compatibility/2006" xmlns:p14="http://schemas.microsoft.com/office/powerpoint/2010/main">
+    <mc:Choice Requires="p14">
       <p:transition p14:dur="250">
         <p:push dir="u"/>
       </p:transition>
     </mc:Choice>
-    <mc:Fallback>
+    <mc:Fallback xmlns="">
       <p:transition>
         <p:push dir="u"/>
       </p:transition>
@@ -3625,7 +3625,7 @@
           <a:p>
             <a:fld id="{946EC223-8CCF-469F-BA8D-614965A5FCBC}" type="datetimeFigureOut">
               <a:rPr lang="zh-CN" altLang="en-US" smtClean="0"/>
-              <a:t>2019/12/8</a:t>
+              <a:t>2019/12/10</a:t>
             </a:fld>
             <a:endParaRPr lang="zh-CN" altLang="en-US"/>
           </a:p>
@@ -3683,13 +3683,13 @@
   <p:clrMapOvr>
     <a:masterClrMapping/>
   </p:clrMapOvr>
-  <mc:AlternateContent xmlns:mc="http://schemas.openxmlformats.org/markup-compatibility/2006">
-    <mc:Choice xmlns:p14="http://schemas.microsoft.com/office/powerpoint/2010/main" Requires="p14">
+  <mc:AlternateContent xmlns:mc="http://schemas.openxmlformats.org/markup-compatibility/2006" xmlns:p14="http://schemas.microsoft.com/office/powerpoint/2010/main">
+    <mc:Choice Requires="p14">
       <p:transition p14:dur="250">
         <p:push dir="u"/>
       </p:transition>
     </mc:Choice>
-    <mc:Fallback>
+    <mc:Fallback xmlns="">
       <p:transition>
         <p:push dir="u"/>
       </p:transition>
@@ -3807,7 +3807,7 @@
           <a:p>
             <a:fld id="{946EC223-8CCF-469F-BA8D-614965A5FCBC}" type="datetimeFigureOut">
               <a:rPr lang="zh-CN" altLang="en-US" smtClean="0"/>
-              <a:t>2019/12/8</a:t>
+              <a:t>2019/12/10</a:t>
             </a:fld>
             <a:endParaRPr lang="zh-CN" altLang="en-US"/>
           </a:p>
@@ -3865,13 +3865,13 @@
   <p:clrMapOvr>
     <a:masterClrMapping/>
   </p:clrMapOvr>
-  <mc:AlternateContent xmlns:mc="http://schemas.openxmlformats.org/markup-compatibility/2006">
-    <mc:Choice xmlns:p14="http://schemas.microsoft.com/office/powerpoint/2010/main" Requires="p14">
+  <mc:AlternateContent xmlns:mc="http://schemas.openxmlformats.org/markup-compatibility/2006" xmlns:p14="http://schemas.microsoft.com/office/powerpoint/2010/main">
+    <mc:Choice Requires="p14">
       <p:transition p14:dur="250">
         <p:push dir="u"/>
       </p:transition>
     </mc:Choice>
-    <mc:Fallback>
+    <mc:Fallback xmlns="">
       <p:transition>
         <p:push dir="u"/>
       </p:transition>
@@ -4065,7 +4065,7 @@
           <a:p>
             <a:fld id="{946EC223-8CCF-469F-BA8D-614965A5FCBC}" type="datetimeFigureOut">
               <a:rPr lang="zh-CN" altLang="en-US" smtClean="0"/>
-              <a:t>2019/12/8</a:t>
+              <a:t>2019/12/10</a:t>
             </a:fld>
             <a:endParaRPr lang="zh-CN" altLang="en-US"/>
           </a:p>
@@ -4123,13 +4123,13 @@
   <p:clrMapOvr>
     <a:masterClrMapping/>
   </p:clrMapOvr>
-  <mc:AlternateContent xmlns:mc="http://schemas.openxmlformats.org/markup-compatibility/2006">
-    <mc:Choice xmlns:p14="http://schemas.microsoft.com/office/powerpoint/2010/main" Requires="p14">
+  <mc:AlternateContent xmlns:mc="http://schemas.openxmlformats.org/markup-compatibility/2006" xmlns:p14="http://schemas.microsoft.com/office/powerpoint/2010/main">
+    <mc:Choice Requires="p14">
       <p:transition p14:dur="250">
         <p:push dir="u"/>
       </p:transition>
     </mc:Choice>
-    <mc:Fallback>
+    <mc:Fallback xmlns="">
       <p:transition>
         <p:push dir="u"/>
       </p:transition>
@@ -4309,7 +4309,7 @@
           <a:p>
             <a:fld id="{946EC223-8CCF-469F-BA8D-614965A5FCBC}" type="datetimeFigureOut">
               <a:rPr lang="zh-CN" altLang="en-US" smtClean="0"/>
-              <a:t>2019/12/8</a:t>
+              <a:t>2019/12/10</a:t>
             </a:fld>
             <a:endParaRPr lang="zh-CN" altLang="en-US"/>
           </a:p>
@@ -4367,13 +4367,13 @@
   <p:clrMapOvr>
     <a:masterClrMapping/>
   </p:clrMapOvr>
-  <mc:AlternateContent xmlns:mc="http://schemas.openxmlformats.org/markup-compatibility/2006">
-    <mc:Choice xmlns:p14="http://schemas.microsoft.com/office/powerpoint/2010/main" Requires="p14">
+  <mc:AlternateContent xmlns:mc="http://schemas.openxmlformats.org/markup-compatibility/2006" xmlns:p14="http://schemas.microsoft.com/office/powerpoint/2010/main">
+    <mc:Choice Requires="p14">
       <p:transition p14:dur="250">
         <p:push dir="u"/>
       </p:transition>
     </mc:Choice>
-    <mc:Fallback>
+    <mc:Fallback xmlns="">
       <p:transition>
         <p:push dir="u"/>
       </p:transition>
@@ -4688,7 +4688,7 @@
           <a:p>
             <a:fld id="{946EC223-8CCF-469F-BA8D-614965A5FCBC}" type="datetimeFigureOut">
               <a:rPr lang="zh-CN" altLang="en-US" smtClean="0"/>
-              <a:t>2019/12/8</a:t>
+              <a:t>2019/12/10</a:t>
             </a:fld>
             <a:endParaRPr lang="zh-CN" altLang="en-US"/>
           </a:p>
@@ -4746,13 +4746,13 @@
   <p:clrMapOvr>
     <a:masterClrMapping/>
   </p:clrMapOvr>
-  <mc:AlternateContent xmlns:mc="http://schemas.openxmlformats.org/markup-compatibility/2006">
-    <mc:Choice xmlns:p14="http://schemas.microsoft.com/office/powerpoint/2010/main" Requires="p14">
+  <mc:AlternateContent xmlns:mc="http://schemas.openxmlformats.org/markup-compatibility/2006" xmlns:p14="http://schemas.microsoft.com/office/powerpoint/2010/main">
+    <mc:Choice Requires="p14">
       <p:transition p14:dur="250">
         <p:push dir="u"/>
       </p:transition>
     </mc:Choice>
-    <mc:Fallback>
+    <mc:Fallback xmlns="">
       <p:transition>
         <p:push dir="u"/>
       </p:transition>
@@ -4818,7 +4818,7 @@
           <a:p>
             <a:fld id="{946EC223-8CCF-469F-BA8D-614965A5FCBC}" type="datetimeFigureOut">
               <a:rPr lang="zh-CN" altLang="en-US" smtClean="0"/>
-              <a:t>2019/12/8</a:t>
+              <a:t>2019/12/10</a:t>
             </a:fld>
             <a:endParaRPr lang="zh-CN" altLang="en-US"/>
           </a:p>
@@ -4876,13 +4876,13 @@
   <p:clrMapOvr>
     <a:masterClrMapping/>
   </p:clrMapOvr>
-  <mc:AlternateContent xmlns:mc="http://schemas.openxmlformats.org/markup-compatibility/2006">
-    <mc:Choice xmlns:p14="http://schemas.microsoft.com/office/powerpoint/2010/main" Requires="p14">
+  <mc:AlternateContent xmlns:mc="http://schemas.openxmlformats.org/markup-compatibility/2006" xmlns:p14="http://schemas.microsoft.com/office/powerpoint/2010/main">
+    <mc:Choice Requires="p14">
       <p:transition p14:dur="250">
         <p:push dir="u"/>
       </p:transition>
     </mc:Choice>
-    <mc:Fallback>
+    <mc:Fallback xmlns="">
       <p:transition>
         <p:push dir="u"/>
       </p:transition>
@@ -4925,7 +4925,7 @@
           <a:p>
             <a:fld id="{946EC223-8CCF-469F-BA8D-614965A5FCBC}" type="datetimeFigureOut">
               <a:rPr lang="zh-CN" altLang="en-US" smtClean="0"/>
-              <a:t>2019/12/8</a:t>
+              <a:t>2019/12/10</a:t>
             </a:fld>
             <a:endParaRPr lang="zh-CN" altLang="en-US"/>
           </a:p>
@@ -4983,13 +4983,13 @@
   <p:clrMapOvr>
     <a:masterClrMapping/>
   </p:clrMapOvr>
-  <mc:AlternateContent xmlns:mc="http://schemas.openxmlformats.org/markup-compatibility/2006">
-    <mc:Choice xmlns:p14="http://schemas.microsoft.com/office/powerpoint/2010/main" Requires="p14">
+  <mc:AlternateContent xmlns:mc="http://schemas.openxmlformats.org/markup-compatibility/2006" xmlns:p14="http://schemas.microsoft.com/office/powerpoint/2010/main">
+    <mc:Choice Requires="p14">
       <p:transition p14:dur="250">
         <p:push dir="u"/>
       </p:transition>
     </mc:Choice>
-    <mc:Fallback>
+    <mc:Fallback xmlns="">
       <p:transition>
         <p:push dir="u"/>
       </p:transition>
@@ -5214,7 +5214,7 @@
           <a:p>
             <a:fld id="{946EC223-8CCF-469F-BA8D-614965A5FCBC}" type="datetimeFigureOut">
               <a:rPr lang="zh-CN" altLang="en-US" smtClean="0"/>
-              <a:t>2019/12/8</a:t>
+              <a:t>2019/12/10</a:t>
             </a:fld>
             <a:endParaRPr lang="zh-CN" altLang="en-US"/>
           </a:p>
@@ -5272,13 +5272,13 @@
   <p:clrMapOvr>
     <a:masterClrMapping/>
   </p:clrMapOvr>
-  <mc:AlternateContent xmlns:mc="http://schemas.openxmlformats.org/markup-compatibility/2006">
-    <mc:Choice xmlns:p14="http://schemas.microsoft.com/office/powerpoint/2010/main" Requires="p14">
+  <mc:AlternateContent xmlns:mc="http://schemas.openxmlformats.org/markup-compatibility/2006" xmlns:p14="http://schemas.microsoft.com/office/powerpoint/2010/main">
+    <mc:Choice Requires="p14">
       <p:transition p14:dur="250">
         <p:push dir="u"/>
       </p:transition>
     </mc:Choice>
-    <mc:Fallback>
+    <mc:Fallback xmlns="">
       <p:transition>
         <p:push dir="u"/>
       </p:transition>
@@ -5479,7 +5479,7 @@
           <a:p>
             <a:fld id="{946EC223-8CCF-469F-BA8D-614965A5FCBC}" type="datetimeFigureOut">
               <a:rPr lang="zh-CN" altLang="en-US" smtClean="0"/>
-              <a:t>2019/12/8</a:t>
+              <a:t>2019/12/10</a:t>
             </a:fld>
             <a:endParaRPr lang="zh-CN" altLang="en-US"/>
           </a:p>
@@ -5537,13 +5537,13 @@
   <p:clrMapOvr>
     <a:masterClrMapping/>
   </p:clrMapOvr>
-  <mc:AlternateContent xmlns:mc="http://schemas.openxmlformats.org/markup-compatibility/2006">
-    <mc:Choice xmlns:p14="http://schemas.microsoft.com/office/powerpoint/2010/main" Requires="p14">
+  <mc:AlternateContent xmlns:mc="http://schemas.openxmlformats.org/markup-compatibility/2006" xmlns:p14="http://schemas.microsoft.com/office/powerpoint/2010/main">
+    <mc:Choice Requires="p14">
       <p:transition p14:dur="250">
         <p:push dir="u"/>
       </p:transition>
     </mc:Choice>
-    <mc:Fallback>
+    <mc:Fallback xmlns="">
       <p:transition>
         <p:push dir="u"/>
       </p:transition>
@@ -5704,7 +5704,7 @@
           <a:p>
             <a:fld id="{946EC223-8CCF-469F-BA8D-614965A5FCBC}" type="datetimeFigureOut">
               <a:rPr lang="zh-CN" altLang="en-US" smtClean="0"/>
-              <a:t>2019/12/8</a:t>
+              <a:t>2019/12/10</a:t>
             </a:fld>
             <a:endParaRPr lang="zh-CN" altLang="en-US"/>
           </a:p>
@@ -5809,13 +5809,13 @@
     <p:sldLayoutId id="2147483658" r:id="rId10"/>
     <p:sldLayoutId id="2147483659" r:id="rId11"/>
   </p:sldLayoutIdLst>
-  <mc:AlternateContent xmlns:mc="http://schemas.openxmlformats.org/markup-compatibility/2006">
-    <mc:Choice xmlns:p14="http://schemas.microsoft.com/office/powerpoint/2010/main" Requires="p14">
+  <mc:AlternateContent xmlns:mc="http://schemas.openxmlformats.org/markup-compatibility/2006" xmlns:p14="http://schemas.microsoft.com/office/powerpoint/2010/main">
+    <mc:Choice Requires="p14">
       <p:transition p14:dur="250">
         <p:push dir="u"/>
       </p:transition>
     </mc:Choice>
-    <mc:Fallback>
+    <mc:Fallback xmlns="">
       <p:transition>
         <p:push dir="u"/>
       </p:transition>
@@ -6625,13 +6625,13 @@
   <p:clrMapOvr>
     <a:masterClrMapping/>
   </p:clrMapOvr>
-  <mc:AlternateContent xmlns:mc="http://schemas.openxmlformats.org/markup-compatibility/2006">
-    <mc:Choice xmlns:p14="http://schemas.microsoft.com/office/powerpoint/2010/main" Requires="p14">
+  <mc:AlternateContent xmlns:mc="http://schemas.openxmlformats.org/markup-compatibility/2006" xmlns:p14="http://schemas.microsoft.com/office/powerpoint/2010/main">
+    <mc:Choice Requires="p14">
       <p:transition p14:dur="250">
         <p:push dir="u"/>
       </p:transition>
     </mc:Choice>
-    <mc:Fallback>
+    <mc:Fallback xmlns="">
       <p:transition>
         <p:push dir="u"/>
       </p:transition>
@@ -6992,13 +6992,13 @@
   <p:clrMapOvr>
     <a:masterClrMapping/>
   </p:clrMapOvr>
-  <mc:AlternateContent xmlns:mc="http://schemas.openxmlformats.org/markup-compatibility/2006">
-    <mc:Choice xmlns:p14="http://schemas.microsoft.com/office/powerpoint/2010/main" Requires="p14">
+  <mc:AlternateContent xmlns:mc="http://schemas.openxmlformats.org/markup-compatibility/2006" xmlns:p14="http://schemas.microsoft.com/office/powerpoint/2010/main">
+    <mc:Choice Requires="p14">
       <p:transition p14:dur="250">
         <p:push dir="u"/>
       </p:transition>
     </mc:Choice>
-    <mc:Fallback>
+    <mc:Fallback xmlns="">
       <p:transition>
         <p:push dir="u"/>
       </p:transition>
@@ -7249,13 +7249,13 @@
   <p:clrMapOvr>
     <a:masterClrMapping/>
   </p:clrMapOvr>
-  <mc:AlternateContent xmlns:mc="http://schemas.openxmlformats.org/markup-compatibility/2006">
-    <mc:Choice xmlns:p14="http://schemas.microsoft.com/office/powerpoint/2010/main" Requires="p14">
+  <mc:AlternateContent xmlns:mc="http://schemas.openxmlformats.org/markup-compatibility/2006" xmlns:p14="http://schemas.microsoft.com/office/powerpoint/2010/main">
+    <mc:Choice Requires="p14">
       <p:transition p14:dur="250">
         <p:push dir="u"/>
       </p:transition>
     </mc:Choice>
-    <mc:Fallback>
+    <mc:Fallback xmlns="">
       <p:transition>
         <p:push dir="u"/>
       </p:transition>
@@ -7519,13 +7519,13 @@
   <p:clrMapOvr>
     <a:masterClrMapping/>
   </p:clrMapOvr>
-  <mc:AlternateContent xmlns:mc="http://schemas.openxmlformats.org/markup-compatibility/2006">
-    <mc:Choice xmlns:p14="http://schemas.microsoft.com/office/powerpoint/2010/main" Requires="p14">
+  <mc:AlternateContent xmlns:mc="http://schemas.openxmlformats.org/markup-compatibility/2006" xmlns:p14="http://schemas.microsoft.com/office/powerpoint/2010/main">
+    <mc:Choice Requires="p14">
       <p:transition p14:dur="250">
         <p:push dir="u"/>
       </p:transition>
     </mc:Choice>
-    <mc:Fallback>
+    <mc:Fallback xmlns="">
       <p:transition>
         <p:push dir="u"/>
       </p:transition>
@@ -10638,13 +10638,13 @@
   <p:clrMapOvr>
     <a:masterClrMapping/>
   </p:clrMapOvr>
-  <mc:AlternateContent xmlns:mc="http://schemas.openxmlformats.org/markup-compatibility/2006">
-    <mc:Choice xmlns:p14="http://schemas.microsoft.com/office/powerpoint/2010/main" Requires="p14">
+  <mc:AlternateContent xmlns:mc="http://schemas.openxmlformats.org/markup-compatibility/2006" xmlns:p14="http://schemas.microsoft.com/office/powerpoint/2010/main">
+    <mc:Choice Requires="p14">
       <p:transition p14:dur="250">
         <p:push dir="u"/>
       </p:transition>
     </mc:Choice>
-    <mc:Fallback>
+    <mc:Fallback xmlns="">
       <p:transition>
         <p:push dir="u"/>
       </p:transition>
@@ -10730,87 +10730,6 @@
                                         <p:cTn id="9" dur="250" fill="hold"/>
                                         <p:tgtEl>
                                           <p:spTgt spid="3"/>
-                                        </p:tgtEl>
-                                        <p:attrNameLst>
-                                          <p:attrName>ppt_y</p:attrName>
-                                        </p:attrNameLst>
-                                      </p:cBhvr>
-                                      <p:tavLst>
-                                        <p:tav tm="0">
-                                          <p:val>
-                                            <p:strVal val="#ppt_y+.1"/>
-                                          </p:val>
-                                        </p:tav>
-                                        <p:tav tm="100000">
-                                          <p:val>
-                                            <p:strVal val="#ppt_y"/>
-                                          </p:val>
-                                        </p:tav>
-                                      </p:tavLst>
-                                    </p:anim>
-                                  </p:childTnLst>
-                                </p:cTn>
-                              </p:par>
-                              <p:par>
-                                <p:cTn id="10" presetID="42" presetClass="entr" presetSubtype="0" fill="hold" nodeType="withEffect">
-                                  <p:stCondLst>
-                                    <p:cond delay="0"/>
-                                  </p:stCondLst>
-                                  <p:childTnLst>
-                                    <p:set>
-                                      <p:cBhvr>
-                                        <p:cTn id="11" dur="1" fill="hold">
-                                          <p:stCondLst>
-                                            <p:cond delay="0"/>
-                                          </p:stCondLst>
-                                        </p:cTn>
-                                        <p:tgtEl>
-                                          <p:spTgt spid="5"/>
-                                        </p:tgtEl>
-                                        <p:attrNameLst>
-                                          <p:attrName>style.visibility</p:attrName>
-                                        </p:attrNameLst>
-                                      </p:cBhvr>
-                                      <p:to>
-                                        <p:strVal val="visible"/>
-                                      </p:to>
-                                    </p:set>
-                                    <p:animEffect transition="in" filter="fade">
-                                      <p:cBhvr>
-                                        <p:cTn id="12" dur="250"/>
-                                        <p:tgtEl>
-                                          <p:spTgt spid="5"/>
-                                        </p:tgtEl>
-                                      </p:cBhvr>
-                                    </p:animEffect>
-                                    <p:anim calcmode="lin" valueType="num">
-                                      <p:cBhvr>
-                                        <p:cTn id="13" dur="250" fill="hold"/>
-                                        <p:tgtEl>
-                                          <p:spTgt spid="5"/>
-                                        </p:tgtEl>
-                                        <p:attrNameLst>
-                                          <p:attrName>ppt_x</p:attrName>
-                                        </p:attrNameLst>
-                                      </p:cBhvr>
-                                      <p:tavLst>
-                                        <p:tav tm="0">
-                                          <p:val>
-                                            <p:strVal val="#ppt_x"/>
-                                          </p:val>
-                                        </p:tav>
-                                        <p:tav tm="100000">
-                                          <p:val>
-                                            <p:strVal val="#ppt_x"/>
-                                          </p:val>
-                                        </p:tav>
-                                      </p:tavLst>
-                                    </p:anim>
-                                    <p:anim calcmode="lin" valueType="num">
-                                      <p:cBhvr>
-                                        <p:cTn id="14" dur="250" fill="hold"/>
-                                        <p:tgtEl>
-                                          <p:spTgt spid="5"/>
                                         </p:tgtEl>
                                         <p:attrNameLst>
                                           <p:attrName>ppt_y</p:attrName>
@@ -12038,13 +11957,13 @@
   <p:clrMapOvr>
     <a:masterClrMapping/>
   </p:clrMapOvr>
-  <mc:AlternateContent xmlns:mc="http://schemas.openxmlformats.org/markup-compatibility/2006">
-    <mc:Choice xmlns:p14="http://schemas.microsoft.com/office/powerpoint/2010/main" Requires="p14">
+  <mc:AlternateContent xmlns:mc="http://schemas.openxmlformats.org/markup-compatibility/2006" xmlns:p14="http://schemas.microsoft.com/office/powerpoint/2010/main">
+    <mc:Choice Requires="p14">
       <p:transition p14:dur="250">
         <p:push dir="u"/>
       </p:transition>
     </mc:Choice>
-    <mc:Fallback>
+    <mc:Fallback xmlns="">
       <p:transition>
         <p:push dir="u"/>
       </p:transition>
@@ -12246,13 +12165,13 @@
   <p:clrMapOvr>
     <a:masterClrMapping/>
   </p:clrMapOvr>
-  <mc:AlternateContent xmlns:mc="http://schemas.openxmlformats.org/markup-compatibility/2006">
-    <mc:Choice xmlns:p14="http://schemas.microsoft.com/office/powerpoint/2010/main" Requires="p14">
+  <mc:AlternateContent xmlns:mc="http://schemas.openxmlformats.org/markup-compatibility/2006" xmlns:p14="http://schemas.microsoft.com/office/powerpoint/2010/main">
+    <mc:Choice Requires="p14">
       <p:transition p14:dur="250">
         <p:push dir="u"/>
       </p:transition>
     </mc:Choice>
-    <mc:Fallback>
+    <mc:Fallback xmlns="">
       <p:transition>
         <p:push dir="u"/>
       </p:transition>
@@ -12709,11 +12628,11 @@
   <p:clrMapOvr>
     <a:masterClrMapping/>
   </p:clrMapOvr>
-  <mc:AlternateContent xmlns:mc="http://schemas.openxmlformats.org/markup-compatibility/2006">
-    <mc:Choice xmlns:p14="http://schemas.microsoft.com/office/powerpoint/2010/main" Requires="p14">
+  <mc:AlternateContent xmlns:mc="http://schemas.openxmlformats.org/markup-compatibility/2006" xmlns:p14="http://schemas.microsoft.com/office/powerpoint/2010/main">
+    <mc:Choice Requires="p14">
       <p:transition p14:dur="0"/>
     </mc:Choice>
-    <mc:Fallback>
+    <mc:Fallback xmlns="">
       <p:transition/>
     </mc:Fallback>
   </mc:AlternateContent>
@@ -12988,13 +12907,13 @@
   <p:clrMapOvr>
     <a:masterClrMapping/>
   </p:clrMapOvr>
-  <mc:AlternateContent xmlns:mc="http://schemas.openxmlformats.org/markup-compatibility/2006">
-    <mc:Choice xmlns:p14="http://schemas.microsoft.com/office/powerpoint/2010/main" Requires="p14">
+  <mc:AlternateContent xmlns:mc="http://schemas.openxmlformats.org/markup-compatibility/2006" xmlns:p14="http://schemas.microsoft.com/office/powerpoint/2010/main">
+    <mc:Choice Requires="p14">
       <p:transition p14:dur="250">
         <p:push dir="u"/>
       </p:transition>
     </mc:Choice>
-    <mc:Fallback>
+    <mc:Fallback xmlns="">
       <p:transition>
         <p:push dir="u"/>
       </p:transition>
@@ -14173,13 +14092,13 @@
   <p:clrMapOvr>
     <a:masterClrMapping/>
   </p:clrMapOvr>
-  <mc:AlternateContent xmlns:mc="http://schemas.openxmlformats.org/markup-compatibility/2006">
-    <mc:Choice xmlns:p14="http://schemas.microsoft.com/office/powerpoint/2010/main" Requires="p14">
+  <mc:AlternateContent xmlns:mc="http://schemas.openxmlformats.org/markup-compatibility/2006" xmlns:p14="http://schemas.microsoft.com/office/powerpoint/2010/main">
+    <mc:Choice Requires="p14">
       <p:transition p14:dur="250">
         <p:push dir="u"/>
       </p:transition>
     </mc:Choice>
-    <mc:Fallback>
+    <mc:Fallback xmlns="">
       <p:transition>
         <p:push dir="u"/>
       </p:transition>
@@ -14288,13 +14207,13 @@
   <p:clrMapOvr>
     <a:masterClrMapping/>
   </p:clrMapOvr>
-  <mc:AlternateContent xmlns:mc="http://schemas.openxmlformats.org/markup-compatibility/2006">
-    <mc:Choice xmlns:p14="http://schemas.microsoft.com/office/powerpoint/2010/main" Requires="p14">
+  <mc:AlternateContent xmlns:mc="http://schemas.openxmlformats.org/markup-compatibility/2006" xmlns:p14="http://schemas.microsoft.com/office/powerpoint/2010/main">
+    <mc:Choice Requires="p14">
       <p:transition p14:dur="250">
         <p:push dir="u"/>
       </p:transition>
     </mc:Choice>
-    <mc:Fallback>
+    <mc:Fallback xmlns="">
       <p:transition>
         <p:push dir="u"/>
       </p:transition>
@@ -19083,18 +19002,7 @@
                 <a:ea typeface="微软雅黑" panose="020B0503020204020204" pitchFamily="34" charset="-122"/>
                 <a:cs typeface="Times New Roman" panose="02020603050405020304" pitchFamily="18" charset="0"/>
               </a:rPr>
-              <a:t>背</a:t>
-            </a:r>
-            <a:r>
-              <a:rPr lang="zh-CN" altLang="en-US" sz="1999" b="1" kern="100" dirty="0" smtClean="0">
-                <a:solidFill>
-                  <a:srgbClr val="545454"/>
-                </a:solidFill>
-                <a:latin typeface="微软雅黑" panose="020B0503020204020204" pitchFamily="34" charset="-122"/>
-                <a:ea typeface="微软雅黑" panose="020B0503020204020204" pitchFamily="34" charset="-122"/>
-                <a:cs typeface="Times New Roman" panose="02020603050405020304" pitchFamily="18" charset="0"/>
-              </a:rPr>
-              <a:t>景</a:t>
+              <a:t>背景</a:t>
             </a:r>
             <a:endParaRPr lang="en-US" altLang="zh-CN" sz="1999" b="1" kern="100" dirty="0" smtClean="0">
               <a:solidFill>
@@ -19443,13 +19351,13 @@
   <p:clrMapOvr>
     <a:masterClrMapping/>
   </p:clrMapOvr>
-  <mc:AlternateContent xmlns:mc="http://schemas.openxmlformats.org/markup-compatibility/2006">
-    <mc:Choice xmlns:p14="http://schemas.microsoft.com/office/powerpoint/2010/main" Requires="p14">
+  <mc:AlternateContent xmlns:mc="http://schemas.openxmlformats.org/markup-compatibility/2006" xmlns:p14="http://schemas.microsoft.com/office/powerpoint/2010/main">
+    <mc:Choice Requires="p14">
       <p:transition p14:dur="250">
         <p:push dir="u"/>
       </p:transition>
     </mc:Choice>
-    <mc:Fallback>
+    <mc:Fallback xmlns="">
       <p:transition>
         <p:push dir="u"/>
       </p:transition>
@@ -19737,13 +19645,13 @@
   <p:clrMapOvr>
     <a:masterClrMapping/>
   </p:clrMapOvr>
-  <mc:AlternateContent xmlns:mc="http://schemas.openxmlformats.org/markup-compatibility/2006">
-    <mc:Choice xmlns:p14="http://schemas.microsoft.com/office/powerpoint/2010/main" Requires="p14">
+  <mc:AlternateContent xmlns:mc="http://schemas.openxmlformats.org/markup-compatibility/2006" xmlns:p14="http://schemas.microsoft.com/office/powerpoint/2010/main">
+    <mc:Choice Requires="p14">
       <p:transition p14:dur="250">
         <p:push dir="u"/>
       </p:transition>
     </mc:Choice>
-    <mc:Fallback>
+    <mc:Fallback xmlns="">
       <p:transition>
         <p:push dir="u"/>
       </p:transition>
@@ -19845,13 +19753,13 @@
   <p:clrMapOvr>
     <a:masterClrMapping/>
   </p:clrMapOvr>
-  <mc:AlternateContent xmlns:mc="http://schemas.openxmlformats.org/markup-compatibility/2006">
-    <mc:Choice xmlns:p14="http://schemas.microsoft.com/office/powerpoint/2010/main" Requires="p14">
+  <mc:AlternateContent xmlns:mc="http://schemas.openxmlformats.org/markup-compatibility/2006" xmlns:p14="http://schemas.microsoft.com/office/powerpoint/2010/main">
+    <mc:Choice Requires="p14">
       <p:transition p14:dur="250">
         <p:push dir="u"/>
       </p:transition>
     </mc:Choice>
-    <mc:Fallback>
+    <mc:Fallback xmlns="">
       <p:transition>
         <p:push dir="u"/>
       </p:transition>
@@ -20082,13 +19990,13 @@
   <p:clrMapOvr>
     <a:masterClrMapping/>
   </p:clrMapOvr>
-  <mc:AlternateContent xmlns:mc="http://schemas.openxmlformats.org/markup-compatibility/2006">
-    <mc:Choice xmlns:p14="http://schemas.microsoft.com/office/powerpoint/2010/main" Requires="p14">
+  <mc:AlternateContent xmlns:mc="http://schemas.openxmlformats.org/markup-compatibility/2006" xmlns:p14="http://schemas.microsoft.com/office/powerpoint/2010/main">
+    <mc:Choice Requires="p14">
       <p:transition p14:dur="250">
         <p:push dir="u"/>
       </p:transition>
     </mc:Choice>
-    <mc:Fallback>
+    <mc:Fallback xmlns="">
       <p:transition>
         <p:push dir="u"/>
       </p:transition>
@@ -21076,13 +20984,13 @@
   <p:clrMapOvr>
     <a:masterClrMapping/>
   </p:clrMapOvr>
-  <mc:AlternateContent xmlns:mc="http://schemas.openxmlformats.org/markup-compatibility/2006">
-    <mc:Choice xmlns:p14="http://schemas.microsoft.com/office/powerpoint/2010/main" Requires="p14">
+  <mc:AlternateContent xmlns:mc="http://schemas.openxmlformats.org/markup-compatibility/2006" xmlns:p14="http://schemas.microsoft.com/office/powerpoint/2010/main">
+    <mc:Choice Requires="p14">
       <p:transition p14:dur="250">
         <p:push dir="u"/>
       </p:transition>
     </mc:Choice>
-    <mc:Fallback>
+    <mc:Fallback xmlns="">
       <p:transition>
         <p:push dir="u"/>
       </p:transition>
@@ -21650,13 +21558,6 @@
               </a:rPr>
               <a:t>化</a:t>
             </a:r>
-            <a:endParaRPr lang="zh-CN" altLang="en-US" sz="2800" b="1" dirty="0">
-              <a:solidFill>
-                <a:srgbClr val="383838"/>
-              </a:solidFill>
-              <a:latin typeface="微软雅黑" panose="020B0503020204020204" pitchFamily="34" charset="-122"/>
-              <a:ea typeface="微软雅黑" panose="020B0503020204020204" pitchFamily="34" charset="-122"/>
-            </a:endParaRPr>
           </a:p>
         </p:txBody>
       </p:sp>
@@ -21670,13 +21571,13 @@
   <p:clrMapOvr>
     <a:masterClrMapping/>
   </p:clrMapOvr>
-  <mc:AlternateContent xmlns:mc="http://schemas.openxmlformats.org/markup-compatibility/2006">
-    <mc:Choice xmlns:p14="http://schemas.microsoft.com/office/powerpoint/2010/main" Requires="p14">
+  <mc:AlternateContent xmlns:mc="http://schemas.openxmlformats.org/markup-compatibility/2006" xmlns:p14="http://schemas.microsoft.com/office/powerpoint/2010/main">
+    <mc:Choice Requires="p14">
       <p:transition p14:dur="250">
         <p:push dir="u"/>
       </p:transition>
     </mc:Choice>
-    <mc:Fallback>
+    <mc:Fallback xmlns="">
       <p:transition>
         <p:push dir="u"/>
       </p:transition>
@@ -22763,13 +22664,13 @@
   <p:clrMapOvr>
     <a:masterClrMapping/>
   </p:clrMapOvr>
-  <mc:AlternateContent xmlns:mc="http://schemas.openxmlformats.org/markup-compatibility/2006">
-    <mc:Choice xmlns:p14="http://schemas.microsoft.com/office/powerpoint/2010/main" Requires="p14">
+  <mc:AlternateContent xmlns:mc="http://schemas.openxmlformats.org/markup-compatibility/2006" xmlns:p14="http://schemas.microsoft.com/office/powerpoint/2010/main">
+    <mc:Choice Requires="p14">
       <p:transition p14:dur="250">
         <p:push dir="u"/>
       </p:transition>
     </mc:Choice>
-    <mc:Fallback>
+    <mc:Fallback xmlns="">
       <p:transition>
         <p:push dir="u"/>
       </p:transition>
@@ -25261,13 +25162,13 @@
   <p:clrMapOvr>
     <a:masterClrMapping/>
   </p:clrMapOvr>
-  <mc:AlternateContent xmlns:mc="http://schemas.openxmlformats.org/markup-compatibility/2006">
-    <mc:Choice xmlns:p14="http://schemas.microsoft.com/office/powerpoint/2010/main" Requires="p14">
+  <mc:AlternateContent xmlns:mc="http://schemas.openxmlformats.org/markup-compatibility/2006" xmlns:p14="http://schemas.microsoft.com/office/powerpoint/2010/main">
+    <mc:Choice Requires="p14">
       <p:transition p14:dur="250">
         <p:push dir="u"/>
       </p:transition>
     </mc:Choice>
-    <mc:Fallback>
+    <mc:Fallback xmlns="">
       <p:transition>
         <p:push dir="u"/>
       </p:transition>
@@ -26052,13 +25953,13 @@
   <p:clrMapOvr>
     <a:masterClrMapping/>
   </p:clrMapOvr>
-  <mc:AlternateContent xmlns:mc="http://schemas.openxmlformats.org/markup-compatibility/2006">
-    <mc:Choice xmlns:p14="http://schemas.microsoft.com/office/powerpoint/2010/main" Requires="p14">
+  <mc:AlternateContent xmlns:mc="http://schemas.openxmlformats.org/markup-compatibility/2006" xmlns:p14="http://schemas.microsoft.com/office/powerpoint/2010/main">
+    <mc:Choice Requires="p14">
       <p:transition p14:dur="250">
         <p:push dir="u"/>
       </p:transition>
     </mc:Choice>
-    <mc:Fallback>
+    <mc:Fallback xmlns="">
       <p:transition>
         <p:push dir="u"/>
       </p:transition>
@@ -26825,13 +26726,13 @@
   <p:clrMapOvr>
     <a:masterClrMapping/>
   </p:clrMapOvr>
-  <mc:AlternateContent xmlns:mc="http://schemas.openxmlformats.org/markup-compatibility/2006">
-    <mc:Choice xmlns:p14="http://schemas.microsoft.com/office/powerpoint/2010/main" Requires="p14">
+  <mc:AlternateContent xmlns:mc="http://schemas.openxmlformats.org/markup-compatibility/2006" xmlns:p14="http://schemas.microsoft.com/office/powerpoint/2010/main">
+    <mc:Choice Requires="p14">
       <p:transition p14:dur="250">
         <p:push dir="u"/>
       </p:transition>
     </mc:Choice>
-    <mc:Fallback>
+    <mc:Fallback xmlns="">
       <p:transition>
         <p:push dir="u"/>
       </p:transition>
@@ -27552,13 +27453,13 @@
   <p:clrMapOvr>
     <a:masterClrMapping/>
   </p:clrMapOvr>
-  <mc:AlternateContent xmlns:mc="http://schemas.openxmlformats.org/markup-compatibility/2006">
-    <mc:Choice xmlns:p14="http://schemas.microsoft.com/office/powerpoint/2010/main" Requires="p14">
+  <mc:AlternateContent xmlns:mc="http://schemas.openxmlformats.org/markup-compatibility/2006" xmlns:p14="http://schemas.microsoft.com/office/powerpoint/2010/main">
+    <mc:Choice Requires="p14">
       <p:transition p14:dur="250">
         <p:push dir="u"/>
       </p:transition>
     </mc:Choice>
-    <mc:Fallback>
+    <mc:Fallback xmlns="">
       <p:transition>
         <p:push dir="u"/>
       </p:transition>

--- a/答辩PPT.pptx
+++ b/答辩PPT.pptx
@@ -5,7 +5,7 @@
     <p:sldMasterId id="2147483648" r:id="rId1"/>
   </p:sldMasterIdLst>
   <p:notesMasterIdLst>
-    <p:notesMasterId r:id="rId24"/>
+    <p:notesMasterId r:id="rId25"/>
   </p:notesMasterIdLst>
   <p:sldIdLst>
     <p:sldId id="278" r:id="rId2"/>
@@ -24,12 +24,13 @@
     <p:sldId id="281" r:id="rId15"/>
     <p:sldId id="272" r:id="rId16"/>
     <p:sldId id="289" r:id="rId17"/>
-    <p:sldId id="288" r:id="rId18"/>
-    <p:sldId id="282" r:id="rId19"/>
-    <p:sldId id="269" r:id="rId20"/>
-    <p:sldId id="277" r:id="rId21"/>
-    <p:sldId id="267" r:id="rId22"/>
-    <p:sldId id="283" r:id="rId23"/>
+    <p:sldId id="290" r:id="rId18"/>
+    <p:sldId id="288" r:id="rId19"/>
+    <p:sldId id="282" r:id="rId20"/>
+    <p:sldId id="269" r:id="rId21"/>
+    <p:sldId id="277" r:id="rId22"/>
+    <p:sldId id="267" r:id="rId23"/>
+    <p:sldId id="283" r:id="rId24"/>
   </p:sldIdLst>
   <p:sldSz cx="12192000" cy="6858000"/>
   <p:notesSz cx="6858000" cy="9144000"/>
@@ -1471,21 +1472,10 @@
                 <a:ea typeface="+mn-ea"/>
                 <a:cs typeface="+mn-cs"/>
               </a:rPr>
-              <a:t>组件之间的低耦合性使得组件之间的影响程度降低，新添加的组件不会影响到原有组件，这符合软件开发中的“对扩展开放、对修改封闭”的开放封闭原则。由于组件的使用要严格遵循接口的协议规定，所以不必担心新增添的组件会失效。以上两点保证了款式设计系统具有一定的扩展性。</a:t>
-            </a:r>
-            <a:endParaRPr lang="en-US" altLang="zh-CN" sz="1200" kern="1200" dirty="0" smtClean="0">
-              <a:solidFill>
-                <a:schemeClr val="tx1"/>
-              </a:solidFill>
-              <a:effectLst/>
-              <a:latin typeface="+mn-lt"/>
-              <a:ea typeface="+mn-ea"/>
-              <a:cs typeface="+mn-cs"/>
-            </a:endParaRPr>
-          </a:p>
-          <a:p>
-            <a:r>
-              <a:rPr lang="zh-CN" altLang="zh-CN" sz="1200" kern="1200" dirty="0" smtClean="0">
+              <a:t>制板规则语言类似于计算机语言中的</a:t>
+            </a:r>
+            <a:r>
+              <a:rPr lang="en-US" altLang="zh-CN" sz="1200" kern="1200" dirty="0" err="1" smtClean="0">
                 <a:solidFill>
                   <a:schemeClr val="tx1"/>
                 </a:solidFill>
@@ -1494,19 +1484,7 @@
                 <a:ea typeface="+mn-ea"/>
                 <a:cs typeface="+mn-cs"/>
               </a:rPr>
-              <a:t>所谓数据是指程序所使用的原始素材，它并非只包括数据库或表格中的数据或者</a:t>
-            </a:r>
-            <a:r>
-              <a:rPr lang="en-US" altLang="zh-CN" sz="1200" kern="1200" dirty="0" smtClean="0">
-                <a:solidFill>
-                  <a:schemeClr val="tx1"/>
-                </a:solidFill>
-                <a:effectLst/>
-                <a:latin typeface="+mn-lt"/>
-                <a:ea typeface="+mn-ea"/>
-                <a:cs typeface="+mn-cs"/>
-              </a:rPr>
-              <a:t>XML</a:t>
+              <a:t>Lua</a:t>
             </a:r>
             <a:r>
               <a:rPr lang="zh-CN" altLang="zh-CN" sz="1200" kern="1200" dirty="0" smtClean="0">
@@ -1530,7 +1508,7 @@
                 <a:ea typeface="+mn-ea"/>
                 <a:cs typeface="+mn-cs"/>
               </a:rPr>
-              <a:t>JSON</a:t>
+              <a:t>Ruby</a:t>
             </a:r>
             <a:r>
               <a:rPr lang="zh-CN" altLang="zh-CN" sz="1200" kern="1200" dirty="0" smtClean="0">
@@ -1542,30 +1520,20 @@
                 <a:ea typeface="+mn-ea"/>
                 <a:cs typeface="+mn-cs"/>
               </a:rPr>
-              <a:t>等格式的数据文件，诸如图像、声音、文本、二进制文件等都是数据。数据驱动是一种软件设计思想，它通过数据的变化控制逻辑走向，系统的界面、显示、算法等都随着数据的改变而改变。数据驱动的方法隔离了软件的数据层和逻辑层，让代码从混乱变得干净，条理更加清晰。</a:t>
-            </a:r>
-            <a:endParaRPr lang="en-US" altLang="zh-CN" sz="1200" kern="1200" dirty="0" smtClean="0">
-              <a:solidFill>
-                <a:schemeClr val="tx1"/>
-              </a:solidFill>
-              <a:effectLst/>
-              <a:latin typeface="+mn-lt"/>
-              <a:ea typeface="+mn-ea"/>
-              <a:cs typeface="+mn-cs"/>
-            </a:endParaRPr>
-          </a:p>
-          <a:p>
-            <a:endParaRPr lang="en-US" altLang="zh-CN" sz="1200" kern="1200" dirty="0" smtClean="0">
-              <a:solidFill>
-                <a:schemeClr val="tx1"/>
-              </a:solidFill>
-              <a:effectLst/>
-              <a:latin typeface="+mn-lt"/>
-              <a:ea typeface="+mn-ea"/>
-              <a:cs typeface="+mn-cs"/>
-            </a:endParaRPr>
-          </a:p>
-          <a:p>
+              <a:t>、</a:t>
+            </a:r>
+            <a:r>
+              <a:rPr lang="en-US" altLang="zh-CN" sz="1200" kern="1200" dirty="0" smtClean="0">
+                <a:solidFill>
+                  <a:schemeClr val="tx1"/>
+                </a:solidFill>
+                <a:effectLst/>
+                <a:latin typeface="+mn-lt"/>
+                <a:ea typeface="+mn-ea"/>
+                <a:cs typeface="+mn-cs"/>
+              </a:rPr>
+              <a:t>JavaScript</a:t>
+            </a:r>
             <a:r>
               <a:rPr lang="zh-CN" altLang="zh-CN" sz="1200" kern="1200" dirty="0" smtClean="0">
                 <a:solidFill>
@@ -1576,81 +1544,17 @@
                 <a:ea typeface="+mn-ea"/>
                 <a:cs typeface="+mn-cs"/>
               </a:rPr>
-              <a:t>如果说廓形是从整体上描述女裤的外观的话，那么部件就是在局部上的描述。通过前期的知识获取工作，本文在设计上将女裤拆分成</a:t>
-            </a:r>
-            <a:r>
-              <a:rPr lang="en-US" altLang="zh-CN" sz="1200" kern="1200" dirty="0" smtClean="0">
-                <a:solidFill>
-                  <a:schemeClr val="tx1"/>
-                </a:solidFill>
-                <a:effectLst/>
-                <a:latin typeface="+mn-lt"/>
-                <a:ea typeface="+mn-ea"/>
-                <a:cs typeface="+mn-cs"/>
-              </a:rPr>
-              <a:t>11</a:t>
-            </a:r>
-            <a:r>
-              <a:rPr lang="zh-CN" altLang="zh-CN" sz="1200" kern="1200" dirty="0" smtClean="0">
-                <a:solidFill>
-                  <a:schemeClr val="tx1"/>
-                </a:solidFill>
-                <a:effectLst/>
-                <a:latin typeface="+mn-lt"/>
-                <a:ea typeface="+mn-ea"/>
-                <a:cs typeface="+mn-cs"/>
-              </a:rPr>
-              <a:t>个局部，分别为：裤长、裤袢、裤脚、腰位、前腰头、后腰头、门襟、前褶省、后褶省、前袋、后袋。每个部位上都有不同的款式部件，</a:t>
-            </a:r>
-            <a:r>
-              <a:rPr lang="en-US" altLang="zh-CN" sz="1200" kern="1200" dirty="0" smtClean="0">
-                <a:solidFill>
-                  <a:schemeClr val="tx1"/>
-                </a:solidFill>
-                <a:effectLst/>
-                <a:latin typeface="+mn-lt"/>
-                <a:ea typeface="+mn-ea"/>
-                <a:cs typeface="+mn-cs"/>
-              </a:rPr>
-              <a:t>11</a:t>
-            </a:r>
-            <a:r>
-              <a:rPr lang="zh-CN" altLang="zh-CN" sz="1200" kern="1200" dirty="0" smtClean="0">
-                <a:solidFill>
-                  <a:schemeClr val="tx1"/>
-                </a:solidFill>
-                <a:effectLst/>
-                <a:latin typeface="+mn-lt"/>
-                <a:ea typeface="+mn-ea"/>
-                <a:cs typeface="+mn-cs"/>
-              </a:rPr>
-              <a:t>个不同部位的</a:t>
-            </a:r>
-            <a:r>
-              <a:rPr lang="en-US" altLang="zh-CN" sz="1200" kern="1200" dirty="0" smtClean="0">
-                <a:solidFill>
-                  <a:schemeClr val="tx1"/>
-                </a:solidFill>
-                <a:effectLst/>
-                <a:latin typeface="+mn-lt"/>
-                <a:ea typeface="+mn-ea"/>
-                <a:cs typeface="+mn-cs"/>
-              </a:rPr>
-              <a:t>11</a:t>
-            </a:r>
-            <a:r>
-              <a:rPr lang="zh-CN" altLang="zh-CN" sz="1200" kern="1200" dirty="0" smtClean="0">
-                <a:solidFill>
-                  <a:schemeClr val="tx1"/>
-                </a:solidFill>
-                <a:effectLst/>
-                <a:latin typeface="+mn-lt"/>
-                <a:ea typeface="+mn-ea"/>
-                <a:cs typeface="+mn-cs"/>
-              </a:rPr>
-              <a:t>个部件组合在一起就构成了一条完整的女裤。用计算机程序的视角来看，每个局部都是接口，是固定的、已知的、标准化的；而款式部件则是与接口配套的组件，每个组件都适用于某个接口，一个接口可以对应任意多个组件。</a:t>
-            </a:r>
-            <a:endParaRPr lang="zh-CN" altLang="en-US" dirty="0"/>
+              <a:t>这样的动态、解释型的脚本语言，一个自定义的制板规则就相当于是一个模块，可以被其他模块引用。所有这样的模块就是一个个的文件，它们共同组成了制板知识的数据库，并且可以随时修改和增添新的模块，实现制板规则和方法的更新迭代。</a:t>
+            </a:r>
+            <a:endParaRPr lang="zh-CN" altLang="zh-CN" sz="1200" kern="1200" dirty="0">
+              <a:solidFill>
+                <a:schemeClr val="tx1"/>
+              </a:solidFill>
+              <a:effectLst/>
+              <a:latin typeface="+mn-lt"/>
+              <a:ea typeface="+mn-ea"/>
+              <a:cs typeface="+mn-cs"/>
+            </a:endParaRPr>
           </a:p>
         </p:txBody>
       </p:sp>
@@ -1680,7 +1584,7 @@
     </p:spTree>
     <p:extLst>
       <p:ext uri="{BB962C8B-B14F-4D97-AF65-F5344CB8AC3E}">
-        <p14:creationId xmlns:p14="http://schemas.microsoft.com/office/powerpoint/2010/main" val="875105315"/>
+        <p14:creationId xmlns:p14="http://schemas.microsoft.com/office/powerpoint/2010/main" val="1997423502"/>
       </p:ext>
     </p:extLst>
   </p:cSld>
@@ -1734,6 +1638,195 @@
           <a:bodyPr/>
           <a:lstStyle/>
           <a:p>
+            <a:r>
+              <a:rPr lang="zh-CN" altLang="zh-CN" sz="1200" kern="1200" dirty="0" smtClean="0">
+                <a:solidFill>
+                  <a:schemeClr val="tx1"/>
+                </a:solidFill>
+                <a:effectLst/>
+                <a:latin typeface="+mn-lt"/>
+                <a:ea typeface="+mn-ea"/>
+                <a:cs typeface="+mn-cs"/>
+              </a:rPr>
+              <a:t>组件之间的低耦合性使得组件之间的影响程度降低，新添加的组件不会影响到原有组件，这符合软件开发中的“对扩展开放、对修改封闭”的开放封闭原则。由于组件的使用要严格遵循接口的协议规定，所以不必担心新增添的组件会失效。以上两点保证了款式设计系统具有一定的扩展性。</a:t>
+            </a:r>
+            <a:endParaRPr lang="en-US" altLang="zh-CN" sz="1200" kern="1200" dirty="0" smtClean="0">
+              <a:solidFill>
+                <a:schemeClr val="tx1"/>
+              </a:solidFill>
+              <a:effectLst/>
+              <a:latin typeface="+mn-lt"/>
+              <a:ea typeface="+mn-ea"/>
+              <a:cs typeface="+mn-cs"/>
+            </a:endParaRPr>
+          </a:p>
+          <a:p>
+            <a:r>
+              <a:rPr lang="zh-CN" altLang="zh-CN" sz="1200" kern="1200" dirty="0" smtClean="0">
+                <a:solidFill>
+                  <a:schemeClr val="tx1"/>
+                </a:solidFill>
+                <a:effectLst/>
+                <a:latin typeface="+mn-lt"/>
+                <a:ea typeface="+mn-ea"/>
+                <a:cs typeface="+mn-cs"/>
+              </a:rPr>
+              <a:t>所谓数据是指程序所使用的原始素材，它并非只包括数据库或表格中的数据或者</a:t>
+            </a:r>
+            <a:r>
+              <a:rPr lang="en-US" altLang="zh-CN" sz="1200" kern="1200" dirty="0" smtClean="0">
+                <a:solidFill>
+                  <a:schemeClr val="tx1"/>
+                </a:solidFill>
+                <a:effectLst/>
+                <a:latin typeface="+mn-lt"/>
+                <a:ea typeface="+mn-ea"/>
+                <a:cs typeface="+mn-cs"/>
+              </a:rPr>
+              <a:t>XML</a:t>
+            </a:r>
+            <a:r>
+              <a:rPr lang="zh-CN" altLang="zh-CN" sz="1200" kern="1200" dirty="0" smtClean="0">
+                <a:solidFill>
+                  <a:schemeClr val="tx1"/>
+                </a:solidFill>
+                <a:effectLst/>
+                <a:latin typeface="+mn-lt"/>
+                <a:ea typeface="+mn-ea"/>
+                <a:cs typeface="+mn-cs"/>
+              </a:rPr>
+              <a:t>、</a:t>
+            </a:r>
+            <a:r>
+              <a:rPr lang="en-US" altLang="zh-CN" sz="1200" kern="1200" dirty="0" smtClean="0">
+                <a:solidFill>
+                  <a:schemeClr val="tx1"/>
+                </a:solidFill>
+                <a:effectLst/>
+                <a:latin typeface="+mn-lt"/>
+                <a:ea typeface="+mn-ea"/>
+                <a:cs typeface="+mn-cs"/>
+              </a:rPr>
+              <a:t>JSON</a:t>
+            </a:r>
+            <a:r>
+              <a:rPr lang="zh-CN" altLang="zh-CN" sz="1200" kern="1200" dirty="0" smtClean="0">
+                <a:solidFill>
+                  <a:schemeClr val="tx1"/>
+                </a:solidFill>
+                <a:effectLst/>
+                <a:latin typeface="+mn-lt"/>
+                <a:ea typeface="+mn-ea"/>
+                <a:cs typeface="+mn-cs"/>
+              </a:rPr>
+              <a:t>等格式的数据文件，诸如图像、声音、文本、二进制文件等都是数据。数据驱动是一种软件设计思想，它通过数据的变化控制逻辑走向，系统的界面、显示、算法等都随着数据的改变而改变。数据驱动的方法隔离了软件的数据层和逻辑层，让代码从混乱变得干净，条理更加清晰。</a:t>
+            </a:r>
+            <a:endParaRPr lang="en-US" altLang="zh-CN" sz="1200" kern="1200" dirty="0" smtClean="0">
+              <a:solidFill>
+                <a:schemeClr val="tx1"/>
+              </a:solidFill>
+              <a:effectLst/>
+              <a:latin typeface="+mn-lt"/>
+              <a:ea typeface="+mn-ea"/>
+              <a:cs typeface="+mn-cs"/>
+            </a:endParaRPr>
+          </a:p>
+          <a:p>
+            <a:endParaRPr lang="en-US" altLang="zh-CN" sz="1200" kern="1200" dirty="0" smtClean="0">
+              <a:solidFill>
+                <a:schemeClr val="tx1"/>
+              </a:solidFill>
+              <a:effectLst/>
+              <a:latin typeface="+mn-lt"/>
+              <a:ea typeface="+mn-ea"/>
+              <a:cs typeface="+mn-cs"/>
+            </a:endParaRPr>
+          </a:p>
+          <a:p>
+            <a:r>
+              <a:rPr lang="zh-CN" altLang="zh-CN" sz="1200" kern="1200" dirty="0" smtClean="0">
+                <a:solidFill>
+                  <a:schemeClr val="tx1"/>
+                </a:solidFill>
+                <a:effectLst/>
+                <a:latin typeface="+mn-lt"/>
+                <a:ea typeface="+mn-ea"/>
+                <a:cs typeface="+mn-cs"/>
+              </a:rPr>
+              <a:t>如果说廓形是从整体上描述女裤的外观的话，那么部件就是在局部上的描述。通过前期的知识获取工作，本文在设计上将女裤拆分成</a:t>
+            </a:r>
+            <a:r>
+              <a:rPr lang="en-US" altLang="zh-CN" sz="1200" kern="1200" dirty="0" smtClean="0">
+                <a:solidFill>
+                  <a:schemeClr val="tx1"/>
+                </a:solidFill>
+                <a:effectLst/>
+                <a:latin typeface="+mn-lt"/>
+                <a:ea typeface="+mn-ea"/>
+                <a:cs typeface="+mn-cs"/>
+              </a:rPr>
+              <a:t>11</a:t>
+            </a:r>
+            <a:r>
+              <a:rPr lang="zh-CN" altLang="zh-CN" sz="1200" kern="1200" dirty="0" smtClean="0">
+                <a:solidFill>
+                  <a:schemeClr val="tx1"/>
+                </a:solidFill>
+                <a:effectLst/>
+                <a:latin typeface="+mn-lt"/>
+                <a:ea typeface="+mn-ea"/>
+                <a:cs typeface="+mn-cs"/>
+              </a:rPr>
+              <a:t>个局部，分别为：裤长、裤袢、裤脚、腰位、前腰头、后腰头、门襟、前褶省、后褶省、前袋、后袋。每个部位上都有不同的款式部件，</a:t>
+            </a:r>
+            <a:r>
+              <a:rPr lang="en-US" altLang="zh-CN" sz="1200" kern="1200" dirty="0" smtClean="0">
+                <a:solidFill>
+                  <a:schemeClr val="tx1"/>
+                </a:solidFill>
+                <a:effectLst/>
+                <a:latin typeface="+mn-lt"/>
+                <a:ea typeface="+mn-ea"/>
+                <a:cs typeface="+mn-cs"/>
+              </a:rPr>
+              <a:t>11</a:t>
+            </a:r>
+            <a:r>
+              <a:rPr lang="zh-CN" altLang="zh-CN" sz="1200" kern="1200" dirty="0" smtClean="0">
+                <a:solidFill>
+                  <a:schemeClr val="tx1"/>
+                </a:solidFill>
+                <a:effectLst/>
+                <a:latin typeface="+mn-lt"/>
+                <a:ea typeface="+mn-ea"/>
+                <a:cs typeface="+mn-cs"/>
+              </a:rPr>
+              <a:t>个不同部位的</a:t>
+            </a:r>
+            <a:r>
+              <a:rPr lang="en-US" altLang="zh-CN" sz="1200" kern="1200" dirty="0" smtClean="0">
+                <a:solidFill>
+                  <a:schemeClr val="tx1"/>
+                </a:solidFill>
+                <a:effectLst/>
+                <a:latin typeface="+mn-lt"/>
+                <a:ea typeface="+mn-ea"/>
+                <a:cs typeface="+mn-cs"/>
+              </a:rPr>
+              <a:t>11</a:t>
+            </a:r>
+            <a:r>
+              <a:rPr lang="zh-CN" altLang="zh-CN" sz="1200" kern="1200" dirty="0" smtClean="0">
+                <a:solidFill>
+                  <a:schemeClr val="tx1"/>
+                </a:solidFill>
+                <a:effectLst/>
+                <a:latin typeface="+mn-lt"/>
+                <a:ea typeface="+mn-ea"/>
+                <a:cs typeface="+mn-cs"/>
+              </a:rPr>
+              <a:t>个部件组合在一起就构成了一条完整的女裤。用计算机程序的视角来看，每个局部都是接口，是固定的、已知的、标准化的；而款式部件则是与接口配套的组件，每个组件都适用于某个接口，一个接口可以对应任意多个组件。</a:t>
+            </a:r>
             <a:endParaRPr lang="zh-CN" altLang="en-US" dirty="0"/>
           </a:p>
         </p:txBody>
@@ -1753,7 +1846,7 @@
           <a:bodyPr/>
           <a:lstStyle/>
           <a:p>
-            <a:fld id="{FE5ACBAC-C8EB-45CA-967B-DC24F1263EAE}" type="slidenum">
+            <a:fld id="{0F146AA8-6DE6-4C34-92C5-7E268807DE7D}" type="slidenum">
               <a:rPr lang="zh-CN" altLang="en-US" smtClean="0"/>
               <a:t>18</a:t>
             </a:fld>
@@ -1764,7 +1857,7 @@
     </p:spTree>
     <p:extLst>
       <p:ext uri="{BB962C8B-B14F-4D97-AF65-F5344CB8AC3E}">
-        <p14:creationId xmlns:p14="http://schemas.microsoft.com/office/powerpoint/2010/main" val="1394660649"/>
+        <p14:creationId xmlns:p14="http://schemas.microsoft.com/office/powerpoint/2010/main" val="875105315"/>
       </p:ext>
     </p:extLst>
   </p:cSld>
@@ -1839,7 +1932,91 @@
           <a:p>
             <a:fld id="{FE5ACBAC-C8EB-45CA-967B-DC24F1263EAE}" type="slidenum">
               <a:rPr lang="zh-CN" altLang="en-US" smtClean="0"/>
-              <a:t>22</a:t>
+              <a:t>19</a:t>
+            </a:fld>
+            <a:endParaRPr lang="zh-CN" altLang="en-US"/>
+          </a:p>
+        </p:txBody>
+      </p:sp>
+    </p:spTree>
+    <p:extLst>
+      <p:ext uri="{BB962C8B-B14F-4D97-AF65-F5344CB8AC3E}">
+        <p14:creationId xmlns:p14="http://schemas.microsoft.com/office/powerpoint/2010/main" val="1394660649"/>
+      </p:ext>
+    </p:extLst>
+  </p:cSld>
+  <p:clrMapOvr>
+    <a:masterClrMapping/>
+  </p:clrMapOvr>
+</p:notes>
+</file>
+
+<file path=ppt/notesSlides/notesSlide18.xml><?xml version="1.0" encoding="utf-8"?>
+<p:notes xmlns:a="http://schemas.openxmlformats.org/drawingml/2006/main" xmlns:r="http://schemas.openxmlformats.org/officeDocument/2006/relationships" xmlns:p="http://schemas.openxmlformats.org/presentationml/2006/main">
+  <p:cSld>
+    <p:spTree>
+      <p:nvGrpSpPr>
+        <p:cNvPr id="1" name=""/>
+        <p:cNvGrpSpPr/>
+        <p:nvPr/>
+      </p:nvGrpSpPr>
+      <p:grpSpPr>
+        <a:xfrm>
+          <a:off x="0" y="0"/>
+          <a:ext cx="0" cy="0"/>
+          <a:chOff x="0" y="0"/>
+          <a:chExt cx="0" cy="0"/>
+        </a:xfrm>
+      </p:grpSpPr>
+      <p:sp>
+        <p:nvSpPr>
+          <p:cNvPr id="2" name="幻灯片图像占位符 1"/>
+          <p:cNvSpPr>
+            <a:spLocks noGrp="1" noRot="1" noChangeAspect="1"/>
+          </p:cNvSpPr>
+          <p:nvPr>
+            <p:ph type="sldImg"/>
+          </p:nvPr>
+        </p:nvSpPr>
+        <p:spPr/>
+      </p:sp>
+      <p:sp>
+        <p:nvSpPr>
+          <p:cNvPr id="3" name="备注占位符 2"/>
+          <p:cNvSpPr>
+            <a:spLocks noGrp="1"/>
+          </p:cNvSpPr>
+          <p:nvPr>
+            <p:ph type="body" idx="1"/>
+          </p:nvPr>
+        </p:nvSpPr>
+        <p:spPr/>
+        <p:txBody>
+          <a:bodyPr/>
+          <a:lstStyle/>
+          <a:p>
+            <a:endParaRPr lang="zh-CN" altLang="en-US" dirty="0"/>
+          </a:p>
+        </p:txBody>
+      </p:sp>
+      <p:sp>
+        <p:nvSpPr>
+          <p:cNvPr id="4" name="灯片编号占位符 3"/>
+          <p:cNvSpPr>
+            <a:spLocks noGrp="1"/>
+          </p:cNvSpPr>
+          <p:nvPr>
+            <p:ph type="sldNum" sz="quarter" idx="10"/>
+          </p:nvPr>
+        </p:nvSpPr>
+        <p:spPr/>
+        <p:txBody>
+          <a:bodyPr/>
+          <a:lstStyle/>
+          <a:p>
+            <a:fld id="{FE5ACBAC-C8EB-45CA-967B-DC24F1263EAE}" type="slidenum">
+              <a:rPr lang="zh-CN" altLang="en-US" smtClean="0"/>
+              <a:t>23</a:t>
             </a:fld>
             <a:endParaRPr lang="zh-CN" altLang="en-US"/>
           </a:p>
@@ -12628,11 +12805,11 @@
   <p:clrMapOvr>
     <a:masterClrMapping/>
   </p:clrMapOvr>
-  <mc:AlternateContent xmlns:mc="http://schemas.openxmlformats.org/markup-compatibility/2006" xmlns:p14="http://schemas.microsoft.com/office/powerpoint/2010/main">
-    <mc:Choice Requires="p14">
-      <p:transition p14:dur="0"/>
+  <mc:AlternateContent xmlns:mc="http://schemas.openxmlformats.org/markup-compatibility/2006">
+    <mc:Choice xmlns:p14="http://schemas.microsoft.com/office/powerpoint/2010/main" Requires="p14">
+      <p:transition p14:dur="10"/>
     </mc:Choice>
-    <mc:Fallback xmlns="">
+    <mc:Fallback>
       <p:transition/>
     </mc:Fallback>
   </mc:AlternateContent>
@@ -12647,6 +12824,726 @@
 </file>
 
 <file path=ppt/slides/slide17.xml><?xml version="1.0" encoding="utf-8"?>
+<p:sld xmlns:a="http://schemas.openxmlformats.org/drawingml/2006/main" xmlns:r="http://schemas.openxmlformats.org/officeDocument/2006/relationships" xmlns:p="http://schemas.openxmlformats.org/presentationml/2006/main">
+  <p:cSld>
+    <p:spTree>
+      <p:nvGrpSpPr>
+        <p:cNvPr id="1" name=""/>
+        <p:cNvGrpSpPr/>
+        <p:nvPr/>
+      </p:nvGrpSpPr>
+      <p:grpSpPr>
+        <a:xfrm>
+          <a:off x="0" y="0"/>
+          <a:ext cx="0" cy="0"/>
+          <a:chOff x="0" y="0"/>
+          <a:chExt cx="0" cy="0"/>
+        </a:xfrm>
+      </p:grpSpPr>
+      <p:pic>
+        <p:nvPicPr>
+          <p:cNvPr id="2" name="图片 1" descr="答辩PPT图集"/>
+          <p:cNvPicPr>
+            <a:picLocks noChangeAspect="1"/>
+          </p:cNvPicPr>
+          <p:nvPr/>
+        </p:nvPicPr>
+        <p:blipFill>
+          <a:blip r:embed="rId3"/>
+          <a:stretch>
+            <a:fillRect/>
+          </a:stretch>
+        </p:blipFill>
+        <p:spPr>
+          <a:xfrm>
+            <a:off x="11137900" y="5930265"/>
+            <a:ext cx="1054100" cy="927735"/>
+          </a:xfrm>
+          <a:prstGeom prst="rect">
+            <a:avLst/>
+          </a:prstGeom>
+        </p:spPr>
+      </p:pic>
+      <p:sp>
+        <p:nvSpPr>
+          <p:cNvPr id="4" name="圆角矩形 3"/>
+          <p:cNvSpPr/>
+          <p:nvPr/>
+        </p:nvSpPr>
+        <p:spPr>
+          <a:xfrm>
+            <a:off x="4181650" y="427590"/>
+            <a:ext cx="4190998" cy="976141"/>
+          </a:xfrm>
+          <a:prstGeom prst="roundRect">
+            <a:avLst/>
+          </a:prstGeom>
+          <a:solidFill>
+            <a:srgbClr val="383838"/>
+          </a:solidFill>
+          <a:ln>
+            <a:noFill/>
+          </a:ln>
+        </p:spPr>
+        <p:style>
+          <a:lnRef idx="2">
+            <a:schemeClr val="accent1">
+              <a:shade val="50000"/>
+            </a:schemeClr>
+          </a:lnRef>
+          <a:fillRef idx="1">
+            <a:schemeClr val="accent1"/>
+          </a:fillRef>
+          <a:effectRef idx="0">
+            <a:schemeClr val="accent1"/>
+          </a:effectRef>
+          <a:fontRef idx="minor">
+            <a:schemeClr val="lt1"/>
+          </a:fontRef>
+        </p:style>
+        <p:txBody>
+          <a:bodyPr rtlCol="0" anchor="ctr"/>
+          <a:lstStyle/>
+          <a:p>
+            <a:pPr algn="ctr"/>
+            <a:r>
+              <a:rPr lang="zh-CN" altLang="en-US" sz="2800" dirty="0" smtClean="0">
+                <a:latin typeface="微软雅黑" panose="020B0503020204020204" pitchFamily="34" charset="-122"/>
+                <a:ea typeface="微软雅黑" panose="020B0503020204020204" pitchFamily="34" charset="-122"/>
+              </a:rPr>
+              <a:t>制板规则 </a:t>
+            </a:r>
+            <a:r>
+              <a:rPr lang="en-US" altLang="zh-CN" sz="2800" dirty="0" smtClean="0">
+                <a:latin typeface="微软雅黑" panose="020B0503020204020204" pitchFamily="34" charset="-122"/>
+                <a:ea typeface="微软雅黑" panose="020B0503020204020204" pitchFamily="34" charset="-122"/>
+              </a:rPr>
+              <a:t>DSL</a:t>
+            </a:r>
+            <a:endParaRPr lang="zh-CN" altLang="en-US" sz="2800" dirty="0">
+              <a:latin typeface="微软雅黑" panose="020B0503020204020204" pitchFamily="34" charset="-122"/>
+              <a:ea typeface="微软雅黑" panose="020B0503020204020204" pitchFamily="34" charset="-122"/>
+            </a:endParaRPr>
+          </a:p>
+        </p:txBody>
+      </p:sp>
+      <p:sp>
+        <p:nvSpPr>
+          <p:cNvPr id="7" name="矩形 6"/>
+          <p:cNvSpPr/>
+          <p:nvPr/>
+        </p:nvSpPr>
+        <p:spPr>
+          <a:xfrm>
+            <a:off x="462963" y="2198561"/>
+            <a:ext cx="4090334" cy="2862322"/>
+          </a:xfrm>
+          <a:prstGeom prst="rect">
+            <a:avLst/>
+          </a:prstGeom>
+        </p:spPr>
+        <p:txBody>
+          <a:bodyPr wrap="square">
+            <a:spAutoFit/>
+          </a:bodyPr>
+          <a:lstStyle/>
+          <a:p>
+            <a:pPr algn="just">
+              <a:lnSpc>
+                <a:spcPct val="150000"/>
+              </a:lnSpc>
+            </a:pPr>
+            <a:r>
+              <a:rPr lang="zh-CN" altLang="en-US" sz="2400" dirty="0">
+                <a:solidFill>
+                  <a:srgbClr val="383838"/>
+                </a:solidFill>
+                <a:latin typeface="微软雅黑" panose="020B0503020204020204" pitchFamily="34" charset="-122"/>
+                <a:ea typeface="微软雅黑" panose="020B0503020204020204" pitchFamily="34" charset="-122"/>
+              </a:rPr>
+              <a:t>规则 </a:t>
+            </a:r>
+            <a:r>
+              <a:rPr lang="zh-CN" altLang="en-US" sz="2400" dirty="0">
+                <a:solidFill>
+                  <a:srgbClr val="383838"/>
+                </a:solidFill>
+                <a:latin typeface="仿宋" panose="02010609060101010101" pitchFamily="49" charset="-122"/>
+                <a:ea typeface="仿宋" panose="02010609060101010101" pitchFamily="49" charset="-122"/>
+              </a:rPr>
+              <a:t>规则名和描述</a:t>
+            </a:r>
+          </a:p>
+          <a:p>
+            <a:pPr algn="just">
+              <a:lnSpc>
+                <a:spcPct val="150000"/>
+              </a:lnSpc>
+            </a:pPr>
+            <a:r>
+              <a:rPr lang="zh-CN" altLang="en-US" sz="2400" dirty="0">
+                <a:solidFill>
+                  <a:srgbClr val="383838"/>
+                </a:solidFill>
+                <a:latin typeface="微软雅黑" panose="020B0503020204020204" pitchFamily="34" charset="-122"/>
+                <a:ea typeface="微软雅黑" panose="020B0503020204020204" pitchFamily="34" charset="-122"/>
+              </a:rPr>
+              <a:t>输入 </a:t>
+            </a:r>
+            <a:r>
+              <a:rPr lang="zh-CN" altLang="en-US" sz="2400" dirty="0">
+                <a:solidFill>
+                  <a:srgbClr val="383838"/>
+                </a:solidFill>
+                <a:latin typeface="仿宋" panose="02010609060101010101" pitchFamily="49" charset="-122"/>
+                <a:ea typeface="仿宋" panose="02010609060101010101" pitchFamily="49" charset="-122"/>
+              </a:rPr>
+              <a:t>实体类型 实体名</a:t>
+            </a:r>
+          </a:p>
+          <a:p>
+            <a:pPr algn="just">
+              <a:lnSpc>
+                <a:spcPct val="150000"/>
+              </a:lnSpc>
+            </a:pPr>
+            <a:r>
+              <a:rPr lang="zh-CN" altLang="en-US" sz="2400" dirty="0">
+                <a:solidFill>
+                  <a:srgbClr val="383838"/>
+                </a:solidFill>
+                <a:latin typeface="微软雅黑" panose="020B0503020204020204" pitchFamily="34" charset="-122"/>
+                <a:ea typeface="微软雅黑" panose="020B0503020204020204" pitchFamily="34" charset="-122"/>
+              </a:rPr>
+              <a:t>输入 </a:t>
+            </a:r>
+            <a:r>
+              <a:rPr lang="zh-CN" altLang="en-US" sz="2400" dirty="0">
+                <a:solidFill>
+                  <a:srgbClr val="383838"/>
+                </a:solidFill>
+                <a:latin typeface="仿宋" panose="02010609060101010101" pitchFamily="49" charset="-122"/>
+                <a:ea typeface="仿宋" panose="02010609060101010101" pitchFamily="49" charset="-122"/>
+              </a:rPr>
+              <a:t>实体类型 实体名</a:t>
+            </a:r>
+          </a:p>
+          <a:p>
+            <a:pPr algn="just">
+              <a:lnSpc>
+                <a:spcPct val="150000"/>
+              </a:lnSpc>
+            </a:pPr>
+            <a:r>
+              <a:rPr lang="zh-CN" altLang="en-US" sz="2400" dirty="0">
+                <a:solidFill>
+                  <a:srgbClr val="383838"/>
+                </a:solidFill>
+                <a:latin typeface="仿宋" panose="02010609060101010101" pitchFamily="49" charset="-122"/>
+                <a:ea typeface="仿宋" panose="02010609060101010101" pitchFamily="49" charset="-122"/>
+              </a:rPr>
+              <a:t>规则体</a:t>
+            </a:r>
+          </a:p>
+          <a:p>
+            <a:pPr algn="just">
+              <a:lnSpc>
+                <a:spcPct val="150000"/>
+              </a:lnSpc>
+            </a:pPr>
+            <a:r>
+              <a:rPr lang="zh-CN" altLang="en-US" sz="2400" dirty="0">
+                <a:solidFill>
+                  <a:srgbClr val="383838"/>
+                </a:solidFill>
+                <a:latin typeface="微软雅黑" panose="020B0503020204020204" pitchFamily="34" charset="-122"/>
+                <a:ea typeface="微软雅黑" panose="020B0503020204020204" pitchFamily="34" charset="-122"/>
+              </a:rPr>
+              <a:t>输出 </a:t>
+            </a:r>
+            <a:r>
+              <a:rPr lang="zh-CN" altLang="en-US" sz="2400" dirty="0">
+                <a:solidFill>
+                  <a:srgbClr val="383838"/>
+                </a:solidFill>
+                <a:latin typeface="仿宋" panose="02010609060101010101" pitchFamily="49" charset="-122"/>
+                <a:ea typeface="仿宋" panose="02010609060101010101" pitchFamily="49" charset="-122"/>
+              </a:rPr>
+              <a:t>实体名</a:t>
+            </a:r>
+            <a:r>
+              <a:rPr lang="zh-CN" altLang="en-US" sz="2400" dirty="0">
+                <a:solidFill>
+                  <a:srgbClr val="383838"/>
+                </a:solidFill>
+                <a:latin typeface="微软雅黑" panose="020B0503020204020204" pitchFamily="34" charset="-122"/>
+                <a:ea typeface="微软雅黑" panose="020B0503020204020204" pitchFamily="34" charset="-122"/>
+              </a:rPr>
+              <a:t> </a:t>
+            </a:r>
+            <a:r>
+              <a:rPr lang="en-US" altLang="zh-CN" sz="2400" dirty="0">
+                <a:solidFill>
+                  <a:srgbClr val="383838"/>
+                </a:solidFill>
+                <a:latin typeface="微软雅黑" panose="020B0503020204020204" pitchFamily="34" charset="-122"/>
+                <a:ea typeface="微软雅黑" panose="020B0503020204020204" pitchFamily="34" charset="-122"/>
+              </a:rPr>
+              <a:t>&amp; </a:t>
+            </a:r>
+            <a:r>
+              <a:rPr lang="zh-CN" altLang="en-US" sz="2400" dirty="0">
+                <a:solidFill>
+                  <a:srgbClr val="383838"/>
+                </a:solidFill>
+                <a:latin typeface="仿宋" panose="02010609060101010101" pitchFamily="49" charset="-122"/>
+                <a:ea typeface="仿宋" panose="02010609060101010101" pitchFamily="49" charset="-122"/>
+              </a:rPr>
+              <a:t>实体名</a:t>
+            </a:r>
+            <a:r>
+              <a:rPr lang="zh-CN" altLang="en-US" sz="2400" dirty="0">
+                <a:solidFill>
+                  <a:srgbClr val="383838"/>
+                </a:solidFill>
+                <a:latin typeface="微软雅黑" panose="020B0503020204020204" pitchFamily="34" charset="-122"/>
+                <a:ea typeface="微软雅黑" panose="020B0503020204020204" pitchFamily="34" charset="-122"/>
+              </a:rPr>
+              <a:t> </a:t>
+            </a:r>
+            <a:r>
+              <a:rPr lang="en-US" altLang="zh-CN" sz="2400" dirty="0">
+                <a:solidFill>
+                  <a:srgbClr val="383838"/>
+                </a:solidFill>
+                <a:latin typeface="微软雅黑" panose="020B0503020204020204" pitchFamily="34" charset="-122"/>
+                <a:ea typeface="微软雅黑" panose="020B0503020204020204" pitchFamily="34" charset="-122"/>
+              </a:rPr>
+              <a:t>&amp; </a:t>
+            </a:r>
+            <a:r>
+              <a:rPr lang="en-US" altLang="zh-CN" sz="2400" dirty="0">
+                <a:solidFill>
+                  <a:srgbClr val="383838"/>
+                </a:solidFill>
+                <a:latin typeface="仿宋" panose="02010609060101010101" pitchFamily="49" charset="-122"/>
+                <a:ea typeface="仿宋" panose="02010609060101010101" pitchFamily="49" charset="-122"/>
+              </a:rPr>
+              <a:t>...</a:t>
+            </a:r>
+          </a:p>
+        </p:txBody>
+      </p:sp>
+      <p:sp>
+        <p:nvSpPr>
+          <p:cNvPr id="3" name="矩形 2"/>
+          <p:cNvSpPr/>
+          <p:nvPr/>
+        </p:nvSpPr>
+        <p:spPr>
+          <a:xfrm>
+            <a:off x="5041900" y="1556818"/>
+            <a:ext cx="6096000" cy="5078313"/>
+          </a:xfrm>
+          <a:prstGeom prst="rect">
+            <a:avLst/>
+          </a:prstGeom>
+        </p:spPr>
+        <p:txBody>
+          <a:bodyPr>
+            <a:spAutoFit/>
+          </a:bodyPr>
+          <a:lstStyle/>
+          <a:p>
+            <a:r>
+              <a:rPr lang="zh-CN" altLang="en-US" dirty="0"/>
+              <a:t>规则 前片单省</a:t>
+            </a:r>
+          </a:p>
+          <a:p>
+            <a:endParaRPr lang="zh-CN" altLang="en-US" dirty="0"/>
+          </a:p>
+          <a:p>
+            <a:r>
+              <a:rPr lang="zh-CN" altLang="en-US" dirty="0"/>
+              <a:t>输入 直线 ef</a:t>
+            </a:r>
+          </a:p>
+          <a:p>
+            <a:r>
+              <a:rPr lang="zh-CN" altLang="en-US" dirty="0"/>
+              <a:t>输入 直线 no</a:t>
+            </a:r>
+          </a:p>
+          <a:p>
+            <a:r>
+              <a:rPr lang="zh-CN" altLang="en-US" dirty="0"/>
+              <a:t>输入 直线 ij</a:t>
+            </a:r>
+          </a:p>
+          <a:p>
+            <a:r>
+              <a:rPr lang="zh-CN" altLang="en-US" dirty="0"/>
+              <a:t>输入 参数 w_s</a:t>
+            </a:r>
+          </a:p>
+          <a:p>
+            <a:endParaRPr lang="zh-CN" altLang="en-US" dirty="0"/>
+          </a:p>
+          <a:p>
+            <a:r>
+              <a:rPr lang="zh-CN" altLang="en-US" dirty="0"/>
+              <a:t>点 r = 求交点(ef, no)</a:t>
+            </a:r>
+          </a:p>
+          <a:p>
+            <a:r>
+              <a:rPr lang="zh-CN" altLang="en-US" dirty="0"/>
+              <a:t>点 n = no.上端点</a:t>
+            </a:r>
+          </a:p>
+          <a:p>
+            <a:r>
+              <a:rPr lang="zh-CN" altLang="en-US" dirty="0"/>
+              <a:t>点 w = 过等分点向下偏移(r,n,0.5,3.2)</a:t>
+            </a:r>
+          </a:p>
+          <a:p>
+            <a:r>
+              <a:rPr lang="zh-CN" altLang="en-US" dirty="0"/>
+              <a:t>点 x = 求垂足(w,ij)</a:t>
+            </a:r>
+          </a:p>
+          <a:p>
+            <a:r>
+              <a:rPr lang="zh-CN" altLang="en-US" dirty="0"/>
+              <a:t>点 i = ij.左端点</a:t>
+            </a:r>
+          </a:p>
+          <a:p>
+            <a:r>
+              <a:rPr lang="zh-CN" altLang="en-US" dirty="0"/>
+              <a:t>点 j = ij.右端点</a:t>
+            </a:r>
+          </a:p>
+          <a:p>
+            <a:r>
+              <a:rPr lang="zh-CN" altLang="en-US" dirty="0"/>
+              <a:t>点 v_ij = 方向向量(j,i)</a:t>
+            </a:r>
+          </a:p>
+          <a:p>
+            <a:r>
+              <a:rPr lang="zh-CN" altLang="en-US" dirty="0"/>
+              <a:t>点 y = 求偏移(x,w_s,v_ij)</a:t>
+            </a:r>
+          </a:p>
+          <a:p>
+            <a:r>
+              <a:rPr lang="zh-CN" altLang="en-US" dirty="0"/>
+              <a:t>点 z = 求偏移(x,-w_s,v_ij)</a:t>
+            </a:r>
+          </a:p>
+          <a:p>
+            <a:endParaRPr lang="zh-CN" altLang="en-US" dirty="0"/>
+          </a:p>
+          <a:p>
+            <a:r>
+              <a:rPr lang="zh-CN" altLang="en-US" dirty="0"/>
+              <a:t>输出 w &amp; x &amp; y &amp; z</a:t>
+            </a:r>
+          </a:p>
+        </p:txBody>
+      </p:sp>
+      <p:sp>
+        <p:nvSpPr>
+          <p:cNvPr id="5" name="矩形 4"/>
+          <p:cNvSpPr/>
+          <p:nvPr/>
+        </p:nvSpPr>
+        <p:spPr>
+          <a:xfrm>
+            <a:off x="9144000" y="2198561"/>
+            <a:ext cx="6096000" cy="3139321"/>
+          </a:xfrm>
+          <a:prstGeom prst="rect">
+            <a:avLst/>
+          </a:prstGeom>
+        </p:spPr>
+        <p:txBody>
+          <a:bodyPr>
+            <a:spAutoFit/>
+          </a:bodyPr>
+          <a:lstStyle/>
+          <a:p>
+            <a:r>
+              <a:rPr lang="zh-CN" altLang="en-US" dirty="0"/>
+              <a:t>规则 过等分点向下偏移</a:t>
+            </a:r>
+          </a:p>
+          <a:p>
+            <a:r>
+              <a:rPr lang="zh-CN" altLang="en-US" dirty="0"/>
+              <a:t>输入 点 x</a:t>
+            </a:r>
+          </a:p>
+          <a:p>
+            <a:r>
+              <a:rPr lang="zh-CN" altLang="en-US" dirty="0"/>
+              <a:t>输入 点 y</a:t>
+            </a:r>
+          </a:p>
+          <a:p>
+            <a:r>
+              <a:rPr lang="zh-CN" altLang="en-US" dirty="0"/>
+              <a:t>输入 参数 p</a:t>
+            </a:r>
+          </a:p>
+          <a:p>
+            <a:r>
+              <a:rPr lang="zh-CN" altLang="en-US" dirty="0"/>
+              <a:t>输入 参数 d</a:t>
+            </a:r>
+          </a:p>
+          <a:p>
+            <a:endParaRPr lang="zh-CN" altLang="en-US" dirty="0"/>
+          </a:p>
+          <a:p>
+            <a:r>
+              <a:rPr lang="zh-CN" altLang="en-US" dirty="0"/>
+              <a:t>点 v = (0,1)</a:t>
+            </a:r>
+          </a:p>
+          <a:p>
+            <a:r>
+              <a:rPr lang="zh-CN" altLang="en-US" dirty="0"/>
+              <a:t>点 m = 等分点(x,y,p)</a:t>
+            </a:r>
+          </a:p>
+          <a:p>
+            <a:r>
+              <a:rPr lang="zh-CN" altLang="en-US" dirty="0"/>
+              <a:t>点 n = 求偏移(m,d,v)</a:t>
+            </a:r>
+          </a:p>
+          <a:p>
+            <a:endParaRPr lang="zh-CN" altLang="en-US" dirty="0"/>
+          </a:p>
+          <a:p>
+            <a:r>
+              <a:rPr lang="zh-CN" altLang="en-US" dirty="0"/>
+              <a:t>输出 n</a:t>
+            </a:r>
+          </a:p>
+        </p:txBody>
+      </p:sp>
+      <p:cxnSp>
+        <p:nvCxnSpPr>
+          <p:cNvPr id="9" name="直接箭头连接符 8"/>
+          <p:cNvCxnSpPr/>
+          <p:nvPr/>
+        </p:nvCxnSpPr>
+        <p:spPr>
+          <a:xfrm flipV="1">
+            <a:off x="7487322" y="2538806"/>
+            <a:ext cx="1656678" cy="1452281"/>
+          </a:xfrm>
+          <a:prstGeom prst="straightConnector1">
+            <a:avLst/>
+          </a:prstGeom>
+          <a:ln>
+            <a:tailEnd type="triangle"/>
+          </a:ln>
+        </p:spPr>
+        <p:style>
+          <a:lnRef idx="1">
+            <a:schemeClr val="dk1"/>
+          </a:lnRef>
+          <a:fillRef idx="0">
+            <a:schemeClr val="dk1"/>
+          </a:fillRef>
+          <a:effectRef idx="0">
+            <a:schemeClr val="dk1"/>
+          </a:effectRef>
+          <a:fontRef idx="minor">
+            <a:schemeClr val="tx1"/>
+          </a:fontRef>
+        </p:style>
+      </p:cxnSp>
+      <p:cxnSp>
+        <p:nvCxnSpPr>
+          <p:cNvPr id="20" name="直接连接符 19"/>
+          <p:cNvCxnSpPr/>
+          <p:nvPr/>
+        </p:nvCxnSpPr>
+        <p:spPr>
+          <a:xfrm>
+            <a:off x="5819887" y="4335332"/>
+            <a:ext cx="2818504" cy="0"/>
+          </a:xfrm>
+          <a:prstGeom prst="line">
+            <a:avLst/>
+          </a:prstGeom>
+        </p:spPr>
+        <p:style>
+          <a:lnRef idx="1">
+            <a:schemeClr val="dk1"/>
+          </a:lnRef>
+          <a:fillRef idx="0">
+            <a:schemeClr val="dk1"/>
+          </a:fillRef>
+          <a:effectRef idx="0">
+            <a:schemeClr val="dk1"/>
+          </a:effectRef>
+          <a:fontRef idx="minor">
+            <a:schemeClr val="tx1"/>
+          </a:fontRef>
+        </p:style>
+      </p:cxnSp>
+    </p:spTree>
+    <p:extLst>
+      <p:ext uri="{BB962C8B-B14F-4D97-AF65-F5344CB8AC3E}">
+        <p14:creationId xmlns:p14="http://schemas.microsoft.com/office/powerpoint/2010/main" val="2187450400"/>
+      </p:ext>
+    </p:extLst>
+  </p:cSld>
+  <p:clrMapOvr>
+    <a:masterClrMapping/>
+  </p:clrMapOvr>
+  <mc:AlternateContent xmlns:mc="http://schemas.openxmlformats.org/markup-compatibility/2006">
+    <mc:Choice xmlns:p14="http://schemas.microsoft.com/office/powerpoint/2010/main" Requires="p14">
+      <p:transition p14:dur="0"/>
+    </mc:Choice>
+    <mc:Fallback>
+      <p:transition/>
+    </mc:Fallback>
+  </mc:AlternateContent>
+  <p:timing>
+    <p:tnLst>
+      <p:par>
+        <p:cTn id="1" dur="indefinite" restart="never" nodeType="tmRoot">
+          <p:childTnLst>
+            <p:seq concurrent="1" nextAc="seek">
+              <p:cTn id="2" dur="indefinite" nodeType="mainSeq">
+                <p:childTnLst>
+                  <p:par>
+                    <p:cTn id="3" fill="hold">
+                      <p:stCondLst>
+                        <p:cond delay="indefinite"/>
+                      </p:stCondLst>
+                      <p:childTnLst>
+                        <p:par>
+                          <p:cTn id="4" fill="hold">
+                            <p:stCondLst>
+                              <p:cond delay="0"/>
+                            </p:stCondLst>
+                            <p:childTnLst>
+                              <p:par>
+                                <p:cTn id="5" presetID="22" presetClass="entr" presetSubtype="4" fill="hold" nodeType="clickEffect">
+                                  <p:stCondLst>
+                                    <p:cond delay="0"/>
+                                  </p:stCondLst>
+                                  <p:childTnLst>
+                                    <p:set>
+                                      <p:cBhvr>
+                                        <p:cTn id="6" dur="1" fill="hold">
+                                          <p:stCondLst>
+                                            <p:cond delay="0"/>
+                                          </p:stCondLst>
+                                        </p:cTn>
+                                        <p:tgtEl>
+                                          <p:spTgt spid="9"/>
+                                        </p:tgtEl>
+                                        <p:attrNameLst>
+                                          <p:attrName>style.visibility</p:attrName>
+                                        </p:attrNameLst>
+                                      </p:cBhvr>
+                                      <p:to>
+                                        <p:strVal val="visible"/>
+                                      </p:to>
+                                    </p:set>
+                                    <p:animEffect transition="in" filter="wipe(down)">
+                                      <p:cBhvr>
+                                        <p:cTn id="7" dur="250"/>
+                                        <p:tgtEl>
+                                          <p:spTgt spid="9"/>
+                                        </p:tgtEl>
+                                      </p:cBhvr>
+                                    </p:animEffect>
+                                  </p:childTnLst>
+                                </p:cTn>
+                              </p:par>
+                            </p:childTnLst>
+                          </p:cTn>
+                        </p:par>
+                        <p:par>
+                          <p:cTn id="8" fill="hold">
+                            <p:stCondLst>
+                              <p:cond delay="250"/>
+                            </p:stCondLst>
+                            <p:childTnLst>
+                              <p:par>
+                                <p:cTn id="9" presetID="1" presetClass="entr" presetSubtype="0" fill="hold" grpId="0" nodeType="afterEffect">
+                                  <p:stCondLst>
+                                    <p:cond delay="0"/>
+                                  </p:stCondLst>
+                                  <p:childTnLst>
+                                    <p:set>
+                                      <p:cBhvr>
+                                        <p:cTn id="10" dur="1" fill="hold">
+                                          <p:stCondLst>
+                                            <p:cond delay="0"/>
+                                          </p:stCondLst>
+                                        </p:cTn>
+                                        <p:tgtEl>
+                                          <p:spTgt spid="5"/>
+                                        </p:tgtEl>
+                                        <p:attrNameLst>
+                                          <p:attrName>style.visibility</p:attrName>
+                                        </p:attrNameLst>
+                                      </p:cBhvr>
+                                      <p:to>
+                                        <p:strVal val="visible"/>
+                                      </p:to>
+                                    </p:set>
+                                  </p:childTnLst>
+                                </p:cTn>
+                              </p:par>
+                            </p:childTnLst>
+                          </p:cTn>
+                        </p:par>
+                      </p:childTnLst>
+                    </p:cTn>
+                  </p:par>
+                </p:childTnLst>
+              </p:cTn>
+              <p:prevCondLst>
+                <p:cond evt="onPrev" delay="0">
+                  <p:tgtEl>
+                    <p:sldTgt/>
+                  </p:tgtEl>
+                </p:cond>
+              </p:prevCondLst>
+              <p:nextCondLst>
+                <p:cond evt="onNext" delay="0">
+                  <p:tgtEl>
+                    <p:sldTgt/>
+                  </p:tgtEl>
+                </p:cond>
+              </p:nextCondLst>
+            </p:seq>
+          </p:childTnLst>
+        </p:cTn>
+      </p:par>
+    </p:tnLst>
+    <p:bldLst>
+      <p:bldP spid="5" grpId="0"/>
+    </p:bldLst>
+  </p:timing>
+</p:sld>
+</file>
+
+<file path=ppt/slides/slide18.xml><?xml version="1.0" encoding="utf-8"?>
 <p:sld xmlns:a="http://schemas.openxmlformats.org/drawingml/2006/main" xmlns:r="http://schemas.openxmlformats.org/officeDocument/2006/relationships" xmlns:p="http://schemas.openxmlformats.org/presentationml/2006/main">
   <p:cSld>
     <p:spTree>
@@ -13017,7 +13914,7 @@
 </p:sld>
 </file>
 
-<file path=ppt/slides/slide18.xml><?xml version="1.0" encoding="utf-8"?>
+<file path=ppt/slides/slide19.xml><?xml version="1.0" encoding="utf-8"?>
 <p:sld xmlns:a="http://schemas.openxmlformats.org/drawingml/2006/main" xmlns:r="http://schemas.openxmlformats.org/officeDocument/2006/relationships" xmlns:p="http://schemas.openxmlformats.org/presentationml/2006/main">
   <p:cSld>
     <p:spTree>
@@ -14086,121 +14983,6 @@
     <p:extLst>
       <p:ext uri="{BB962C8B-B14F-4D97-AF65-F5344CB8AC3E}">
         <p14:creationId xmlns:p14="http://schemas.microsoft.com/office/powerpoint/2010/main" val="3518765578"/>
-      </p:ext>
-    </p:extLst>
-  </p:cSld>
-  <p:clrMapOvr>
-    <a:masterClrMapping/>
-  </p:clrMapOvr>
-  <mc:AlternateContent xmlns:mc="http://schemas.openxmlformats.org/markup-compatibility/2006" xmlns:p14="http://schemas.microsoft.com/office/powerpoint/2010/main">
-    <mc:Choice Requires="p14">
-      <p:transition p14:dur="250">
-        <p:push dir="u"/>
-      </p:transition>
-    </mc:Choice>
-    <mc:Fallback xmlns="">
-      <p:transition>
-        <p:push dir="u"/>
-      </p:transition>
-    </mc:Fallback>
-  </mc:AlternateContent>
-  <p:timing>
-    <p:tnLst>
-      <p:par>
-        <p:cTn id="1" dur="indefinite" restart="never" nodeType="tmRoot"/>
-      </p:par>
-    </p:tnLst>
-  </p:timing>
-</p:sld>
-</file>
-
-<file path=ppt/slides/slide19.xml><?xml version="1.0" encoding="utf-8"?>
-<p:sld xmlns:a="http://schemas.openxmlformats.org/drawingml/2006/main" xmlns:r="http://schemas.openxmlformats.org/officeDocument/2006/relationships" xmlns:p="http://schemas.openxmlformats.org/presentationml/2006/main">
-  <p:cSld>
-    <p:spTree>
-      <p:nvGrpSpPr>
-        <p:cNvPr id="1" name=""/>
-        <p:cNvGrpSpPr/>
-        <p:nvPr/>
-      </p:nvGrpSpPr>
-      <p:grpSpPr>
-        <a:xfrm>
-          <a:off x="0" y="0"/>
-          <a:ext cx="0" cy="0"/>
-          <a:chOff x="0" y="0"/>
-          <a:chExt cx="0" cy="0"/>
-        </a:xfrm>
-      </p:grpSpPr>
-      <p:pic>
-        <p:nvPicPr>
-          <p:cNvPr id="2" name="图片 1" descr="答辩PPT图集"/>
-          <p:cNvPicPr>
-            <a:picLocks noChangeAspect="1"/>
-          </p:cNvPicPr>
-          <p:nvPr/>
-        </p:nvPicPr>
-        <p:blipFill>
-          <a:blip r:embed="rId2"/>
-          <a:stretch>
-            <a:fillRect/>
-          </a:stretch>
-        </p:blipFill>
-        <p:spPr>
-          <a:xfrm>
-            <a:off x="11137900" y="5930265"/>
-            <a:ext cx="1054100" cy="927735"/>
-          </a:xfrm>
-          <a:prstGeom prst="rect">
-            <a:avLst/>
-          </a:prstGeom>
-        </p:spPr>
-      </p:pic>
-      <p:sp>
-        <p:nvSpPr>
-          <p:cNvPr id="3" name="矩形 2"/>
-          <p:cNvSpPr/>
-          <p:nvPr/>
-        </p:nvSpPr>
-        <p:spPr>
-          <a:xfrm>
-            <a:off x="1682088" y="877084"/>
-            <a:ext cx="1692484" cy="662554"/>
-          </a:xfrm>
-          <a:prstGeom prst="rect">
-            <a:avLst/>
-          </a:prstGeom>
-        </p:spPr>
-        <p:txBody>
-          <a:bodyPr wrap="square">
-            <a:spAutoFit/>
-          </a:bodyPr>
-          <a:lstStyle/>
-          <a:p>
-            <a:pPr>
-              <a:lnSpc>
-                <a:spcPct val="150000"/>
-              </a:lnSpc>
-            </a:pPr>
-            <a:r>
-              <a:rPr lang="zh-CN" altLang="en-US" sz="2800" dirty="0" smtClean="0">
-                <a:latin typeface="微软雅黑" panose="020B0503020204020204" pitchFamily="34" charset="-122"/>
-                <a:ea typeface="微软雅黑" panose="020B0503020204020204" pitchFamily="34" charset="-122"/>
-                <a:cs typeface="Times New Roman" panose="02020603050405020304" pitchFamily="18" charset="0"/>
-              </a:rPr>
-              <a:t>系统演示：</a:t>
-            </a:r>
-            <a:endParaRPr lang="en-US" altLang="zh-CN" sz="2800" dirty="0" smtClean="0">
-              <a:latin typeface="微软雅黑" panose="020B0503020204020204" pitchFamily="34" charset="-122"/>
-              <a:ea typeface="微软雅黑" panose="020B0503020204020204" pitchFamily="34" charset="-122"/>
-              <a:cs typeface="Times New Roman" panose="02020603050405020304" pitchFamily="18" charset="0"/>
-            </a:endParaRPr>
-          </a:p>
-        </p:txBody>
-      </p:sp>
-    </p:spTree>
-    <p:extLst>
-      <p:ext uri="{BB962C8B-B14F-4D97-AF65-F5344CB8AC3E}">
-        <p14:creationId xmlns:p14="http://schemas.microsoft.com/office/powerpoint/2010/main" val="3074285454"/>
       </p:ext>
     </p:extLst>
   </p:cSld>
@@ -19539,6 +20321,121 @@
         </p:nvSpPr>
         <p:spPr>
           <a:xfrm>
+            <a:off x="1682088" y="877084"/>
+            <a:ext cx="1692484" cy="662554"/>
+          </a:xfrm>
+          <a:prstGeom prst="rect">
+            <a:avLst/>
+          </a:prstGeom>
+        </p:spPr>
+        <p:txBody>
+          <a:bodyPr wrap="square">
+            <a:spAutoFit/>
+          </a:bodyPr>
+          <a:lstStyle/>
+          <a:p>
+            <a:pPr>
+              <a:lnSpc>
+                <a:spcPct val="150000"/>
+              </a:lnSpc>
+            </a:pPr>
+            <a:r>
+              <a:rPr lang="zh-CN" altLang="en-US" sz="2800" dirty="0" smtClean="0">
+                <a:latin typeface="微软雅黑" panose="020B0503020204020204" pitchFamily="34" charset="-122"/>
+                <a:ea typeface="微软雅黑" panose="020B0503020204020204" pitchFamily="34" charset="-122"/>
+                <a:cs typeface="Times New Roman" panose="02020603050405020304" pitchFamily="18" charset="0"/>
+              </a:rPr>
+              <a:t>系统演示：</a:t>
+            </a:r>
+            <a:endParaRPr lang="en-US" altLang="zh-CN" sz="2800" dirty="0" smtClean="0">
+              <a:latin typeface="微软雅黑" panose="020B0503020204020204" pitchFamily="34" charset="-122"/>
+              <a:ea typeface="微软雅黑" panose="020B0503020204020204" pitchFamily="34" charset="-122"/>
+              <a:cs typeface="Times New Roman" panose="02020603050405020304" pitchFamily="18" charset="0"/>
+            </a:endParaRPr>
+          </a:p>
+        </p:txBody>
+      </p:sp>
+    </p:spTree>
+    <p:extLst>
+      <p:ext uri="{BB962C8B-B14F-4D97-AF65-F5344CB8AC3E}">
+        <p14:creationId xmlns:p14="http://schemas.microsoft.com/office/powerpoint/2010/main" val="3074285454"/>
+      </p:ext>
+    </p:extLst>
+  </p:cSld>
+  <p:clrMapOvr>
+    <a:masterClrMapping/>
+  </p:clrMapOvr>
+  <mc:AlternateContent xmlns:mc="http://schemas.openxmlformats.org/markup-compatibility/2006" xmlns:p14="http://schemas.microsoft.com/office/powerpoint/2010/main">
+    <mc:Choice Requires="p14">
+      <p:transition p14:dur="250">
+        <p:push dir="u"/>
+      </p:transition>
+    </mc:Choice>
+    <mc:Fallback xmlns="">
+      <p:transition>
+        <p:push dir="u"/>
+      </p:transition>
+    </mc:Fallback>
+  </mc:AlternateContent>
+  <p:timing>
+    <p:tnLst>
+      <p:par>
+        <p:cTn id="1" dur="indefinite" restart="never" nodeType="tmRoot"/>
+      </p:par>
+    </p:tnLst>
+  </p:timing>
+</p:sld>
+</file>
+
+<file path=ppt/slides/slide21.xml><?xml version="1.0" encoding="utf-8"?>
+<p:sld xmlns:a="http://schemas.openxmlformats.org/drawingml/2006/main" xmlns:r="http://schemas.openxmlformats.org/officeDocument/2006/relationships" xmlns:p="http://schemas.openxmlformats.org/presentationml/2006/main">
+  <p:cSld>
+    <p:spTree>
+      <p:nvGrpSpPr>
+        <p:cNvPr id="1" name=""/>
+        <p:cNvGrpSpPr/>
+        <p:nvPr/>
+      </p:nvGrpSpPr>
+      <p:grpSpPr>
+        <a:xfrm>
+          <a:off x="0" y="0"/>
+          <a:ext cx="0" cy="0"/>
+          <a:chOff x="0" y="0"/>
+          <a:chExt cx="0" cy="0"/>
+        </a:xfrm>
+      </p:grpSpPr>
+      <p:pic>
+        <p:nvPicPr>
+          <p:cNvPr id="2" name="图片 1" descr="答辩PPT图集"/>
+          <p:cNvPicPr>
+            <a:picLocks noChangeAspect="1"/>
+          </p:cNvPicPr>
+          <p:nvPr/>
+        </p:nvPicPr>
+        <p:blipFill>
+          <a:blip r:embed="rId2"/>
+          <a:stretch>
+            <a:fillRect/>
+          </a:stretch>
+        </p:blipFill>
+        <p:spPr>
+          <a:xfrm>
+            <a:off x="11137900" y="5930265"/>
+            <a:ext cx="1054100" cy="927735"/>
+          </a:xfrm>
+          <a:prstGeom prst="rect">
+            <a:avLst/>
+          </a:prstGeom>
+        </p:spPr>
+      </p:pic>
+      <p:sp>
+        <p:nvSpPr>
+          <p:cNvPr id="3" name="矩形 2"/>
+          <p:cNvSpPr/>
+          <p:nvPr/>
+        </p:nvSpPr>
+        <p:spPr>
+          <a:xfrm>
             <a:off x="1007172" y="811770"/>
             <a:ext cx="10248656" cy="4770537"/>
           </a:xfrm>
@@ -19667,7 +20564,7 @@
 </p:sld>
 </file>
 
-<file path=ppt/slides/slide21.xml><?xml version="1.0" encoding="utf-8"?>
+<file path=ppt/slides/slide22.xml><?xml version="1.0" encoding="utf-8"?>
 <p:sld xmlns:a="http://schemas.openxmlformats.org/drawingml/2006/main" xmlns:r="http://schemas.openxmlformats.org/officeDocument/2006/relationships" xmlns:p="http://schemas.openxmlformats.org/presentationml/2006/main">
   <p:cSld>
     <p:spTree>
@@ -19775,7 +20672,7 @@
 </p:sld>
 </file>
 
-<file path=ppt/slides/slide22.xml><?xml version="1.0" encoding="utf-8"?>
+<file path=ppt/slides/slide23.xml><?xml version="1.0" encoding="utf-8"?>
 <p:sld xmlns:a="http://schemas.openxmlformats.org/drawingml/2006/main" xmlns:r="http://schemas.openxmlformats.org/officeDocument/2006/relationships" xmlns:p="http://schemas.openxmlformats.org/presentationml/2006/main">
   <p:cSld>
     <p:spTree>

--- a/答辩PPT.pptx
+++ b/答辩PPT.pptx
@@ -19,12 +19,12 @@
     <p:sldId id="274" r:id="rId10"/>
     <p:sldId id="270" r:id="rId11"/>
     <p:sldId id="271" r:id="rId12"/>
-    <p:sldId id="286" r:id="rId13"/>
+    <p:sldId id="281" r:id="rId13"/>
     <p:sldId id="287" r:id="rId14"/>
-    <p:sldId id="281" r:id="rId15"/>
-    <p:sldId id="272" r:id="rId16"/>
-    <p:sldId id="289" r:id="rId17"/>
-    <p:sldId id="290" r:id="rId18"/>
+    <p:sldId id="272" r:id="rId15"/>
+    <p:sldId id="289" r:id="rId16"/>
+    <p:sldId id="290" r:id="rId17"/>
+    <p:sldId id="286" r:id="rId18"/>
     <p:sldId id="288" r:id="rId19"/>
     <p:sldId id="282" r:id="rId20"/>
     <p:sldId id="269" r:id="rId21"/>
@@ -625,413 +625,6 @@
                 <a:ea typeface="+mn-ea"/>
                 <a:cs typeface="+mn-cs"/>
               </a:rPr>
-              <a:t>为了便于计算机程序理解女裤款式部件之间的关系，款式部件的知识表示必须能够表达出它自身与其他部件之间的关系。</a:t>
-            </a:r>
-            <a:endParaRPr lang="en-US" altLang="zh-CN" sz="1200" kern="1200" dirty="0" smtClean="0">
-              <a:solidFill>
-                <a:schemeClr val="tx1"/>
-              </a:solidFill>
-              <a:effectLst/>
-              <a:latin typeface="+mn-lt"/>
-              <a:ea typeface="+mn-ea"/>
-              <a:cs typeface="+mn-cs"/>
-            </a:endParaRPr>
-          </a:p>
-          <a:p>
-            <a:r>
-              <a:rPr lang="zh-CN" altLang="zh-CN" sz="1200" kern="1200" dirty="0" smtClean="0">
-                <a:solidFill>
-                  <a:schemeClr val="tx1"/>
-                </a:solidFill>
-                <a:effectLst/>
-                <a:latin typeface="+mn-lt"/>
-                <a:ea typeface="+mn-ea"/>
-                <a:cs typeface="+mn-cs"/>
-              </a:rPr>
-              <a:t>装配关系是对样板绘制来说最重要的关系。如果部件</a:t>
-            </a:r>
-            <a:r>
-              <a:rPr lang="en-US" altLang="zh-CN" sz="1200" kern="1200" dirty="0" smtClean="0">
-                <a:solidFill>
-                  <a:schemeClr val="tx1"/>
-                </a:solidFill>
-                <a:effectLst/>
-                <a:latin typeface="+mn-lt"/>
-                <a:ea typeface="+mn-ea"/>
-                <a:cs typeface="+mn-cs"/>
-              </a:rPr>
-              <a:t>A</a:t>
-            </a:r>
-            <a:r>
-              <a:rPr lang="zh-CN" altLang="zh-CN" sz="1200" kern="1200" dirty="0" smtClean="0">
-                <a:solidFill>
-                  <a:schemeClr val="tx1"/>
-                </a:solidFill>
-                <a:effectLst/>
-                <a:latin typeface="+mn-lt"/>
-                <a:ea typeface="+mn-ea"/>
-                <a:cs typeface="+mn-cs"/>
-              </a:rPr>
-              <a:t>影响了部件</a:t>
-            </a:r>
-            <a:r>
-              <a:rPr lang="en-US" altLang="zh-CN" sz="1200" kern="1200" dirty="0" smtClean="0">
-                <a:solidFill>
-                  <a:schemeClr val="tx1"/>
-                </a:solidFill>
-                <a:effectLst/>
-                <a:latin typeface="+mn-lt"/>
-                <a:ea typeface="+mn-ea"/>
-                <a:cs typeface="+mn-cs"/>
-              </a:rPr>
-              <a:t>B</a:t>
-            </a:r>
-            <a:r>
-              <a:rPr lang="zh-CN" altLang="zh-CN" sz="1200" kern="1200" dirty="0" smtClean="0">
-                <a:solidFill>
-                  <a:schemeClr val="tx1"/>
-                </a:solidFill>
-                <a:effectLst/>
-                <a:latin typeface="+mn-lt"/>
-                <a:ea typeface="+mn-ea"/>
-                <a:cs typeface="+mn-cs"/>
-              </a:rPr>
-              <a:t>的位置或大小，就可以说部件</a:t>
-            </a:r>
-            <a:r>
-              <a:rPr lang="en-US" altLang="zh-CN" sz="1200" kern="1200" dirty="0" smtClean="0">
-                <a:solidFill>
-                  <a:schemeClr val="tx1"/>
-                </a:solidFill>
-                <a:effectLst/>
-                <a:latin typeface="+mn-lt"/>
-                <a:ea typeface="+mn-ea"/>
-                <a:cs typeface="+mn-cs"/>
-              </a:rPr>
-              <a:t>A</a:t>
-            </a:r>
-            <a:r>
-              <a:rPr lang="zh-CN" altLang="zh-CN" sz="1200" kern="1200" dirty="0" smtClean="0">
-                <a:solidFill>
-                  <a:schemeClr val="tx1"/>
-                </a:solidFill>
-                <a:effectLst/>
-                <a:latin typeface="+mn-lt"/>
-                <a:ea typeface="+mn-ea"/>
-                <a:cs typeface="+mn-cs"/>
-              </a:rPr>
-              <a:t>、部件</a:t>
-            </a:r>
-            <a:r>
-              <a:rPr lang="en-US" altLang="zh-CN" sz="1200" kern="1200" dirty="0" smtClean="0">
-                <a:solidFill>
-                  <a:schemeClr val="tx1"/>
-                </a:solidFill>
-                <a:effectLst/>
-                <a:latin typeface="+mn-lt"/>
-                <a:ea typeface="+mn-ea"/>
-                <a:cs typeface="+mn-cs"/>
-              </a:rPr>
-              <a:t>B</a:t>
-            </a:r>
-            <a:r>
-              <a:rPr lang="zh-CN" altLang="zh-CN" sz="1200" kern="1200" dirty="0" smtClean="0">
-                <a:solidFill>
-                  <a:schemeClr val="tx1"/>
-                </a:solidFill>
-                <a:effectLst/>
-                <a:latin typeface="+mn-lt"/>
-                <a:ea typeface="+mn-ea"/>
-                <a:cs typeface="+mn-cs"/>
-              </a:rPr>
-              <a:t>之间具有装配关系，比如前嵌线袋的位置取决于前省的省尖位置，那么前省部件和前嵌线袋部件之间就构成了装配关系。</a:t>
-            </a:r>
-            <a:endParaRPr lang="zh-CN" altLang="en-US" dirty="0"/>
-          </a:p>
-        </p:txBody>
-      </p:sp>
-      <p:sp>
-        <p:nvSpPr>
-          <p:cNvPr id="4" name="灯片编号占位符 3"/>
-          <p:cNvSpPr>
-            <a:spLocks noGrp="1"/>
-          </p:cNvSpPr>
-          <p:nvPr>
-            <p:ph type="sldNum" sz="quarter" idx="10"/>
-          </p:nvPr>
-        </p:nvSpPr>
-        <p:spPr/>
-        <p:txBody>
-          <a:bodyPr/>
-          <a:lstStyle/>
-          <a:p>
-            <a:fld id="{0F146AA8-6DE6-4C34-92C5-7E268807DE7D}" type="slidenum">
-              <a:rPr lang="zh-CN" altLang="en-US" smtClean="0"/>
-              <a:t>12</a:t>
-            </a:fld>
-            <a:endParaRPr lang="zh-CN" altLang="en-US"/>
-          </a:p>
-        </p:txBody>
-      </p:sp>
-    </p:spTree>
-    <p:extLst>
-      <p:ext uri="{BB962C8B-B14F-4D97-AF65-F5344CB8AC3E}">
-        <p14:creationId xmlns:p14="http://schemas.microsoft.com/office/powerpoint/2010/main" val="2774965417"/>
-      </p:ext>
-    </p:extLst>
-  </p:cSld>
-  <p:clrMapOvr>
-    <a:masterClrMapping/>
-  </p:clrMapOvr>
-</p:notes>
-</file>
-
-<file path=ppt/notesSlides/notesSlide11.xml><?xml version="1.0" encoding="utf-8"?>
-<p:notes xmlns:a="http://schemas.openxmlformats.org/drawingml/2006/main" xmlns:r="http://schemas.openxmlformats.org/officeDocument/2006/relationships" xmlns:p="http://schemas.openxmlformats.org/presentationml/2006/main">
-  <p:cSld>
-    <p:spTree>
-      <p:nvGrpSpPr>
-        <p:cNvPr id="1" name=""/>
-        <p:cNvGrpSpPr/>
-        <p:nvPr/>
-      </p:nvGrpSpPr>
-      <p:grpSpPr>
-        <a:xfrm>
-          <a:off x="0" y="0"/>
-          <a:ext cx="0" cy="0"/>
-          <a:chOff x="0" y="0"/>
-          <a:chExt cx="0" cy="0"/>
-        </a:xfrm>
-      </p:grpSpPr>
-      <p:sp>
-        <p:nvSpPr>
-          <p:cNvPr id="2" name="幻灯片图像占位符 1"/>
-          <p:cNvSpPr>
-            <a:spLocks noGrp="1" noRot="1" noChangeAspect="1"/>
-          </p:cNvSpPr>
-          <p:nvPr>
-            <p:ph type="sldImg"/>
-          </p:nvPr>
-        </p:nvSpPr>
-        <p:spPr/>
-      </p:sp>
-      <p:sp>
-        <p:nvSpPr>
-          <p:cNvPr id="3" name="备注占位符 2"/>
-          <p:cNvSpPr>
-            <a:spLocks noGrp="1"/>
-          </p:cNvSpPr>
-          <p:nvPr>
-            <p:ph type="body" idx="1"/>
-          </p:nvPr>
-        </p:nvSpPr>
-        <p:spPr/>
-        <p:txBody>
-          <a:bodyPr/>
-          <a:lstStyle/>
-          <a:p>
-            <a:r>
-              <a:rPr lang="zh-CN" altLang="zh-CN" sz="1200" kern="1200" dirty="0" smtClean="0">
-                <a:solidFill>
-                  <a:schemeClr val="tx1"/>
-                </a:solidFill>
-                <a:effectLst/>
-                <a:latin typeface="+mn-lt"/>
-                <a:ea typeface="+mn-ea"/>
-                <a:cs typeface="+mn-cs"/>
-              </a:rPr>
-              <a:t>约束图的矩形节点代表参数，无入度；浅灰色圆形节点代表样板轮廓的直线段；深灰色圆形节点代表样板轮廓曲线段，无出度；有向边代表约束关系。点由</a:t>
-            </a:r>
-            <a:r>
-              <a:rPr lang="en-US" altLang="zh-CN" sz="1200" kern="1200" dirty="0" smtClean="0">
-                <a:solidFill>
-                  <a:schemeClr val="tx1"/>
-                </a:solidFill>
-                <a:effectLst/>
-                <a:latin typeface="+mn-lt"/>
-                <a:ea typeface="+mn-ea"/>
-                <a:cs typeface="+mn-cs"/>
-              </a:rPr>
-              <a:t>2</a:t>
-            </a:r>
-            <a:r>
-              <a:rPr lang="zh-CN" altLang="zh-CN" sz="1200" kern="1200" dirty="0" smtClean="0">
-                <a:solidFill>
-                  <a:schemeClr val="tx1"/>
-                </a:solidFill>
-                <a:effectLst/>
-                <a:latin typeface="+mn-lt"/>
-                <a:ea typeface="+mn-ea"/>
-                <a:cs typeface="+mn-cs"/>
-              </a:rPr>
-              <a:t>个数值确定，直线由</a:t>
-            </a:r>
-            <a:r>
-              <a:rPr lang="en-US" altLang="zh-CN" sz="1200" kern="1200" dirty="0" smtClean="0">
-                <a:solidFill>
-                  <a:schemeClr val="tx1"/>
-                </a:solidFill>
-                <a:effectLst/>
-                <a:latin typeface="+mn-lt"/>
-                <a:ea typeface="+mn-ea"/>
-                <a:cs typeface="+mn-cs"/>
-              </a:rPr>
-              <a:t>2</a:t>
-            </a:r>
-            <a:r>
-              <a:rPr lang="zh-CN" altLang="zh-CN" sz="1200" kern="1200" dirty="0" smtClean="0">
-                <a:solidFill>
-                  <a:schemeClr val="tx1"/>
-                </a:solidFill>
-                <a:effectLst/>
-                <a:latin typeface="+mn-lt"/>
-                <a:ea typeface="+mn-ea"/>
-                <a:cs typeface="+mn-cs"/>
-              </a:rPr>
-              <a:t>个点确定，因此对于点或直线，入度≤</a:t>
-            </a:r>
-            <a:r>
-              <a:rPr lang="en-US" altLang="zh-CN" sz="1200" kern="1200" dirty="0" smtClean="0">
-                <a:solidFill>
-                  <a:schemeClr val="tx1"/>
-                </a:solidFill>
-                <a:effectLst/>
-                <a:latin typeface="+mn-lt"/>
-                <a:ea typeface="+mn-ea"/>
-                <a:cs typeface="+mn-cs"/>
-              </a:rPr>
-              <a:t>2</a:t>
-            </a:r>
-            <a:r>
-              <a:rPr lang="zh-CN" altLang="zh-CN" sz="1200" kern="1200" dirty="0" smtClean="0">
-                <a:solidFill>
-                  <a:schemeClr val="tx1"/>
-                </a:solidFill>
-                <a:effectLst/>
-                <a:latin typeface="+mn-lt"/>
-                <a:ea typeface="+mn-ea"/>
-                <a:cs typeface="+mn-cs"/>
-              </a:rPr>
-              <a:t>；曲线段除了要有</a:t>
-            </a:r>
-            <a:r>
-              <a:rPr lang="en-US" altLang="zh-CN" sz="1200" kern="1200" dirty="0" smtClean="0">
-                <a:solidFill>
-                  <a:schemeClr val="tx1"/>
-                </a:solidFill>
-                <a:effectLst/>
-                <a:latin typeface="+mn-lt"/>
-                <a:ea typeface="+mn-ea"/>
-                <a:cs typeface="+mn-cs"/>
-              </a:rPr>
-              <a:t>2</a:t>
-            </a:r>
-            <a:r>
-              <a:rPr lang="zh-CN" altLang="zh-CN" sz="1200" kern="1200" dirty="0" smtClean="0">
-                <a:solidFill>
-                  <a:schemeClr val="tx1"/>
-                </a:solidFill>
-                <a:effectLst/>
-                <a:latin typeface="+mn-lt"/>
-                <a:ea typeface="+mn-ea"/>
-                <a:cs typeface="+mn-cs"/>
-              </a:rPr>
-              <a:t>个端点外还要有辅助点，图中因为版面限制省略了前裆曲线、外侧缝曲线的辅助点；约束关系包含样板参数的尺寸约束以及几何实体之间的几何约束，是约束图中最为复杂、最难描述的实体。</a:t>
-            </a:r>
-            <a:endParaRPr lang="zh-CN" altLang="en-US" dirty="0"/>
-          </a:p>
-        </p:txBody>
-      </p:sp>
-      <p:sp>
-        <p:nvSpPr>
-          <p:cNvPr id="4" name="灯片编号占位符 3"/>
-          <p:cNvSpPr>
-            <a:spLocks noGrp="1"/>
-          </p:cNvSpPr>
-          <p:nvPr>
-            <p:ph type="sldNum" sz="quarter" idx="10"/>
-          </p:nvPr>
-        </p:nvSpPr>
-        <p:spPr/>
-        <p:txBody>
-          <a:bodyPr/>
-          <a:lstStyle/>
-          <a:p>
-            <a:fld id="{0F146AA8-6DE6-4C34-92C5-7E268807DE7D}" type="slidenum">
-              <a:rPr lang="zh-CN" altLang="en-US" smtClean="0"/>
-              <a:t>13</a:t>
-            </a:fld>
-            <a:endParaRPr lang="zh-CN" altLang="en-US"/>
-          </a:p>
-        </p:txBody>
-      </p:sp>
-    </p:spTree>
-    <p:extLst>
-      <p:ext uri="{BB962C8B-B14F-4D97-AF65-F5344CB8AC3E}">
-        <p14:creationId xmlns:p14="http://schemas.microsoft.com/office/powerpoint/2010/main" val="3383906920"/>
-      </p:ext>
-    </p:extLst>
-  </p:cSld>
-  <p:clrMapOvr>
-    <a:masterClrMapping/>
-  </p:clrMapOvr>
-</p:notes>
-</file>
-
-<file path=ppt/notesSlides/notesSlide12.xml><?xml version="1.0" encoding="utf-8"?>
-<p:notes xmlns:a="http://schemas.openxmlformats.org/drawingml/2006/main" xmlns:r="http://schemas.openxmlformats.org/officeDocument/2006/relationships" xmlns:p="http://schemas.openxmlformats.org/presentationml/2006/main">
-  <p:cSld>
-    <p:spTree>
-      <p:nvGrpSpPr>
-        <p:cNvPr id="1" name=""/>
-        <p:cNvGrpSpPr/>
-        <p:nvPr/>
-      </p:nvGrpSpPr>
-      <p:grpSpPr>
-        <a:xfrm>
-          <a:off x="0" y="0"/>
-          <a:ext cx="0" cy="0"/>
-          <a:chOff x="0" y="0"/>
-          <a:chExt cx="0" cy="0"/>
-        </a:xfrm>
-      </p:grpSpPr>
-      <p:sp>
-        <p:nvSpPr>
-          <p:cNvPr id="2" name="幻灯片图像占位符 1"/>
-          <p:cNvSpPr>
-            <a:spLocks noGrp="1" noRot="1" noChangeAspect="1"/>
-          </p:cNvSpPr>
-          <p:nvPr>
-            <p:ph type="sldImg"/>
-          </p:nvPr>
-        </p:nvSpPr>
-        <p:spPr/>
-      </p:sp>
-      <p:sp>
-        <p:nvSpPr>
-          <p:cNvPr id="3" name="备注占位符 2"/>
-          <p:cNvSpPr>
-            <a:spLocks noGrp="1"/>
-          </p:cNvSpPr>
-          <p:nvPr>
-            <p:ph type="body" idx="1"/>
-          </p:nvPr>
-        </p:nvSpPr>
-        <p:spPr/>
-        <p:txBody>
-          <a:bodyPr/>
-          <a:lstStyle/>
-          <a:p>
-            <a:r>
-              <a:rPr lang="zh-CN" altLang="zh-CN" sz="1200" kern="1200" dirty="0" smtClean="0">
-                <a:solidFill>
-                  <a:schemeClr val="tx1"/>
-                </a:solidFill>
-                <a:effectLst/>
-                <a:latin typeface="+mn-lt"/>
-                <a:ea typeface="+mn-ea"/>
-                <a:cs typeface="+mn-cs"/>
-              </a:rPr>
               <a:t>款式设计需求的复杂度主要体现在如下几方面：（</a:t>
             </a:r>
             <a:r>
@@ -1127,7 +720,7 @@
           <a:p>
             <a:fld id="{FE5ACBAC-C8EB-45CA-967B-DC24F1263EAE}" type="slidenum">
               <a:rPr lang="zh-CN" altLang="en-US" smtClean="0"/>
-              <a:t>14</a:t>
+              <a:t>12</a:t>
             </a:fld>
             <a:endParaRPr lang="zh-CN" altLang="en-US"/>
           </a:p>
@@ -1146,7 +739,91 @@
 </p:notes>
 </file>
 
-<file path=ppt/notesSlides/notesSlide13.xml><?xml version="1.0" encoding="utf-8"?>
+<file path=ppt/notesSlides/notesSlide11.xml><?xml version="1.0" encoding="utf-8"?>
+<p:notes xmlns:a="http://schemas.openxmlformats.org/drawingml/2006/main" xmlns:r="http://schemas.openxmlformats.org/officeDocument/2006/relationships" xmlns:p="http://schemas.openxmlformats.org/presentationml/2006/main">
+  <p:cSld>
+    <p:spTree>
+      <p:nvGrpSpPr>
+        <p:cNvPr id="1" name=""/>
+        <p:cNvGrpSpPr/>
+        <p:nvPr/>
+      </p:nvGrpSpPr>
+      <p:grpSpPr>
+        <a:xfrm>
+          <a:off x="0" y="0"/>
+          <a:ext cx="0" cy="0"/>
+          <a:chOff x="0" y="0"/>
+          <a:chExt cx="0" cy="0"/>
+        </a:xfrm>
+      </p:grpSpPr>
+      <p:sp>
+        <p:nvSpPr>
+          <p:cNvPr id="2" name="幻灯片图像占位符 1"/>
+          <p:cNvSpPr>
+            <a:spLocks noGrp="1" noRot="1" noChangeAspect="1"/>
+          </p:cNvSpPr>
+          <p:nvPr>
+            <p:ph type="sldImg"/>
+          </p:nvPr>
+        </p:nvSpPr>
+        <p:spPr/>
+      </p:sp>
+      <p:sp>
+        <p:nvSpPr>
+          <p:cNvPr id="3" name="备注占位符 2"/>
+          <p:cNvSpPr>
+            <a:spLocks noGrp="1"/>
+          </p:cNvSpPr>
+          <p:nvPr>
+            <p:ph type="body" idx="1"/>
+          </p:nvPr>
+        </p:nvSpPr>
+        <p:spPr/>
+        <p:txBody>
+          <a:bodyPr/>
+          <a:lstStyle/>
+          <a:p>
+            <a:endParaRPr lang="zh-CN" altLang="en-US" dirty="0"/>
+          </a:p>
+        </p:txBody>
+      </p:sp>
+      <p:sp>
+        <p:nvSpPr>
+          <p:cNvPr id="4" name="灯片编号占位符 3"/>
+          <p:cNvSpPr>
+            <a:spLocks noGrp="1"/>
+          </p:cNvSpPr>
+          <p:nvPr>
+            <p:ph type="sldNum" sz="quarter" idx="10"/>
+          </p:nvPr>
+        </p:nvSpPr>
+        <p:spPr/>
+        <p:txBody>
+          <a:bodyPr/>
+          <a:lstStyle/>
+          <a:p>
+            <a:fld id="{0F146AA8-6DE6-4C34-92C5-7E268807DE7D}" type="slidenum">
+              <a:rPr lang="zh-CN" altLang="en-US" smtClean="0"/>
+              <a:t>13</a:t>
+            </a:fld>
+            <a:endParaRPr lang="zh-CN" altLang="en-US"/>
+          </a:p>
+        </p:txBody>
+      </p:sp>
+    </p:spTree>
+    <p:extLst>
+      <p:ext uri="{BB962C8B-B14F-4D97-AF65-F5344CB8AC3E}">
+        <p14:creationId xmlns:p14="http://schemas.microsoft.com/office/powerpoint/2010/main" val="3383906920"/>
+      </p:ext>
+    </p:extLst>
+  </p:cSld>
+  <p:clrMapOvr>
+    <a:masterClrMapping/>
+  </p:clrMapOvr>
+</p:notes>
+</file>
+
+<file path=ppt/notesSlides/notesSlide12.xml><?xml version="1.0" encoding="utf-8"?>
 <p:notes xmlns:a="http://schemas.openxmlformats.org/drawingml/2006/main" xmlns:r="http://schemas.openxmlformats.org/officeDocument/2006/relationships" xmlns:p="http://schemas.openxmlformats.org/presentationml/2006/main">
   <p:cSld>
     <p:spTree>
@@ -1223,6 +900,182 @@
           <a:p>
             <a:fld id="{0F146AA8-6DE6-4C34-92C5-7E268807DE7D}" type="slidenum">
               <a:rPr lang="zh-CN" altLang="en-US" smtClean="0"/>
+              <a:t>14</a:t>
+            </a:fld>
+            <a:endParaRPr lang="zh-CN" altLang="en-US"/>
+          </a:p>
+        </p:txBody>
+      </p:sp>
+    </p:spTree>
+    <p:extLst>
+      <p:ext uri="{BB962C8B-B14F-4D97-AF65-F5344CB8AC3E}">
+        <p14:creationId xmlns:p14="http://schemas.microsoft.com/office/powerpoint/2010/main" val="4174474320"/>
+      </p:ext>
+    </p:extLst>
+  </p:cSld>
+  <p:clrMapOvr>
+    <a:masterClrMapping/>
+  </p:clrMapOvr>
+</p:notes>
+</file>
+
+<file path=ppt/notesSlides/notesSlide13.xml><?xml version="1.0" encoding="utf-8"?>
+<p:notes xmlns:a="http://schemas.openxmlformats.org/drawingml/2006/main" xmlns:r="http://schemas.openxmlformats.org/officeDocument/2006/relationships" xmlns:p="http://schemas.openxmlformats.org/presentationml/2006/main">
+  <p:cSld>
+    <p:spTree>
+      <p:nvGrpSpPr>
+        <p:cNvPr id="1" name=""/>
+        <p:cNvGrpSpPr/>
+        <p:nvPr/>
+      </p:nvGrpSpPr>
+      <p:grpSpPr>
+        <a:xfrm>
+          <a:off x="0" y="0"/>
+          <a:ext cx="0" cy="0"/>
+          <a:chOff x="0" y="0"/>
+          <a:chExt cx="0" cy="0"/>
+        </a:xfrm>
+      </p:grpSpPr>
+      <p:sp>
+        <p:nvSpPr>
+          <p:cNvPr id="2" name="幻灯片图像占位符 1"/>
+          <p:cNvSpPr>
+            <a:spLocks noGrp="1" noRot="1" noChangeAspect="1"/>
+          </p:cNvSpPr>
+          <p:nvPr>
+            <p:ph type="sldImg"/>
+          </p:nvPr>
+        </p:nvSpPr>
+        <p:spPr/>
+      </p:sp>
+      <p:sp>
+        <p:nvSpPr>
+          <p:cNvPr id="3" name="备注占位符 2"/>
+          <p:cNvSpPr>
+            <a:spLocks noGrp="1"/>
+          </p:cNvSpPr>
+          <p:nvPr>
+            <p:ph type="body" idx="1"/>
+          </p:nvPr>
+        </p:nvSpPr>
+        <p:spPr/>
+        <p:txBody>
+          <a:bodyPr/>
+          <a:lstStyle/>
+          <a:p>
+            <a:r>
+              <a:rPr lang="zh-CN" altLang="zh-CN" sz="1200" kern="1200" dirty="0" smtClean="0">
+                <a:solidFill>
+                  <a:schemeClr val="tx1"/>
+                </a:solidFill>
+                <a:effectLst/>
+                <a:latin typeface="+mn-lt"/>
+                <a:ea typeface="+mn-ea"/>
+                <a:cs typeface="+mn-cs"/>
+              </a:rPr>
+              <a:t>制板规则语言类似于计算机语言中的</a:t>
+            </a:r>
+            <a:r>
+              <a:rPr lang="en-US" altLang="zh-CN" sz="1200" kern="1200" dirty="0" err="1" smtClean="0">
+                <a:solidFill>
+                  <a:schemeClr val="tx1"/>
+                </a:solidFill>
+                <a:effectLst/>
+                <a:latin typeface="+mn-lt"/>
+                <a:ea typeface="+mn-ea"/>
+                <a:cs typeface="+mn-cs"/>
+              </a:rPr>
+              <a:t>Lua</a:t>
+            </a:r>
+            <a:r>
+              <a:rPr lang="zh-CN" altLang="zh-CN" sz="1200" kern="1200" dirty="0" smtClean="0">
+                <a:solidFill>
+                  <a:schemeClr val="tx1"/>
+                </a:solidFill>
+                <a:effectLst/>
+                <a:latin typeface="+mn-lt"/>
+                <a:ea typeface="+mn-ea"/>
+                <a:cs typeface="+mn-cs"/>
+              </a:rPr>
+              <a:t>、</a:t>
+            </a:r>
+            <a:r>
+              <a:rPr lang="en-US" altLang="zh-CN" sz="1200" kern="1200" dirty="0" smtClean="0">
+                <a:solidFill>
+                  <a:schemeClr val="tx1"/>
+                </a:solidFill>
+                <a:effectLst/>
+                <a:latin typeface="+mn-lt"/>
+                <a:ea typeface="+mn-ea"/>
+                <a:cs typeface="+mn-cs"/>
+              </a:rPr>
+              <a:t>Ruby</a:t>
+            </a:r>
+            <a:r>
+              <a:rPr lang="zh-CN" altLang="zh-CN" sz="1200" kern="1200" dirty="0" smtClean="0">
+                <a:solidFill>
+                  <a:schemeClr val="tx1"/>
+                </a:solidFill>
+                <a:effectLst/>
+                <a:latin typeface="+mn-lt"/>
+                <a:ea typeface="+mn-ea"/>
+                <a:cs typeface="+mn-cs"/>
+              </a:rPr>
+              <a:t>、</a:t>
+            </a:r>
+            <a:r>
+              <a:rPr lang="en-US" altLang="zh-CN" sz="1200" kern="1200" dirty="0" smtClean="0">
+                <a:solidFill>
+                  <a:schemeClr val="tx1"/>
+                </a:solidFill>
+                <a:effectLst/>
+                <a:latin typeface="+mn-lt"/>
+                <a:ea typeface="+mn-ea"/>
+                <a:cs typeface="+mn-cs"/>
+              </a:rPr>
+              <a:t>JavaScript</a:t>
+            </a:r>
+            <a:r>
+              <a:rPr lang="zh-CN" altLang="zh-CN" sz="1200" kern="1200" dirty="0" smtClean="0">
+                <a:solidFill>
+                  <a:schemeClr val="tx1"/>
+                </a:solidFill>
+                <a:effectLst/>
+                <a:latin typeface="+mn-lt"/>
+                <a:ea typeface="+mn-ea"/>
+                <a:cs typeface="+mn-cs"/>
+              </a:rPr>
+              <a:t>这样的动态、解释型的脚本语言，一个自定义的制板规则就相当于是一个模块，可以被其他模块引用。所有这样的模块就是一个个的文件，它们共同组成了制板知识的数据库，并且可以随时修改和增添新的模块，实现制板规则和方法的更新迭代。</a:t>
+            </a:r>
+            <a:endParaRPr lang="zh-CN" altLang="zh-CN" sz="1200" kern="1200" dirty="0">
+              <a:solidFill>
+                <a:schemeClr val="tx1"/>
+              </a:solidFill>
+              <a:effectLst/>
+              <a:latin typeface="+mn-lt"/>
+              <a:ea typeface="+mn-ea"/>
+              <a:cs typeface="+mn-cs"/>
+            </a:endParaRPr>
+          </a:p>
+        </p:txBody>
+      </p:sp>
+      <p:sp>
+        <p:nvSpPr>
+          <p:cNvPr id="4" name="灯片编号占位符 3"/>
+          <p:cNvSpPr>
+            <a:spLocks noGrp="1"/>
+          </p:cNvSpPr>
+          <p:nvPr>
+            <p:ph type="sldNum" sz="quarter" idx="10"/>
+          </p:nvPr>
+        </p:nvSpPr>
+        <p:spPr/>
+        <p:txBody>
+          <a:bodyPr/>
+          <a:lstStyle/>
+          <a:p>
+            <a:fld id="{0F146AA8-6DE6-4C34-92C5-7E268807DE7D}" type="slidenum">
+              <a:rPr lang="zh-CN" altLang="en-US" smtClean="0"/>
               <a:t>15</a:t>
             </a:fld>
             <a:endParaRPr lang="zh-CN" altLang="en-US"/>
@@ -1232,7 +1085,7 @@
     </p:spTree>
     <p:extLst>
       <p:ext uri="{BB962C8B-B14F-4D97-AF65-F5344CB8AC3E}">
-        <p14:creationId xmlns:p14="http://schemas.microsoft.com/office/powerpoint/2010/main" val="4174474320"/>
+        <p14:creationId xmlns:p14="http://schemas.microsoft.com/office/powerpoint/2010/main" val="2008059397"/>
       </p:ext>
     </p:extLst>
   </p:cSld>
@@ -1408,7 +1261,7 @@
     </p:spTree>
     <p:extLst>
       <p:ext uri="{BB962C8B-B14F-4D97-AF65-F5344CB8AC3E}">
-        <p14:creationId xmlns:p14="http://schemas.microsoft.com/office/powerpoint/2010/main" val="2008059397"/>
+        <p14:creationId xmlns:p14="http://schemas.microsoft.com/office/powerpoint/2010/main" val="1997423502"/>
       </p:ext>
     </p:extLst>
   </p:cSld>
@@ -1462,99 +1315,7 @@
           <a:bodyPr/>
           <a:lstStyle/>
           <a:p>
-            <a:r>
-              <a:rPr lang="zh-CN" altLang="zh-CN" sz="1200" kern="1200" dirty="0" smtClean="0">
-                <a:solidFill>
-                  <a:schemeClr val="tx1"/>
-                </a:solidFill>
-                <a:effectLst/>
-                <a:latin typeface="+mn-lt"/>
-                <a:ea typeface="+mn-ea"/>
-                <a:cs typeface="+mn-cs"/>
-              </a:rPr>
-              <a:t>制板规则语言类似于计算机语言中的</a:t>
-            </a:r>
-            <a:r>
-              <a:rPr lang="en-US" altLang="zh-CN" sz="1200" kern="1200" dirty="0" err="1" smtClean="0">
-                <a:solidFill>
-                  <a:schemeClr val="tx1"/>
-                </a:solidFill>
-                <a:effectLst/>
-                <a:latin typeface="+mn-lt"/>
-                <a:ea typeface="+mn-ea"/>
-                <a:cs typeface="+mn-cs"/>
-              </a:rPr>
-              <a:t>Lua</a:t>
-            </a:r>
-            <a:r>
-              <a:rPr lang="zh-CN" altLang="zh-CN" sz="1200" kern="1200" dirty="0" smtClean="0">
-                <a:solidFill>
-                  <a:schemeClr val="tx1"/>
-                </a:solidFill>
-                <a:effectLst/>
-                <a:latin typeface="+mn-lt"/>
-                <a:ea typeface="+mn-ea"/>
-                <a:cs typeface="+mn-cs"/>
-              </a:rPr>
-              <a:t>、</a:t>
-            </a:r>
-            <a:r>
-              <a:rPr lang="en-US" altLang="zh-CN" sz="1200" kern="1200" dirty="0" smtClean="0">
-                <a:solidFill>
-                  <a:schemeClr val="tx1"/>
-                </a:solidFill>
-                <a:effectLst/>
-                <a:latin typeface="+mn-lt"/>
-                <a:ea typeface="+mn-ea"/>
-                <a:cs typeface="+mn-cs"/>
-              </a:rPr>
-              <a:t>Ruby</a:t>
-            </a:r>
-            <a:r>
-              <a:rPr lang="zh-CN" altLang="zh-CN" sz="1200" kern="1200" dirty="0" smtClean="0">
-                <a:solidFill>
-                  <a:schemeClr val="tx1"/>
-                </a:solidFill>
-                <a:effectLst/>
-                <a:latin typeface="+mn-lt"/>
-                <a:ea typeface="+mn-ea"/>
-                <a:cs typeface="+mn-cs"/>
-              </a:rPr>
-              <a:t>、</a:t>
-            </a:r>
-            <a:r>
-              <a:rPr lang="en-US" altLang="zh-CN" sz="1200" kern="1200" dirty="0" smtClean="0">
-                <a:solidFill>
-                  <a:schemeClr val="tx1"/>
-                </a:solidFill>
-                <a:effectLst/>
-                <a:latin typeface="+mn-lt"/>
-                <a:ea typeface="+mn-ea"/>
-                <a:cs typeface="+mn-cs"/>
-              </a:rPr>
-              <a:t>JavaScript</a:t>
-            </a:r>
-            <a:r>
-              <a:rPr lang="zh-CN" altLang="zh-CN" sz="1200" kern="1200" dirty="0" smtClean="0">
-                <a:solidFill>
-                  <a:schemeClr val="tx1"/>
-                </a:solidFill>
-                <a:effectLst/>
-                <a:latin typeface="+mn-lt"/>
-                <a:ea typeface="+mn-ea"/>
-                <a:cs typeface="+mn-cs"/>
-              </a:rPr>
-              <a:t>这样的动态、解释型的脚本语言，一个自定义的制板规则就相当于是一个模块，可以被其他模块引用。所有这样的模块就是一个个的文件，它们共同组成了制板知识的数据库，并且可以随时修改和增添新的模块，实现制板规则和方法的更新迭代。</a:t>
-            </a:r>
-            <a:endParaRPr lang="zh-CN" altLang="zh-CN" sz="1200" kern="1200" dirty="0">
-              <a:solidFill>
-                <a:schemeClr val="tx1"/>
-              </a:solidFill>
-              <a:effectLst/>
-              <a:latin typeface="+mn-lt"/>
-              <a:ea typeface="+mn-ea"/>
-              <a:cs typeface="+mn-cs"/>
-            </a:endParaRPr>
+            <a:endParaRPr lang="zh-CN" altLang="en-US" dirty="0"/>
           </a:p>
         </p:txBody>
       </p:sp>
@@ -1584,7 +1345,7 @@
     </p:spTree>
     <p:extLst>
       <p:ext uri="{BB962C8B-B14F-4D97-AF65-F5344CB8AC3E}">
-        <p14:creationId xmlns:p14="http://schemas.microsoft.com/office/powerpoint/2010/main" val="1997423502"/>
+        <p14:creationId xmlns:p14="http://schemas.microsoft.com/office/powerpoint/2010/main" val="2774965417"/>
       </p:ext>
     </p:extLst>
   </p:cSld>
@@ -1638,195 +1399,6 @@
           <a:bodyPr/>
           <a:lstStyle/>
           <a:p>
-            <a:r>
-              <a:rPr lang="zh-CN" altLang="zh-CN" sz="1200" kern="1200" dirty="0" smtClean="0">
-                <a:solidFill>
-                  <a:schemeClr val="tx1"/>
-                </a:solidFill>
-                <a:effectLst/>
-                <a:latin typeface="+mn-lt"/>
-                <a:ea typeface="+mn-ea"/>
-                <a:cs typeface="+mn-cs"/>
-              </a:rPr>
-              <a:t>组件之间的低耦合性使得组件之间的影响程度降低，新添加的组件不会影响到原有组件，这符合软件开发中的“对扩展开放、对修改封闭”的开放封闭原则。由于组件的使用要严格遵循接口的协议规定，所以不必担心新增添的组件会失效。以上两点保证了款式设计系统具有一定的扩展性。</a:t>
-            </a:r>
-            <a:endParaRPr lang="en-US" altLang="zh-CN" sz="1200" kern="1200" dirty="0" smtClean="0">
-              <a:solidFill>
-                <a:schemeClr val="tx1"/>
-              </a:solidFill>
-              <a:effectLst/>
-              <a:latin typeface="+mn-lt"/>
-              <a:ea typeface="+mn-ea"/>
-              <a:cs typeface="+mn-cs"/>
-            </a:endParaRPr>
-          </a:p>
-          <a:p>
-            <a:r>
-              <a:rPr lang="zh-CN" altLang="zh-CN" sz="1200" kern="1200" dirty="0" smtClean="0">
-                <a:solidFill>
-                  <a:schemeClr val="tx1"/>
-                </a:solidFill>
-                <a:effectLst/>
-                <a:latin typeface="+mn-lt"/>
-                <a:ea typeface="+mn-ea"/>
-                <a:cs typeface="+mn-cs"/>
-              </a:rPr>
-              <a:t>所谓数据是指程序所使用的原始素材，它并非只包括数据库或表格中的数据或者</a:t>
-            </a:r>
-            <a:r>
-              <a:rPr lang="en-US" altLang="zh-CN" sz="1200" kern="1200" dirty="0" smtClean="0">
-                <a:solidFill>
-                  <a:schemeClr val="tx1"/>
-                </a:solidFill>
-                <a:effectLst/>
-                <a:latin typeface="+mn-lt"/>
-                <a:ea typeface="+mn-ea"/>
-                <a:cs typeface="+mn-cs"/>
-              </a:rPr>
-              <a:t>XML</a:t>
-            </a:r>
-            <a:r>
-              <a:rPr lang="zh-CN" altLang="zh-CN" sz="1200" kern="1200" dirty="0" smtClean="0">
-                <a:solidFill>
-                  <a:schemeClr val="tx1"/>
-                </a:solidFill>
-                <a:effectLst/>
-                <a:latin typeface="+mn-lt"/>
-                <a:ea typeface="+mn-ea"/>
-                <a:cs typeface="+mn-cs"/>
-              </a:rPr>
-              <a:t>、</a:t>
-            </a:r>
-            <a:r>
-              <a:rPr lang="en-US" altLang="zh-CN" sz="1200" kern="1200" dirty="0" smtClean="0">
-                <a:solidFill>
-                  <a:schemeClr val="tx1"/>
-                </a:solidFill>
-                <a:effectLst/>
-                <a:latin typeface="+mn-lt"/>
-                <a:ea typeface="+mn-ea"/>
-                <a:cs typeface="+mn-cs"/>
-              </a:rPr>
-              <a:t>JSON</a:t>
-            </a:r>
-            <a:r>
-              <a:rPr lang="zh-CN" altLang="zh-CN" sz="1200" kern="1200" dirty="0" smtClean="0">
-                <a:solidFill>
-                  <a:schemeClr val="tx1"/>
-                </a:solidFill>
-                <a:effectLst/>
-                <a:latin typeface="+mn-lt"/>
-                <a:ea typeface="+mn-ea"/>
-                <a:cs typeface="+mn-cs"/>
-              </a:rPr>
-              <a:t>等格式的数据文件，诸如图像、声音、文本、二进制文件等都是数据。数据驱动是一种软件设计思想，它通过数据的变化控制逻辑走向，系统的界面、显示、算法等都随着数据的改变而改变。数据驱动的方法隔离了软件的数据层和逻辑层，让代码从混乱变得干净，条理更加清晰。</a:t>
-            </a:r>
-            <a:endParaRPr lang="en-US" altLang="zh-CN" sz="1200" kern="1200" dirty="0" smtClean="0">
-              <a:solidFill>
-                <a:schemeClr val="tx1"/>
-              </a:solidFill>
-              <a:effectLst/>
-              <a:latin typeface="+mn-lt"/>
-              <a:ea typeface="+mn-ea"/>
-              <a:cs typeface="+mn-cs"/>
-            </a:endParaRPr>
-          </a:p>
-          <a:p>
-            <a:endParaRPr lang="en-US" altLang="zh-CN" sz="1200" kern="1200" dirty="0" smtClean="0">
-              <a:solidFill>
-                <a:schemeClr val="tx1"/>
-              </a:solidFill>
-              <a:effectLst/>
-              <a:latin typeface="+mn-lt"/>
-              <a:ea typeface="+mn-ea"/>
-              <a:cs typeface="+mn-cs"/>
-            </a:endParaRPr>
-          </a:p>
-          <a:p>
-            <a:r>
-              <a:rPr lang="zh-CN" altLang="zh-CN" sz="1200" kern="1200" dirty="0" smtClean="0">
-                <a:solidFill>
-                  <a:schemeClr val="tx1"/>
-                </a:solidFill>
-                <a:effectLst/>
-                <a:latin typeface="+mn-lt"/>
-                <a:ea typeface="+mn-ea"/>
-                <a:cs typeface="+mn-cs"/>
-              </a:rPr>
-              <a:t>如果说廓形是从整体上描述女裤的外观的话，那么部件就是在局部上的描述。通过前期的知识获取工作，本文在设计上将女裤拆分成</a:t>
-            </a:r>
-            <a:r>
-              <a:rPr lang="en-US" altLang="zh-CN" sz="1200" kern="1200" dirty="0" smtClean="0">
-                <a:solidFill>
-                  <a:schemeClr val="tx1"/>
-                </a:solidFill>
-                <a:effectLst/>
-                <a:latin typeface="+mn-lt"/>
-                <a:ea typeface="+mn-ea"/>
-                <a:cs typeface="+mn-cs"/>
-              </a:rPr>
-              <a:t>11</a:t>
-            </a:r>
-            <a:r>
-              <a:rPr lang="zh-CN" altLang="zh-CN" sz="1200" kern="1200" dirty="0" smtClean="0">
-                <a:solidFill>
-                  <a:schemeClr val="tx1"/>
-                </a:solidFill>
-                <a:effectLst/>
-                <a:latin typeface="+mn-lt"/>
-                <a:ea typeface="+mn-ea"/>
-                <a:cs typeface="+mn-cs"/>
-              </a:rPr>
-              <a:t>个局部，分别为：裤长、裤袢、裤脚、腰位、前腰头、后腰头、门襟、前褶省、后褶省、前袋、后袋。每个部位上都有不同的款式部件，</a:t>
-            </a:r>
-            <a:r>
-              <a:rPr lang="en-US" altLang="zh-CN" sz="1200" kern="1200" dirty="0" smtClean="0">
-                <a:solidFill>
-                  <a:schemeClr val="tx1"/>
-                </a:solidFill>
-                <a:effectLst/>
-                <a:latin typeface="+mn-lt"/>
-                <a:ea typeface="+mn-ea"/>
-                <a:cs typeface="+mn-cs"/>
-              </a:rPr>
-              <a:t>11</a:t>
-            </a:r>
-            <a:r>
-              <a:rPr lang="zh-CN" altLang="zh-CN" sz="1200" kern="1200" dirty="0" smtClean="0">
-                <a:solidFill>
-                  <a:schemeClr val="tx1"/>
-                </a:solidFill>
-                <a:effectLst/>
-                <a:latin typeface="+mn-lt"/>
-                <a:ea typeface="+mn-ea"/>
-                <a:cs typeface="+mn-cs"/>
-              </a:rPr>
-              <a:t>个不同部位的</a:t>
-            </a:r>
-            <a:r>
-              <a:rPr lang="en-US" altLang="zh-CN" sz="1200" kern="1200" dirty="0" smtClean="0">
-                <a:solidFill>
-                  <a:schemeClr val="tx1"/>
-                </a:solidFill>
-                <a:effectLst/>
-                <a:latin typeface="+mn-lt"/>
-                <a:ea typeface="+mn-ea"/>
-                <a:cs typeface="+mn-cs"/>
-              </a:rPr>
-              <a:t>11</a:t>
-            </a:r>
-            <a:r>
-              <a:rPr lang="zh-CN" altLang="zh-CN" sz="1200" kern="1200" dirty="0" smtClean="0">
-                <a:solidFill>
-                  <a:schemeClr val="tx1"/>
-                </a:solidFill>
-                <a:effectLst/>
-                <a:latin typeface="+mn-lt"/>
-                <a:ea typeface="+mn-ea"/>
-                <a:cs typeface="+mn-cs"/>
-              </a:rPr>
-              <a:t>个部件组合在一起就构成了一条完整的女裤。用计算机程序的视角来看，每个局部都是接口，是固定的、已知的、标准化的；而款式部件则是与接口配套的组件，每个组件都适用于某个接口，一个接口可以对应任意多个组件。</a:t>
-            </a:r>
             <a:endParaRPr lang="zh-CN" altLang="en-US" dirty="0"/>
           </a:p>
         </p:txBody>
@@ -2247,234 +1819,6 @@
           <a:bodyPr/>
           <a:lstStyle/>
           <a:p>
-            <a:r>
-              <a:rPr lang="zh-CN" altLang="zh-CN" sz="1200" kern="1200" dirty="0" smtClean="0">
-                <a:solidFill>
-                  <a:schemeClr val="tx1"/>
-                </a:solidFill>
-                <a:effectLst/>
-                <a:latin typeface="+mn-lt"/>
-                <a:ea typeface="+mn-ea"/>
-                <a:cs typeface="+mn-cs"/>
-              </a:rPr>
-              <a:t>目前的智能制板方法主要可以分为三类：第一类利用人工神经网络、模糊逻辑算法等，调用数据库资源生成样板</a:t>
-            </a:r>
-            <a:r>
-              <a:rPr lang="en-US" altLang="zh-CN" sz="1200" kern="1200" baseline="30000" dirty="0" smtClean="0">
-                <a:solidFill>
-                  <a:schemeClr val="tx1"/>
-                </a:solidFill>
-                <a:effectLst/>
-                <a:latin typeface="+mn-lt"/>
-                <a:ea typeface="+mn-ea"/>
-                <a:cs typeface="+mn-cs"/>
-              </a:rPr>
-              <a:t>[16–18]</a:t>
-            </a:r>
-            <a:r>
-              <a:rPr lang="zh-CN" altLang="zh-CN" sz="1200" kern="1200" dirty="0" smtClean="0">
-                <a:solidFill>
-                  <a:schemeClr val="tx1"/>
-                </a:solidFill>
-                <a:effectLst/>
-                <a:latin typeface="+mn-lt"/>
-                <a:ea typeface="+mn-ea"/>
-                <a:cs typeface="+mn-cs"/>
-              </a:rPr>
-              <a:t>；第二类在</a:t>
-            </a:r>
-            <a:r>
-              <a:rPr lang="en-US" altLang="zh-CN" sz="1200" kern="1200" dirty="0" smtClean="0">
-                <a:solidFill>
-                  <a:schemeClr val="tx1"/>
-                </a:solidFill>
-                <a:effectLst/>
-                <a:latin typeface="+mn-lt"/>
-                <a:ea typeface="+mn-ea"/>
-                <a:cs typeface="+mn-cs"/>
-              </a:rPr>
-              <a:t>3D</a:t>
-            </a:r>
-            <a:r>
-              <a:rPr lang="zh-CN" altLang="zh-CN" sz="1200" kern="1200" dirty="0" smtClean="0">
-                <a:solidFill>
-                  <a:schemeClr val="tx1"/>
-                </a:solidFill>
-                <a:effectLst/>
-                <a:latin typeface="+mn-lt"/>
-                <a:ea typeface="+mn-ea"/>
-                <a:cs typeface="+mn-cs"/>
-              </a:rPr>
-              <a:t>人体模型的基础上，展平服装曲面获得个性化样板</a:t>
-            </a:r>
-            <a:r>
-              <a:rPr lang="en-US" altLang="zh-CN" sz="1200" kern="1200" baseline="30000" dirty="0" smtClean="0">
-                <a:solidFill>
-                  <a:schemeClr val="tx1"/>
-                </a:solidFill>
-                <a:effectLst/>
-                <a:latin typeface="+mn-lt"/>
-                <a:ea typeface="+mn-ea"/>
-                <a:cs typeface="+mn-cs"/>
-              </a:rPr>
-              <a:t>[19]</a:t>
-            </a:r>
-            <a:r>
-              <a:rPr lang="zh-CN" altLang="zh-CN" sz="1200" kern="1200" dirty="0" smtClean="0">
-                <a:solidFill>
-                  <a:schemeClr val="tx1"/>
-                </a:solidFill>
-                <a:effectLst/>
-                <a:latin typeface="+mn-lt"/>
-                <a:ea typeface="+mn-ea"/>
-                <a:cs typeface="+mn-cs"/>
-              </a:rPr>
-              <a:t>；第三类是基于参数化设计的自动打板技术</a:t>
-            </a:r>
-            <a:r>
-              <a:rPr lang="en-US" altLang="zh-CN" sz="1200" kern="1200" baseline="30000" dirty="0" smtClean="0">
-                <a:solidFill>
-                  <a:schemeClr val="tx1"/>
-                </a:solidFill>
-                <a:effectLst/>
-                <a:latin typeface="+mn-lt"/>
-                <a:ea typeface="+mn-ea"/>
-                <a:cs typeface="+mn-cs"/>
-              </a:rPr>
-              <a:t>[20]</a:t>
-            </a:r>
-            <a:r>
-              <a:rPr lang="zh-CN" altLang="zh-CN" sz="1200" kern="1200" dirty="0" smtClean="0">
-                <a:solidFill>
-                  <a:schemeClr val="tx1"/>
-                </a:solidFill>
-                <a:effectLst/>
-                <a:latin typeface="+mn-lt"/>
-                <a:ea typeface="+mn-ea"/>
-                <a:cs typeface="+mn-cs"/>
-              </a:rPr>
-              <a:t>。对于使用第一类方法的研究，因为受限于特定算法的适用范围，所以不能直接自动生成样板</a:t>
-            </a:r>
-            <a:r>
-              <a:rPr lang="en-US" altLang="zh-CN" sz="1200" kern="1200" baseline="30000" dirty="0" smtClean="0">
-                <a:solidFill>
-                  <a:schemeClr val="tx1"/>
-                </a:solidFill>
-                <a:effectLst/>
-                <a:latin typeface="+mn-lt"/>
-                <a:ea typeface="+mn-ea"/>
-                <a:cs typeface="+mn-cs"/>
-              </a:rPr>
-              <a:t>[16,21]</a:t>
-            </a:r>
-            <a:r>
-              <a:rPr lang="zh-CN" altLang="zh-CN" sz="1200" kern="1200" dirty="0" smtClean="0">
-                <a:solidFill>
-                  <a:schemeClr val="tx1"/>
-                </a:solidFill>
-                <a:effectLst/>
-                <a:latin typeface="+mn-lt"/>
-                <a:ea typeface="+mn-ea"/>
-                <a:cs typeface="+mn-cs"/>
-              </a:rPr>
-              <a:t>，它往往与参数化方法结合；第二类方法的难点在于如何获取客户的</a:t>
-            </a:r>
-            <a:r>
-              <a:rPr lang="en-US" altLang="zh-CN" sz="1200" kern="1200" dirty="0" smtClean="0">
-                <a:solidFill>
-                  <a:schemeClr val="tx1"/>
-                </a:solidFill>
-                <a:effectLst/>
-                <a:latin typeface="+mn-lt"/>
-                <a:ea typeface="+mn-ea"/>
-                <a:cs typeface="+mn-cs"/>
-              </a:rPr>
-              <a:t>3D</a:t>
-            </a:r>
-            <a:r>
-              <a:rPr lang="zh-CN" altLang="zh-CN" sz="1200" kern="1200" dirty="0" smtClean="0">
-                <a:solidFill>
-                  <a:schemeClr val="tx1"/>
-                </a:solidFill>
-                <a:effectLst/>
-                <a:latin typeface="+mn-lt"/>
-                <a:ea typeface="+mn-ea"/>
-                <a:cs typeface="+mn-cs"/>
-              </a:rPr>
-              <a:t>人体模型；而第三类方法是应用最广泛的，比如已有的基于</a:t>
-            </a:r>
-            <a:r>
-              <a:rPr lang="en-US" altLang="zh-CN" sz="1200" kern="1200" dirty="0" smtClean="0">
-                <a:solidFill>
-                  <a:schemeClr val="tx1"/>
-                </a:solidFill>
-                <a:effectLst/>
-                <a:latin typeface="+mn-lt"/>
-                <a:ea typeface="+mn-ea"/>
-                <a:cs typeface="+mn-cs"/>
-              </a:rPr>
-              <a:t>AutoCAD</a:t>
-            </a:r>
-            <a:r>
-              <a:rPr lang="zh-CN" altLang="zh-CN" sz="1200" kern="1200" dirty="0" smtClean="0">
-                <a:solidFill>
-                  <a:schemeClr val="tx1"/>
-                </a:solidFill>
-                <a:effectLst/>
-                <a:latin typeface="+mn-lt"/>
-                <a:ea typeface="+mn-ea"/>
-                <a:cs typeface="+mn-cs"/>
-              </a:rPr>
-              <a:t>等工具进行参数化打板的研究</a:t>
-            </a:r>
-            <a:r>
-              <a:rPr lang="en-US" altLang="zh-CN" sz="1200" kern="1200" baseline="30000" dirty="0" smtClean="0">
-                <a:solidFill>
-                  <a:schemeClr val="tx1"/>
-                </a:solidFill>
-                <a:effectLst/>
-                <a:latin typeface="+mn-lt"/>
-                <a:ea typeface="+mn-ea"/>
-                <a:cs typeface="+mn-cs"/>
-              </a:rPr>
-              <a:t>[22–24]</a:t>
-            </a:r>
-            <a:r>
-              <a:rPr lang="zh-CN" altLang="zh-CN" sz="1200" kern="1200" dirty="0" smtClean="0">
-                <a:solidFill>
-                  <a:schemeClr val="tx1"/>
-                </a:solidFill>
-                <a:effectLst/>
-                <a:latin typeface="+mn-lt"/>
-                <a:ea typeface="+mn-ea"/>
-                <a:cs typeface="+mn-cs"/>
-              </a:rPr>
-              <a:t>。但是参数化的基础是基于规则的专家系统，而专家知识的数据化却没有比较系统的研究，导致制板系统很难适应不断变化的服装款式</a:t>
-            </a:r>
-            <a:r>
-              <a:rPr lang="en-US" altLang="zh-CN" sz="1200" kern="1200" baseline="30000" dirty="0" smtClean="0">
-                <a:solidFill>
-                  <a:schemeClr val="tx1"/>
-                </a:solidFill>
-                <a:effectLst/>
-                <a:latin typeface="+mn-lt"/>
-                <a:ea typeface="+mn-ea"/>
-                <a:cs typeface="+mn-cs"/>
-              </a:rPr>
-              <a:t>[25]</a:t>
-            </a:r>
-            <a:r>
-              <a:rPr lang="zh-CN" altLang="zh-CN" sz="1200" kern="1200" dirty="0" smtClean="0">
-                <a:solidFill>
-                  <a:schemeClr val="tx1"/>
-                </a:solidFill>
-                <a:effectLst/>
-                <a:latin typeface="+mn-lt"/>
-                <a:ea typeface="+mn-ea"/>
-                <a:cs typeface="+mn-cs"/>
-              </a:rPr>
-              <a:t>。</a:t>
-            </a:r>
             <a:endParaRPr lang="zh-CN" altLang="en-US" dirty="0"/>
           </a:p>
         </p:txBody>
@@ -2947,112 +2291,6 @@
           <a:bodyPr/>
           <a:lstStyle/>
           <a:p>
-            <a:r>
-              <a:rPr lang="zh-CN" altLang="zh-CN" sz="1200" kern="1200" dirty="0" smtClean="0">
-                <a:solidFill>
-                  <a:schemeClr val="tx1"/>
-                </a:solidFill>
-                <a:effectLst/>
-                <a:latin typeface="+mn-lt"/>
-                <a:ea typeface="+mn-ea"/>
-                <a:cs typeface="+mn-cs"/>
-              </a:rPr>
-              <a:t>明确每个设计单元履行的职责、明确设计单元之间相互协作的接口。</a:t>
-            </a:r>
-            <a:endParaRPr lang="en-US" altLang="zh-CN" sz="1200" kern="1200" dirty="0" smtClean="0">
-              <a:solidFill>
-                <a:schemeClr val="tx1"/>
-              </a:solidFill>
-              <a:effectLst/>
-              <a:latin typeface="+mn-lt"/>
-              <a:ea typeface="+mn-ea"/>
-              <a:cs typeface="+mn-cs"/>
-            </a:endParaRPr>
-          </a:p>
-          <a:p>
-            <a:r>
-              <a:rPr lang="zh-CN" altLang="zh-CN" sz="1200" kern="1200" dirty="0" smtClean="0">
-                <a:solidFill>
-                  <a:schemeClr val="tx1"/>
-                </a:solidFill>
-                <a:effectLst/>
-                <a:latin typeface="+mn-lt"/>
-                <a:ea typeface="+mn-ea"/>
-                <a:cs typeface="+mn-cs"/>
-              </a:rPr>
-              <a:t>善用“封装”，也就是通过隐藏细节的方式隔离变化、降低耦合。隐藏设计单元内部细节，合理地设计和暴露接口，可以满足系统的可扩展性。要做到合理地设计接口，需要准确识别业务需求中的变化点和不变量。封装的目的是剥离系统需求中的变化点，例如款式部件的数据、款式组合的策略、样板绘制的规则、绘图的流程等。将变化点剥离之后可以在不修改系统核心功能代码的前提下进行扩展。</a:t>
-            </a:r>
-            <a:endParaRPr lang="en-US" altLang="zh-CN" sz="1200" kern="1200" dirty="0" smtClean="0">
-              <a:solidFill>
-                <a:schemeClr val="tx1"/>
-              </a:solidFill>
-              <a:effectLst/>
-              <a:latin typeface="+mn-lt"/>
-              <a:ea typeface="+mn-ea"/>
-              <a:cs typeface="+mn-cs"/>
-            </a:endParaRPr>
-          </a:p>
-          <a:p>
-            <a:r>
-              <a:rPr lang="zh-CN" altLang="zh-CN" sz="1200" kern="1200" dirty="0" smtClean="0">
-                <a:solidFill>
-                  <a:schemeClr val="tx1"/>
-                </a:solidFill>
-                <a:effectLst/>
-                <a:latin typeface="+mn-lt"/>
-                <a:ea typeface="+mn-ea"/>
-                <a:cs typeface="+mn-cs"/>
-              </a:rPr>
-              <a:t>支持使用者定制自己的逻辑，提供可定制的功能与服务。本系统的做法是提供款式部件库、制板规则库的修改权限，并且设计和提供了制板规则的领域特定语言（</a:t>
-            </a:r>
-            <a:r>
-              <a:rPr lang="en-US" altLang="zh-CN" sz="1200" kern="1200" dirty="0" smtClean="0">
-                <a:solidFill>
-                  <a:schemeClr val="tx1"/>
-                </a:solidFill>
-                <a:effectLst/>
-                <a:latin typeface="+mn-lt"/>
-                <a:ea typeface="+mn-ea"/>
-                <a:cs typeface="+mn-cs"/>
-              </a:rPr>
-              <a:t>Domain Specific Language</a:t>
-            </a:r>
-            <a:r>
-              <a:rPr lang="zh-CN" altLang="zh-CN" sz="1200" kern="1200" dirty="0" smtClean="0">
-                <a:solidFill>
-                  <a:schemeClr val="tx1"/>
-                </a:solidFill>
-                <a:effectLst/>
-                <a:latin typeface="+mn-lt"/>
-                <a:ea typeface="+mn-ea"/>
-                <a:cs typeface="+mn-cs"/>
-              </a:rPr>
-              <a:t>，简称</a:t>
-            </a:r>
-            <a:r>
-              <a:rPr lang="en-US" altLang="zh-CN" sz="1200" kern="1200" dirty="0" smtClean="0">
-                <a:solidFill>
-                  <a:schemeClr val="tx1"/>
-                </a:solidFill>
-                <a:effectLst/>
-                <a:latin typeface="+mn-lt"/>
-                <a:ea typeface="+mn-ea"/>
-                <a:cs typeface="+mn-cs"/>
-              </a:rPr>
-              <a:t>DSL</a:t>
-            </a:r>
-            <a:r>
-              <a:rPr lang="zh-CN" altLang="zh-CN" sz="1200" kern="1200" dirty="0" smtClean="0">
-                <a:solidFill>
-                  <a:schemeClr val="tx1"/>
-                </a:solidFill>
-                <a:effectLst/>
-                <a:latin typeface="+mn-lt"/>
-                <a:ea typeface="+mn-ea"/>
-                <a:cs typeface="+mn-cs"/>
-              </a:rPr>
-              <a:t>）。</a:t>
-            </a:r>
             <a:endParaRPr lang="en-US" altLang="zh-CN" sz="1200" kern="1200" dirty="0" smtClean="0">
               <a:solidFill>
                 <a:schemeClr val="tx1"/>
@@ -3144,118 +2382,6 @@
         <p:txBody>
           <a:bodyPr/>
           <a:lstStyle/>
-          <a:p>
-            <a:r>
-              <a:rPr lang="zh-CN" altLang="en-US" sz="1200" kern="1200" dirty="0" smtClean="0">
-                <a:solidFill>
-                  <a:schemeClr val="tx1"/>
-                </a:solidFill>
-                <a:effectLst/>
-                <a:latin typeface="+mn-lt"/>
-                <a:ea typeface="+mn-ea"/>
-                <a:cs typeface="+mn-cs"/>
-              </a:rPr>
-              <a:t>用户界面层</a:t>
-            </a:r>
-            <a:r>
-              <a:rPr lang="zh-CN" altLang="zh-CN" sz="1200" kern="1200" dirty="0" smtClean="0">
-                <a:solidFill>
-                  <a:schemeClr val="tx1"/>
-                </a:solidFill>
-                <a:effectLst/>
-                <a:latin typeface="+mn-lt"/>
-                <a:ea typeface="+mn-ea"/>
-                <a:cs typeface="+mn-cs"/>
-              </a:rPr>
-              <a:t>负责向使用者展现、提示信息。</a:t>
-            </a:r>
-            <a:endParaRPr lang="en-US" altLang="zh-CN" sz="1200" kern="1200" dirty="0" smtClean="0">
-              <a:solidFill>
-                <a:schemeClr val="tx1"/>
-              </a:solidFill>
-              <a:effectLst/>
-              <a:latin typeface="+mn-lt"/>
-              <a:ea typeface="+mn-ea"/>
-              <a:cs typeface="+mn-cs"/>
-            </a:endParaRPr>
-          </a:p>
-          <a:p>
-            <a:r>
-              <a:rPr lang="zh-CN" altLang="zh-CN" sz="1200" kern="1200" dirty="0" smtClean="0">
-                <a:solidFill>
-                  <a:schemeClr val="tx1"/>
-                </a:solidFill>
-                <a:effectLst/>
-                <a:latin typeface="+mn-lt"/>
-                <a:ea typeface="+mn-ea"/>
-                <a:cs typeface="+mn-cs"/>
-              </a:rPr>
-              <a:t>应用层负责协调应用的活动。不包含业务逻辑，不保留业务对象的状态。</a:t>
-            </a:r>
-            <a:endParaRPr lang="en-US" altLang="zh-CN" sz="1200" kern="1200" dirty="0" smtClean="0">
-              <a:solidFill>
-                <a:schemeClr val="tx1"/>
-              </a:solidFill>
-              <a:effectLst/>
-              <a:latin typeface="+mn-lt"/>
-              <a:ea typeface="+mn-ea"/>
-              <a:cs typeface="+mn-cs"/>
-            </a:endParaRPr>
-          </a:p>
-          <a:p>
-            <a:r>
-              <a:rPr lang="zh-CN" altLang="en-US" sz="1200" kern="1200" dirty="0" smtClean="0">
-                <a:solidFill>
-                  <a:schemeClr val="tx1"/>
-                </a:solidFill>
-                <a:effectLst/>
-                <a:latin typeface="+mn-lt"/>
-                <a:ea typeface="+mn-ea"/>
-                <a:cs typeface="+mn-cs"/>
-              </a:rPr>
-              <a:t>领域层</a:t>
-            </a:r>
-            <a:r>
-              <a:rPr lang="zh-CN" altLang="zh-CN" sz="1200" kern="1200" dirty="0" smtClean="0">
-                <a:solidFill>
-                  <a:schemeClr val="tx1"/>
-                </a:solidFill>
-                <a:effectLst/>
-                <a:latin typeface="+mn-lt"/>
-                <a:ea typeface="+mn-ea"/>
-                <a:cs typeface="+mn-cs"/>
-              </a:rPr>
-              <a:t>包含关于服装设计、制板领域的信息，是系统的核心。保留业务对象的状态。</a:t>
-            </a:r>
-            <a:endParaRPr lang="en-US" altLang="zh-CN" sz="1200" kern="1200" dirty="0" smtClean="0">
-              <a:solidFill>
-                <a:schemeClr val="tx1"/>
-              </a:solidFill>
-              <a:effectLst/>
-              <a:latin typeface="+mn-lt"/>
-              <a:ea typeface="+mn-ea"/>
-              <a:cs typeface="+mn-cs"/>
-            </a:endParaRPr>
-          </a:p>
-          <a:p>
-            <a:r>
-              <a:rPr lang="zh-CN" altLang="en-US" dirty="0" smtClean="0"/>
-              <a:t>基础设施层：</a:t>
-            </a:r>
-            <a:r>
-              <a:rPr lang="zh-CN" altLang="zh-CN" sz="1200" kern="1200" dirty="0" smtClean="0">
-                <a:solidFill>
-                  <a:schemeClr val="tx1"/>
-                </a:solidFill>
-                <a:effectLst/>
-                <a:latin typeface="+mn-lt"/>
-                <a:ea typeface="+mn-ea"/>
-                <a:cs typeface="+mn-cs"/>
-              </a:rPr>
-              <a:t>作为其他层的支撑，提供了层间通信。实现业务对象的持久化，即数据管理。</a:t>
-            </a:r>
-            <a:endParaRPr lang="zh-CN" altLang="en-US" dirty="0" smtClean="0"/>
-          </a:p>
           <a:p>
             <a:endParaRPr lang="zh-CN" altLang="en-US" dirty="0"/>
           </a:p>
@@ -7550,146 +6676,1158 @@
           <a:chExt cx="0" cy="0"/>
         </a:xfrm>
       </p:grpSpPr>
-      <p:pic>
-        <p:nvPicPr>
-          <p:cNvPr id="2" name="图片 1" descr="答辩PPT图集"/>
-          <p:cNvPicPr>
-            <a:picLocks noChangeAspect="1"/>
-          </p:cNvPicPr>
+      <p:sp>
+        <p:nvSpPr>
+          <p:cNvPr id="56" name="Freeform 5"/>
+          <p:cNvSpPr/>
           <p:nvPr/>
-        </p:nvPicPr>
-        <p:blipFill>
-          <a:blip r:embed="rId3"/>
-          <a:stretch>
-            <a:fillRect/>
-          </a:stretch>
-        </p:blipFill>
+        </p:nvSpPr>
+        <p:spPr bwMode="auto">
+          <a:xfrm>
+            <a:off x="5198306" y="1773248"/>
+            <a:ext cx="1819258" cy="1640268"/>
+          </a:xfrm>
+          <a:custGeom>
+            <a:avLst/>
+            <a:gdLst>
+              <a:gd name="T0" fmla="*/ 2151 w 2740"/>
+              <a:gd name="T1" fmla="*/ 2315 h 2446"/>
+              <a:gd name="T2" fmla="*/ 2055 w 2740"/>
+              <a:gd name="T3" fmla="*/ 2410 h 2446"/>
+              <a:gd name="T4" fmla="*/ 1918 w 2740"/>
+              <a:gd name="T5" fmla="*/ 2445 h 2446"/>
+              <a:gd name="T6" fmla="*/ 816 w 2740"/>
+              <a:gd name="T7" fmla="*/ 2445 h 2446"/>
+              <a:gd name="T8" fmla="*/ 685 w 2740"/>
+              <a:gd name="T9" fmla="*/ 2410 h 2446"/>
+              <a:gd name="T10" fmla="*/ 589 w 2740"/>
+              <a:gd name="T11" fmla="*/ 2314 h 2446"/>
+              <a:gd name="T12" fmla="*/ 36 w 2740"/>
+              <a:gd name="T13" fmla="*/ 1356 h 2446"/>
+              <a:gd name="T14" fmla="*/ 0 w 2740"/>
+              <a:gd name="T15" fmla="*/ 1223 h 2446"/>
+              <a:gd name="T16" fmla="*/ 36 w 2740"/>
+              <a:gd name="T17" fmla="*/ 1089 h 2446"/>
+              <a:gd name="T18" fmla="*/ 587 w 2740"/>
+              <a:gd name="T19" fmla="*/ 135 h 2446"/>
+              <a:gd name="T20" fmla="*/ 685 w 2740"/>
+              <a:gd name="T21" fmla="*/ 37 h 2446"/>
+              <a:gd name="T22" fmla="*/ 810 w 2740"/>
+              <a:gd name="T23" fmla="*/ 1 h 2446"/>
+              <a:gd name="T24" fmla="*/ 1916 w 2740"/>
+              <a:gd name="T25" fmla="*/ 1 h 2446"/>
+              <a:gd name="T26" fmla="*/ 2055 w 2740"/>
+              <a:gd name="T27" fmla="*/ 37 h 2446"/>
+              <a:gd name="T28" fmla="*/ 2151 w 2740"/>
+              <a:gd name="T29" fmla="*/ 132 h 2446"/>
+              <a:gd name="T30" fmla="*/ 2702 w 2740"/>
+              <a:gd name="T31" fmla="*/ 1086 h 2446"/>
+              <a:gd name="T32" fmla="*/ 2740 w 2740"/>
+              <a:gd name="T33" fmla="*/ 1223 h 2446"/>
+              <a:gd name="T34" fmla="*/ 2701 w 2740"/>
+              <a:gd name="T35" fmla="*/ 1361 h 2446"/>
+              <a:gd name="T36" fmla="*/ 2151 w 2740"/>
+              <a:gd name="T37" fmla="*/ 2315 h 2446"/>
+            </a:gdLst>
+            <a:ahLst/>
+            <a:cxnLst>
+              <a:cxn ang="0">
+                <a:pos x="T0" y="T1"/>
+              </a:cxn>
+              <a:cxn ang="0">
+                <a:pos x="T2" y="T3"/>
+              </a:cxn>
+              <a:cxn ang="0">
+                <a:pos x="T4" y="T5"/>
+              </a:cxn>
+              <a:cxn ang="0">
+                <a:pos x="T6" y="T7"/>
+              </a:cxn>
+              <a:cxn ang="0">
+                <a:pos x="T8" y="T9"/>
+              </a:cxn>
+              <a:cxn ang="0">
+                <a:pos x="T10" y="T11"/>
+              </a:cxn>
+              <a:cxn ang="0">
+                <a:pos x="T12" y="T13"/>
+              </a:cxn>
+              <a:cxn ang="0">
+                <a:pos x="T14" y="T15"/>
+              </a:cxn>
+              <a:cxn ang="0">
+                <a:pos x="T16" y="T17"/>
+              </a:cxn>
+              <a:cxn ang="0">
+                <a:pos x="T18" y="T19"/>
+              </a:cxn>
+              <a:cxn ang="0">
+                <a:pos x="T20" y="T21"/>
+              </a:cxn>
+              <a:cxn ang="0">
+                <a:pos x="T22" y="T23"/>
+              </a:cxn>
+              <a:cxn ang="0">
+                <a:pos x="T24" y="T25"/>
+              </a:cxn>
+              <a:cxn ang="0">
+                <a:pos x="T26" y="T27"/>
+              </a:cxn>
+              <a:cxn ang="0">
+                <a:pos x="T28" y="T29"/>
+              </a:cxn>
+              <a:cxn ang="0">
+                <a:pos x="T30" y="T31"/>
+              </a:cxn>
+              <a:cxn ang="0">
+                <a:pos x="T32" y="T33"/>
+              </a:cxn>
+              <a:cxn ang="0">
+                <a:pos x="T34" y="T35"/>
+              </a:cxn>
+              <a:cxn ang="0">
+                <a:pos x="T36" y="T37"/>
+              </a:cxn>
+            </a:cxnLst>
+            <a:rect l="0" t="0" r="r" b="b"/>
+            <a:pathLst>
+              <a:path w="2740" h="2446">
+                <a:moveTo>
+                  <a:pt x="2151" y="2315"/>
+                </a:moveTo>
+                <a:cubicBezTo>
+                  <a:pt x="2128" y="2353"/>
+                  <a:pt x="2096" y="2386"/>
+                  <a:pt x="2055" y="2410"/>
+                </a:cubicBezTo>
+                <a:cubicBezTo>
+                  <a:pt x="2012" y="2435"/>
+                  <a:pt x="1965" y="2446"/>
+                  <a:pt x="1918" y="2445"/>
+                </a:cubicBezTo>
+                <a:lnTo>
+                  <a:pt x="816" y="2445"/>
+                </a:lnTo>
+                <a:cubicBezTo>
+                  <a:pt x="772" y="2445"/>
+                  <a:pt x="726" y="2434"/>
+                  <a:pt x="685" y="2410"/>
+                </a:cubicBezTo>
+                <a:cubicBezTo>
+                  <a:pt x="644" y="2386"/>
+                  <a:pt x="611" y="2353"/>
+                  <a:pt x="589" y="2314"/>
+                </a:cubicBezTo>
+                <a:lnTo>
+                  <a:pt x="36" y="1356"/>
+                </a:lnTo>
+                <a:cubicBezTo>
+                  <a:pt x="13" y="1317"/>
+                  <a:pt x="0" y="1272"/>
+                  <a:pt x="0" y="1223"/>
+                </a:cubicBezTo>
+                <a:cubicBezTo>
+                  <a:pt x="0" y="1174"/>
+                  <a:pt x="13" y="1129"/>
+                  <a:pt x="36" y="1089"/>
+                </a:cubicBezTo>
+                <a:lnTo>
+                  <a:pt x="587" y="135"/>
+                </a:lnTo>
+                <a:cubicBezTo>
+                  <a:pt x="610" y="96"/>
+                  <a:pt x="643" y="61"/>
+                  <a:pt x="685" y="37"/>
+                </a:cubicBezTo>
+                <a:cubicBezTo>
+                  <a:pt x="724" y="14"/>
+                  <a:pt x="767" y="2"/>
+                  <a:pt x="810" y="1"/>
+                </a:cubicBezTo>
+                <a:lnTo>
+                  <a:pt x="1916" y="1"/>
+                </a:lnTo>
+                <a:cubicBezTo>
+                  <a:pt x="1963" y="0"/>
+                  <a:pt x="2011" y="11"/>
+                  <a:pt x="2055" y="37"/>
+                </a:cubicBezTo>
+                <a:cubicBezTo>
+                  <a:pt x="2096" y="60"/>
+                  <a:pt x="2129" y="93"/>
+                  <a:pt x="2151" y="132"/>
+                </a:cubicBezTo>
+                <a:lnTo>
+                  <a:pt x="2702" y="1086"/>
+                </a:lnTo>
+                <a:cubicBezTo>
+                  <a:pt x="2726" y="1126"/>
+                  <a:pt x="2740" y="1173"/>
+                  <a:pt x="2740" y="1223"/>
+                </a:cubicBezTo>
+                <a:cubicBezTo>
+                  <a:pt x="2740" y="1274"/>
+                  <a:pt x="2726" y="1321"/>
+                  <a:pt x="2701" y="1361"/>
+                </a:cubicBezTo>
+                <a:lnTo>
+                  <a:pt x="2151" y="2315"/>
+                </a:lnTo>
+                <a:close/>
+              </a:path>
+            </a:pathLst>
+          </a:custGeom>
+          <a:solidFill>
+            <a:srgbClr val="383838"/>
+          </a:solidFill>
+          <a:ln w="9525" cap="flat">
+            <a:noFill/>
+            <a:prstDash val="solid"/>
+            <a:miter lim="800000"/>
+          </a:ln>
+        </p:spPr>
+        <p:txBody>
+          <a:bodyPr vert="horz" wrap="square" lIns="91416" tIns="45708" rIns="91416" bIns="45708" numCol="1" anchor="t" anchorCtr="0" compatLnSpc="1"/>
+          <a:lstStyle/>
+          <a:p>
+            <a:endParaRPr lang="zh-CN" altLang="en-US" sz="1799"/>
+          </a:p>
+        </p:txBody>
+      </p:sp>
+      <p:grpSp>
+        <p:nvGrpSpPr>
+          <p:cNvPr id="2" name="组合 1"/>
+          <p:cNvGrpSpPr/>
+          <p:nvPr/>
+        </p:nvGrpSpPr>
+        <p:grpSpPr>
+          <a:xfrm>
+            <a:off x="785" y="2571973"/>
+            <a:ext cx="12214302" cy="3952565"/>
+            <a:chOff x="785" y="2571973"/>
+            <a:chExt cx="12214302" cy="3952565"/>
+          </a:xfrm>
+          <a:solidFill>
+            <a:srgbClr val="383838"/>
+          </a:solidFill>
+        </p:grpSpPr>
+        <p:sp>
+          <p:nvSpPr>
+            <p:cNvPr id="55" name="矩形 5"/>
+            <p:cNvSpPr/>
+            <p:nvPr/>
+          </p:nvSpPr>
+          <p:spPr>
+            <a:xfrm>
+              <a:off x="785" y="2571973"/>
+              <a:ext cx="12214302" cy="3952565"/>
+            </a:xfrm>
+            <a:custGeom>
+              <a:avLst/>
+              <a:gdLst/>
+              <a:ahLst/>
+              <a:cxnLst/>
+              <a:rect l="l" t="t" r="r" b="b"/>
+              <a:pathLst>
+                <a:path w="9144000" h="2931790">
+                  <a:moveTo>
+                    <a:pt x="0" y="0"/>
+                  </a:moveTo>
+                  <a:lnTo>
+                    <a:pt x="3824456" y="0"/>
+                  </a:lnTo>
+                  <a:cubicBezTo>
+                    <a:pt x="3824456" y="26976"/>
+                    <a:pt x="3831542" y="51749"/>
+                    <a:pt x="3844079" y="73220"/>
+                  </a:cubicBezTo>
+                  <a:lnTo>
+                    <a:pt x="4145508" y="600620"/>
+                  </a:lnTo>
+                  <a:cubicBezTo>
+                    <a:pt x="4157500" y="622091"/>
+                    <a:pt x="4175488" y="640258"/>
+                    <a:pt x="4197836" y="653470"/>
+                  </a:cubicBezTo>
+                  <a:cubicBezTo>
+                    <a:pt x="4220185" y="666683"/>
+                    <a:pt x="4245258" y="672739"/>
+                    <a:pt x="4269242" y="672739"/>
+                  </a:cubicBezTo>
+                  <a:lnTo>
+                    <a:pt x="4869920" y="672739"/>
+                  </a:lnTo>
+                  <a:cubicBezTo>
+                    <a:pt x="4895539" y="673289"/>
+                    <a:pt x="4921158" y="667233"/>
+                    <a:pt x="4944596" y="653470"/>
+                  </a:cubicBezTo>
+                  <a:cubicBezTo>
+                    <a:pt x="4966945" y="640258"/>
+                    <a:pt x="4984387" y="622091"/>
+                    <a:pt x="4996924" y="601171"/>
+                  </a:cubicBezTo>
+                  <a:lnTo>
+                    <a:pt x="5296718" y="75972"/>
+                  </a:lnTo>
+                  <a:cubicBezTo>
+                    <a:pt x="5310345" y="53951"/>
+                    <a:pt x="5317976" y="28077"/>
+                    <a:pt x="5317976" y="0"/>
+                  </a:cubicBezTo>
+                  <a:lnTo>
+                    <a:pt x="9144000" y="0"/>
+                  </a:lnTo>
+                  <a:lnTo>
+                    <a:pt x="9144000" y="2931790"/>
+                  </a:lnTo>
+                  <a:lnTo>
+                    <a:pt x="0" y="2931790"/>
+                  </a:lnTo>
+                  <a:close/>
+                </a:path>
+              </a:pathLst>
+            </a:custGeom>
+            <a:grpFill/>
+            <a:ln>
+              <a:noFill/>
+            </a:ln>
+            <a:effectLst>
+              <a:outerShdw blurRad="114300" dist="114300" dir="5400000" algn="t" rotWithShape="0">
+                <a:prstClr val="black">
+                  <a:alpha val="40000"/>
+                </a:prstClr>
+              </a:outerShdw>
+            </a:effectLst>
+          </p:spPr>
+          <p:style>
+            <a:lnRef idx="2">
+              <a:schemeClr val="accent1">
+                <a:shade val="50000"/>
+              </a:schemeClr>
+            </a:lnRef>
+            <a:fillRef idx="1">
+              <a:schemeClr val="accent1"/>
+            </a:fillRef>
+            <a:effectRef idx="0">
+              <a:schemeClr val="accent1"/>
+            </a:effectRef>
+            <a:fontRef idx="minor">
+              <a:schemeClr val="lt1"/>
+            </a:fontRef>
+          </p:style>
+          <p:txBody>
+            <a:bodyPr rtlCol="0" anchor="ctr"/>
+            <a:lstStyle/>
+            <a:p>
+              <a:pPr algn="ctr"/>
+              <a:endParaRPr lang="zh-CN" altLang="en-US" sz="1799"/>
+            </a:p>
+          </p:txBody>
+        </p:sp>
+        <p:sp>
+          <p:nvSpPr>
+            <p:cNvPr id="58" name="文本框 12"/>
+            <p:cNvSpPr txBox="1"/>
+            <p:nvPr/>
+          </p:nvSpPr>
+          <p:spPr>
+            <a:xfrm>
+              <a:off x="4784102" y="4132816"/>
+              <a:ext cx="2646878" cy="830868"/>
+            </a:xfrm>
+            <a:prstGeom prst="rect">
+              <a:avLst/>
+            </a:prstGeom>
+            <a:grpFill/>
+          </p:spPr>
+          <p:txBody>
+            <a:bodyPr wrap="none" rtlCol="0">
+              <a:spAutoFit/>
+            </a:bodyPr>
+            <a:lstStyle/>
+            <a:p>
+              <a:pPr algn="ctr"/>
+              <a:r>
+                <a:rPr lang="zh-CN" altLang="en-US" sz="4799" b="1" dirty="0" smtClean="0">
+                  <a:solidFill>
+                    <a:schemeClr val="bg1"/>
+                  </a:solidFill>
+                  <a:latin typeface="微软雅黑" panose="020B0503020204020204" pitchFamily="34" charset="-122"/>
+                  <a:ea typeface="微软雅黑" panose="020B0503020204020204" pitchFamily="34" charset="-122"/>
+                </a:rPr>
+                <a:t>研究重点</a:t>
+              </a:r>
+              <a:endParaRPr lang="zh-CN" altLang="zh-CN" sz="2799" kern="100" dirty="0">
+                <a:solidFill>
+                  <a:schemeClr val="bg1"/>
+                </a:solidFill>
+                <a:latin typeface="Arial" panose="020B0604020202020204" pitchFamily="34" charset="0"/>
+                <a:ea typeface="微软雅黑" panose="020B0503020204020204" pitchFamily="34" charset="-122"/>
+                <a:cs typeface="Arial" panose="020B0604020202020204" pitchFamily="34" charset="0"/>
+              </a:endParaRPr>
+            </a:p>
+          </p:txBody>
+        </p:sp>
+      </p:grpSp>
+      <p:sp>
+        <p:nvSpPr>
+          <p:cNvPr id="38" name="TextBox 37"/>
+          <p:cNvSpPr txBox="1"/>
+          <p:nvPr/>
+        </p:nvSpPr>
         <p:spPr>
           <a:xfrm>
-            <a:off x="11137900" y="5930265"/>
-            <a:ext cx="1054100" cy="927735"/>
+            <a:off x="15670570" y="8397151"/>
+            <a:ext cx="876935" cy="369236"/>
           </a:xfrm>
           <a:prstGeom prst="rect">
             <a:avLst/>
           </a:prstGeom>
+          <a:noFill/>
         </p:spPr>
-      </p:pic>
+        <p:txBody>
+          <a:bodyPr wrap="none" rtlCol="0">
+            <a:spAutoFit/>
+          </a:bodyPr>
+          <a:lstStyle/>
+          <a:p>
+            <a:r>
+              <a:rPr lang="zh-CN" altLang="en-US" sz="1799" dirty="0"/>
+              <a:t>延时符</a:t>
+            </a:r>
+          </a:p>
+        </p:txBody>
+      </p:sp>
       <p:sp>
         <p:nvSpPr>
-          <p:cNvPr id="4" name="圆角矩形 3"/>
-          <p:cNvSpPr/>
+          <p:cNvPr id="10" name="Freeform 9"/>
+          <p:cNvSpPr>
+            <a:spLocks noEditPoints="1"/>
+          </p:cNvSpPr>
           <p:nvPr/>
         </p:nvSpPr>
-        <p:spPr>
-          <a:xfrm>
-            <a:off x="3516087" y="830888"/>
-            <a:ext cx="5072742" cy="1240969"/>
+        <p:spPr bwMode="auto">
+          <a:xfrm rot="19469485">
+            <a:off x="5664179" y="2120952"/>
+            <a:ext cx="886726" cy="944860"/>
           </a:xfrm>
-          <a:prstGeom prst="roundRect">
+          <a:custGeom>
             <a:avLst/>
-          </a:prstGeom>
+            <a:gdLst>
+              <a:gd name="T0" fmla="*/ 147 w 243"/>
+              <a:gd name="T1" fmla="*/ 240 h 269"/>
+              <a:gd name="T2" fmla="*/ 90 w 243"/>
+              <a:gd name="T3" fmla="*/ 234 h 269"/>
+              <a:gd name="T4" fmla="*/ 147 w 243"/>
+              <a:gd name="T5" fmla="*/ 227 h 269"/>
+              <a:gd name="T6" fmla="*/ 147 w 243"/>
+              <a:gd name="T7" fmla="*/ 243 h 269"/>
+              <a:gd name="T8" fmla="*/ 90 w 243"/>
+              <a:gd name="T9" fmla="*/ 252 h 269"/>
+              <a:gd name="T10" fmla="*/ 96 w 243"/>
+              <a:gd name="T11" fmla="*/ 256 h 269"/>
+              <a:gd name="T12" fmla="*/ 105 w 243"/>
+              <a:gd name="T13" fmla="*/ 262 h 269"/>
+              <a:gd name="T14" fmla="*/ 126 w 243"/>
+              <a:gd name="T15" fmla="*/ 269 h 269"/>
+              <a:gd name="T16" fmla="*/ 138 w 243"/>
+              <a:gd name="T17" fmla="*/ 261 h 269"/>
+              <a:gd name="T18" fmla="*/ 147 w 243"/>
+              <a:gd name="T19" fmla="*/ 256 h 269"/>
+              <a:gd name="T20" fmla="*/ 147 w 243"/>
+              <a:gd name="T21" fmla="*/ 243 h 269"/>
+              <a:gd name="T22" fmla="*/ 128 w 243"/>
+              <a:gd name="T23" fmla="*/ 32 h 269"/>
+              <a:gd name="T24" fmla="*/ 122 w 243"/>
+              <a:gd name="T25" fmla="*/ 0 h 269"/>
+              <a:gd name="T26" fmla="*/ 115 w 243"/>
+              <a:gd name="T27" fmla="*/ 32 h 269"/>
+              <a:gd name="T28" fmla="*/ 54 w 243"/>
+              <a:gd name="T29" fmla="*/ 63 h 269"/>
+              <a:gd name="T30" fmla="*/ 63 w 243"/>
+              <a:gd name="T31" fmla="*/ 63 h 269"/>
+              <a:gd name="T32" fmla="*/ 45 w 243"/>
+              <a:gd name="T33" fmla="*/ 36 h 269"/>
+              <a:gd name="T34" fmla="*/ 36 w 243"/>
+              <a:gd name="T35" fmla="*/ 45 h 269"/>
+              <a:gd name="T36" fmla="*/ 38 w 243"/>
+              <a:gd name="T37" fmla="*/ 122 h 269"/>
+              <a:gd name="T38" fmla="*/ 6 w 243"/>
+              <a:gd name="T39" fmla="*/ 115 h 269"/>
+              <a:gd name="T40" fmla="*/ 6 w 243"/>
+              <a:gd name="T41" fmla="*/ 128 h 269"/>
+              <a:gd name="T42" fmla="*/ 38 w 243"/>
+              <a:gd name="T43" fmla="*/ 122 h 269"/>
+              <a:gd name="T44" fmla="*/ 36 w 243"/>
+              <a:gd name="T45" fmla="*/ 199 h 269"/>
+              <a:gd name="T46" fmla="*/ 40 w 243"/>
+              <a:gd name="T47" fmla="*/ 209 h 269"/>
+              <a:gd name="T48" fmla="*/ 63 w 243"/>
+              <a:gd name="T49" fmla="*/ 189 h 269"/>
+              <a:gd name="T50" fmla="*/ 54 w 243"/>
+              <a:gd name="T51" fmla="*/ 180 h 269"/>
+              <a:gd name="T52" fmla="*/ 180 w 243"/>
+              <a:gd name="T53" fmla="*/ 180 h 269"/>
+              <a:gd name="T54" fmla="*/ 199 w 243"/>
+              <a:gd name="T55" fmla="*/ 208 h 269"/>
+              <a:gd name="T56" fmla="*/ 208 w 243"/>
+              <a:gd name="T57" fmla="*/ 208 h 269"/>
+              <a:gd name="T58" fmla="*/ 189 w 243"/>
+              <a:gd name="T59" fmla="*/ 180 h 269"/>
+              <a:gd name="T60" fmla="*/ 211 w 243"/>
+              <a:gd name="T61" fmla="*/ 115 h 269"/>
+              <a:gd name="T62" fmla="*/ 211 w 243"/>
+              <a:gd name="T63" fmla="*/ 128 h 269"/>
+              <a:gd name="T64" fmla="*/ 243 w 243"/>
+              <a:gd name="T65" fmla="*/ 122 h 269"/>
+              <a:gd name="T66" fmla="*/ 185 w 243"/>
+              <a:gd name="T67" fmla="*/ 65 h 269"/>
+              <a:gd name="T68" fmla="*/ 208 w 243"/>
+              <a:gd name="T69" fmla="*/ 45 h 269"/>
+              <a:gd name="T70" fmla="*/ 199 w 243"/>
+              <a:gd name="T71" fmla="*/ 36 h 269"/>
+              <a:gd name="T72" fmla="*/ 180 w 243"/>
+              <a:gd name="T73" fmla="*/ 63 h 269"/>
+              <a:gd name="T74" fmla="*/ 154 w 243"/>
+              <a:gd name="T75" fmla="*/ 218 h 269"/>
+              <a:gd name="T76" fmla="*/ 96 w 243"/>
+              <a:gd name="T77" fmla="*/ 224 h 269"/>
+              <a:gd name="T78" fmla="*/ 96 w 243"/>
+              <a:gd name="T79" fmla="*/ 211 h 269"/>
+              <a:gd name="T80" fmla="*/ 122 w 243"/>
+              <a:gd name="T81" fmla="*/ 58 h 269"/>
+              <a:gd name="T82" fmla="*/ 148 w 243"/>
+              <a:gd name="T83" fmla="*/ 211 h 269"/>
+              <a:gd name="T84" fmla="*/ 107 w 243"/>
+              <a:gd name="T85" fmla="*/ 76 h 269"/>
+              <a:gd name="T86" fmla="*/ 67 w 243"/>
+              <a:gd name="T87" fmla="*/ 111 h 269"/>
+              <a:gd name="T88" fmla="*/ 72 w 243"/>
+              <a:gd name="T89" fmla="*/ 117 h 269"/>
+              <a:gd name="T90" fmla="*/ 104 w 243"/>
+              <a:gd name="T91" fmla="*/ 82 h 269"/>
+            </a:gdLst>
+            <a:ahLst/>
+            <a:cxnLst>
+              <a:cxn ang="0">
+                <a:pos x="T0" y="T1"/>
+              </a:cxn>
+              <a:cxn ang="0">
+                <a:pos x="T2" y="T3"/>
+              </a:cxn>
+              <a:cxn ang="0">
+                <a:pos x="T4" y="T5"/>
+              </a:cxn>
+              <a:cxn ang="0">
+                <a:pos x="T6" y="T7"/>
+              </a:cxn>
+              <a:cxn ang="0">
+                <a:pos x="T8" y="T9"/>
+              </a:cxn>
+              <a:cxn ang="0">
+                <a:pos x="T10" y="T11"/>
+              </a:cxn>
+              <a:cxn ang="0">
+                <a:pos x="T12" y="T13"/>
+              </a:cxn>
+              <a:cxn ang="0">
+                <a:pos x="T14" y="T15"/>
+              </a:cxn>
+              <a:cxn ang="0">
+                <a:pos x="T16" y="T17"/>
+              </a:cxn>
+              <a:cxn ang="0">
+                <a:pos x="T18" y="T19"/>
+              </a:cxn>
+              <a:cxn ang="0">
+                <a:pos x="T20" y="T21"/>
+              </a:cxn>
+              <a:cxn ang="0">
+                <a:pos x="T22" y="T23"/>
+              </a:cxn>
+              <a:cxn ang="0">
+                <a:pos x="T24" y="T25"/>
+              </a:cxn>
+              <a:cxn ang="0">
+                <a:pos x="T26" y="T27"/>
+              </a:cxn>
+              <a:cxn ang="0">
+                <a:pos x="T28" y="T29"/>
+              </a:cxn>
+              <a:cxn ang="0">
+                <a:pos x="T30" y="T31"/>
+              </a:cxn>
+              <a:cxn ang="0">
+                <a:pos x="T32" y="T33"/>
+              </a:cxn>
+              <a:cxn ang="0">
+                <a:pos x="T34" y="T35"/>
+              </a:cxn>
+              <a:cxn ang="0">
+                <a:pos x="T36" y="T37"/>
+              </a:cxn>
+              <a:cxn ang="0">
+                <a:pos x="T38" y="T39"/>
+              </a:cxn>
+              <a:cxn ang="0">
+                <a:pos x="T40" y="T41"/>
+              </a:cxn>
+              <a:cxn ang="0">
+                <a:pos x="T42" y="T43"/>
+              </a:cxn>
+              <a:cxn ang="0">
+                <a:pos x="T44" y="T45"/>
+              </a:cxn>
+              <a:cxn ang="0">
+                <a:pos x="T46" y="T47"/>
+              </a:cxn>
+              <a:cxn ang="0">
+                <a:pos x="T48" y="T49"/>
+              </a:cxn>
+              <a:cxn ang="0">
+                <a:pos x="T50" y="T51"/>
+              </a:cxn>
+              <a:cxn ang="0">
+                <a:pos x="T52" y="T53"/>
+              </a:cxn>
+              <a:cxn ang="0">
+                <a:pos x="T54" y="T55"/>
+              </a:cxn>
+              <a:cxn ang="0">
+                <a:pos x="T56" y="T57"/>
+              </a:cxn>
+              <a:cxn ang="0">
+                <a:pos x="T58" y="T59"/>
+              </a:cxn>
+              <a:cxn ang="0">
+                <a:pos x="T60" y="T61"/>
+              </a:cxn>
+              <a:cxn ang="0">
+                <a:pos x="T62" y="T63"/>
+              </a:cxn>
+              <a:cxn ang="0">
+                <a:pos x="T64" y="T65"/>
+              </a:cxn>
+              <a:cxn ang="0">
+                <a:pos x="T66" y="T67"/>
+              </a:cxn>
+              <a:cxn ang="0">
+                <a:pos x="T68" y="T69"/>
+              </a:cxn>
+              <a:cxn ang="0">
+                <a:pos x="T70" y="T71"/>
+              </a:cxn>
+              <a:cxn ang="0">
+                <a:pos x="T72" y="T73"/>
+              </a:cxn>
+              <a:cxn ang="0">
+                <a:pos x="T74" y="T75"/>
+              </a:cxn>
+              <a:cxn ang="0">
+                <a:pos x="T76" y="T77"/>
+              </a:cxn>
+              <a:cxn ang="0">
+                <a:pos x="T78" y="T79"/>
+              </a:cxn>
+              <a:cxn ang="0">
+                <a:pos x="T80" y="T81"/>
+              </a:cxn>
+              <a:cxn ang="0">
+                <a:pos x="T82" y="T83"/>
+              </a:cxn>
+              <a:cxn ang="0">
+                <a:pos x="T84" y="T85"/>
+              </a:cxn>
+              <a:cxn ang="0">
+                <a:pos x="T86" y="T87"/>
+              </a:cxn>
+              <a:cxn ang="0">
+                <a:pos x="T88" y="T89"/>
+              </a:cxn>
+              <a:cxn ang="0">
+                <a:pos x="T90" y="T91"/>
+              </a:cxn>
+            </a:cxnLst>
+            <a:rect l="0" t="0" r="r" b="b"/>
+            <a:pathLst>
+              <a:path w="243" h="269">
+                <a:moveTo>
+                  <a:pt x="154" y="234"/>
+                </a:moveTo>
+                <a:cubicBezTo>
+                  <a:pt x="154" y="237"/>
+                  <a:pt x="151" y="240"/>
+                  <a:pt x="147" y="240"/>
+                </a:cubicBezTo>
+                <a:cubicBezTo>
+                  <a:pt x="96" y="240"/>
+                  <a:pt x="96" y="240"/>
+                  <a:pt x="96" y="240"/>
+                </a:cubicBezTo>
+                <a:cubicBezTo>
+                  <a:pt x="92" y="240"/>
+                  <a:pt x="90" y="237"/>
+                  <a:pt x="90" y="234"/>
+                </a:cubicBezTo>
+                <a:cubicBezTo>
+                  <a:pt x="90" y="230"/>
+                  <a:pt x="92" y="227"/>
+                  <a:pt x="96" y="227"/>
+                </a:cubicBezTo>
+                <a:cubicBezTo>
+                  <a:pt x="147" y="227"/>
+                  <a:pt x="147" y="227"/>
+                  <a:pt x="147" y="227"/>
+                </a:cubicBezTo>
+                <a:cubicBezTo>
+                  <a:pt x="151" y="227"/>
+                  <a:pt x="154" y="230"/>
+                  <a:pt x="154" y="234"/>
+                </a:cubicBezTo>
+                <a:close/>
+                <a:moveTo>
+                  <a:pt x="147" y="243"/>
+                </a:moveTo>
+                <a:cubicBezTo>
+                  <a:pt x="96" y="243"/>
+                  <a:pt x="96" y="243"/>
+                  <a:pt x="96" y="243"/>
+                </a:cubicBezTo>
+                <a:cubicBezTo>
+                  <a:pt x="92" y="243"/>
+                  <a:pt x="89" y="247"/>
+                  <a:pt x="90" y="252"/>
+                </a:cubicBezTo>
+                <a:cubicBezTo>
+                  <a:pt x="91" y="254"/>
+                  <a:pt x="93" y="256"/>
+                  <a:pt x="96" y="256"/>
+                </a:cubicBezTo>
+                <a:cubicBezTo>
+                  <a:pt x="96" y="256"/>
+                  <a:pt x="96" y="256"/>
+                  <a:pt x="96" y="256"/>
+                </a:cubicBezTo>
+                <a:cubicBezTo>
+                  <a:pt x="100" y="256"/>
+                  <a:pt x="103" y="258"/>
+                  <a:pt x="105" y="261"/>
+                </a:cubicBezTo>
+                <a:cubicBezTo>
+                  <a:pt x="105" y="262"/>
+                  <a:pt x="105" y="262"/>
+                  <a:pt x="105" y="262"/>
+                </a:cubicBezTo>
+                <a:cubicBezTo>
+                  <a:pt x="107" y="266"/>
+                  <a:pt x="112" y="269"/>
+                  <a:pt x="117" y="269"/>
+                </a:cubicBezTo>
+                <a:cubicBezTo>
+                  <a:pt x="126" y="269"/>
+                  <a:pt x="126" y="269"/>
+                  <a:pt x="126" y="269"/>
+                </a:cubicBezTo>
+                <a:cubicBezTo>
+                  <a:pt x="131" y="269"/>
+                  <a:pt x="136" y="266"/>
+                  <a:pt x="138" y="262"/>
+                </a:cubicBezTo>
+                <a:cubicBezTo>
+                  <a:pt x="138" y="261"/>
+                  <a:pt x="138" y="261"/>
+                  <a:pt x="138" y="261"/>
+                </a:cubicBezTo>
+                <a:cubicBezTo>
+                  <a:pt x="140" y="258"/>
+                  <a:pt x="143" y="256"/>
+                  <a:pt x="147" y="256"/>
+                </a:cubicBezTo>
+                <a:cubicBezTo>
+                  <a:pt x="147" y="256"/>
+                  <a:pt x="147" y="256"/>
+                  <a:pt x="147" y="256"/>
+                </a:cubicBezTo>
+                <a:cubicBezTo>
+                  <a:pt x="150" y="256"/>
+                  <a:pt x="152" y="254"/>
+                  <a:pt x="153" y="252"/>
+                </a:cubicBezTo>
+                <a:cubicBezTo>
+                  <a:pt x="155" y="247"/>
+                  <a:pt x="151" y="243"/>
+                  <a:pt x="147" y="243"/>
+                </a:cubicBezTo>
+                <a:close/>
+                <a:moveTo>
+                  <a:pt x="122" y="38"/>
+                </a:moveTo>
+                <a:cubicBezTo>
+                  <a:pt x="125" y="38"/>
+                  <a:pt x="128" y="36"/>
+                  <a:pt x="128" y="32"/>
+                </a:cubicBezTo>
+                <a:cubicBezTo>
+                  <a:pt x="128" y="6"/>
+                  <a:pt x="128" y="6"/>
+                  <a:pt x="128" y="6"/>
+                </a:cubicBezTo>
+                <a:cubicBezTo>
+                  <a:pt x="128" y="3"/>
+                  <a:pt x="125" y="0"/>
+                  <a:pt x="122" y="0"/>
+                </a:cubicBezTo>
+                <a:cubicBezTo>
+                  <a:pt x="118" y="0"/>
+                  <a:pt x="115" y="3"/>
+                  <a:pt x="115" y="6"/>
+                </a:cubicBezTo>
+                <a:cubicBezTo>
+                  <a:pt x="115" y="32"/>
+                  <a:pt x="115" y="32"/>
+                  <a:pt x="115" y="32"/>
+                </a:cubicBezTo>
+                <a:cubicBezTo>
+                  <a:pt x="115" y="36"/>
+                  <a:pt x="118" y="38"/>
+                  <a:pt x="122" y="38"/>
+                </a:cubicBezTo>
+                <a:close/>
+                <a:moveTo>
+                  <a:pt x="54" y="63"/>
+                </a:moveTo>
+                <a:cubicBezTo>
+                  <a:pt x="55" y="64"/>
+                  <a:pt x="57" y="65"/>
+                  <a:pt x="58" y="65"/>
+                </a:cubicBezTo>
+                <a:cubicBezTo>
+                  <a:pt x="60" y="65"/>
+                  <a:pt x="62" y="64"/>
+                  <a:pt x="63" y="63"/>
+                </a:cubicBezTo>
+                <a:cubicBezTo>
+                  <a:pt x="65" y="60"/>
+                  <a:pt x="65" y="56"/>
+                  <a:pt x="63" y="54"/>
+                </a:cubicBezTo>
+                <a:cubicBezTo>
+                  <a:pt x="45" y="36"/>
+                  <a:pt x="45" y="36"/>
+                  <a:pt x="45" y="36"/>
+                </a:cubicBezTo>
+                <a:cubicBezTo>
+                  <a:pt x="42" y="33"/>
+                  <a:pt x="38" y="33"/>
+                  <a:pt x="36" y="36"/>
+                </a:cubicBezTo>
+                <a:cubicBezTo>
+                  <a:pt x="33" y="38"/>
+                  <a:pt x="33" y="42"/>
+                  <a:pt x="36" y="45"/>
+                </a:cubicBezTo>
+                <a:lnTo>
+                  <a:pt x="54" y="63"/>
+                </a:lnTo>
+                <a:close/>
+                <a:moveTo>
+                  <a:pt x="38" y="122"/>
+                </a:moveTo>
+                <a:cubicBezTo>
+                  <a:pt x="38" y="118"/>
+                  <a:pt x="36" y="115"/>
+                  <a:pt x="32" y="115"/>
+                </a:cubicBezTo>
+                <a:cubicBezTo>
+                  <a:pt x="6" y="115"/>
+                  <a:pt x="6" y="115"/>
+                  <a:pt x="6" y="115"/>
+                </a:cubicBezTo>
+                <a:cubicBezTo>
+                  <a:pt x="3" y="115"/>
+                  <a:pt x="0" y="118"/>
+                  <a:pt x="0" y="122"/>
+                </a:cubicBezTo>
+                <a:cubicBezTo>
+                  <a:pt x="0" y="125"/>
+                  <a:pt x="3" y="128"/>
+                  <a:pt x="6" y="128"/>
+                </a:cubicBezTo>
+                <a:cubicBezTo>
+                  <a:pt x="32" y="128"/>
+                  <a:pt x="32" y="128"/>
+                  <a:pt x="32" y="128"/>
+                </a:cubicBezTo>
+                <a:cubicBezTo>
+                  <a:pt x="36" y="128"/>
+                  <a:pt x="38" y="125"/>
+                  <a:pt x="38" y="122"/>
+                </a:cubicBezTo>
+                <a:close/>
+                <a:moveTo>
+                  <a:pt x="54" y="180"/>
+                </a:moveTo>
+                <a:cubicBezTo>
+                  <a:pt x="36" y="199"/>
+                  <a:pt x="36" y="199"/>
+                  <a:pt x="36" y="199"/>
+                </a:cubicBezTo>
+                <a:cubicBezTo>
+                  <a:pt x="33" y="201"/>
+                  <a:pt x="33" y="205"/>
+                  <a:pt x="36" y="208"/>
+                </a:cubicBezTo>
+                <a:cubicBezTo>
+                  <a:pt x="37" y="209"/>
+                  <a:pt x="39" y="209"/>
+                  <a:pt x="40" y="209"/>
+                </a:cubicBezTo>
+                <a:cubicBezTo>
+                  <a:pt x="42" y="209"/>
+                  <a:pt x="43" y="209"/>
+                  <a:pt x="45" y="208"/>
+                </a:cubicBezTo>
+                <a:cubicBezTo>
+                  <a:pt x="63" y="189"/>
+                  <a:pt x="63" y="189"/>
+                  <a:pt x="63" y="189"/>
+                </a:cubicBezTo>
+                <a:cubicBezTo>
+                  <a:pt x="65" y="187"/>
+                  <a:pt x="65" y="183"/>
+                  <a:pt x="63" y="180"/>
+                </a:cubicBezTo>
+                <a:cubicBezTo>
+                  <a:pt x="60" y="178"/>
+                  <a:pt x="56" y="178"/>
+                  <a:pt x="54" y="180"/>
+                </a:cubicBezTo>
+                <a:close/>
+                <a:moveTo>
+                  <a:pt x="189" y="180"/>
+                </a:moveTo>
+                <a:cubicBezTo>
+                  <a:pt x="187" y="178"/>
+                  <a:pt x="183" y="178"/>
+                  <a:pt x="180" y="180"/>
+                </a:cubicBezTo>
+                <a:cubicBezTo>
+                  <a:pt x="178" y="183"/>
+                  <a:pt x="178" y="187"/>
+                  <a:pt x="180" y="189"/>
+                </a:cubicBezTo>
+                <a:cubicBezTo>
+                  <a:pt x="199" y="208"/>
+                  <a:pt x="199" y="208"/>
+                  <a:pt x="199" y="208"/>
+                </a:cubicBezTo>
+                <a:cubicBezTo>
+                  <a:pt x="200" y="209"/>
+                  <a:pt x="201" y="209"/>
+                  <a:pt x="203" y="209"/>
+                </a:cubicBezTo>
+                <a:cubicBezTo>
+                  <a:pt x="205" y="209"/>
+                  <a:pt x="206" y="209"/>
+                  <a:pt x="208" y="208"/>
+                </a:cubicBezTo>
+                <a:cubicBezTo>
+                  <a:pt x="210" y="205"/>
+                  <a:pt x="210" y="201"/>
+                  <a:pt x="208" y="199"/>
+                </a:cubicBezTo>
+                <a:lnTo>
+                  <a:pt x="189" y="180"/>
+                </a:lnTo>
+                <a:close/>
+                <a:moveTo>
+                  <a:pt x="237" y="115"/>
+                </a:moveTo>
+                <a:cubicBezTo>
+                  <a:pt x="211" y="115"/>
+                  <a:pt x="211" y="115"/>
+                  <a:pt x="211" y="115"/>
+                </a:cubicBezTo>
+                <a:cubicBezTo>
+                  <a:pt x="208" y="115"/>
+                  <a:pt x="205" y="118"/>
+                  <a:pt x="205" y="122"/>
+                </a:cubicBezTo>
+                <a:cubicBezTo>
+                  <a:pt x="205" y="125"/>
+                  <a:pt x="208" y="128"/>
+                  <a:pt x="211" y="128"/>
+                </a:cubicBezTo>
+                <a:cubicBezTo>
+                  <a:pt x="237" y="128"/>
+                  <a:pt x="237" y="128"/>
+                  <a:pt x="237" y="128"/>
+                </a:cubicBezTo>
+                <a:cubicBezTo>
+                  <a:pt x="240" y="128"/>
+                  <a:pt x="243" y="125"/>
+                  <a:pt x="243" y="122"/>
+                </a:cubicBezTo>
+                <a:cubicBezTo>
+                  <a:pt x="243" y="118"/>
+                  <a:pt x="240" y="115"/>
+                  <a:pt x="237" y="115"/>
+                </a:cubicBezTo>
+                <a:close/>
+                <a:moveTo>
+                  <a:pt x="185" y="65"/>
+                </a:moveTo>
+                <a:cubicBezTo>
+                  <a:pt x="187" y="65"/>
+                  <a:pt x="188" y="64"/>
+                  <a:pt x="189" y="63"/>
+                </a:cubicBezTo>
+                <a:cubicBezTo>
+                  <a:pt x="208" y="45"/>
+                  <a:pt x="208" y="45"/>
+                  <a:pt x="208" y="45"/>
+                </a:cubicBezTo>
+                <a:cubicBezTo>
+                  <a:pt x="210" y="42"/>
+                  <a:pt x="210" y="38"/>
+                  <a:pt x="208" y="36"/>
+                </a:cubicBezTo>
+                <a:cubicBezTo>
+                  <a:pt x="205" y="33"/>
+                  <a:pt x="201" y="33"/>
+                  <a:pt x="199" y="36"/>
+                </a:cubicBezTo>
+                <a:cubicBezTo>
+                  <a:pt x="180" y="54"/>
+                  <a:pt x="180" y="54"/>
+                  <a:pt x="180" y="54"/>
+                </a:cubicBezTo>
+                <a:cubicBezTo>
+                  <a:pt x="178" y="56"/>
+                  <a:pt x="178" y="60"/>
+                  <a:pt x="180" y="63"/>
+                </a:cubicBezTo>
+                <a:cubicBezTo>
+                  <a:pt x="182" y="64"/>
+                  <a:pt x="183" y="65"/>
+                  <a:pt x="185" y="65"/>
+                </a:cubicBezTo>
+                <a:close/>
+                <a:moveTo>
+                  <a:pt x="154" y="218"/>
+                </a:moveTo>
+                <a:cubicBezTo>
+                  <a:pt x="154" y="221"/>
+                  <a:pt x="151" y="224"/>
+                  <a:pt x="147" y="224"/>
+                </a:cubicBezTo>
+                <a:cubicBezTo>
+                  <a:pt x="96" y="224"/>
+                  <a:pt x="96" y="224"/>
+                  <a:pt x="96" y="224"/>
+                </a:cubicBezTo>
+                <a:cubicBezTo>
+                  <a:pt x="92" y="224"/>
+                  <a:pt x="90" y="221"/>
+                  <a:pt x="90" y="218"/>
+                </a:cubicBezTo>
+                <a:cubicBezTo>
+                  <a:pt x="90" y="214"/>
+                  <a:pt x="92" y="211"/>
+                  <a:pt x="96" y="211"/>
+                </a:cubicBezTo>
+                <a:cubicBezTo>
+                  <a:pt x="92" y="175"/>
+                  <a:pt x="54" y="167"/>
+                  <a:pt x="54" y="125"/>
+                </a:cubicBezTo>
+                <a:cubicBezTo>
+                  <a:pt x="54" y="88"/>
+                  <a:pt x="84" y="58"/>
+                  <a:pt x="122" y="58"/>
+                </a:cubicBezTo>
+                <a:cubicBezTo>
+                  <a:pt x="159" y="58"/>
+                  <a:pt x="189" y="88"/>
+                  <a:pt x="189" y="125"/>
+                </a:cubicBezTo>
+                <a:cubicBezTo>
+                  <a:pt x="189" y="167"/>
+                  <a:pt x="152" y="175"/>
+                  <a:pt x="148" y="211"/>
+                </a:cubicBezTo>
+                <a:cubicBezTo>
+                  <a:pt x="151" y="211"/>
+                  <a:pt x="154" y="214"/>
+                  <a:pt x="154" y="218"/>
+                </a:cubicBezTo>
+                <a:close/>
+                <a:moveTo>
+                  <a:pt x="107" y="76"/>
+                </a:moveTo>
+                <a:cubicBezTo>
+                  <a:pt x="106" y="73"/>
+                  <a:pt x="103" y="72"/>
+                  <a:pt x="101" y="73"/>
+                </a:cubicBezTo>
+                <a:cubicBezTo>
+                  <a:pt x="84" y="80"/>
+                  <a:pt x="72" y="94"/>
+                  <a:pt x="67" y="111"/>
+                </a:cubicBezTo>
+                <a:cubicBezTo>
+                  <a:pt x="67" y="113"/>
+                  <a:pt x="68" y="116"/>
+                  <a:pt x="71" y="117"/>
+                </a:cubicBezTo>
+                <a:cubicBezTo>
+                  <a:pt x="71" y="117"/>
+                  <a:pt x="72" y="117"/>
+                  <a:pt x="72" y="117"/>
+                </a:cubicBezTo>
+                <a:cubicBezTo>
+                  <a:pt x="74" y="117"/>
+                  <a:pt x="76" y="115"/>
+                  <a:pt x="77" y="113"/>
+                </a:cubicBezTo>
+                <a:cubicBezTo>
+                  <a:pt x="80" y="99"/>
+                  <a:pt x="91" y="87"/>
+                  <a:pt x="104" y="82"/>
+                </a:cubicBezTo>
+                <a:cubicBezTo>
+                  <a:pt x="107" y="81"/>
+                  <a:pt x="108" y="78"/>
+                  <a:pt x="107" y="76"/>
+                </a:cubicBezTo>
+                <a:close/>
+              </a:path>
+            </a:pathLst>
+          </a:custGeom>
           <a:solidFill>
-            <a:srgbClr val="383838"/>
+            <a:schemeClr val="bg1"/>
           </a:solidFill>
           <a:ln>
             <a:noFill/>
           </a:ln>
         </p:spPr>
-        <p:style>
-          <a:lnRef idx="2">
-            <a:schemeClr val="accent1">
-              <a:shade val="50000"/>
-            </a:schemeClr>
-          </a:lnRef>
-          <a:fillRef idx="1">
-            <a:schemeClr val="accent1"/>
-          </a:fillRef>
-          <a:effectRef idx="0">
-            <a:schemeClr val="accent1"/>
-          </a:effectRef>
-          <a:fontRef idx="minor">
-            <a:schemeClr val="lt1"/>
-          </a:fontRef>
-        </p:style>
         <p:txBody>
-          <a:bodyPr rtlCol="0" anchor="ctr"/>
+          <a:bodyPr vert="horz" wrap="square" lIns="91416" tIns="45708" rIns="91416" bIns="45708" numCol="1" anchor="t" anchorCtr="0" compatLnSpc="1"/>
           <a:lstStyle/>
           <a:p>
-            <a:pPr algn="ctr"/>
-            <a:r>
-              <a:rPr lang="zh-CN" altLang="en-US" sz="2800" dirty="0" smtClean="0">
-                <a:latin typeface="微软雅黑" panose="020B0503020204020204" pitchFamily="34" charset="-122"/>
-                <a:ea typeface="微软雅黑" panose="020B0503020204020204" pitchFamily="34" charset="-122"/>
-              </a:rPr>
-              <a:t>女</a:t>
-            </a:r>
-            <a:r>
-              <a:rPr lang="zh-CN" altLang="en-US" sz="2800" dirty="0">
-                <a:latin typeface="微软雅黑" panose="020B0503020204020204" pitchFamily="34" charset="-122"/>
-                <a:ea typeface="微软雅黑" panose="020B0503020204020204" pitchFamily="34" charset="-122"/>
-              </a:rPr>
-              <a:t>裤款</a:t>
-            </a:r>
-            <a:r>
-              <a:rPr lang="zh-CN" altLang="en-US" sz="2800" dirty="0" smtClean="0">
-                <a:latin typeface="微软雅黑" panose="020B0503020204020204" pitchFamily="34" charset="-122"/>
-                <a:ea typeface="微软雅黑" panose="020B0503020204020204" pitchFamily="34" charset="-122"/>
-              </a:rPr>
-              <a:t>式 </a:t>
-            </a:r>
-            <a:r>
-              <a:rPr lang="en-US" altLang="zh-CN" sz="2800" dirty="0" smtClean="0">
-                <a:latin typeface="微软雅黑" panose="020B0503020204020204" pitchFamily="34" charset="-122"/>
-                <a:ea typeface="微软雅黑" panose="020B0503020204020204" pitchFamily="34" charset="-122"/>
-              </a:rPr>
-              <a:t>- </a:t>
-            </a:r>
-            <a:r>
-              <a:rPr lang="zh-CN" altLang="en-US" sz="2800" dirty="0" smtClean="0">
-                <a:latin typeface="微软雅黑" panose="020B0503020204020204" pitchFamily="34" charset="-122"/>
-                <a:ea typeface="微软雅黑" panose="020B0503020204020204" pitchFamily="34" charset="-122"/>
-              </a:rPr>
-              <a:t>部件关系</a:t>
-            </a:r>
-            <a:endParaRPr lang="zh-CN" altLang="en-US" sz="2800" dirty="0">
-              <a:latin typeface="微软雅黑" panose="020B0503020204020204" pitchFamily="34" charset="-122"/>
-              <a:ea typeface="微软雅黑" panose="020B0503020204020204" pitchFamily="34" charset="-122"/>
+            <a:endParaRPr lang="zh-CN" altLang="en-US" sz="1799">
+              <a:solidFill>
+                <a:srgbClr val="34495E"/>
+              </a:solidFill>
             </a:endParaRPr>
           </a:p>
         </p:txBody>
       </p:sp>
-      <p:pic>
-        <p:nvPicPr>
-          <p:cNvPr id="6" name="图片 5"/>
-          <p:cNvPicPr/>
-          <p:nvPr/>
-        </p:nvPicPr>
-        <p:blipFill>
-          <a:blip r:embed="rId4">
-            <a:extLst>
-              <a:ext uri="{28A0092B-C50C-407E-A947-70E740481C1C}">
-                <a14:useLocalDpi xmlns:a14="http://schemas.microsoft.com/office/drawing/2010/main" val="0"/>
-              </a:ext>
-            </a:extLst>
-          </a:blip>
-          <a:stretch>
-            <a:fillRect/>
-          </a:stretch>
-        </p:blipFill>
-        <p:spPr>
-          <a:xfrm>
-            <a:off x="1796846" y="2741158"/>
-            <a:ext cx="8489452" cy="3012649"/>
-          </a:xfrm>
-          <a:prstGeom prst="rect">
-            <a:avLst/>
-          </a:prstGeom>
-        </p:spPr>
-      </p:pic>
     </p:spTree>
     <p:extLst>
       <p:ext uri="{BB962C8B-B14F-4D97-AF65-F5344CB8AC3E}">
-        <p14:creationId xmlns:p14="http://schemas.microsoft.com/office/powerpoint/2010/main" val="924159094"/>
+        <p14:creationId xmlns:p14="http://schemas.microsoft.com/office/powerpoint/2010/main" val="869803806"/>
       </p:ext>
     </p:extLst>
   </p:cSld>
@@ -10976,1203 +11114,6 @@
           <a:chExt cx="0" cy="0"/>
         </a:xfrm>
       </p:grpSpPr>
-      <p:sp>
-        <p:nvSpPr>
-          <p:cNvPr id="56" name="Freeform 5"/>
-          <p:cNvSpPr/>
-          <p:nvPr/>
-        </p:nvSpPr>
-        <p:spPr bwMode="auto">
-          <a:xfrm>
-            <a:off x="5198306" y="1773248"/>
-            <a:ext cx="1819258" cy="1640268"/>
-          </a:xfrm>
-          <a:custGeom>
-            <a:avLst/>
-            <a:gdLst>
-              <a:gd name="T0" fmla="*/ 2151 w 2740"/>
-              <a:gd name="T1" fmla="*/ 2315 h 2446"/>
-              <a:gd name="T2" fmla="*/ 2055 w 2740"/>
-              <a:gd name="T3" fmla="*/ 2410 h 2446"/>
-              <a:gd name="T4" fmla="*/ 1918 w 2740"/>
-              <a:gd name="T5" fmla="*/ 2445 h 2446"/>
-              <a:gd name="T6" fmla="*/ 816 w 2740"/>
-              <a:gd name="T7" fmla="*/ 2445 h 2446"/>
-              <a:gd name="T8" fmla="*/ 685 w 2740"/>
-              <a:gd name="T9" fmla="*/ 2410 h 2446"/>
-              <a:gd name="T10" fmla="*/ 589 w 2740"/>
-              <a:gd name="T11" fmla="*/ 2314 h 2446"/>
-              <a:gd name="T12" fmla="*/ 36 w 2740"/>
-              <a:gd name="T13" fmla="*/ 1356 h 2446"/>
-              <a:gd name="T14" fmla="*/ 0 w 2740"/>
-              <a:gd name="T15" fmla="*/ 1223 h 2446"/>
-              <a:gd name="T16" fmla="*/ 36 w 2740"/>
-              <a:gd name="T17" fmla="*/ 1089 h 2446"/>
-              <a:gd name="T18" fmla="*/ 587 w 2740"/>
-              <a:gd name="T19" fmla="*/ 135 h 2446"/>
-              <a:gd name="T20" fmla="*/ 685 w 2740"/>
-              <a:gd name="T21" fmla="*/ 37 h 2446"/>
-              <a:gd name="T22" fmla="*/ 810 w 2740"/>
-              <a:gd name="T23" fmla="*/ 1 h 2446"/>
-              <a:gd name="T24" fmla="*/ 1916 w 2740"/>
-              <a:gd name="T25" fmla="*/ 1 h 2446"/>
-              <a:gd name="T26" fmla="*/ 2055 w 2740"/>
-              <a:gd name="T27" fmla="*/ 37 h 2446"/>
-              <a:gd name="T28" fmla="*/ 2151 w 2740"/>
-              <a:gd name="T29" fmla="*/ 132 h 2446"/>
-              <a:gd name="T30" fmla="*/ 2702 w 2740"/>
-              <a:gd name="T31" fmla="*/ 1086 h 2446"/>
-              <a:gd name="T32" fmla="*/ 2740 w 2740"/>
-              <a:gd name="T33" fmla="*/ 1223 h 2446"/>
-              <a:gd name="T34" fmla="*/ 2701 w 2740"/>
-              <a:gd name="T35" fmla="*/ 1361 h 2446"/>
-              <a:gd name="T36" fmla="*/ 2151 w 2740"/>
-              <a:gd name="T37" fmla="*/ 2315 h 2446"/>
-            </a:gdLst>
-            <a:ahLst/>
-            <a:cxnLst>
-              <a:cxn ang="0">
-                <a:pos x="T0" y="T1"/>
-              </a:cxn>
-              <a:cxn ang="0">
-                <a:pos x="T2" y="T3"/>
-              </a:cxn>
-              <a:cxn ang="0">
-                <a:pos x="T4" y="T5"/>
-              </a:cxn>
-              <a:cxn ang="0">
-                <a:pos x="T6" y="T7"/>
-              </a:cxn>
-              <a:cxn ang="0">
-                <a:pos x="T8" y="T9"/>
-              </a:cxn>
-              <a:cxn ang="0">
-                <a:pos x="T10" y="T11"/>
-              </a:cxn>
-              <a:cxn ang="0">
-                <a:pos x="T12" y="T13"/>
-              </a:cxn>
-              <a:cxn ang="0">
-                <a:pos x="T14" y="T15"/>
-              </a:cxn>
-              <a:cxn ang="0">
-                <a:pos x="T16" y="T17"/>
-              </a:cxn>
-              <a:cxn ang="0">
-                <a:pos x="T18" y="T19"/>
-              </a:cxn>
-              <a:cxn ang="0">
-                <a:pos x="T20" y="T21"/>
-              </a:cxn>
-              <a:cxn ang="0">
-                <a:pos x="T22" y="T23"/>
-              </a:cxn>
-              <a:cxn ang="0">
-                <a:pos x="T24" y="T25"/>
-              </a:cxn>
-              <a:cxn ang="0">
-                <a:pos x="T26" y="T27"/>
-              </a:cxn>
-              <a:cxn ang="0">
-                <a:pos x="T28" y="T29"/>
-              </a:cxn>
-              <a:cxn ang="0">
-                <a:pos x="T30" y="T31"/>
-              </a:cxn>
-              <a:cxn ang="0">
-                <a:pos x="T32" y="T33"/>
-              </a:cxn>
-              <a:cxn ang="0">
-                <a:pos x="T34" y="T35"/>
-              </a:cxn>
-              <a:cxn ang="0">
-                <a:pos x="T36" y="T37"/>
-              </a:cxn>
-            </a:cxnLst>
-            <a:rect l="0" t="0" r="r" b="b"/>
-            <a:pathLst>
-              <a:path w="2740" h="2446">
-                <a:moveTo>
-                  <a:pt x="2151" y="2315"/>
-                </a:moveTo>
-                <a:cubicBezTo>
-                  <a:pt x="2128" y="2353"/>
-                  <a:pt x="2096" y="2386"/>
-                  <a:pt x="2055" y="2410"/>
-                </a:cubicBezTo>
-                <a:cubicBezTo>
-                  <a:pt x="2012" y="2435"/>
-                  <a:pt x="1965" y="2446"/>
-                  <a:pt x="1918" y="2445"/>
-                </a:cubicBezTo>
-                <a:lnTo>
-                  <a:pt x="816" y="2445"/>
-                </a:lnTo>
-                <a:cubicBezTo>
-                  <a:pt x="772" y="2445"/>
-                  <a:pt x="726" y="2434"/>
-                  <a:pt x="685" y="2410"/>
-                </a:cubicBezTo>
-                <a:cubicBezTo>
-                  <a:pt x="644" y="2386"/>
-                  <a:pt x="611" y="2353"/>
-                  <a:pt x="589" y="2314"/>
-                </a:cubicBezTo>
-                <a:lnTo>
-                  <a:pt x="36" y="1356"/>
-                </a:lnTo>
-                <a:cubicBezTo>
-                  <a:pt x="13" y="1317"/>
-                  <a:pt x="0" y="1272"/>
-                  <a:pt x="0" y="1223"/>
-                </a:cubicBezTo>
-                <a:cubicBezTo>
-                  <a:pt x="0" y="1174"/>
-                  <a:pt x="13" y="1129"/>
-                  <a:pt x="36" y="1089"/>
-                </a:cubicBezTo>
-                <a:lnTo>
-                  <a:pt x="587" y="135"/>
-                </a:lnTo>
-                <a:cubicBezTo>
-                  <a:pt x="610" y="96"/>
-                  <a:pt x="643" y="61"/>
-                  <a:pt x="685" y="37"/>
-                </a:cubicBezTo>
-                <a:cubicBezTo>
-                  <a:pt x="724" y="14"/>
-                  <a:pt x="767" y="2"/>
-                  <a:pt x="810" y="1"/>
-                </a:cubicBezTo>
-                <a:lnTo>
-                  <a:pt x="1916" y="1"/>
-                </a:lnTo>
-                <a:cubicBezTo>
-                  <a:pt x="1963" y="0"/>
-                  <a:pt x="2011" y="11"/>
-                  <a:pt x="2055" y="37"/>
-                </a:cubicBezTo>
-                <a:cubicBezTo>
-                  <a:pt x="2096" y="60"/>
-                  <a:pt x="2129" y="93"/>
-                  <a:pt x="2151" y="132"/>
-                </a:cubicBezTo>
-                <a:lnTo>
-                  <a:pt x="2702" y="1086"/>
-                </a:lnTo>
-                <a:cubicBezTo>
-                  <a:pt x="2726" y="1126"/>
-                  <a:pt x="2740" y="1173"/>
-                  <a:pt x="2740" y="1223"/>
-                </a:cubicBezTo>
-                <a:cubicBezTo>
-                  <a:pt x="2740" y="1274"/>
-                  <a:pt x="2726" y="1321"/>
-                  <a:pt x="2701" y="1361"/>
-                </a:cubicBezTo>
-                <a:lnTo>
-                  <a:pt x="2151" y="2315"/>
-                </a:lnTo>
-                <a:close/>
-              </a:path>
-            </a:pathLst>
-          </a:custGeom>
-          <a:solidFill>
-            <a:srgbClr val="383838"/>
-          </a:solidFill>
-          <a:ln w="9525" cap="flat">
-            <a:noFill/>
-            <a:prstDash val="solid"/>
-            <a:miter lim="800000"/>
-          </a:ln>
-        </p:spPr>
-        <p:txBody>
-          <a:bodyPr vert="horz" wrap="square" lIns="91416" tIns="45708" rIns="91416" bIns="45708" numCol="1" anchor="t" anchorCtr="0" compatLnSpc="1"/>
-          <a:lstStyle/>
-          <a:p>
-            <a:endParaRPr lang="zh-CN" altLang="en-US" sz="1799"/>
-          </a:p>
-        </p:txBody>
-      </p:sp>
-      <p:grpSp>
-        <p:nvGrpSpPr>
-          <p:cNvPr id="2" name="组合 1"/>
-          <p:cNvGrpSpPr/>
-          <p:nvPr/>
-        </p:nvGrpSpPr>
-        <p:grpSpPr>
-          <a:xfrm>
-            <a:off x="785" y="2571973"/>
-            <a:ext cx="12214302" cy="3952565"/>
-            <a:chOff x="785" y="2571973"/>
-            <a:chExt cx="12214302" cy="3952565"/>
-          </a:xfrm>
-          <a:solidFill>
-            <a:srgbClr val="383838"/>
-          </a:solidFill>
-        </p:grpSpPr>
-        <p:sp>
-          <p:nvSpPr>
-            <p:cNvPr id="55" name="矩形 5"/>
-            <p:cNvSpPr/>
-            <p:nvPr/>
-          </p:nvSpPr>
-          <p:spPr>
-            <a:xfrm>
-              <a:off x="785" y="2571973"/>
-              <a:ext cx="12214302" cy="3952565"/>
-            </a:xfrm>
-            <a:custGeom>
-              <a:avLst/>
-              <a:gdLst/>
-              <a:ahLst/>
-              <a:cxnLst/>
-              <a:rect l="l" t="t" r="r" b="b"/>
-              <a:pathLst>
-                <a:path w="9144000" h="2931790">
-                  <a:moveTo>
-                    <a:pt x="0" y="0"/>
-                  </a:moveTo>
-                  <a:lnTo>
-                    <a:pt x="3824456" y="0"/>
-                  </a:lnTo>
-                  <a:cubicBezTo>
-                    <a:pt x="3824456" y="26976"/>
-                    <a:pt x="3831542" y="51749"/>
-                    <a:pt x="3844079" y="73220"/>
-                  </a:cubicBezTo>
-                  <a:lnTo>
-                    <a:pt x="4145508" y="600620"/>
-                  </a:lnTo>
-                  <a:cubicBezTo>
-                    <a:pt x="4157500" y="622091"/>
-                    <a:pt x="4175488" y="640258"/>
-                    <a:pt x="4197836" y="653470"/>
-                  </a:cubicBezTo>
-                  <a:cubicBezTo>
-                    <a:pt x="4220185" y="666683"/>
-                    <a:pt x="4245258" y="672739"/>
-                    <a:pt x="4269242" y="672739"/>
-                  </a:cubicBezTo>
-                  <a:lnTo>
-                    <a:pt x="4869920" y="672739"/>
-                  </a:lnTo>
-                  <a:cubicBezTo>
-                    <a:pt x="4895539" y="673289"/>
-                    <a:pt x="4921158" y="667233"/>
-                    <a:pt x="4944596" y="653470"/>
-                  </a:cubicBezTo>
-                  <a:cubicBezTo>
-                    <a:pt x="4966945" y="640258"/>
-                    <a:pt x="4984387" y="622091"/>
-                    <a:pt x="4996924" y="601171"/>
-                  </a:cubicBezTo>
-                  <a:lnTo>
-                    <a:pt x="5296718" y="75972"/>
-                  </a:lnTo>
-                  <a:cubicBezTo>
-                    <a:pt x="5310345" y="53951"/>
-                    <a:pt x="5317976" y="28077"/>
-                    <a:pt x="5317976" y="0"/>
-                  </a:cubicBezTo>
-                  <a:lnTo>
-                    <a:pt x="9144000" y="0"/>
-                  </a:lnTo>
-                  <a:lnTo>
-                    <a:pt x="9144000" y="2931790"/>
-                  </a:lnTo>
-                  <a:lnTo>
-                    <a:pt x="0" y="2931790"/>
-                  </a:lnTo>
-                  <a:close/>
-                </a:path>
-              </a:pathLst>
-            </a:custGeom>
-            <a:grpFill/>
-            <a:ln>
-              <a:noFill/>
-            </a:ln>
-            <a:effectLst>
-              <a:outerShdw blurRad="114300" dist="114300" dir="5400000" algn="t" rotWithShape="0">
-                <a:prstClr val="black">
-                  <a:alpha val="40000"/>
-                </a:prstClr>
-              </a:outerShdw>
-            </a:effectLst>
-          </p:spPr>
-          <p:style>
-            <a:lnRef idx="2">
-              <a:schemeClr val="accent1">
-                <a:shade val="50000"/>
-              </a:schemeClr>
-            </a:lnRef>
-            <a:fillRef idx="1">
-              <a:schemeClr val="accent1"/>
-            </a:fillRef>
-            <a:effectRef idx="0">
-              <a:schemeClr val="accent1"/>
-            </a:effectRef>
-            <a:fontRef idx="minor">
-              <a:schemeClr val="lt1"/>
-            </a:fontRef>
-          </p:style>
-          <p:txBody>
-            <a:bodyPr rtlCol="0" anchor="ctr"/>
-            <a:lstStyle/>
-            <a:p>
-              <a:pPr algn="ctr"/>
-              <a:endParaRPr lang="zh-CN" altLang="en-US" sz="1799"/>
-            </a:p>
-          </p:txBody>
-        </p:sp>
-        <p:sp>
-          <p:nvSpPr>
-            <p:cNvPr id="58" name="文本框 12"/>
-            <p:cNvSpPr txBox="1"/>
-            <p:nvPr/>
-          </p:nvSpPr>
-          <p:spPr>
-            <a:xfrm>
-              <a:off x="4909136" y="4132816"/>
-              <a:ext cx="2396810" cy="830868"/>
-            </a:xfrm>
-            <a:prstGeom prst="rect">
-              <a:avLst/>
-            </a:prstGeom>
-            <a:grpFill/>
-          </p:spPr>
-          <p:txBody>
-            <a:bodyPr wrap="none" rtlCol="0">
-              <a:spAutoFit/>
-            </a:bodyPr>
-            <a:lstStyle/>
-            <a:p>
-              <a:pPr algn="ctr"/>
-              <a:r>
-                <a:rPr lang="zh-CN" altLang="en-US" sz="4799" b="1" dirty="0" smtClean="0">
-                  <a:solidFill>
-                    <a:schemeClr val="bg1"/>
-                  </a:solidFill>
-                  <a:latin typeface="微软雅黑" panose="020B0503020204020204" pitchFamily="34" charset="-122"/>
-                  <a:ea typeface="微软雅黑" panose="020B0503020204020204" pitchFamily="34" charset="-122"/>
-                </a:rPr>
-                <a:t>创 新 点</a:t>
-              </a:r>
-              <a:endParaRPr lang="zh-CN" altLang="zh-CN" sz="2799" kern="100" dirty="0">
-                <a:solidFill>
-                  <a:schemeClr val="bg1"/>
-                </a:solidFill>
-                <a:latin typeface="Arial" panose="020B0604020202020204" pitchFamily="34" charset="0"/>
-                <a:ea typeface="微软雅黑" panose="020B0503020204020204" pitchFamily="34" charset="-122"/>
-                <a:cs typeface="Arial" panose="020B0604020202020204" pitchFamily="34" charset="0"/>
-              </a:endParaRPr>
-            </a:p>
-          </p:txBody>
-        </p:sp>
-      </p:grpSp>
-      <p:sp>
-        <p:nvSpPr>
-          <p:cNvPr id="38" name="TextBox 37"/>
-          <p:cNvSpPr txBox="1"/>
-          <p:nvPr/>
-        </p:nvSpPr>
-        <p:spPr>
-          <a:xfrm>
-            <a:off x="15670570" y="8397151"/>
-            <a:ext cx="876935" cy="369236"/>
-          </a:xfrm>
-          <a:prstGeom prst="rect">
-            <a:avLst/>
-          </a:prstGeom>
-          <a:noFill/>
-        </p:spPr>
-        <p:txBody>
-          <a:bodyPr wrap="none" rtlCol="0">
-            <a:spAutoFit/>
-          </a:bodyPr>
-          <a:lstStyle/>
-          <a:p>
-            <a:r>
-              <a:rPr lang="zh-CN" altLang="en-US" sz="1799" dirty="0"/>
-              <a:t>延时符</a:t>
-            </a:r>
-          </a:p>
-        </p:txBody>
-      </p:sp>
-      <p:sp>
-        <p:nvSpPr>
-          <p:cNvPr id="10" name="Freeform 9"/>
-          <p:cNvSpPr>
-            <a:spLocks noEditPoints="1"/>
-          </p:cNvSpPr>
-          <p:nvPr/>
-        </p:nvSpPr>
-        <p:spPr bwMode="auto">
-          <a:xfrm rot="19469485">
-            <a:off x="5664179" y="2120952"/>
-            <a:ext cx="886726" cy="944860"/>
-          </a:xfrm>
-          <a:custGeom>
-            <a:avLst/>
-            <a:gdLst>
-              <a:gd name="T0" fmla="*/ 147 w 243"/>
-              <a:gd name="T1" fmla="*/ 240 h 269"/>
-              <a:gd name="T2" fmla="*/ 90 w 243"/>
-              <a:gd name="T3" fmla="*/ 234 h 269"/>
-              <a:gd name="T4" fmla="*/ 147 w 243"/>
-              <a:gd name="T5" fmla="*/ 227 h 269"/>
-              <a:gd name="T6" fmla="*/ 147 w 243"/>
-              <a:gd name="T7" fmla="*/ 243 h 269"/>
-              <a:gd name="T8" fmla="*/ 90 w 243"/>
-              <a:gd name="T9" fmla="*/ 252 h 269"/>
-              <a:gd name="T10" fmla="*/ 96 w 243"/>
-              <a:gd name="T11" fmla="*/ 256 h 269"/>
-              <a:gd name="T12" fmla="*/ 105 w 243"/>
-              <a:gd name="T13" fmla="*/ 262 h 269"/>
-              <a:gd name="T14" fmla="*/ 126 w 243"/>
-              <a:gd name="T15" fmla="*/ 269 h 269"/>
-              <a:gd name="T16" fmla="*/ 138 w 243"/>
-              <a:gd name="T17" fmla="*/ 261 h 269"/>
-              <a:gd name="T18" fmla="*/ 147 w 243"/>
-              <a:gd name="T19" fmla="*/ 256 h 269"/>
-              <a:gd name="T20" fmla="*/ 147 w 243"/>
-              <a:gd name="T21" fmla="*/ 243 h 269"/>
-              <a:gd name="T22" fmla="*/ 128 w 243"/>
-              <a:gd name="T23" fmla="*/ 32 h 269"/>
-              <a:gd name="T24" fmla="*/ 122 w 243"/>
-              <a:gd name="T25" fmla="*/ 0 h 269"/>
-              <a:gd name="T26" fmla="*/ 115 w 243"/>
-              <a:gd name="T27" fmla="*/ 32 h 269"/>
-              <a:gd name="T28" fmla="*/ 54 w 243"/>
-              <a:gd name="T29" fmla="*/ 63 h 269"/>
-              <a:gd name="T30" fmla="*/ 63 w 243"/>
-              <a:gd name="T31" fmla="*/ 63 h 269"/>
-              <a:gd name="T32" fmla="*/ 45 w 243"/>
-              <a:gd name="T33" fmla="*/ 36 h 269"/>
-              <a:gd name="T34" fmla="*/ 36 w 243"/>
-              <a:gd name="T35" fmla="*/ 45 h 269"/>
-              <a:gd name="T36" fmla="*/ 38 w 243"/>
-              <a:gd name="T37" fmla="*/ 122 h 269"/>
-              <a:gd name="T38" fmla="*/ 6 w 243"/>
-              <a:gd name="T39" fmla="*/ 115 h 269"/>
-              <a:gd name="T40" fmla="*/ 6 w 243"/>
-              <a:gd name="T41" fmla="*/ 128 h 269"/>
-              <a:gd name="T42" fmla="*/ 38 w 243"/>
-              <a:gd name="T43" fmla="*/ 122 h 269"/>
-              <a:gd name="T44" fmla="*/ 36 w 243"/>
-              <a:gd name="T45" fmla="*/ 199 h 269"/>
-              <a:gd name="T46" fmla="*/ 40 w 243"/>
-              <a:gd name="T47" fmla="*/ 209 h 269"/>
-              <a:gd name="T48" fmla="*/ 63 w 243"/>
-              <a:gd name="T49" fmla="*/ 189 h 269"/>
-              <a:gd name="T50" fmla="*/ 54 w 243"/>
-              <a:gd name="T51" fmla="*/ 180 h 269"/>
-              <a:gd name="T52" fmla="*/ 180 w 243"/>
-              <a:gd name="T53" fmla="*/ 180 h 269"/>
-              <a:gd name="T54" fmla="*/ 199 w 243"/>
-              <a:gd name="T55" fmla="*/ 208 h 269"/>
-              <a:gd name="T56" fmla="*/ 208 w 243"/>
-              <a:gd name="T57" fmla="*/ 208 h 269"/>
-              <a:gd name="T58" fmla="*/ 189 w 243"/>
-              <a:gd name="T59" fmla="*/ 180 h 269"/>
-              <a:gd name="T60" fmla="*/ 211 w 243"/>
-              <a:gd name="T61" fmla="*/ 115 h 269"/>
-              <a:gd name="T62" fmla="*/ 211 w 243"/>
-              <a:gd name="T63" fmla="*/ 128 h 269"/>
-              <a:gd name="T64" fmla="*/ 243 w 243"/>
-              <a:gd name="T65" fmla="*/ 122 h 269"/>
-              <a:gd name="T66" fmla="*/ 185 w 243"/>
-              <a:gd name="T67" fmla="*/ 65 h 269"/>
-              <a:gd name="T68" fmla="*/ 208 w 243"/>
-              <a:gd name="T69" fmla="*/ 45 h 269"/>
-              <a:gd name="T70" fmla="*/ 199 w 243"/>
-              <a:gd name="T71" fmla="*/ 36 h 269"/>
-              <a:gd name="T72" fmla="*/ 180 w 243"/>
-              <a:gd name="T73" fmla="*/ 63 h 269"/>
-              <a:gd name="T74" fmla="*/ 154 w 243"/>
-              <a:gd name="T75" fmla="*/ 218 h 269"/>
-              <a:gd name="T76" fmla="*/ 96 w 243"/>
-              <a:gd name="T77" fmla="*/ 224 h 269"/>
-              <a:gd name="T78" fmla="*/ 96 w 243"/>
-              <a:gd name="T79" fmla="*/ 211 h 269"/>
-              <a:gd name="T80" fmla="*/ 122 w 243"/>
-              <a:gd name="T81" fmla="*/ 58 h 269"/>
-              <a:gd name="T82" fmla="*/ 148 w 243"/>
-              <a:gd name="T83" fmla="*/ 211 h 269"/>
-              <a:gd name="T84" fmla="*/ 107 w 243"/>
-              <a:gd name="T85" fmla="*/ 76 h 269"/>
-              <a:gd name="T86" fmla="*/ 67 w 243"/>
-              <a:gd name="T87" fmla="*/ 111 h 269"/>
-              <a:gd name="T88" fmla="*/ 72 w 243"/>
-              <a:gd name="T89" fmla="*/ 117 h 269"/>
-              <a:gd name="T90" fmla="*/ 104 w 243"/>
-              <a:gd name="T91" fmla="*/ 82 h 269"/>
-            </a:gdLst>
-            <a:ahLst/>
-            <a:cxnLst>
-              <a:cxn ang="0">
-                <a:pos x="T0" y="T1"/>
-              </a:cxn>
-              <a:cxn ang="0">
-                <a:pos x="T2" y="T3"/>
-              </a:cxn>
-              <a:cxn ang="0">
-                <a:pos x="T4" y="T5"/>
-              </a:cxn>
-              <a:cxn ang="0">
-                <a:pos x="T6" y="T7"/>
-              </a:cxn>
-              <a:cxn ang="0">
-                <a:pos x="T8" y="T9"/>
-              </a:cxn>
-              <a:cxn ang="0">
-                <a:pos x="T10" y="T11"/>
-              </a:cxn>
-              <a:cxn ang="0">
-                <a:pos x="T12" y="T13"/>
-              </a:cxn>
-              <a:cxn ang="0">
-                <a:pos x="T14" y="T15"/>
-              </a:cxn>
-              <a:cxn ang="0">
-                <a:pos x="T16" y="T17"/>
-              </a:cxn>
-              <a:cxn ang="0">
-                <a:pos x="T18" y="T19"/>
-              </a:cxn>
-              <a:cxn ang="0">
-                <a:pos x="T20" y="T21"/>
-              </a:cxn>
-              <a:cxn ang="0">
-                <a:pos x="T22" y="T23"/>
-              </a:cxn>
-              <a:cxn ang="0">
-                <a:pos x="T24" y="T25"/>
-              </a:cxn>
-              <a:cxn ang="0">
-                <a:pos x="T26" y="T27"/>
-              </a:cxn>
-              <a:cxn ang="0">
-                <a:pos x="T28" y="T29"/>
-              </a:cxn>
-              <a:cxn ang="0">
-                <a:pos x="T30" y="T31"/>
-              </a:cxn>
-              <a:cxn ang="0">
-                <a:pos x="T32" y="T33"/>
-              </a:cxn>
-              <a:cxn ang="0">
-                <a:pos x="T34" y="T35"/>
-              </a:cxn>
-              <a:cxn ang="0">
-                <a:pos x="T36" y="T37"/>
-              </a:cxn>
-              <a:cxn ang="0">
-                <a:pos x="T38" y="T39"/>
-              </a:cxn>
-              <a:cxn ang="0">
-                <a:pos x="T40" y="T41"/>
-              </a:cxn>
-              <a:cxn ang="0">
-                <a:pos x="T42" y="T43"/>
-              </a:cxn>
-              <a:cxn ang="0">
-                <a:pos x="T44" y="T45"/>
-              </a:cxn>
-              <a:cxn ang="0">
-                <a:pos x="T46" y="T47"/>
-              </a:cxn>
-              <a:cxn ang="0">
-                <a:pos x="T48" y="T49"/>
-              </a:cxn>
-              <a:cxn ang="0">
-                <a:pos x="T50" y="T51"/>
-              </a:cxn>
-              <a:cxn ang="0">
-                <a:pos x="T52" y="T53"/>
-              </a:cxn>
-              <a:cxn ang="0">
-                <a:pos x="T54" y="T55"/>
-              </a:cxn>
-              <a:cxn ang="0">
-                <a:pos x="T56" y="T57"/>
-              </a:cxn>
-              <a:cxn ang="0">
-                <a:pos x="T58" y="T59"/>
-              </a:cxn>
-              <a:cxn ang="0">
-                <a:pos x="T60" y="T61"/>
-              </a:cxn>
-              <a:cxn ang="0">
-                <a:pos x="T62" y="T63"/>
-              </a:cxn>
-              <a:cxn ang="0">
-                <a:pos x="T64" y="T65"/>
-              </a:cxn>
-              <a:cxn ang="0">
-                <a:pos x="T66" y="T67"/>
-              </a:cxn>
-              <a:cxn ang="0">
-                <a:pos x="T68" y="T69"/>
-              </a:cxn>
-              <a:cxn ang="0">
-                <a:pos x="T70" y="T71"/>
-              </a:cxn>
-              <a:cxn ang="0">
-                <a:pos x="T72" y="T73"/>
-              </a:cxn>
-              <a:cxn ang="0">
-                <a:pos x="T74" y="T75"/>
-              </a:cxn>
-              <a:cxn ang="0">
-                <a:pos x="T76" y="T77"/>
-              </a:cxn>
-              <a:cxn ang="0">
-                <a:pos x="T78" y="T79"/>
-              </a:cxn>
-              <a:cxn ang="0">
-                <a:pos x="T80" y="T81"/>
-              </a:cxn>
-              <a:cxn ang="0">
-                <a:pos x="T82" y="T83"/>
-              </a:cxn>
-              <a:cxn ang="0">
-                <a:pos x="T84" y="T85"/>
-              </a:cxn>
-              <a:cxn ang="0">
-                <a:pos x="T86" y="T87"/>
-              </a:cxn>
-              <a:cxn ang="0">
-                <a:pos x="T88" y="T89"/>
-              </a:cxn>
-              <a:cxn ang="0">
-                <a:pos x="T90" y="T91"/>
-              </a:cxn>
-            </a:cxnLst>
-            <a:rect l="0" t="0" r="r" b="b"/>
-            <a:pathLst>
-              <a:path w="243" h="269">
-                <a:moveTo>
-                  <a:pt x="154" y="234"/>
-                </a:moveTo>
-                <a:cubicBezTo>
-                  <a:pt x="154" y="237"/>
-                  <a:pt x="151" y="240"/>
-                  <a:pt x="147" y="240"/>
-                </a:cubicBezTo>
-                <a:cubicBezTo>
-                  <a:pt x="96" y="240"/>
-                  <a:pt x="96" y="240"/>
-                  <a:pt x="96" y="240"/>
-                </a:cubicBezTo>
-                <a:cubicBezTo>
-                  <a:pt x="92" y="240"/>
-                  <a:pt x="90" y="237"/>
-                  <a:pt x="90" y="234"/>
-                </a:cubicBezTo>
-                <a:cubicBezTo>
-                  <a:pt x="90" y="230"/>
-                  <a:pt x="92" y="227"/>
-                  <a:pt x="96" y="227"/>
-                </a:cubicBezTo>
-                <a:cubicBezTo>
-                  <a:pt x="147" y="227"/>
-                  <a:pt x="147" y="227"/>
-                  <a:pt x="147" y="227"/>
-                </a:cubicBezTo>
-                <a:cubicBezTo>
-                  <a:pt x="151" y="227"/>
-                  <a:pt x="154" y="230"/>
-                  <a:pt x="154" y="234"/>
-                </a:cubicBezTo>
-                <a:close/>
-                <a:moveTo>
-                  <a:pt x="147" y="243"/>
-                </a:moveTo>
-                <a:cubicBezTo>
-                  <a:pt x="96" y="243"/>
-                  <a:pt x="96" y="243"/>
-                  <a:pt x="96" y="243"/>
-                </a:cubicBezTo>
-                <a:cubicBezTo>
-                  <a:pt x="92" y="243"/>
-                  <a:pt x="89" y="247"/>
-                  <a:pt x="90" y="252"/>
-                </a:cubicBezTo>
-                <a:cubicBezTo>
-                  <a:pt x="91" y="254"/>
-                  <a:pt x="93" y="256"/>
-                  <a:pt x="96" y="256"/>
-                </a:cubicBezTo>
-                <a:cubicBezTo>
-                  <a:pt x="96" y="256"/>
-                  <a:pt x="96" y="256"/>
-                  <a:pt x="96" y="256"/>
-                </a:cubicBezTo>
-                <a:cubicBezTo>
-                  <a:pt x="100" y="256"/>
-                  <a:pt x="103" y="258"/>
-                  <a:pt x="105" y="261"/>
-                </a:cubicBezTo>
-                <a:cubicBezTo>
-                  <a:pt x="105" y="262"/>
-                  <a:pt x="105" y="262"/>
-                  <a:pt x="105" y="262"/>
-                </a:cubicBezTo>
-                <a:cubicBezTo>
-                  <a:pt x="107" y="266"/>
-                  <a:pt x="112" y="269"/>
-                  <a:pt x="117" y="269"/>
-                </a:cubicBezTo>
-                <a:cubicBezTo>
-                  <a:pt x="126" y="269"/>
-                  <a:pt x="126" y="269"/>
-                  <a:pt x="126" y="269"/>
-                </a:cubicBezTo>
-                <a:cubicBezTo>
-                  <a:pt x="131" y="269"/>
-                  <a:pt x="136" y="266"/>
-                  <a:pt x="138" y="262"/>
-                </a:cubicBezTo>
-                <a:cubicBezTo>
-                  <a:pt x="138" y="261"/>
-                  <a:pt x="138" y="261"/>
-                  <a:pt x="138" y="261"/>
-                </a:cubicBezTo>
-                <a:cubicBezTo>
-                  <a:pt x="140" y="258"/>
-                  <a:pt x="143" y="256"/>
-                  <a:pt x="147" y="256"/>
-                </a:cubicBezTo>
-                <a:cubicBezTo>
-                  <a:pt x="147" y="256"/>
-                  <a:pt x="147" y="256"/>
-                  <a:pt x="147" y="256"/>
-                </a:cubicBezTo>
-                <a:cubicBezTo>
-                  <a:pt x="150" y="256"/>
-                  <a:pt x="152" y="254"/>
-                  <a:pt x="153" y="252"/>
-                </a:cubicBezTo>
-                <a:cubicBezTo>
-                  <a:pt x="155" y="247"/>
-                  <a:pt x="151" y="243"/>
-                  <a:pt x="147" y="243"/>
-                </a:cubicBezTo>
-                <a:close/>
-                <a:moveTo>
-                  <a:pt x="122" y="38"/>
-                </a:moveTo>
-                <a:cubicBezTo>
-                  <a:pt x="125" y="38"/>
-                  <a:pt x="128" y="36"/>
-                  <a:pt x="128" y="32"/>
-                </a:cubicBezTo>
-                <a:cubicBezTo>
-                  <a:pt x="128" y="6"/>
-                  <a:pt x="128" y="6"/>
-                  <a:pt x="128" y="6"/>
-                </a:cubicBezTo>
-                <a:cubicBezTo>
-                  <a:pt x="128" y="3"/>
-                  <a:pt x="125" y="0"/>
-                  <a:pt x="122" y="0"/>
-                </a:cubicBezTo>
-                <a:cubicBezTo>
-                  <a:pt x="118" y="0"/>
-                  <a:pt x="115" y="3"/>
-                  <a:pt x="115" y="6"/>
-                </a:cubicBezTo>
-                <a:cubicBezTo>
-                  <a:pt x="115" y="32"/>
-                  <a:pt x="115" y="32"/>
-                  <a:pt x="115" y="32"/>
-                </a:cubicBezTo>
-                <a:cubicBezTo>
-                  <a:pt x="115" y="36"/>
-                  <a:pt x="118" y="38"/>
-                  <a:pt x="122" y="38"/>
-                </a:cubicBezTo>
-                <a:close/>
-                <a:moveTo>
-                  <a:pt x="54" y="63"/>
-                </a:moveTo>
-                <a:cubicBezTo>
-                  <a:pt x="55" y="64"/>
-                  <a:pt x="57" y="65"/>
-                  <a:pt x="58" y="65"/>
-                </a:cubicBezTo>
-                <a:cubicBezTo>
-                  <a:pt x="60" y="65"/>
-                  <a:pt x="62" y="64"/>
-                  <a:pt x="63" y="63"/>
-                </a:cubicBezTo>
-                <a:cubicBezTo>
-                  <a:pt x="65" y="60"/>
-                  <a:pt x="65" y="56"/>
-                  <a:pt x="63" y="54"/>
-                </a:cubicBezTo>
-                <a:cubicBezTo>
-                  <a:pt x="45" y="36"/>
-                  <a:pt x="45" y="36"/>
-                  <a:pt x="45" y="36"/>
-                </a:cubicBezTo>
-                <a:cubicBezTo>
-                  <a:pt x="42" y="33"/>
-                  <a:pt x="38" y="33"/>
-                  <a:pt x="36" y="36"/>
-                </a:cubicBezTo>
-                <a:cubicBezTo>
-                  <a:pt x="33" y="38"/>
-                  <a:pt x="33" y="42"/>
-                  <a:pt x="36" y="45"/>
-                </a:cubicBezTo>
-                <a:lnTo>
-                  <a:pt x="54" y="63"/>
-                </a:lnTo>
-                <a:close/>
-                <a:moveTo>
-                  <a:pt x="38" y="122"/>
-                </a:moveTo>
-                <a:cubicBezTo>
-                  <a:pt x="38" y="118"/>
-                  <a:pt x="36" y="115"/>
-                  <a:pt x="32" y="115"/>
-                </a:cubicBezTo>
-                <a:cubicBezTo>
-                  <a:pt x="6" y="115"/>
-                  <a:pt x="6" y="115"/>
-                  <a:pt x="6" y="115"/>
-                </a:cubicBezTo>
-                <a:cubicBezTo>
-                  <a:pt x="3" y="115"/>
-                  <a:pt x="0" y="118"/>
-                  <a:pt x="0" y="122"/>
-                </a:cubicBezTo>
-                <a:cubicBezTo>
-                  <a:pt x="0" y="125"/>
-                  <a:pt x="3" y="128"/>
-                  <a:pt x="6" y="128"/>
-                </a:cubicBezTo>
-                <a:cubicBezTo>
-                  <a:pt x="32" y="128"/>
-                  <a:pt x="32" y="128"/>
-                  <a:pt x="32" y="128"/>
-                </a:cubicBezTo>
-                <a:cubicBezTo>
-                  <a:pt x="36" y="128"/>
-                  <a:pt x="38" y="125"/>
-                  <a:pt x="38" y="122"/>
-                </a:cubicBezTo>
-                <a:close/>
-                <a:moveTo>
-                  <a:pt x="54" y="180"/>
-                </a:moveTo>
-                <a:cubicBezTo>
-                  <a:pt x="36" y="199"/>
-                  <a:pt x="36" y="199"/>
-                  <a:pt x="36" y="199"/>
-                </a:cubicBezTo>
-                <a:cubicBezTo>
-                  <a:pt x="33" y="201"/>
-                  <a:pt x="33" y="205"/>
-                  <a:pt x="36" y="208"/>
-                </a:cubicBezTo>
-                <a:cubicBezTo>
-                  <a:pt x="37" y="209"/>
-                  <a:pt x="39" y="209"/>
-                  <a:pt x="40" y="209"/>
-                </a:cubicBezTo>
-                <a:cubicBezTo>
-                  <a:pt x="42" y="209"/>
-                  <a:pt x="43" y="209"/>
-                  <a:pt x="45" y="208"/>
-                </a:cubicBezTo>
-                <a:cubicBezTo>
-                  <a:pt x="63" y="189"/>
-                  <a:pt x="63" y="189"/>
-                  <a:pt x="63" y="189"/>
-                </a:cubicBezTo>
-                <a:cubicBezTo>
-                  <a:pt x="65" y="187"/>
-                  <a:pt x="65" y="183"/>
-                  <a:pt x="63" y="180"/>
-                </a:cubicBezTo>
-                <a:cubicBezTo>
-                  <a:pt x="60" y="178"/>
-                  <a:pt x="56" y="178"/>
-                  <a:pt x="54" y="180"/>
-                </a:cubicBezTo>
-                <a:close/>
-                <a:moveTo>
-                  <a:pt x="189" y="180"/>
-                </a:moveTo>
-                <a:cubicBezTo>
-                  <a:pt x="187" y="178"/>
-                  <a:pt x="183" y="178"/>
-                  <a:pt x="180" y="180"/>
-                </a:cubicBezTo>
-                <a:cubicBezTo>
-                  <a:pt x="178" y="183"/>
-                  <a:pt x="178" y="187"/>
-                  <a:pt x="180" y="189"/>
-                </a:cubicBezTo>
-                <a:cubicBezTo>
-                  <a:pt x="199" y="208"/>
-                  <a:pt x="199" y="208"/>
-                  <a:pt x="199" y="208"/>
-                </a:cubicBezTo>
-                <a:cubicBezTo>
-                  <a:pt x="200" y="209"/>
-                  <a:pt x="201" y="209"/>
-                  <a:pt x="203" y="209"/>
-                </a:cubicBezTo>
-                <a:cubicBezTo>
-                  <a:pt x="205" y="209"/>
-                  <a:pt x="206" y="209"/>
-                  <a:pt x="208" y="208"/>
-                </a:cubicBezTo>
-                <a:cubicBezTo>
-                  <a:pt x="210" y="205"/>
-                  <a:pt x="210" y="201"/>
-                  <a:pt x="208" y="199"/>
-                </a:cubicBezTo>
-                <a:lnTo>
-                  <a:pt x="189" y="180"/>
-                </a:lnTo>
-                <a:close/>
-                <a:moveTo>
-                  <a:pt x="237" y="115"/>
-                </a:moveTo>
-                <a:cubicBezTo>
-                  <a:pt x="211" y="115"/>
-                  <a:pt x="211" y="115"/>
-                  <a:pt x="211" y="115"/>
-                </a:cubicBezTo>
-                <a:cubicBezTo>
-                  <a:pt x="208" y="115"/>
-                  <a:pt x="205" y="118"/>
-                  <a:pt x="205" y="122"/>
-                </a:cubicBezTo>
-                <a:cubicBezTo>
-                  <a:pt x="205" y="125"/>
-                  <a:pt x="208" y="128"/>
-                  <a:pt x="211" y="128"/>
-                </a:cubicBezTo>
-                <a:cubicBezTo>
-                  <a:pt x="237" y="128"/>
-                  <a:pt x="237" y="128"/>
-                  <a:pt x="237" y="128"/>
-                </a:cubicBezTo>
-                <a:cubicBezTo>
-                  <a:pt x="240" y="128"/>
-                  <a:pt x="243" y="125"/>
-                  <a:pt x="243" y="122"/>
-                </a:cubicBezTo>
-                <a:cubicBezTo>
-                  <a:pt x="243" y="118"/>
-                  <a:pt x="240" y="115"/>
-                  <a:pt x="237" y="115"/>
-                </a:cubicBezTo>
-                <a:close/>
-                <a:moveTo>
-                  <a:pt x="185" y="65"/>
-                </a:moveTo>
-                <a:cubicBezTo>
-                  <a:pt x="187" y="65"/>
-                  <a:pt x="188" y="64"/>
-                  <a:pt x="189" y="63"/>
-                </a:cubicBezTo>
-                <a:cubicBezTo>
-                  <a:pt x="208" y="45"/>
-                  <a:pt x="208" y="45"/>
-                  <a:pt x="208" y="45"/>
-                </a:cubicBezTo>
-                <a:cubicBezTo>
-                  <a:pt x="210" y="42"/>
-                  <a:pt x="210" y="38"/>
-                  <a:pt x="208" y="36"/>
-                </a:cubicBezTo>
-                <a:cubicBezTo>
-                  <a:pt x="205" y="33"/>
-                  <a:pt x="201" y="33"/>
-                  <a:pt x="199" y="36"/>
-                </a:cubicBezTo>
-                <a:cubicBezTo>
-                  <a:pt x="180" y="54"/>
-                  <a:pt x="180" y="54"/>
-                  <a:pt x="180" y="54"/>
-                </a:cubicBezTo>
-                <a:cubicBezTo>
-                  <a:pt x="178" y="56"/>
-                  <a:pt x="178" y="60"/>
-                  <a:pt x="180" y="63"/>
-                </a:cubicBezTo>
-                <a:cubicBezTo>
-                  <a:pt x="182" y="64"/>
-                  <a:pt x="183" y="65"/>
-                  <a:pt x="185" y="65"/>
-                </a:cubicBezTo>
-                <a:close/>
-                <a:moveTo>
-                  <a:pt x="154" y="218"/>
-                </a:moveTo>
-                <a:cubicBezTo>
-                  <a:pt x="154" y="221"/>
-                  <a:pt x="151" y="224"/>
-                  <a:pt x="147" y="224"/>
-                </a:cubicBezTo>
-                <a:cubicBezTo>
-                  <a:pt x="96" y="224"/>
-                  <a:pt x="96" y="224"/>
-                  <a:pt x="96" y="224"/>
-                </a:cubicBezTo>
-                <a:cubicBezTo>
-                  <a:pt x="92" y="224"/>
-                  <a:pt x="90" y="221"/>
-                  <a:pt x="90" y="218"/>
-                </a:cubicBezTo>
-                <a:cubicBezTo>
-                  <a:pt x="90" y="214"/>
-                  <a:pt x="92" y="211"/>
-                  <a:pt x="96" y="211"/>
-                </a:cubicBezTo>
-                <a:cubicBezTo>
-                  <a:pt x="92" y="175"/>
-                  <a:pt x="54" y="167"/>
-                  <a:pt x="54" y="125"/>
-                </a:cubicBezTo>
-                <a:cubicBezTo>
-                  <a:pt x="54" y="88"/>
-                  <a:pt x="84" y="58"/>
-                  <a:pt x="122" y="58"/>
-                </a:cubicBezTo>
-                <a:cubicBezTo>
-                  <a:pt x="159" y="58"/>
-                  <a:pt x="189" y="88"/>
-                  <a:pt x="189" y="125"/>
-                </a:cubicBezTo>
-                <a:cubicBezTo>
-                  <a:pt x="189" y="167"/>
-                  <a:pt x="152" y="175"/>
-                  <a:pt x="148" y="211"/>
-                </a:cubicBezTo>
-                <a:cubicBezTo>
-                  <a:pt x="151" y="211"/>
-                  <a:pt x="154" y="214"/>
-                  <a:pt x="154" y="218"/>
-                </a:cubicBezTo>
-                <a:close/>
-                <a:moveTo>
-                  <a:pt x="107" y="76"/>
-                </a:moveTo>
-                <a:cubicBezTo>
-                  <a:pt x="106" y="73"/>
-                  <a:pt x="103" y="72"/>
-                  <a:pt x="101" y="73"/>
-                </a:cubicBezTo>
-                <a:cubicBezTo>
-                  <a:pt x="84" y="80"/>
-                  <a:pt x="72" y="94"/>
-                  <a:pt x="67" y="111"/>
-                </a:cubicBezTo>
-                <a:cubicBezTo>
-                  <a:pt x="67" y="113"/>
-                  <a:pt x="68" y="116"/>
-                  <a:pt x="71" y="117"/>
-                </a:cubicBezTo>
-                <a:cubicBezTo>
-                  <a:pt x="71" y="117"/>
-                  <a:pt x="72" y="117"/>
-                  <a:pt x="72" y="117"/>
-                </a:cubicBezTo>
-                <a:cubicBezTo>
-                  <a:pt x="74" y="117"/>
-                  <a:pt x="76" y="115"/>
-                  <a:pt x="77" y="113"/>
-                </a:cubicBezTo>
-                <a:cubicBezTo>
-                  <a:pt x="80" y="99"/>
-                  <a:pt x="91" y="87"/>
-                  <a:pt x="104" y="82"/>
-                </a:cubicBezTo>
-                <a:cubicBezTo>
-                  <a:pt x="107" y="81"/>
-                  <a:pt x="108" y="78"/>
-                  <a:pt x="107" y="76"/>
-                </a:cubicBezTo>
-                <a:close/>
-              </a:path>
-            </a:pathLst>
-          </a:custGeom>
-          <a:solidFill>
-            <a:schemeClr val="bg1"/>
-          </a:solidFill>
-          <a:ln>
-            <a:noFill/>
-          </a:ln>
-        </p:spPr>
-        <p:txBody>
-          <a:bodyPr vert="horz" wrap="square" lIns="91416" tIns="45708" rIns="91416" bIns="45708" numCol="1" anchor="t" anchorCtr="0" compatLnSpc="1"/>
-          <a:lstStyle/>
-          <a:p>
-            <a:endParaRPr lang="zh-CN" altLang="en-US" sz="1799">
-              <a:solidFill>
-                <a:srgbClr val="34495E"/>
-              </a:solidFill>
-            </a:endParaRPr>
-          </a:p>
-        </p:txBody>
-      </p:sp>
-    </p:spTree>
-    <p:extLst>
-      <p:ext uri="{BB962C8B-B14F-4D97-AF65-F5344CB8AC3E}">
-        <p14:creationId xmlns:p14="http://schemas.microsoft.com/office/powerpoint/2010/main" val="869803806"/>
-      </p:ext>
-    </p:extLst>
-  </p:cSld>
-  <p:clrMapOvr>
-    <a:masterClrMapping/>
-  </p:clrMapOvr>
-  <mc:AlternateContent xmlns:mc="http://schemas.openxmlformats.org/markup-compatibility/2006" xmlns:p14="http://schemas.microsoft.com/office/powerpoint/2010/main">
-    <mc:Choice Requires="p14">
-      <p:transition p14:dur="250">
-        <p:push dir="u"/>
-      </p:transition>
-    </mc:Choice>
-    <mc:Fallback xmlns="">
-      <p:transition>
-        <p:push dir="u"/>
-      </p:transition>
-    </mc:Fallback>
-  </mc:AlternateContent>
-  <p:timing>
-    <p:tnLst>
-      <p:par>
-        <p:cTn id="1" dur="indefinite" restart="never" nodeType="tmRoot"/>
-      </p:par>
-    </p:tnLst>
-  </p:timing>
-</p:sld>
-</file>
-
-<file path=ppt/slides/slide15.xml><?xml version="1.0" encoding="utf-8"?>
-<p:sld xmlns:a="http://schemas.openxmlformats.org/drawingml/2006/main" xmlns:r="http://schemas.openxmlformats.org/officeDocument/2006/relationships" xmlns:p="http://schemas.openxmlformats.org/presentationml/2006/main">
-  <p:cSld>
-    <p:spTree>
-      <p:nvGrpSpPr>
-        <p:cNvPr id="1" name=""/>
-        <p:cNvGrpSpPr/>
-        <p:nvPr/>
-      </p:nvGrpSpPr>
-      <p:grpSpPr>
-        <a:xfrm>
-          <a:off x="0" y="0"/>
-          <a:ext cx="0" cy="0"/>
-          <a:chOff x="0" y="0"/>
-          <a:chExt cx="0" cy="0"/>
-        </a:xfrm>
-      </p:grpSpPr>
       <p:pic>
         <p:nvPicPr>
           <p:cNvPr id="2" name="图片 1" descr="答辩PPT图集"/>
@@ -12440,7 +11381,7 @@
 </p:sld>
 </file>
 
-<file path=ppt/slides/slide16.xml><?xml version="1.0" encoding="utf-8"?>
+<file path=ppt/slides/slide15.xml><?xml version="1.0" encoding="utf-8"?>
 <p:sld xmlns:a="http://schemas.openxmlformats.org/drawingml/2006/main" xmlns:r="http://schemas.openxmlformats.org/officeDocument/2006/relationships" xmlns:p="http://schemas.openxmlformats.org/presentationml/2006/main">
   <p:cSld>
     <p:spTree>
@@ -12805,11 +11746,11 @@
   <p:clrMapOvr>
     <a:masterClrMapping/>
   </p:clrMapOvr>
-  <mc:AlternateContent xmlns:mc="http://schemas.openxmlformats.org/markup-compatibility/2006">
-    <mc:Choice xmlns:p14="http://schemas.microsoft.com/office/powerpoint/2010/main" Requires="p14">
+  <mc:AlternateContent xmlns:mc="http://schemas.openxmlformats.org/markup-compatibility/2006" xmlns:p14="http://schemas.microsoft.com/office/powerpoint/2010/main">
+    <mc:Choice Requires="p14">
       <p:transition p14:dur="10"/>
     </mc:Choice>
-    <mc:Fallback>
+    <mc:Fallback xmlns="">
       <p:transition/>
     </mc:Fallback>
   </mc:AlternateContent>
@@ -12823,7 +11764,7 @@
 </p:sld>
 </file>
 
-<file path=ppt/slides/slide17.xml><?xml version="1.0" encoding="utf-8"?>
+<file path=ppt/slides/slide16.xml><?xml version="1.0" encoding="utf-8"?>
 <p:sld xmlns:a="http://schemas.openxmlformats.org/drawingml/2006/main" xmlns:r="http://schemas.openxmlformats.org/officeDocument/2006/relationships" xmlns:p="http://schemas.openxmlformats.org/presentationml/2006/main">
   <p:cSld>
     <p:spTree>
@@ -13410,11 +12351,11 @@
   <p:clrMapOvr>
     <a:masterClrMapping/>
   </p:clrMapOvr>
-  <mc:AlternateContent xmlns:mc="http://schemas.openxmlformats.org/markup-compatibility/2006">
-    <mc:Choice xmlns:p14="http://schemas.microsoft.com/office/powerpoint/2010/main" Requires="p14">
+  <mc:AlternateContent xmlns:mc="http://schemas.openxmlformats.org/markup-compatibility/2006" xmlns:p14="http://schemas.microsoft.com/office/powerpoint/2010/main">
+    <mc:Choice Requires="p14">
       <p:transition p14:dur="0"/>
     </mc:Choice>
-    <mc:Fallback>
+    <mc:Fallback xmlns="">
       <p:transition/>
     </mc:Fallback>
   </mc:AlternateContent>
@@ -13543,6 +12484,191 @@
 </p:sld>
 </file>
 
+<file path=ppt/slides/slide17.xml><?xml version="1.0" encoding="utf-8"?>
+<p:sld xmlns:a="http://schemas.openxmlformats.org/drawingml/2006/main" xmlns:r="http://schemas.openxmlformats.org/officeDocument/2006/relationships" xmlns:p="http://schemas.openxmlformats.org/presentationml/2006/main">
+  <p:cSld>
+    <p:spTree>
+      <p:nvGrpSpPr>
+        <p:cNvPr id="1" name=""/>
+        <p:cNvGrpSpPr/>
+        <p:nvPr/>
+      </p:nvGrpSpPr>
+      <p:grpSpPr>
+        <a:xfrm>
+          <a:off x="0" y="0"/>
+          <a:ext cx="0" cy="0"/>
+          <a:chOff x="0" y="0"/>
+          <a:chExt cx="0" cy="0"/>
+        </a:xfrm>
+      </p:grpSpPr>
+      <p:pic>
+        <p:nvPicPr>
+          <p:cNvPr id="2" name="图片 1" descr="答辩PPT图集"/>
+          <p:cNvPicPr>
+            <a:picLocks noChangeAspect="1"/>
+          </p:cNvPicPr>
+          <p:nvPr/>
+        </p:nvPicPr>
+        <p:blipFill>
+          <a:blip r:embed="rId3"/>
+          <a:stretch>
+            <a:fillRect/>
+          </a:stretch>
+        </p:blipFill>
+        <p:spPr>
+          <a:xfrm>
+            <a:off x="11137900" y="5930265"/>
+            <a:ext cx="1054100" cy="927735"/>
+          </a:xfrm>
+          <a:prstGeom prst="rect">
+            <a:avLst/>
+          </a:prstGeom>
+        </p:spPr>
+      </p:pic>
+      <p:sp>
+        <p:nvSpPr>
+          <p:cNvPr id="4" name="圆角矩形 3"/>
+          <p:cNvSpPr/>
+          <p:nvPr/>
+        </p:nvSpPr>
+        <p:spPr>
+          <a:xfrm>
+            <a:off x="3516087" y="830888"/>
+            <a:ext cx="5072742" cy="1240969"/>
+          </a:xfrm>
+          <a:prstGeom prst="roundRect">
+            <a:avLst/>
+          </a:prstGeom>
+          <a:solidFill>
+            <a:srgbClr val="383838"/>
+          </a:solidFill>
+          <a:ln>
+            <a:noFill/>
+          </a:ln>
+        </p:spPr>
+        <p:style>
+          <a:lnRef idx="2">
+            <a:schemeClr val="accent1">
+              <a:shade val="50000"/>
+            </a:schemeClr>
+          </a:lnRef>
+          <a:fillRef idx="1">
+            <a:schemeClr val="accent1"/>
+          </a:fillRef>
+          <a:effectRef idx="0">
+            <a:schemeClr val="accent1"/>
+          </a:effectRef>
+          <a:fontRef idx="minor">
+            <a:schemeClr val="lt1"/>
+          </a:fontRef>
+        </p:style>
+        <p:txBody>
+          <a:bodyPr rtlCol="0" anchor="ctr"/>
+          <a:lstStyle/>
+          <a:p>
+            <a:pPr algn="ctr"/>
+            <a:r>
+              <a:rPr lang="zh-CN" altLang="en-US" sz="2800" dirty="0" smtClean="0">
+                <a:latin typeface="微软雅黑" panose="020B0503020204020204" pitchFamily="34" charset="-122"/>
+                <a:ea typeface="微软雅黑" panose="020B0503020204020204" pitchFamily="34" charset="-122"/>
+              </a:rPr>
+              <a:t>女</a:t>
+            </a:r>
+            <a:r>
+              <a:rPr lang="zh-CN" altLang="en-US" sz="2800" dirty="0">
+                <a:latin typeface="微软雅黑" panose="020B0503020204020204" pitchFamily="34" charset="-122"/>
+                <a:ea typeface="微软雅黑" panose="020B0503020204020204" pitchFamily="34" charset="-122"/>
+              </a:rPr>
+              <a:t>裤款</a:t>
+            </a:r>
+            <a:r>
+              <a:rPr lang="zh-CN" altLang="en-US" sz="2800" dirty="0" smtClean="0">
+                <a:latin typeface="微软雅黑" panose="020B0503020204020204" pitchFamily="34" charset="-122"/>
+                <a:ea typeface="微软雅黑" panose="020B0503020204020204" pitchFamily="34" charset="-122"/>
+              </a:rPr>
+              <a:t>式 </a:t>
+            </a:r>
+            <a:r>
+              <a:rPr lang="en-US" altLang="zh-CN" sz="2800" dirty="0" smtClean="0">
+                <a:latin typeface="微软雅黑" panose="020B0503020204020204" pitchFamily="34" charset="-122"/>
+                <a:ea typeface="微软雅黑" panose="020B0503020204020204" pitchFamily="34" charset="-122"/>
+              </a:rPr>
+              <a:t>- </a:t>
+            </a:r>
+            <a:r>
+              <a:rPr lang="zh-CN" altLang="en-US" sz="2800" dirty="0" smtClean="0">
+                <a:latin typeface="微软雅黑" panose="020B0503020204020204" pitchFamily="34" charset="-122"/>
+                <a:ea typeface="微软雅黑" panose="020B0503020204020204" pitchFamily="34" charset="-122"/>
+              </a:rPr>
+              <a:t>部件关系</a:t>
+            </a:r>
+            <a:endParaRPr lang="zh-CN" altLang="en-US" sz="2800" dirty="0">
+              <a:latin typeface="微软雅黑" panose="020B0503020204020204" pitchFamily="34" charset="-122"/>
+              <a:ea typeface="微软雅黑" panose="020B0503020204020204" pitchFamily="34" charset="-122"/>
+            </a:endParaRPr>
+          </a:p>
+        </p:txBody>
+      </p:sp>
+      <p:pic>
+        <p:nvPicPr>
+          <p:cNvPr id="6" name="图片 5"/>
+          <p:cNvPicPr/>
+          <p:nvPr/>
+        </p:nvPicPr>
+        <p:blipFill>
+          <a:blip r:embed="rId4">
+            <a:extLst>
+              <a:ext uri="{28A0092B-C50C-407E-A947-70E740481C1C}">
+                <a14:useLocalDpi xmlns:a14="http://schemas.microsoft.com/office/drawing/2010/main" val="0"/>
+              </a:ext>
+            </a:extLst>
+          </a:blip>
+          <a:stretch>
+            <a:fillRect/>
+          </a:stretch>
+        </p:blipFill>
+        <p:spPr>
+          <a:xfrm>
+            <a:off x="1796846" y="2741158"/>
+            <a:ext cx="8489452" cy="3012649"/>
+          </a:xfrm>
+          <a:prstGeom prst="rect">
+            <a:avLst/>
+          </a:prstGeom>
+        </p:spPr>
+      </p:pic>
+    </p:spTree>
+    <p:extLst>
+      <p:ext uri="{BB962C8B-B14F-4D97-AF65-F5344CB8AC3E}">
+        <p14:creationId xmlns:p14="http://schemas.microsoft.com/office/powerpoint/2010/main" val="924159094"/>
+      </p:ext>
+    </p:extLst>
+  </p:cSld>
+  <p:clrMapOvr>
+    <a:masterClrMapping/>
+  </p:clrMapOvr>
+  <mc:AlternateContent xmlns:mc="http://schemas.openxmlformats.org/markup-compatibility/2006" xmlns:p14="http://schemas.microsoft.com/office/powerpoint/2010/main">
+    <mc:Choice Requires="p14">
+      <p:transition p14:dur="250">
+        <p:push dir="u"/>
+      </p:transition>
+    </mc:Choice>
+    <mc:Fallback xmlns="">
+      <p:transition>
+        <p:push dir="u"/>
+      </p:transition>
+    </mc:Fallback>
+  </mc:AlternateContent>
+  <p:timing>
+    <p:tnLst>
+      <p:par>
+        <p:cTn id="1" dur="indefinite" restart="never" nodeType="tmRoot"/>
+      </p:par>
+    </p:tnLst>
+  </p:timing>
+</p:sld>
+</file>
+
 <file path=ppt/slides/slide18.xml><?xml version="1.0" encoding="utf-8"?>
 <p:sld xmlns:a="http://schemas.openxmlformats.org/drawingml/2006/main" xmlns:r="http://schemas.openxmlformats.org/officeDocument/2006/relationships" xmlns:p="http://schemas.openxmlformats.org/presentationml/2006/main">
   <p:cSld>
@@ -13592,7 +12718,7 @@
         </p:nvSpPr>
         <p:spPr>
           <a:xfrm>
-            <a:off x="12426289" y="2619374"/>
+            <a:off x="12980081" y="2632253"/>
             <a:ext cx="3401542" cy="2677656"/>
           </a:xfrm>
           <a:prstGeom prst="rect">
@@ -13747,21 +12873,21 @@
                 <a:latin typeface="微软雅黑" panose="020B0503020204020204" pitchFamily="34" charset="-122"/>
                 <a:ea typeface="微软雅黑" panose="020B0503020204020204" pitchFamily="34" charset="-122"/>
               </a:rPr>
-              <a:t>组件化</a:t>
+              <a:t>组件</a:t>
             </a:r>
             <a:r>
               <a:rPr lang="zh-CN" altLang="en-US" sz="2800" dirty="0" smtClean="0">
                 <a:latin typeface="微软雅黑" panose="020B0503020204020204" pitchFamily="34" charset="-122"/>
                 <a:ea typeface="微软雅黑" panose="020B0503020204020204" pitchFamily="34" charset="-122"/>
               </a:rPr>
-              <a:t>化女</a:t>
+              <a:t>化女裤</a:t>
             </a:r>
             <a:r>
               <a:rPr lang="zh-CN" altLang="en-US" sz="2800" dirty="0">
                 <a:latin typeface="微软雅黑" panose="020B0503020204020204" pitchFamily="34" charset="-122"/>
                 <a:ea typeface="微软雅黑" panose="020B0503020204020204" pitchFamily="34" charset="-122"/>
               </a:rPr>
-              <a:t>裤款式设计</a:t>
+              <a:t>款式设计</a:t>
             </a:r>
           </a:p>
         </p:txBody>
@@ -13794,6 +12920,28 @@
           </a:prstGeom>
         </p:spPr>
       </p:pic>
+      <p:pic>
+        <p:nvPicPr>
+          <p:cNvPr id="7" name="图片 6"/>
+          <p:cNvPicPr/>
+          <p:nvPr/>
+        </p:nvPicPr>
+        <p:blipFill>
+          <a:blip r:embed="rId5"/>
+          <a:stretch>
+            <a:fillRect/>
+          </a:stretch>
+        </p:blipFill>
+        <p:spPr>
+          <a:xfrm>
+            <a:off x="16559882" y="2393829"/>
+            <a:ext cx="5031047" cy="4252621"/>
+          </a:xfrm>
+          <a:prstGeom prst="rect">
+            <a:avLst/>
+          </a:prstGeom>
+        </p:spPr>
+      </p:pic>
     </p:spTree>
     <p:extLst>
       <p:ext uri="{BB962C8B-B14F-4D97-AF65-F5344CB8AC3E}">
@@ -13804,16 +12952,12 @@
   <p:clrMapOvr>
     <a:masterClrMapping/>
   </p:clrMapOvr>
-  <mc:AlternateContent xmlns:mc="http://schemas.openxmlformats.org/markup-compatibility/2006" xmlns:p14="http://schemas.microsoft.com/office/powerpoint/2010/main">
-    <mc:Choice Requires="p14">
-      <p:transition p14:dur="250">
-        <p:push dir="u"/>
-      </p:transition>
+  <mc:AlternateContent xmlns:mc="http://schemas.openxmlformats.org/markup-compatibility/2006">
+    <mc:Choice xmlns:p14="http://schemas.microsoft.com/office/powerpoint/2010/main" Requires="p14">
+      <p:transition p14:dur="0"/>
     </mc:Choice>
-    <mc:Fallback xmlns="">
-      <p:transition>
-        <p:push dir="u"/>
-      </p:transition>
+    <mc:Fallback>
+      <p:transition/>
     </mc:Fallback>
   </mc:AlternateContent>
   <p:timing>
@@ -13828,6 +12972,9 @@
                     <p:cTn id="3" fill="hold">
                       <p:stCondLst>
                         <p:cond delay="indefinite"/>
+                        <p:cond evt="onBegin" delay="0">
+                          <p:tn val="2"/>
+                        </p:cond>
                       </p:stCondLst>
                       <p:childTnLst>
                         <p:par>
@@ -13837,12 +12984,12 @@
                             </p:stCondLst>
                             <p:childTnLst>
                               <p:par>
-                                <p:cTn id="5" presetID="35" presetClass="path" presetSubtype="0" accel="50000" decel="50000" fill="hold" grpId="0" nodeType="clickEffect">
+                                <p:cTn id="5" presetID="35" presetClass="path" presetSubtype="0" accel="50000" decel="50000" fill="hold" grpId="0" nodeType="withEffect">
                                   <p:stCondLst>
                                     <p:cond delay="0"/>
                                   </p:stCondLst>
                                   <p:childTnLst>
-                                    <p:animMotion origin="layout" path="M 0.00287 0.01019 L -0.62031 -0.00416 " pathEditMode="relative" rAng="0" ptsTypes="AA">
+                                    <p:animMotion origin="layout" path="M 0.00286 0.01018 L -0.91784 -0.00996 " pathEditMode="relative" rAng="0" ptsTypes="AA">
                                       <p:cBhvr>
                                         <p:cTn id="6" dur="250" fill="hold"/>
                                         <p:tgtEl>
@@ -13853,7 +13000,7 @@
                                           <p:attrName>ppt_y</p:attrName>
                                         </p:attrNameLst>
                                       </p:cBhvr>
-                                      <p:rCtr x="-31159" y="-718"/>
+                                      <p:rCtr x="-46042" y="-1019"/>
                                     </p:animMotion>
                                   </p:childTnLst>
                                 </p:cTn>
@@ -13876,6 +13023,28 @@
                                         </p:attrNameLst>
                                       </p:cBhvr>
                                       <p:rCtr x="-42188" y="0"/>
+                                    </p:animMotion>
+                                  </p:childTnLst>
+                                </p:cTn>
+                              </p:par>
+                              <p:par>
+                                <p:cTn id="9" presetID="35" presetClass="path" presetSubtype="0" accel="50000" decel="50000" fill="hold" nodeType="withEffect">
+                                  <p:stCondLst>
+                                    <p:cond delay="0"/>
+                                  </p:stCondLst>
+                                  <p:childTnLst>
+                                    <p:animMotion origin="layout" path="M 0.00287 0.01018 L -0.91784 -0.00996 " pathEditMode="relative" rAng="0" ptsTypes="AA">
+                                      <p:cBhvr>
+                                        <p:cTn id="10" dur="250" fill="hold"/>
+                                        <p:tgtEl>
+                                          <p:spTgt spid="7"/>
+                                        </p:tgtEl>
+                                        <p:attrNameLst>
+                                          <p:attrName>ppt_x</p:attrName>
+                                          <p:attrName>ppt_y</p:attrName>
+                                        </p:attrNameLst>
+                                      </p:cBhvr>
+                                      <p:rCtr x="-46042" y="-1019"/>
                                     </p:animMotion>
                                   </p:childTnLst>
                                 </p:cTn>
@@ -19894,8 +19063,8 @@
         </p:nvSpPr>
         <p:spPr>
           <a:xfrm>
-            <a:off x="6443033" y="3698002"/>
-            <a:ext cx="975106" cy="997960"/>
+            <a:off x="6325293" y="3698002"/>
+            <a:ext cx="1210588" cy="999633"/>
           </a:xfrm>
           <a:prstGeom prst="rect">
             <a:avLst/>
@@ -19941,8 +19110,27 @@
                 <a:ea typeface="微软雅黑" panose="020B0503020204020204" pitchFamily="34" charset="-122"/>
                 <a:cs typeface="Times New Roman" panose="02020603050405020304" pitchFamily="18" charset="0"/>
               </a:rPr>
-              <a:t>创新点</a:t>
+              <a:t>研究</a:t>
             </a:r>
+            <a:r>
+              <a:rPr lang="zh-CN" altLang="en-US" sz="1999" b="1" kern="100" dirty="0" smtClean="0">
+                <a:solidFill>
+                  <a:srgbClr val="545454"/>
+                </a:solidFill>
+                <a:latin typeface="微软雅黑" panose="020B0503020204020204" pitchFamily="34" charset="-122"/>
+                <a:ea typeface="微软雅黑" panose="020B0503020204020204" pitchFamily="34" charset="-122"/>
+                <a:cs typeface="Times New Roman" panose="02020603050405020304" pitchFamily="18" charset="0"/>
+              </a:rPr>
+              <a:t>重点</a:t>
+            </a:r>
+            <a:endParaRPr lang="zh-CN" altLang="en-US" sz="1999" b="1" kern="100" dirty="0">
+              <a:solidFill>
+                <a:srgbClr val="545454"/>
+              </a:solidFill>
+              <a:latin typeface="微软雅黑" panose="020B0503020204020204" pitchFamily="34" charset="-122"/>
+              <a:ea typeface="微软雅黑" panose="020B0503020204020204" pitchFamily="34" charset="-122"/>
+              <a:cs typeface="Times New Roman" panose="02020603050405020304" pitchFamily="18" charset="0"/>
+            </a:endParaRPr>
           </a:p>
           <a:p>
             <a:pPr algn="ctr">
@@ -20436,8 +19624,8 @@
         </p:nvSpPr>
         <p:spPr>
           <a:xfrm>
-            <a:off x="1007172" y="811770"/>
-            <a:ext cx="10248656" cy="4770537"/>
+            <a:off x="1084445" y="1159499"/>
+            <a:ext cx="10248656" cy="4001095"/>
           </a:xfrm>
           <a:prstGeom prst="rect">
             <a:avLst/>
@@ -20454,7 +19642,7 @@
                 <a:spcPct val="150000"/>
               </a:lnSpc>
               <a:spcAft>
-                <a:spcPts val="600"/>
+                <a:spcPts val="1200"/>
               </a:spcAft>
             </a:pPr>
             <a:r>
@@ -20482,31 +19670,31 @@
           <a:p>
             <a:pPr>
               <a:spcAft>
-                <a:spcPts val="600"/>
+                <a:spcPts val="1200"/>
               </a:spcAft>
             </a:pPr>
             <a:r>
-              <a:rPr lang="en-US" altLang="zh-CN" sz="2800" dirty="0">
+              <a:rPr lang="en-US" altLang="zh-CN" sz="2400" dirty="0">
                 <a:latin typeface="Times New Roman" panose="02020603050405020304" pitchFamily="18" charset="0"/>
                 <a:cs typeface="Times New Roman" panose="02020603050405020304" pitchFamily="18" charset="0"/>
               </a:rPr>
               <a:t>[1] WANG H-A, JIANG Y, CHEN G. Design and Implementation of an Intelligent Garment Pattern CAD System [A]. Textile Bioengineering and Informatics Symposium Proceedings [C]. </a:t>
             </a:r>
             <a:r>
-              <a:rPr lang="en-US" altLang="zh-CN" sz="2800" dirty="0" err="1">
+              <a:rPr lang="en-US" altLang="zh-CN" sz="2400" dirty="0" err="1">
                 <a:latin typeface="Times New Roman" panose="02020603050405020304" pitchFamily="18" charset="0"/>
                 <a:cs typeface="Times New Roman" panose="02020603050405020304" pitchFamily="18" charset="0"/>
               </a:rPr>
               <a:t>SuZhou</a:t>
             </a:r>
             <a:r>
-              <a:rPr lang="en-US" altLang="zh-CN" sz="2800" dirty="0">
+              <a:rPr lang="en-US" altLang="zh-CN" sz="2400" dirty="0">
                 <a:latin typeface="Times New Roman" panose="02020603050405020304" pitchFamily="18" charset="0"/>
                 <a:cs typeface="Times New Roman" panose="02020603050405020304" pitchFamily="18" charset="0"/>
               </a:rPr>
               <a:t>: Textile Bioengineering and Informatics Society, 2019: 310-315.</a:t>
             </a:r>
-            <a:endParaRPr lang="zh-CN" altLang="zh-CN" sz="2800" dirty="0">
+            <a:endParaRPr lang="zh-CN" altLang="zh-CN" sz="2400" dirty="0">
               <a:latin typeface="Times New Roman" panose="02020603050405020304" pitchFamily="18" charset="0"/>
               <a:cs typeface="Times New Roman" panose="02020603050405020304" pitchFamily="18" charset="0"/>
             </a:endParaRPr>
@@ -20514,17 +19702,17 @@
           <a:p>
             <a:pPr>
               <a:spcAft>
-                <a:spcPts val="600"/>
+                <a:spcPts val="1200"/>
               </a:spcAft>
             </a:pPr>
             <a:r>
-              <a:rPr lang="en-US" altLang="zh-CN" sz="2800" dirty="0">
+              <a:rPr lang="en-US" altLang="zh-CN" sz="2400" dirty="0">
                 <a:latin typeface="Times New Roman" panose="02020603050405020304" pitchFamily="18" charset="0"/>
                 <a:cs typeface="Times New Roman" panose="02020603050405020304" pitchFamily="18" charset="0"/>
               </a:rPr>
               <a:t>[2] CHEN G, WANG H-A, JIANG Y. Development of an Intelligent System on Designing and Pattern-making for Women’s Trousers [A]. Textile Bioengineering and Informatics Symposium Proceedings [C]. Manchester, UK: Textile Bioengineering and Informatics Society, 2018: 792-798.</a:t>
             </a:r>
-            <a:endParaRPr lang="en-US" altLang="zh-CN" sz="2800" dirty="0" smtClean="0">
+            <a:endParaRPr lang="en-US" altLang="zh-CN" sz="2400" dirty="0" smtClean="0">
               <a:latin typeface="Times New Roman" panose="02020603050405020304" pitchFamily="18" charset="0"/>
               <a:ea typeface="微软雅黑" panose="020B0503020204020204" pitchFamily="34" charset="-122"/>
               <a:cs typeface="Times New Roman" panose="02020603050405020304" pitchFamily="18" charset="0"/>
@@ -22492,6 +21680,9 @@
                     <p:cTn id="3" fill="hold">
                       <p:stCondLst>
                         <p:cond delay="indefinite"/>
+                        <p:cond evt="onBegin" delay="0">
+                          <p:tn val="2"/>
+                        </p:cond>
                       </p:stCondLst>
                       <p:childTnLst>
                         <p:par>
@@ -22501,7 +21692,7 @@
                             </p:stCondLst>
                             <p:childTnLst>
                               <p:par>
-                                <p:cTn id="5" presetID="1" presetClass="entr" presetSubtype="0" fill="hold" nodeType="clickEffect">
+                                <p:cTn id="5" presetID="1" presetClass="entr" presetSubtype="0" fill="hold" nodeType="afterEffect">
                                   <p:stCondLst>
                                     <p:cond delay="0"/>
                                   </p:stCondLst>
@@ -22534,30 +21725,21 @@
                             </p:childTnLst>
                           </p:cTn>
                         </p:par>
-                      </p:childTnLst>
-                    </p:cTn>
-                  </p:par>
-                  <p:par>
-                    <p:cTn id="7" fill="hold">
-                      <p:stCondLst>
-                        <p:cond delay="indefinite"/>
-                      </p:stCondLst>
-                      <p:childTnLst>
                         <p:par>
-                          <p:cTn id="8" fill="hold">
+                          <p:cTn id="7" fill="hold">
                             <p:stCondLst>
                               <p:cond delay="0"/>
                             </p:stCondLst>
                             <p:childTnLst>
                               <p:par>
-                                <p:cTn id="9" presetID="1" presetClass="entr" presetSubtype="0" fill="hold" nodeType="clickEffect">
+                                <p:cTn id="8" presetID="1" presetClass="entr" presetSubtype="0" fill="hold" nodeType="afterEffect">
                                   <p:stCondLst>
                                     <p:cond delay="0"/>
                                   </p:stCondLst>
                                   <p:childTnLst>
                                     <p:set>
                                       <p:cBhvr>
-                                        <p:cTn id="10" dur="1" fill="hold">
+                                        <p:cTn id="9" dur="1" fill="hold">
                                           <p:stCondLst>
                                             <p:cond delay="0"/>
                                           </p:stCondLst>
@@ -22583,30 +21765,21 @@
                             </p:childTnLst>
                           </p:cTn>
                         </p:par>
-                      </p:childTnLst>
-                    </p:cTn>
-                  </p:par>
-                  <p:par>
-                    <p:cTn id="11" fill="hold">
-                      <p:stCondLst>
-                        <p:cond delay="indefinite"/>
-                      </p:stCondLst>
-                      <p:childTnLst>
                         <p:par>
-                          <p:cTn id="12" fill="hold">
+                          <p:cTn id="10" fill="hold">
                             <p:stCondLst>
                               <p:cond delay="0"/>
                             </p:stCondLst>
                             <p:childTnLst>
                               <p:par>
-                                <p:cTn id="13" presetID="1" presetClass="entr" presetSubtype="0" fill="hold" nodeType="clickEffect">
+                                <p:cTn id="11" presetID="1" presetClass="entr" presetSubtype="0" fill="hold" nodeType="afterEffect">
                                   <p:stCondLst>
                                     <p:cond delay="0"/>
                                   </p:stCondLst>
                                   <p:childTnLst>
                                     <p:set>
                                       <p:cBhvr>
-                                        <p:cTn id="14" dur="1" fill="hold">
+                                        <p:cTn id="12" dur="1" fill="hold">
                                           <p:stCondLst>
                                             <p:cond delay="0"/>
                                           </p:stCondLst>
@@ -22632,30 +21805,21 @@
                             </p:childTnLst>
                           </p:cTn>
                         </p:par>
-                      </p:childTnLst>
-                    </p:cTn>
-                  </p:par>
-                  <p:par>
-                    <p:cTn id="15" fill="hold">
-                      <p:stCondLst>
-                        <p:cond delay="indefinite"/>
-                      </p:stCondLst>
-                      <p:childTnLst>
                         <p:par>
-                          <p:cTn id="16" fill="hold">
+                          <p:cTn id="13" fill="hold">
                             <p:stCondLst>
                               <p:cond delay="0"/>
                             </p:stCondLst>
                             <p:childTnLst>
                               <p:par>
-                                <p:cTn id="17" presetID="1" presetClass="entr" presetSubtype="0" fill="hold" nodeType="clickEffect">
+                                <p:cTn id="14" presetID="1" presetClass="entr" presetSubtype="0" fill="hold" nodeType="afterEffect">
                                   <p:stCondLst>
                                     <p:cond delay="0"/>
                                   </p:stCondLst>
                                   <p:childTnLst>
                                     <p:set>
                                       <p:cBhvr>
-                                        <p:cTn id="18" dur="1" fill="hold">
+                                        <p:cTn id="15" dur="1" fill="hold">
                                           <p:stCondLst>
                                             <p:cond delay="0"/>
                                           </p:stCondLst>

--- a/答辩PPT.pptx
+++ b/答辩PPT.pptx
@@ -21,11 +21,11 @@
     <p:sldId id="271" r:id="rId12"/>
     <p:sldId id="281" r:id="rId13"/>
     <p:sldId id="287" r:id="rId14"/>
-    <p:sldId id="272" r:id="rId15"/>
-    <p:sldId id="289" r:id="rId16"/>
+    <p:sldId id="293" r:id="rId15"/>
+    <p:sldId id="294" r:id="rId16"/>
     <p:sldId id="290" r:id="rId17"/>
-    <p:sldId id="286" r:id="rId18"/>
-    <p:sldId id="288" r:id="rId19"/>
+    <p:sldId id="288" r:id="rId18"/>
+    <p:sldId id="286" r:id="rId19"/>
     <p:sldId id="282" r:id="rId20"/>
     <p:sldId id="269" r:id="rId21"/>
     <p:sldId id="277" r:id="rId22"/>
@@ -219,7 +219,7 @@
           <a:p>
             <a:fld id="{6BE9D863-D48F-4BAF-9BCB-E04EC86678A0}" type="datetimeFigureOut">
               <a:rPr lang="zh-CN" altLang="en-US" smtClean="0"/>
-              <a:t>2019/12/10</a:t>
+              <a:t>2019/12/11</a:t>
             </a:fld>
             <a:endParaRPr lang="zh-CN" altLang="en-US"/>
           </a:p>
@@ -615,90 +615,6 @@
           <a:bodyPr/>
           <a:lstStyle/>
           <a:p>
-            <a:r>
-              <a:rPr lang="zh-CN" altLang="zh-CN" sz="1200" kern="1200" dirty="0" smtClean="0">
-                <a:solidFill>
-                  <a:schemeClr val="tx1"/>
-                </a:solidFill>
-                <a:effectLst/>
-                <a:latin typeface="+mn-lt"/>
-                <a:ea typeface="+mn-ea"/>
-                <a:cs typeface="+mn-cs"/>
-              </a:rPr>
-              <a:t>款式设计需求的复杂度主要体现在如下几方面：（</a:t>
-            </a:r>
-            <a:r>
-              <a:rPr lang="en-US" altLang="zh-CN" sz="1200" kern="1200" dirty="0" smtClean="0">
-                <a:solidFill>
-                  <a:schemeClr val="tx1"/>
-                </a:solidFill>
-                <a:effectLst/>
-                <a:latin typeface="+mn-lt"/>
-                <a:ea typeface="+mn-ea"/>
-                <a:cs typeface="+mn-cs"/>
-              </a:rPr>
-              <a:t>1</a:t>
-            </a:r>
-            <a:r>
-              <a:rPr lang="zh-CN" altLang="zh-CN" sz="1200" kern="1200" dirty="0" smtClean="0">
-                <a:solidFill>
-                  <a:schemeClr val="tx1"/>
-                </a:solidFill>
-                <a:effectLst/>
-                <a:latin typeface="+mn-lt"/>
-                <a:ea typeface="+mn-ea"/>
-                <a:cs typeface="+mn-cs"/>
-              </a:rPr>
-              <a:t>）不同款式部件之间具有复杂的相互关系，不同的款式部件之间可能存在互斥的制约关系，有些款式部件的使用可能会依赖于另外的一些部件，例如褶省和口袋之间的关系就非常密切。（</a:t>
-            </a:r>
-            <a:r>
-              <a:rPr lang="en-US" altLang="zh-CN" sz="1200" kern="1200" dirty="0" smtClean="0">
-                <a:solidFill>
-                  <a:schemeClr val="tx1"/>
-                </a:solidFill>
-                <a:effectLst/>
-                <a:latin typeface="+mn-lt"/>
-                <a:ea typeface="+mn-ea"/>
-                <a:cs typeface="+mn-cs"/>
-              </a:rPr>
-              <a:t>2</a:t>
-            </a:r>
-            <a:r>
-              <a:rPr lang="zh-CN" altLang="zh-CN" sz="1200" kern="1200" dirty="0" smtClean="0">
-                <a:solidFill>
-                  <a:schemeClr val="tx1"/>
-                </a:solidFill>
-                <a:effectLst/>
-                <a:latin typeface="+mn-lt"/>
-                <a:ea typeface="+mn-ea"/>
-                <a:cs typeface="+mn-cs"/>
-              </a:rPr>
-              <a:t>）随着女裤款式设计日新月异的发展，会持续地诞生新的款式部件。（</a:t>
-            </a:r>
-            <a:r>
-              <a:rPr lang="en-US" altLang="zh-CN" sz="1200" kern="1200" dirty="0" smtClean="0">
-                <a:solidFill>
-                  <a:schemeClr val="tx1"/>
-                </a:solidFill>
-                <a:effectLst/>
-                <a:latin typeface="+mn-lt"/>
-                <a:ea typeface="+mn-ea"/>
-                <a:cs typeface="+mn-cs"/>
-              </a:rPr>
-              <a:t>3</a:t>
-            </a:r>
-            <a:r>
-              <a:rPr lang="zh-CN" altLang="zh-CN" sz="1200" kern="1200" dirty="0" smtClean="0">
-                <a:solidFill>
-                  <a:schemeClr val="tx1"/>
-                </a:solidFill>
-                <a:effectLst/>
-                <a:latin typeface="+mn-lt"/>
-                <a:ea typeface="+mn-ea"/>
-                <a:cs typeface="+mn-cs"/>
-              </a:rPr>
-              <a:t>）同一部位选择的款式部件不同，制板的方法会有非常大的差异，这给样板绘制的自动化带来了较大挑战。</a:t>
-            </a:r>
             <a:endParaRPr lang="zh-CN" altLang="en-US" dirty="0"/>
           </a:p>
         </p:txBody>
@@ -867,18 +783,6 @@
           <a:bodyPr/>
           <a:lstStyle/>
           <a:p>
-            <a:r>
-              <a:rPr lang="zh-CN" altLang="zh-CN" sz="1200" kern="1200" dirty="0" smtClean="0">
-                <a:solidFill>
-                  <a:schemeClr val="tx1"/>
-                </a:solidFill>
-                <a:effectLst/>
-                <a:latin typeface="+mn-lt"/>
-                <a:ea typeface="+mn-ea"/>
-                <a:cs typeface="+mn-cs"/>
-              </a:rPr>
-              <a:t>在参数化制板领域，需要关注的实体是各种几何元素（主要是关键点）、样板参数以及它们之间的约束关系。</a:t>
-            </a:r>
             <a:endParaRPr lang="zh-CN" altLang="en-US" dirty="0"/>
           </a:p>
         </p:txBody>
@@ -909,7 +813,7 @@
     </p:spTree>
     <p:extLst>
       <p:ext uri="{BB962C8B-B14F-4D97-AF65-F5344CB8AC3E}">
-        <p14:creationId xmlns:p14="http://schemas.microsoft.com/office/powerpoint/2010/main" val="4174474320"/>
+        <p14:creationId xmlns:p14="http://schemas.microsoft.com/office/powerpoint/2010/main" val="849733662"/>
       </p:ext>
     </p:extLst>
   </p:cSld>
@@ -963,99 +867,7 @@
           <a:bodyPr/>
           <a:lstStyle/>
           <a:p>
-            <a:r>
-              <a:rPr lang="zh-CN" altLang="zh-CN" sz="1200" kern="1200" dirty="0" smtClean="0">
-                <a:solidFill>
-                  <a:schemeClr val="tx1"/>
-                </a:solidFill>
-                <a:effectLst/>
-                <a:latin typeface="+mn-lt"/>
-                <a:ea typeface="+mn-ea"/>
-                <a:cs typeface="+mn-cs"/>
-              </a:rPr>
-              <a:t>制板规则语言类似于计算机语言中的</a:t>
-            </a:r>
-            <a:r>
-              <a:rPr lang="en-US" altLang="zh-CN" sz="1200" kern="1200" dirty="0" err="1" smtClean="0">
-                <a:solidFill>
-                  <a:schemeClr val="tx1"/>
-                </a:solidFill>
-                <a:effectLst/>
-                <a:latin typeface="+mn-lt"/>
-                <a:ea typeface="+mn-ea"/>
-                <a:cs typeface="+mn-cs"/>
-              </a:rPr>
-              <a:t>Lua</a:t>
-            </a:r>
-            <a:r>
-              <a:rPr lang="zh-CN" altLang="zh-CN" sz="1200" kern="1200" dirty="0" smtClean="0">
-                <a:solidFill>
-                  <a:schemeClr val="tx1"/>
-                </a:solidFill>
-                <a:effectLst/>
-                <a:latin typeface="+mn-lt"/>
-                <a:ea typeface="+mn-ea"/>
-                <a:cs typeface="+mn-cs"/>
-              </a:rPr>
-              <a:t>、</a:t>
-            </a:r>
-            <a:r>
-              <a:rPr lang="en-US" altLang="zh-CN" sz="1200" kern="1200" dirty="0" smtClean="0">
-                <a:solidFill>
-                  <a:schemeClr val="tx1"/>
-                </a:solidFill>
-                <a:effectLst/>
-                <a:latin typeface="+mn-lt"/>
-                <a:ea typeface="+mn-ea"/>
-                <a:cs typeface="+mn-cs"/>
-              </a:rPr>
-              <a:t>Ruby</a:t>
-            </a:r>
-            <a:r>
-              <a:rPr lang="zh-CN" altLang="zh-CN" sz="1200" kern="1200" dirty="0" smtClean="0">
-                <a:solidFill>
-                  <a:schemeClr val="tx1"/>
-                </a:solidFill>
-                <a:effectLst/>
-                <a:latin typeface="+mn-lt"/>
-                <a:ea typeface="+mn-ea"/>
-                <a:cs typeface="+mn-cs"/>
-              </a:rPr>
-              <a:t>、</a:t>
-            </a:r>
-            <a:r>
-              <a:rPr lang="en-US" altLang="zh-CN" sz="1200" kern="1200" dirty="0" smtClean="0">
-                <a:solidFill>
-                  <a:schemeClr val="tx1"/>
-                </a:solidFill>
-                <a:effectLst/>
-                <a:latin typeface="+mn-lt"/>
-                <a:ea typeface="+mn-ea"/>
-                <a:cs typeface="+mn-cs"/>
-              </a:rPr>
-              <a:t>JavaScript</a:t>
-            </a:r>
-            <a:r>
-              <a:rPr lang="zh-CN" altLang="zh-CN" sz="1200" kern="1200" dirty="0" smtClean="0">
-                <a:solidFill>
-                  <a:schemeClr val="tx1"/>
-                </a:solidFill>
-                <a:effectLst/>
-                <a:latin typeface="+mn-lt"/>
-                <a:ea typeface="+mn-ea"/>
-                <a:cs typeface="+mn-cs"/>
-              </a:rPr>
-              <a:t>这样的动态、解释型的脚本语言，一个自定义的制板规则就相当于是一个模块，可以被其他模块引用。所有这样的模块就是一个个的文件，它们共同组成了制板知识的数据库，并且可以随时修改和增添新的模块，实现制板规则和方法的更新迭代。</a:t>
-            </a:r>
-            <a:endParaRPr lang="zh-CN" altLang="zh-CN" sz="1200" kern="1200" dirty="0">
-              <a:solidFill>
-                <a:schemeClr val="tx1"/>
-              </a:solidFill>
-              <a:effectLst/>
-              <a:latin typeface="+mn-lt"/>
-              <a:ea typeface="+mn-ea"/>
-              <a:cs typeface="+mn-cs"/>
-            </a:endParaRPr>
+            <a:endParaRPr lang="zh-CN" altLang="en-US" dirty="0"/>
           </a:p>
         </p:txBody>
       </p:sp>
@@ -1085,7 +897,7 @@
     </p:spTree>
     <p:extLst>
       <p:ext uri="{BB962C8B-B14F-4D97-AF65-F5344CB8AC3E}">
-        <p14:creationId xmlns:p14="http://schemas.microsoft.com/office/powerpoint/2010/main" val="2008059397"/>
+        <p14:creationId xmlns:p14="http://schemas.microsoft.com/office/powerpoint/2010/main" val="3330170732"/>
       </p:ext>
     </p:extLst>
   </p:cSld>
@@ -1345,7 +1157,7 @@
     </p:spTree>
     <p:extLst>
       <p:ext uri="{BB962C8B-B14F-4D97-AF65-F5344CB8AC3E}">
-        <p14:creationId xmlns:p14="http://schemas.microsoft.com/office/powerpoint/2010/main" val="2774965417"/>
+        <p14:creationId xmlns:p14="http://schemas.microsoft.com/office/powerpoint/2010/main" val="875105315"/>
       </p:ext>
     </p:extLst>
   </p:cSld>
@@ -1429,7 +1241,7 @@
     </p:spTree>
     <p:extLst>
       <p:ext uri="{BB962C8B-B14F-4D97-AF65-F5344CB8AC3E}">
-        <p14:creationId xmlns:p14="http://schemas.microsoft.com/office/powerpoint/2010/main" val="875105315"/>
+        <p14:creationId xmlns:p14="http://schemas.microsoft.com/office/powerpoint/2010/main" val="2774965417"/>
       </p:ext>
     </p:extLst>
   </p:cSld>
@@ -2004,90 +1816,15 @@
               <a:tabLst/>
               <a:defRPr/>
             </a:pPr>
-            <a:r>
-              <a:rPr lang="zh-CN" altLang="zh-CN" sz="1200" kern="1200" dirty="0" smtClean="0">
-                <a:solidFill>
-                  <a:schemeClr val="tx1"/>
-                </a:solidFill>
-                <a:effectLst/>
-                <a:latin typeface="+mn-lt"/>
-                <a:ea typeface="+mn-ea"/>
-                <a:cs typeface="+mn-cs"/>
-              </a:rPr>
-              <a:t>智能打板技术是服装企业提升生产力、实现大规模服装定制的关键技术。本课题研究的女裤</a:t>
-            </a:r>
-            <a:r>
-              <a:rPr lang="en-US" altLang="zh-CN" sz="1200" kern="1200" dirty="0" smtClean="0">
-                <a:solidFill>
-                  <a:schemeClr val="tx1"/>
-                </a:solidFill>
-                <a:effectLst/>
-                <a:latin typeface="+mn-lt"/>
-                <a:ea typeface="+mn-ea"/>
-                <a:cs typeface="+mn-cs"/>
-              </a:rPr>
-              <a:t>PDS</a:t>
-            </a:r>
-            <a:r>
-              <a:rPr lang="zh-CN" altLang="zh-CN" sz="1200" kern="1200" dirty="0" smtClean="0">
-                <a:solidFill>
-                  <a:schemeClr val="tx1"/>
-                </a:solidFill>
-                <a:effectLst/>
-                <a:latin typeface="+mn-lt"/>
-                <a:ea typeface="+mn-ea"/>
-                <a:cs typeface="+mn-cs"/>
-              </a:rPr>
-              <a:t>不但可以满足大规模定制中制板环节对快速、个性化的要求，提高</a:t>
-            </a:r>
-            <a:r>
-              <a:rPr lang="en-US" altLang="zh-CN" sz="1200" kern="1200" dirty="0" smtClean="0">
-                <a:solidFill>
-                  <a:schemeClr val="tx1"/>
-                </a:solidFill>
-                <a:effectLst/>
-                <a:latin typeface="+mn-lt"/>
-                <a:ea typeface="+mn-ea"/>
-                <a:cs typeface="+mn-cs"/>
-              </a:rPr>
-              <a:t>MC</a:t>
-            </a:r>
-            <a:r>
-              <a:rPr lang="zh-CN" altLang="zh-CN" sz="1200" kern="1200" dirty="0" smtClean="0">
-                <a:solidFill>
-                  <a:schemeClr val="tx1"/>
-                </a:solidFill>
-                <a:effectLst/>
-                <a:latin typeface="+mn-lt"/>
-                <a:ea typeface="+mn-ea"/>
-                <a:cs typeface="+mn-cs"/>
-              </a:rPr>
-              <a:t>服装生产的效率，而且在</a:t>
-            </a:r>
-            <a:r>
-              <a:rPr lang="en-US" altLang="zh-CN" sz="1200" kern="1200" dirty="0" smtClean="0">
-                <a:solidFill>
-                  <a:schemeClr val="tx1"/>
-                </a:solidFill>
-                <a:effectLst/>
-                <a:latin typeface="+mn-lt"/>
-                <a:ea typeface="+mn-ea"/>
-                <a:cs typeface="+mn-cs"/>
-              </a:rPr>
-              <a:t>PDS</a:t>
-            </a:r>
-            <a:r>
-              <a:rPr lang="zh-CN" altLang="zh-CN" sz="1200" kern="1200" dirty="0" smtClean="0">
-                <a:solidFill>
-                  <a:schemeClr val="tx1"/>
-                </a:solidFill>
-                <a:effectLst/>
-                <a:latin typeface="+mn-lt"/>
-                <a:ea typeface="+mn-ea"/>
-                <a:cs typeface="+mn-cs"/>
-              </a:rPr>
-              <a:t>设计过程中所总结的专家知识数据化方法、参数化打板的通用性方法，对于服装产业未来的智能化发展也具有一定的价值。</a:t>
-            </a:r>
+            <a:endParaRPr lang="zh-CN" altLang="zh-CN" sz="1200" kern="1200" dirty="0" smtClean="0">
+              <a:solidFill>
+                <a:schemeClr val="tx1"/>
+              </a:solidFill>
+              <a:effectLst/>
+              <a:latin typeface="+mn-lt"/>
+              <a:ea typeface="+mn-ea"/>
+              <a:cs typeface="+mn-cs"/>
+            </a:endParaRPr>
           </a:p>
         </p:txBody>
       </p:sp>
@@ -2554,7 +2291,7 @@
           <a:p>
             <a:fld id="{946EC223-8CCF-469F-BA8D-614965A5FCBC}" type="datetimeFigureOut">
               <a:rPr lang="zh-CN" altLang="en-US" smtClean="0"/>
-              <a:t>2019/12/10</a:t>
+              <a:t>2019/12/11</a:t>
             </a:fld>
             <a:endParaRPr lang="zh-CN" altLang="en-US"/>
           </a:p>
@@ -2736,7 +2473,7 @@
           <a:p>
             <a:fld id="{946EC223-8CCF-469F-BA8D-614965A5FCBC}" type="datetimeFigureOut">
               <a:rPr lang="zh-CN" altLang="en-US" smtClean="0"/>
-              <a:t>2019/12/10</a:t>
+              <a:t>2019/12/11</a:t>
             </a:fld>
             <a:endParaRPr lang="zh-CN" altLang="en-US"/>
           </a:p>
@@ -2928,7 +2665,7 @@
           <a:p>
             <a:fld id="{946EC223-8CCF-469F-BA8D-614965A5FCBC}" type="datetimeFigureOut">
               <a:rPr lang="zh-CN" altLang="en-US" smtClean="0"/>
-              <a:t>2019/12/10</a:t>
+              <a:t>2019/12/11</a:t>
             </a:fld>
             <a:endParaRPr lang="zh-CN" altLang="en-US"/>
           </a:p>
@@ -3110,7 +2847,7 @@
           <a:p>
             <a:fld id="{946EC223-8CCF-469F-BA8D-614965A5FCBC}" type="datetimeFigureOut">
               <a:rPr lang="zh-CN" altLang="en-US" smtClean="0"/>
-              <a:t>2019/12/10</a:t>
+              <a:t>2019/12/11</a:t>
             </a:fld>
             <a:endParaRPr lang="zh-CN" altLang="en-US"/>
           </a:p>
@@ -3368,7 +3105,7 @@
           <a:p>
             <a:fld id="{946EC223-8CCF-469F-BA8D-614965A5FCBC}" type="datetimeFigureOut">
               <a:rPr lang="zh-CN" altLang="en-US" smtClean="0"/>
-              <a:t>2019/12/10</a:t>
+              <a:t>2019/12/11</a:t>
             </a:fld>
             <a:endParaRPr lang="zh-CN" altLang="en-US"/>
           </a:p>
@@ -3612,7 +3349,7 @@
           <a:p>
             <a:fld id="{946EC223-8CCF-469F-BA8D-614965A5FCBC}" type="datetimeFigureOut">
               <a:rPr lang="zh-CN" altLang="en-US" smtClean="0"/>
-              <a:t>2019/12/10</a:t>
+              <a:t>2019/12/11</a:t>
             </a:fld>
             <a:endParaRPr lang="zh-CN" altLang="en-US"/>
           </a:p>
@@ -3991,7 +3728,7 @@
           <a:p>
             <a:fld id="{946EC223-8CCF-469F-BA8D-614965A5FCBC}" type="datetimeFigureOut">
               <a:rPr lang="zh-CN" altLang="en-US" smtClean="0"/>
-              <a:t>2019/12/10</a:t>
+              <a:t>2019/12/11</a:t>
             </a:fld>
             <a:endParaRPr lang="zh-CN" altLang="en-US"/>
           </a:p>
@@ -4121,7 +3858,7 @@
           <a:p>
             <a:fld id="{946EC223-8CCF-469F-BA8D-614965A5FCBC}" type="datetimeFigureOut">
               <a:rPr lang="zh-CN" altLang="en-US" smtClean="0"/>
-              <a:t>2019/12/10</a:t>
+              <a:t>2019/12/11</a:t>
             </a:fld>
             <a:endParaRPr lang="zh-CN" altLang="en-US"/>
           </a:p>
@@ -4228,7 +3965,7 @@
           <a:p>
             <a:fld id="{946EC223-8CCF-469F-BA8D-614965A5FCBC}" type="datetimeFigureOut">
               <a:rPr lang="zh-CN" altLang="en-US" smtClean="0"/>
-              <a:t>2019/12/10</a:t>
+              <a:t>2019/12/11</a:t>
             </a:fld>
             <a:endParaRPr lang="zh-CN" altLang="en-US"/>
           </a:p>
@@ -4517,7 +4254,7 @@
           <a:p>
             <a:fld id="{946EC223-8CCF-469F-BA8D-614965A5FCBC}" type="datetimeFigureOut">
               <a:rPr lang="zh-CN" altLang="en-US" smtClean="0"/>
-              <a:t>2019/12/10</a:t>
+              <a:t>2019/12/11</a:t>
             </a:fld>
             <a:endParaRPr lang="zh-CN" altLang="en-US"/>
           </a:p>
@@ -4782,7 +4519,7 @@
           <a:p>
             <a:fld id="{946EC223-8CCF-469F-BA8D-614965A5FCBC}" type="datetimeFigureOut">
               <a:rPr lang="zh-CN" altLang="en-US" smtClean="0"/>
-              <a:t>2019/12/10</a:t>
+              <a:t>2019/12/11</a:t>
             </a:fld>
             <a:endParaRPr lang="zh-CN" altLang="en-US"/>
           </a:p>
@@ -5007,7 +4744,7 @@
           <a:p>
             <a:fld id="{946EC223-8CCF-469F-BA8D-614965A5FCBC}" type="datetimeFigureOut">
               <a:rPr lang="zh-CN" altLang="en-US" smtClean="0"/>
-              <a:t>2019/12/10</a:t>
+              <a:t>2019/12/11</a:t>
             </a:fld>
             <a:endParaRPr lang="zh-CN" altLang="en-US"/>
           </a:p>
@@ -6576,6 +6313,9 @@
                     <p:cTn id="3" fill="hold">
                       <p:stCondLst>
                         <p:cond delay="indefinite"/>
+                        <p:cond evt="onBegin" delay="0">
+                          <p:tn val="2"/>
+                        </p:cond>
                       </p:stCondLst>
                       <p:childTnLst>
                         <p:par>
@@ -6585,9 +6325,9 @@
                             </p:stCondLst>
                             <p:childTnLst>
                               <p:par>
-                                <p:cTn id="5" presetID="35" presetClass="path" presetSubtype="0" accel="50000" decel="50000" fill="hold" nodeType="clickEffect">
+                                <p:cTn id="5" presetID="35" presetClass="path" presetSubtype="0" accel="50000" decel="50000" fill="hold" nodeType="afterEffect">
                                   <p:stCondLst>
-                                    <p:cond delay="0"/>
+                                    <p:cond delay="750"/>
                                   </p:stCondLst>
                                   <p:childTnLst>
                                     <p:animMotion origin="layout" path="M -2.5E-6 -4.81481E-6 L -0.31315 -0.00115 " pathEditMode="relative" rAng="0" ptsTypes="AA">
@@ -6609,7 +6349,7 @@
                               <p:par>
                                 <p:cTn id="7" presetID="35" presetClass="path" presetSubtype="0" accel="50000" decel="50000" fill="hold" nodeType="withEffect">
                                   <p:stCondLst>
-                                    <p:cond delay="0"/>
+                                    <p:cond delay="750"/>
                                   </p:stCondLst>
                                   <p:childTnLst>
                                     <p:animMotion origin="layout" path="M 5E-6 -3.33333E-6 L -0.65131 -0.00416 " pathEditMode="relative" rAng="0" ptsTypes="AA">
@@ -7917,7 +7657,7 @@
         </p:blipFill>
         <p:spPr>
           <a:xfrm>
-            <a:off x="370114" y="1186543"/>
+            <a:off x="7080008" y="407525"/>
             <a:ext cx="4931229" cy="5312228"/>
           </a:xfrm>
           <a:prstGeom prst="rect">
@@ -7933,7 +7673,7 @@
         </p:nvSpPr>
         <p:spPr>
           <a:xfrm>
-            <a:off x="4757059" y="526088"/>
+            <a:off x="996428" y="526088"/>
             <a:ext cx="4190998" cy="976141"/>
           </a:xfrm>
           <a:prstGeom prst="roundRect">
@@ -7987,11 +7727,17 @@
           <p:cNvGraphicFramePr>
             <a:graphicFrameLocks noGrp="1"/>
           </p:cNvGraphicFramePr>
-          <p:nvPr/>
+          <p:nvPr>
+            <p:extLst>
+              <p:ext uri="{D42A27DB-BD31-4B8C-83A1-F6EECF244321}">
+                <p14:modId xmlns:p14="http://schemas.microsoft.com/office/powerpoint/2010/main" val="2758944087"/>
+              </p:ext>
+            </p:extLst>
+          </p:nvPr>
         </p:nvGraphicFramePr>
         <p:xfrm>
-          <a:off x="5576342" y="1932418"/>
-          <a:ext cx="6408828" cy="4529421"/>
+          <a:off x="360397" y="1893632"/>
+          <a:ext cx="6555557" cy="4529421"/>
         </p:xfrm>
         <a:graphic>
           <a:graphicData uri="http://schemas.openxmlformats.org/drawingml/2006/table">
@@ -8000,8 +7746,8 @@
                 <a:tableStyleId>{5C22544A-7EE6-4342-B048-85BDC9FD1C3A}</a:tableStyleId>
               </a:tblPr>
               <a:tblGrid>
-                <a:gridCol w="1222883"/>
-                <a:gridCol w="5185945"/>
+                <a:gridCol w="1250881"/>
+                <a:gridCol w="5304676"/>
               </a:tblGrid>
               <a:tr h="352644">
                 <a:tc>
@@ -11158,8 +10904,8 @@
         </p:blipFill>
         <p:spPr>
           <a:xfrm>
-            <a:off x="351411" y="1403731"/>
-            <a:ext cx="4201886" cy="4526534"/>
+            <a:off x="7714444" y="806770"/>
+            <a:ext cx="4236405" cy="4563720"/>
           </a:xfrm>
           <a:prstGeom prst="rect">
             <a:avLst/>
@@ -11174,7 +10920,7 @@
         </p:nvSpPr>
         <p:spPr>
           <a:xfrm>
-            <a:off x="4181650" y="427590"/>
+            <a:off x="996428" y="526088"/>
             <a:ext cx="4190998" cy="976141"/>
           </a:xfrm>
           <a:prstGeom prst="roundRect">
@@ -11209,14 +10955,14 @@
           <a:p>
             <a:pPr algn="ctr"/>
             <a:r>
-              <a:rPr lang="zh-CN" altLang="en-US" sz="2800" dirty="0" smtClean="0">
+              <a:rPr lang="zh-CN" altLang="en-US" sz="2800" dirty="0">
                 <a:latin typeface="微软雅黑" panose="020B0503020204020204" pitchFamily="34" charset="-122"/>
                 <a:ea typeface="微软雅黑" panose="020B0503020204020204" pitchFamily="34" charset="-122"/>
               </a:rPr>
               <a:t>制板规则 </a:t>
             </a:r>
             <a:r>
-              <a:rPr lang="en-US" altLang="zh-CN" sz="2800" dirty="0" smtClean="0">
+              <a:rPr lang="en-US" altLang="zh-CN" sz="2800" dirty="0">
                 <a:latin typeface="微软雅黑" panose="020B0503020204020204" pitchFamily="34" charset="-122"/>
                 <a:ea typeface="微软雅黑" panose="020B0503020204020204" pitchFamily="34" charset="-122"/>
               </a:rPr>
@@ -11231,52 +10977,32 @@
       </p:sp>
       <p:pic>
         <p:nvPicPr>
-          <p:cNvPr id="8" name="图片 7"/>
-          <p:cNvPicPr/>
+          <p:cNvPr id="6" name="图片 5"/>
+          <p:cNvPicPr>
+            <a:picLocks noChangeAspect="1"/>
+          </p:cNvPicPr>
           <p:nvPr/>
         </p:nvPicPr>
-        <p:blipFill rotWithShape="1">
-          <a:blip r:embed="rId5">
-            <a:extLst>
-              <a:ext uri="{BEBA8EAE-BF5A-486C-A8C5-ECC9F3942E4B}">
-                <a14:imgProps xmlns:a14="http://schemas.microsoft.com/office/drawing/2010/main">
-                  <a14:imgLayer r:embed="rId6">
-                    <a14:imgEffect>
-                      <a14:brightnessContrast contrast="20000"/>
-                    </a14:imgEffect>
-                  </a14:imgLayer>
-                </a14:imgProps>
-              </a:ext>
-              <a:ext uri="{28A0092B-C50C-407E-A947-70E740481C1C}">
-                <a14:useLocalDpi xmlns:a14="http://schemas.microsoft.com/office/drawing/2010/main" val="0"/>
-              </a:ext>
-            </a:extLst>
-          </a:blip>
-          <a:srcRect l="2566" t="7595" r="2501" b="3978"/>
-          <a:stretch/>
+        <p:blipFill>
+          <a:blip r:embed="rId5"/>
+          <a:stretch>
+            <a:fillRect/>
+          </a:stretch>
         </p:blipFill>
-        <p:spPr bwMode="auto">
+        <p:spPr>
           <a:xfrm>
-            <a:off x="4553297" y="1723817"/>
-            <a:ext cx="7638703" cy="4206448"/>
+            <a:off x="200237" y="1837452"/>
+            <a:ext cx="7514207" cy="4277890"/>
           </a:xfrm>
           <a:prstGeom prst="rect">
             <a:avLst/>
           </a:prstGeom>
-          <a:ln>
-            <a:noFill/>
-          </a:ln>
-          <a:extLst>
-            <a:ext uri="{53640926-AAD7-44D8-BBD7-CCE9431645EC}">
-              <a14:shadowObscured xmlns:a14="http://schemas.microsoft.com/office/drawing/2010/main"/>
-            </a:ext>
-          </a:extLst>
         </p:spPr>
       </p:pic>
     </p:spTree>
     <p:extLst>
       <p:ext uri="{BB962C8B-B14F-4D97-AF65-F5344CB8AC3E}">
-        <p14:creationId xmlns:p14="http://schemas.microsoft.com/office/powerpoint/2010/main" val="3775124841"/>
+        <p14:creationId xmlns:p14="http://schemas.microsoft.com/office/powerpoint/2010/main" val="2902897701"/>
       </p:ext>
     </p:extLst>
   </p:cSld>
@@ -11298,83 +11024,7 @@
   <p:timing>
     <p:tnLst>
       <p:par>
-        <p:cTn id="1" dur="indefinite" restart="never" nodeType="tmRoot">
-          <p:childTnLst>
-            <p:seq concurrent="1" nextAc="seek">
-              <p:cTn id="2" dur="indefinite" nodeType="mainSeq">
-                <p:childTnLst>
-                  <p:par>
-                    <p:cTn id="3" fill="hold">
-                      <p:stCondLst>
-                        <p:cond delay="indefinite"/>
-                      </p:stCondLst>
-                      <p:childTnLst>
-                        <p:par>
-                          <p:cTn id="4" fill="hold">
-                            <p:stCondLst>
-                              <p:cond delay="0"/>
-                            </p:stCondLst>
-                            <p:childTnLst>
-                              <p:par>
-                                <p:cTn id="5" presetID="10" presetClass="entr" presetSubtype="0" fill="hold" nodeType="clickEffect">
-                                  <p:stCondLst>
-                                    <p:cond delay="0"/>
-                                  </p:stCondLst>
-                                  <p:childTnLst>
-                                    <p:set>
-                                      <p:cBhvr>
-                                        <p:cTn id="6" dur="1" fill="hold">
-                                          <p:stCondLst>
-                                            <p:cond delay="0"/>
-                                          </p:stCondLst>
-                                        </p:cTn>
-                                        <p:tgtEl>
-                                          <p:spTgt spid="8"/>
-                                        </p:tgtEl>
-                                        <p:attrNameLst>
-                                          <p:attrName>style.visibility</p:attrName>
-                                        </p:attrNameLst>
-                                      </p:cBhvr>
-                                      <p:to>
-                                        <p:strVal val="visible"/>
-                                      </p:to>
-                                    </p:set>
-                                    <p:animEffect transition="in" filter="fade">
-                                      <p:cBhvr>
-                                        <p:cTn id="7" dur="250"/>
-                                        <p:tgtEl>
-                                          <p:spTgt spid="8"/>
-                                        </p:tgtEl>
-                                      </p:cBhvr>
-                                    </p:animEffect>
-                                  </p:childTnLst>
-                                </p:cTn>
-                              </p:par>
-                            </p:childTnLst>
-                          </p:cTn>
-                        </p:par>
-                      </p:childTnLst>
-                    </p:cTn>
-                  </p:par>
-                </p:childTnLst>
-              </p:cTn>
-              <p:prevCondLst>
-                <p:cond evt="onPrev" delay="0">
-                  <p:tgtEl>
-                    <p:sldTgt/>
-                  </p:tgtEl>
-                </p:cond>
-              </p:prevCondLst>
-              <p:nextCondLst>
-                <p:cond evt="onNext" delay="0">
-                  <p:tgtEl>
-                    <p:sldTgt/>
-                  </p:tgtEl>
-                </p:cond>
-              </p:nextCondLst>
-            </p:seq>
-          </p:childTnLst>
-        </p:cTn>
+        <p:cTn id="1" dur="indefinite" restart="never" nodeType="tmRoot"/>
       </p:par>
     </p:tnLst>
   </p:timing>
@@ -11422,6 +11072,34 @@
           </a:prstGeom>
         </p:spPr>
       </p:pic>
+      <p:pic>
+        <p:nvPicPr>
+          <p:cNvPr id="3" name="图片 2"/>
+          <p:cNvPicPr/>
+          <p:nvPr/>
+        </p:nvPicPr>
+        <p:blipFill>
+          <a:blip r:embed="rId4">
+            <a:extLst>
+              <a:ext uri="{28A0092B-C50C-407E-A947-70E740481C1C}">
+                <a14:useLocalDpi xmlns:a14="http://schemas.microsoft.com/office/drawing/2010/main" val="0"/>
+              </a:ext>
+            </a:extLst>
+          </a:blip>
+          <a:stretch>
+            <a:fillRect/>
+          </a:stretch>
+        </p:blipFill>
+        <p:spPr>
+          <a:xfrm>
+            <a:off x="7714444" y="806770"/>
+            <a:ext cx="4236405" cy="4563720"/>
+          </a:xfrm>
+          <a:prstGeom prst="rect">
+            <a:avLst/>
+          </a:prstGeom>
+        </p:spPr>
+      </p:pic>
       <p:sp>
         <p:nvSpPr>
           <p:cNvPr id="4" name="圆角矩形 3"/>
@@ -11430,7 +11108,7 @@
         </p:nvSpPr>
         <p:spPr>
           <a:xfrm>
-            <a:off x="4181650" y="427590"/>
+            <a:off x="996428" y="526088"/>
             <a:ext cx="4190998" cy="976141"/>
           </a:xfrm>
           <a:prstGeom prst="roundRect">
@@ -11465,14 +11143,14 @@
           <a:p>
             <a:pPr algn="ctr"/>
             <a:r>
-              <a:rPr lang="zh-CN" altLang="en-US" sz="2800" dirty="0" smtClean="0">
+              <a:rPr lang="zh-CN" altLang="en-US" sz="2800" dirty="0">
                 <a:latin typeface="微软雅黑" panose="020B0503020204020204" pitchFamily="34" charset="-122"/>
                 <a:ea typeface="微软雅黑" panose="020B0503020204020204" pitchFamily="34" charset="-122"/>
               </a:rPr>
               <a:t>制板规则 </a:t>
             </a:r>
             <a:r>
-              <a:rPr lang="en-US" altLang="zh-CN" sz="2800" dirty="0" smtClean="0">
+              <a:rPr lang="en-US" altLang="zh-CN" sz="2800" dirty="0">
                 <a:latin typeface="微软雅黑" panose="020B0503020204020204" pitchFamily="34" charset="-122"/>
                 <a:ea typeface="微软雅黑" panose="020B0503020204020204" pitchFamily="34" charset="-122"/>
               </a:rPr>
@@ -11487,46 +11165,26 @@
       </p:sp>
       <p:pic>
         <p:nvPicPr>
-          <p:cNvPr id="8" name="图片 7"/>
-          <p:cNvPicPr/>
+          <p:cNvPr id="6" name="图片 5"/>
+          <p:cNvPicPr>
+            <a:picLocks noChangeAspect="1"/>
+          </p:cNvPicPr>
           <p:nvPr/>
         </p:nvPicPr>
-        <p:blipFill rotWithShape="1">
-          <a:blip r:embed="rId4">
-            <a:extLst>
-              <a:ext uri="{BEBA8EAE-BF5A-486C-A8C5-ECC9F3942E4B}">
-                <a14:imgProps xmlns:a14="http://schemas.microsoft.com/office/drawing/2010/main">
-                  <a14:imgLayer r:embed="rId5">
-                    <a14:imgEffect>
-                      <a14:brightnessContrast contrast="20000"/>
-                    </a14:imgEffect>
-                  </a14:imgLayer>
-                </a14:imgProps>
-              </a:ext>
-              <a:ext uri="{28A0092B-C50C-407E-A947-70E740481C1C}">
-                <a14:useLocalDpi xmlns:a14="http://schemas.microsoft.com/office/drawing/2010/main" val="0"/>
-              </a:ext>
-            </a:extLst>
-          </a:blip>
-          <a:srcRect l="2566" t="7595" r="2501" b="3978"/>
-          <a:stretch/>
+        <p:blipFill>
+          <a:blip r:embed="rId5"/>
+          <a:stretch>
+            <a:fillRect/>
+          </a:stretch>
         </p:blipFill>
-        <p:spPr bwMode="auto">
+        <p:spPr>
           <a:xfrm>
-            <a:off x="4553297" y="1723817"/>
-            <a:ext cx="7638703" cy="4206448"/>
+            <a:off x="200237" y="1837452"/>
+            <a:ext cx="5001313" cy="2847282"/>
           </a:xfrm>
           <a:prstGeom prst="rect">
             <a:avLst/>
           </a:prstGeom>
-          <a:ln>
-            <a:noFill/>
-          </a:ln>
-          <a:extLst>
-            <a:ext uri="{53640926-AAD7-44D8-BBD7-CCE9431645EC}">
-              <a14:shadowObscured xmlns:a14="http://schemas.microsoft.com/office/drawing/2010/main"/>
-            </a:ext>
-          </a:extLst>
         </p:spPr>
       </p:pic>
       <p:sp>
@@ -11537,8 +11195,8 @@
         </p:nvSpPr>
         <p:spPr>
           <a:xfrm>
-            <a:off x="462963" y="2198561"/>
-            <a:ext cx="4090334" cy="2862322"/>
+            <a:off x="4911854" y="4051183"/>
+            <a:ext cx="4090334" cy="2342949"/>
           </a:xfrm>
           <a:prstGeom prst="rect">
             <a:avLst/>
@@ -11556,7 +11214,7 @@
               </a:lnSpc>
             </a:pPr>
             <a:r>
-              <a:rPr lang="zh-CN" altLang="en-US" sz="2400" dirty="0">
+              <a:rPr lang="zh-CN" altLang="en-US" sz="2000" dirty="0">
                 <a:solidFill>
                   <a:srgbClr val="383838"/>
                 </a:solidFill>
@@ -11566,7 +11224,7 @@
               <a:t>规则 </a:t>
             </a:r>
             <a:r>
-              <a:rPr lang="zh-CN" altLang="en-US" sz="2400" dirty="0">
+              <a:rPr lang="zh-CN" altLang="en-US" sz="2000" dirty="0">
                 <a:solidFill>
                   <a:srgbClr val="383838"/>
                 </a:solidFill>
@@ -11583,7 +11241,7 @@
               </a:lnSpc>
             </a:pPr>
             <a:r>
-              <a:rPr lang="zh-CN" altLang="en-US" sz="2400" dirty="0">
+              <a:rPr lang="zh-CN" altLang="en-US" sz="2000" dirty="0">
                 <a:solidFill>
                   <a:srgbClr val="383838"/>
                 </a:solidFill>
@@ -11593,7 +11251,7 @@
               <a:t>输入 </a:t>
             </a:r>
             <a:r>
-              <a:rPr lang="zh-CN" altLang="en-US" sz="2400" dirty="0">
+              <a:rPr lang="zh-CN" altLang="en-US" sz="2000" dirty="0">
                 <a:solidFill>
                   <a:srgbClr val="383838"/>
                 </a:solidFill>
@@ -11610,7 +11268,7 @@
               </a:lnSpc>
             </a:pPr>
             <a:r>
-              <a:rPr lang="zh-CN" altLang="en-US" sz="2400" dirty="0">
+              <a:rPr lang="zh-CN" altLang="en-US" sz="2000" dirty="0">
                 <a:solidFill>
                   <a:srgbClr val="383838"/>
                 </a:solidFill>
@@ -11620,7 +11278,7 @@
               <a:t>输入 </a:t>
             </a:r>
             <a:r>
-              <a:rPr lang="zh-CN" altLang="en-US" sz="2400" dirty="0">
+              <a:rPr lang="zh-CN" altLang="en-US" sz="2000" dirty="0">
                 <a:solidFill>
                   <a:srgbClr val="383838"/>
                 </a:solidFill>
@@ -11637,7 +11295,7 @@
               </a:lnSpc>
             </a:pPr>
             <a:r>
-              <a:rPr lang="zh-CN" altLang="en-US" sz="2400" dirty="0">
+              <a:rPr lang="zh-CN" altLang="en-US" sz="2000" dirty="0">
                 <a:solidFill>
                   <a:srgbClr val="383838"/>
                 </a:solidFill>
@@ -11654,7 +11312,7 @@
               </a:lnSpc>
             </a:pPr>
             <a:r>
-              <a:rPr lang="zh-CN" altLang="en-US" sz="2400" dirty="0">
+              <a:rPr lang="zh-CN" altLang="en-US" sz="2000" dirty="0">
                 <a:solidFill>
                   <a:srgbClr val="383838"/>
                 </a:solidFill>
@@ -11664,7 +11322,7 @@
               <a:t>输出 </a:t>
             </a:r>
             <a:r>
-              <a:rPr lang="zh-CN" altLang="en-US" sz="2400" dirty="0">
+              <a:rPr lang="zh-CN" altLang="en-US" sz="2000" dirty="0">
                 <a:solidFill>
                   <a:srgbClr val="383838"/>
                 </a:solidFill>
@@ -11674,7 +11332,7 @@
               <a:t>实体名</a:t>
             </a:r>
             <a:r>
-              <a:rPr lang="zh-CN" altLang="en-US" sz="2400" dirty="0">
+              <a:rPr lang="zh-CN" altLang="en-US" sz="2000" dirty="0">
                 <a:solidFill>
                   <a:srgbClr val="383838"/>
                 </a:solidFill>
@@ -11684,7 +11342,7 @@
               <a:t> </a:t>
             </a:r>
             <a:r>
-              <a:rPr lang="en-US" altLang="zh-CN" sz="2400" dirty="0">
+              <a:rPr lang="en-US" altLang="zh-CN" sz="2000" dirty="0">
                 <a:solidFill>
                   <a:srgbClr val="383838"/>
                 </a:solidFill>
@@ -11694,7 +11352,7 @@
               <a:t>&amp; </a:t>
             </a:r>
             <a:r>
-              <a:rPr lang="zh-CN" altLang="en-US" sz="2400" dirty="0">
+              <a:rPr lang="zh-CN" altLang="en-US" sz="2000" dirty="0">
                 <a:solidFill>
                   <a:srgbClr val="383838"/>
                 </a:solidFill>
@@ -11704,7 +11362,7 @@
               <a:t>实体名</a:t>
             </a:r>
             <a:r>
-              <a:rPr lang="zh-CN" altLang="en-US" sz="2400" dirty="0">
+              <a:rPr lang="zh-CN" altLang="en-US" sz="2000" dirty="0">
                 <a:solidFill>
                   <a:srgbClr val="383838"/>
                 </a:solidFill>
@@ -11714,7 +11372,7 @@
               <a:t> </a:t>
             </a:r>
             <a:r>
-              <a:rPr lang="en-US" altLang="zh-CN" sz="2400" dirty="0">
+              <a:rPr lang="en-US" altLang="zh-CN" sz="2000" dirty="0">
                 <a:solidFill>
                   <a:srgbClr val="383838"/>
                 </a:solidFill>
@@ -11724,7 +11382,7 @@
               <a:t>&amp; </a:t>
             </a:r>
             <a:r>
-              <a:rPr lang="en-US" altLang="zh-CN" sz="2400" dirty="0">
+              <a:rPr lang="en-US" altLang="zh-CN" sz="2000" dirty="0">
                 <a:solidFill>
                   <a:srgbClr val="383838"/>
                 </a:solidFill>
@@ -11736,21 +11394,104 @@
           </a:p>
         </p:txBody>
       </p:sp>
+      <p:cxnSp>
+        <p:nvCxnSpPr>
+          <p:cNvPr id="8" name="直接箭头连接符 7"/>
+          <p:cNvCxnSpPr/>
+          <p:nvPr/>
+        </p:nvCxnSpPr>
+        <p:spPr>
+          <a:xfrm>
+            <a:off x="3614171" y="4830729"/>
+            <a:ext cx="1103941" cy="778800"/>
+          </a:xfrm>
+          <a:prstGeom prst="straightConnector1">
+            <a:avLst/>
+          </a:prstGeom>
+          <a:ln>
+            <a:tailEnd type="triangle"/>
+          </a:ln>
+        </p:spPr>
+        <p:style>
+          <a:lnRef idx="1">
+            <a:schemeClr val="dk1"/>
+          </a:lnRef>
+          <a:fillRef idx="0">
+            <a:schemeClr val="dk1"/>
+          </a:fillRef>
+          <a:effectRef idx="0">
+            <a:schemeClr val="dk1"/>
+          </a:effectRef>
+          <a:fontRef idx="minor">
+            <a:schemeClr val="tx1"/>
+          </a:fontRef>
+        </p:style>
+      </p:cxnSp>
+      <p:sp>
+        <p:nvSpPr>
+          <p:cNvPr id="11" name="文本框 10"/>
+          <p:cNvSpPr txBox="1"/>
+          <p:nvPr/>
+        </p:nvSpPr>
+        <p:spPr>
+          <a:xfrm>
+            <a:off x="2868459" y="5050852"/>
+            <a:ext cx="1491423" cy="338554"/>
+          </a:xfrm>
+          <a:prstGeom prst="rect">
+            <a:avLst/>
+          </a:prstGeom>
+          <a:noFill/>
+        </p:spPr>
+        <p:txBody>
+          <a:bodyPr wrap="square" rtlCol="0">
+            <a:spAutoFit/>
+          </a:bodyPr>
+          <a:lstStyle/>
+          <a:p>
+            <a:r>
+              <a:rPr lang="zh-CN" altLang="en-US" sz="1600" dirty="0" smtClean="0">
+                <a:latin typeface="微软雅黑" panose="020B0503020204020204" pitchFamily="34" charset="-122"/>
+                <a:ea typeface="微软雅黑" panose="020B0503020204020204" pitchFamily="34" charset="-122"/>
+              </a:rPr>
+              <a:t>用</a:t>
+            </a:r>
+            <a:r>
+              <a:rPr lang="en-US" altLang="zh-CN" sz="1600" dirty="0" smtClean="0">
+                <a:latin typeface="微软雅黑" panose="020B0503020204020204" pitchFamily="34" charset="-122"/>
+                <a:ea typeface="微软雅黑" panose="020B0503020204020204" pitchFamily="34" charset="-122"/>
+              </a:rPr>
+              <a:t>DSL</a:t>
+            </a:r>
+            <a:r>
+              <a:rPr lang="zh-CN" altLang="en-US" sz="1600" dirty="0" smtClean="0">
+                <a:latin typeface="微软雅黑" panose="020B0503020204020204" pitchFamily="34" charset="-122"/>
+                <a:ea typeface="微软雅黑" panose="020B0503020204020204" pitchFamily="34" charset="-122"/>
+              </a:rPr>
+              <a:t>编写</a:t>
+            </a:r>
+            <a:endParaRPr lang="zh-CN" altLang="en-US" sz="1600" dirty="0">
+              <a:latin typeface="微软雅黑" panose="020B0503020204020204" pitchFamily="34" charset="-122"/>
+              <a:ea typeface="微软雅黑" panose="020B0503020204020204" pitchFamily="34" charset="-122"/>
+            </a:endParaRPr>
+          </a:p>
+        </p:txBody>
+      </p:sp>
     </p:spTree>
     <p:extLst>
       <p:ext uri="{BB962C8B-B14F-4D97-AF65-F5344CB8AC3E}">
-        <p14:creationId xmlns:p14="http://schemas.microsoft.com/office/powerpoint/2010/main" val="635761204"/>
+        <p14:creationId xmlns:p14="http://schemas.microsoft.com/office/powerpoint/2010/main" val="3399974395"/>
       </p:ext>
     </p:extLst>
   </p:cSld>
   <p:clrMapOvr>
     <a:masterClrMapping/>
   </p:clrMapOvr>
-  <mc:AlternateContent xmlns:mc="http://schemas.openxmlformats.org/markup-compatibility/2006" xmlns:p14="http://schemas.microsoft.com/office/powerpoint/2010/main">
-    <mc:Choice Requires="p14">
-      <p:transition p14:dur="10"/>
+  <mc:AlternateContent xmlns:mc="http://schemas.openxmlformats.org/markup-compatibility/2006">
+    <mc:Choice xmlns:p14="http://schemas.microsoft.com/office/powerpoint/2010/main" Requires="p14">
+      <p:transition p14:dur="0"/>
     </mc:Choice>
-    <mc:Fallback xmlns="">
+    <mc:Fallback>
       <p:transition/>
     </mc:Fallback>
   </mc:AlternateContent>
@@ -11807,76 +11548,13 @@
       </p:pic>
       <p:sp>
         <p:nvSpPr>
-          <p:cNvPr id="4" name="圆角矩形 3"/>
-          <p:cNvSpPr/>
-          <p:nvPr/>
-        </p:nvSpPr>
-        <p:spPr>
-          <a:xfrm>
-            <a:off x="4181650" y="427590"/>
-            <a:ext cx="4190998" cy="976141"/>
-          </a:xfrm>
-          <a:prstGeom prst="roundRect">
-            <a:avLst/>
-          </a:prstGeom>
-          <a:solidFill>
-            <a:srgbClr val="383838"/>
-          </a:solidFill>
-          <a:ln>
-            <a:noFill/>
-          </a:ln>
-        </p:spPr>
-        <p:style>
-          <a:lnRef idx="2">
-            <a:schemeClr val="accent1">
-              <a:shade val="50000"/>
-            </a:schemeClr>
-          </a:lnRef>
-          <a:fillRef idx="1">
-            <a:schemeClr val="accent1"/>
-          </a:fillRef>
-          <a:effectRef idx="0">
-            <a:schemeClr val="accent1"/>
-          </a:effectRef>
-          <a:fontRef idx="minor">
-            <a:schemeClr val="lt1"/>
-          </a:fontRef>
-        </p:style>
-        <p:txBody>
-          <a:bodyPr rtlCol="0" anchor="ctr"/>
-          <a:lstStyle/>
-          <a:p>
-            <a:pPr algn="ctr"/>
-            <a:r>
-              <a:rPr lang="zh-CN" altLang="en-US" sz="2800" dirty="0" smtClean="0">
-                <a:latin typeface="微软雅黑" panose="020B0503020204020204" pitchFamily="34" charset="-122"/>
-                <a:ea typeface="微软雅黑" panose="020B0503020204020204" pitchFamily="34" charset="-122"/>
-              </a:rPr>
-              <a:t>制板规则 </a:t>
-            </a:r>
-            <a:r>
-              <a:rPr lang="en-US" altLang="zh-CN" sz="2800" dirty="0" smtClean="0">
-                <a:latin typeface="微软雅黑" panose="020B0503020204020204" pitchFamily="34" charset="-122"/>
-                <a:ea typeface="微软雅黑" panose="020B0503020204020204" pitchFamily="34" charset="-122"/>
-              </a:rPr>
-              <a:t>DSL</a:t>
-            </a:r>
-            <a:endParaRPr lang="zh-CN" altLang="en-US" sz="2800" dirty="0">
-              <a:latin typeface="微软雅黑" panose="020B0503020204020204" pitchFamily="34" charset="-122"/>
-              <a:ea typeface="微软雅黑" panose="020B0503020204020204" pitchFamily="34" charset="-122"/>
-            </a:endParaRPr>
-          </a:p>
-        </p:txBody>
-      </p:sp>
-      <p:sp>
-        <p:nvSpPr>
           <p:cNvPr id="7" name="矩形 6"/>
           <p:cNvSpPr/>
           <p:nvPr/>
         </p:nvSpPr>
         <p:spPr>
           <a:xfrm>
-            <a:off x="462963" y="2198561"/>
+            <a:off x="462963" y="1672468"/>
             <a:ext cx="4090334" cy="2862322"/>
           </a:xfrm>
           <a:prstGeom prst="rect">
@@ -12083,7 +11761,7 @@
         </p:nvSpPr>
         <p:spPr>
           <a:xfrm>
-            <a:off x="5041900" y="1556818"/>
+            <a:off x="5041900" y="1030725"/>
             <a:ext cx="6096000" cy="5078313"/>
           </a:xfrm>
           <a:prstGeom prst="rect">
@@ -12204,7 +11882,7 @@
         </p:nvSpPr>
         <p:spPr>
           <a:xfrm>
-            <a:off x="9144000" y="2198561"/>
+            <a:off x="9144000" y="1672468"/>
             <a:ext cx="6096000" cy="3139321"/>
           </a:xfrm>
           <a:prstGeom prst="rect">
@@ -12286,7 +11964,7 @@
         </p:nvCxnSpPr>
         <p:spPr>
           <a:xfrm flipV="1">
-            <a:off x="7487322" y="2538806"/>
+            <a:off x="7487322" y="2012713"/>
             <a:ext cx="1656678" cy="1452281"/>
           </a:xfrm>
           <a:prstGeom prst="straightConnector1">
@@ -12319,7 +11997,7 @@
         </p:nvCxnSpPr>
         <p:spPr>
           <a:xfrm>
-            <a:off x="5819887" y="4335332"/>
+            <a:off x="5807361" y="3821765"/>
             <a:ext cx="2818504" cy="0"/>
           </a:xfrm>
           <a:prstGeom prst="line">
@@ -12351,12 +12029,16 @@
   <p:clrMapOvr>
     <a:masterClrMapping/>
   </p:clrMapOvr>
-  <mc:AlternateContent xmlns:mc="http://schemas.openxmlformats.org/markup-compatibility/2006" xmlns:p14="http://schemas.microsoft.com/office/powerpoint/2010/main">
-    <mc:Choice Requires="p14">
-      <p:transition p14:dur="0"/>
+  <mc:AlternateContent xmlns:mc="http://schemas.openxmlformats.org/markup-compatibility/2006">
+    <mc:Choice xmlns:p14="http://schemas.microsoft.com/office/powerpoint/2010/main" Requires="p14">
+      <p:transition p14:dur="250">
+        <p:push dir="u"/>
+      </p:transition>
     </mc:Choice>
-    <mc:Fallback xmlns="">
-      <p:transition/>
+    <mc:Fallback>
+      <p:transition>
+        <p:push dir="u"/>
+      </p:transition>
     </mc:Fallback>
   </mc:AlternateContent>
   <p:timing>
@@ -12371,6 +12053,9 @@
                     <p:cTn id="3" fill="hold">
                       <p:stCondLst>
                         <p:cond delay="indefinite"/>
+                        <p:cond evt="onBegin" delay="0">
+                          <p:tn val="2"/>
+                        </p:cond>
                       </p:stCondLst>
                       <p:childTnLst>
                         <p:par>
@@ -12380,9 +12065,9 @@
                             </p:stCondLst>
                             <p:childTnLst>
                               <p:par>
-                                <p:cTn id="5" presetID="22" presetClass="entr" presetSubtype="4" fill="hold" nodeType="clickEffect">
+                                <p:cTn id="5" presetID="22" presetClass="entr" presetSubtype="4" fill="hold" nodeType="afterEffect">
                                   <p:stCondLst>
-                                    <p:cond delay="0"/>
+                                    <p:cond delay="1000"/>
                                   </p:stCondLst>
                                   <p:childTnLst>
                                     <p:set>
@@ -12420,7 +12105,7 @@
                         <p:par>
                           <p:cTn id="8" fill="hold">
                             <p:stCondLst>
-                              <p:cond delay="250"/>
+                              <p:cond delay="1250"/>
                             </p:stCondLst>
                             <p:childTnLst>
                               <p:par>
@@ -12525,16 +12210,108 @@
           </a:prstGeom>
         </p:spPr>
       </p:pic>
+      <p:pic>
+        <p:nvPicPr>
+          <p:cNvPr id="7" name="图片 6"/>
+          <p:cNvPicPr/>
+          <p:nvPr/>
+        </p:nvPicPr>
+        <p:blipFill>
+          <a:blip r:embed="rId4"/>
+          <a:stretch>
+            <a:fillRect/>
+          </a:stretch>
+        </p:blipFill>
+        <p:spPr>
+          <a:xfrm>
+            <a:off x="564194" y="2021754"/>
+            <a:ext cx="5383805" cy="4550799"/>
+          </a:xfrm>
+          <a:prstGeom prst="rect">
+            <a:avLst/>
+          </a:prstGeom>
+        </p:spPr>
+      </p:pic>
       <p:sp>
         <p:nvSpPr>
-          <p:cNvPr id="4" name="圆角矩形 3"/>
+          <p:cNvPr id="8" name="圆角矩形 7"/>
           <p:cNvSpPr/>
           <p:nvPr/>
         </p:nvSpPr>
         <p:spPr>
           <a:xfrm>
-            <a:off x="3516087" y="830888"/>
-            <a:ext cx="5072742" cy="1240969"/>
+            <a:off x="3829238" y="1122894"/>
+            <a:ext cx="4237524" cy="1036646"/>
+          </a:xfrm>
+          <a:prstGeom prst="roundRect">
+            <a:avLst/>
+          </a:prstGeom>
+          <a:solidFill>
+            <a:srgbClr val="383838"/>
+          </a:solidFill>
+          <a:ln>
+            <a:noFill/>
+          </a:ln>
+        </p:spPr>
+        <p:style>
+          <a:lnRef idx="2">
+            <a:schemeClr val="accent1">
+              <a:shade val="50000"/>
+            </a:schemeClr>
+          </a:lnRef>
+          <a:fillRef idx="1">
+            <a:schemeClr val="accent1"/>
+          </a:fillRef>
+          <a:effectRef idx="0">
+            <a:schemeClr val="accent1"/>
+          </a:effectRef>
+          <a:fontRef idx="minor">
+            <a:schemeClr val="lt1"/>
+          </a:fontRef>
+        </p:style>
+        <p:txBody>
+          <a:bodyPr rtlCol="0" anchor="ctr"/>
+          <a:lstStyle/>
+          <a:p>
+            <a:pPr algn="ctr"/>
+            <a:r>
+              <a:rPr lang="zh-CN" altLang="en-US" sz="2800" dirty="0" smtClean="0">
+                <a:latin typeface="微软雅黑" panose="020B0503020204020204" pitchFamily="34" charset="-122"/>
+                <a:ea typeface="微软雅黑" panose="020B0503020204020204" pitchFamily="34" charset="-122"/>
+              </a:rPr>
+              <a:t>部件 </a:t>
+            </a:r>
+            <a:r>
+              <a:rPr lang="en-US" altLang="zh-CN" sz="2800" dirty="0" smtClean="0">
+                <a:latin typeface="微软雅黑" panose="020B0503020204020204" pitchFamily="34" charset="-122"/>
+                <a:ea typeface="微软雅黑" panose="020B0503020204020204" pitchFamily="34" charset="-122"/>
+              </a:rPr>
+              <a:t>– </a:t>
+            </a:r>
+            <a:r>
+              <a:rPr lang="zh-CN" altLang="en-US" sz="2800" dirty="0" smtClean="0">
+                <a:latin typeface="微软雅黑" panose="020B0503020204020204" pitchFamily="34" charset="-122"/>
+                <a:ea typeface="微软雅黑" panose="020B0503020204020204" pitchFamily="34" charset="-122"/>
+              </a:rPr>
+              <a:t>样片关系</a:t>
+            </a:r>
+            <a:endParaRPr lang="zh-CN" altLang="en-US" sz="2800" dirty="0">
+              <a:latin typeface="微软雅黑" panose="020B0503020204020204" pitchFamily="34" charset="-122"/>
+              <a:ea typeface="微软雅黑" panose="020B0503020204020204" pitchFamily="34" charset="-122"/>
+            </a:endParaRPr>
+          </a:p>
+        </p:txBody>
+      </p:sp>
+      <p:sp>
+        <p:nvSpPr>
+          <p:cNvPr id="9" name="圆角矩形 8"/>
+          <p:cNvSpPr/>
+          <p:nvPr/>
+        </p:nvSpPr>
+        <p:spPr>
+          <a:xfrm>
+            <a:off x="4249778" y="244559"/>
+            <a:ext cx="3396443" cy="830888"/>
           </a:xfrm>
           <a:prstGeom prst="roundRect">
             <a:avLst/>
@@ -12579,28 +12356,14 @@
                 <a:latin typeface="微软雅黑" panose="020B0503020204020204" pitchFamily="34" charset="-122"/>
                 <a:ea typeface="微软雅黑" panose="020B0503020204020204" pitchFamily="34" charset="-122"/>
               </a:rPr>
-              <a:t>裤款</a:t>
+              <a:t>裤</a:t>
             </a:r>
             <a:r>
               <a:rPr lang="zh-CN" altLang="en-US" sz="2800" dirty="0" smtClean="0">
                 <a:latin typeface="微软雅黑" panose="020B0503020204020204" pitchFamily="34" charset="-122"/>
                 <a:ea typeface="微软雅黑" panose="020B0503020204020204" pitchFamily="34" charset="-122"/>
               </a:rPr>
-              <a:t>式 </a:t>
-            </a:r>
-            <a:r>
-              <a:rPr lang="en-US" altLang="zh-CN" sz="2800" dirty="0" smtClean="0">
-                <a:latin typeface="微软雅黑" panose="020B0503020204020204" pitchFamily="34" charset="-122"/>
-                <a:ea typeface="微软雅黑" panose="020B0503020204020204" pitchFamily="34" charset="-122"/>
-              </a:rPr>
-              <a:t>- </a:t>
-            </a:r>
-            <a:r>
-              <a:rPr lang="zh-CN" altLang="en-US" sz="2800" dirty="0" smtClean="0">
-                <a:latin typeface="微软雅黑" panose="020B0503020204020204" pitchFamily="34" charset="-122"/>
-                <a:ea typeface="微软雅黑" panose="020B0503020204020204" pitchFamily="34" charset="-122"/>
-              </a:rPr>
-              <a:t>部件关系</a:t>
+              <a:t>款式设计</a:t>
             </a:r>
             <a:endParaRPr lang="zh-CN" altLang="en-US" sz="2800" dirty="0">
               <a:latin typeface="微软雅黑" panose="020B0503020204020204" pitchFamily="34" charset="-122"/>
@@ -12611,58 +12374,233 @@
       </p:sp>
       <p:pic>
         <p:nvPicPr>
-          <p:cNvPr id="6" name="图片 5"/>
+          <p:cNvPr id="11" name="图片 10" descr="C:\Users\WHA\AppData\Roaming\Tencent\Users\445395697\QQ\WinTemp\RichOle\H14~@VWFYLF$TR}SQV0A5J1.png"/>
           <p:cNvPicPr/>
           <p:nvPr/>
         </p:nvPicPr>
-        <p:blipFill>
-          <a:blip r:embed="rId4">
+        <p:blipFill rotWithShape="1">
+          <a:blip r:embed="rId5">
+            <a:clrChange>
+              <a:clrFrom>
+                <a:srgbClr val="FFFFFF"/>
+              </a:clrFrom>
+              <a:clrTo>
+                <a:srgbClr val="FFFFFF">
+                  <a:alpha val="0"/>
+                </a:srgbClr>
+              </a:clrTo>
+            </a:clrChange>
             <a:extLst>
               <a:ext uri="{28A0092B-C50C-407E-A947-70E740481C1C}">
                 <a14:useLocalDpi xmlns:a14="http://schemas.microsoft.com/office/drawing/2010/main" val="0"/>
               </a:ext>
             </a:extLst>
           </a:blip>
-          <a:stretch>
-            <a:fillRect/>
-          </a:stretch>
+          <a:srcRect r="49050"/>
+          <a:stretch/>
         </p:blipFill>
-        <p:spPr>
+        <p:spPr bwMode="auto">
           <a:xfrm>
-            <a:off x="1796846" y="2741158"/>
-            <a:ext cx="8489452" cy="3012649"/>
+            <a:off x="8190404" y="490952"/>
+            <a:ext cx="3321015" cy="5903180"/>
           </a:xfrm>
           <a:prstGeom prst="rect">
             <a:avLst/>
           </a:prstGeom>
+          <a:noFill/>
+          <a:ln>
+            <a:noFill/>
+          </a:ln>
+        </p:spPr>
+      </p:pic>
+      <p:pic>
+        <p:nvPicPr>
+          <p:cNvPr id="12" name="图片 11" descr="C:\Users\WHA\AppData\Roaming\Tencent\Users\445395697\QQ\WinTemp\RichOle\H14~@VWFYLF$TR}SQV0A5J1.png"/>
+          <p:cNvPicPr/>
+          <p:nvPr/>
+        </p:nvPicPr>
+        <p:blipFill rotWithShape="1">
+          <a:blip r:embed="rId5">
+            <a:clrChange>
+              <a:clrFrom>
+                <a:srgbClr val="FFFFFF"/>
+              </a:clrFrom>
+              <a:clrTo>
+                <a:srgbClr val="FFFFFF">
+                  <a:alpha val="0"/>
+                </a:srgbClr>
+              </a:clrTo>
+            </a:clrChange>
+            <a:extLst>
+              <a:ext uri="{28A0092B-C50C-407E-A947-70E740481C1C}">
+                <a14:useLocalDpi xmlns:a14="http://schemas.microsoft.com/office/drawing/2010/main" val="0"/>
+              </a:ext>
+            </a:extLst>
+          </a:blip>
+          <a:srcRect l="84423"/>
+          <a:stretch/>
+        </p:blipFill>
+        <p:spPr bwMode="auto">
+          <a:xfrm>
+            <a:off x="6896279" y="1641217"/>
+            <a:ext cx="875203" cy="5088278"/>
+          </a:xfrm>
+          <a:prstGeom prst="rect">
+            <a:avLst/>
+          </a:prstGeom>
+          <a:noFill/>
+          <a:ln>
+            <a:noFill/>
+          </a:ln>
         </p:spPr>
       </p:pic>
     </p:spTree>
     <p:extLst>
       <p:ext uri="{BB962C8B-B14F-4D97-AF65-F5344CB8AC3E}">
-        <p14:creationId xmlns:p14="http://schemas.microsoft.com/office/powerpoint/2010/main" val="924159094"/>
+        <p14:creationId xmlns:p14="http://schemas.microsoft.com/office/powerpoint/2010/main" val="3259396006"/>
       </p:ext>
     </p:extLst>
   </p:cSld>
   <p:clrMapOvr>
     <a:masterClrMapping/>
   </p:clrMapOvr>
-  <mc:AlternateContent xmlns:mc="http://schemas.openxmlformats.org/markup-compatibility/2006" xmlns:p14="http://schemas.microsoft.com/office/powerpoint/2010/main">
-    <mc:Choice Requires="p14">
-      <p:transition p14:dur="250">
-        <p:push dir="u"/>
-      </p:transition>
+  <mc:AlternateContent xmlns:mc="http://schemas.openxmlformats.org/markup-compatibility/2006">
+    <mc:Choice xmlns:p14="http://schemas.microsoft.com/office/powerpoint/2010/main" Requires="p14">
+      <p:transition p14:dur="10"/>
     </mc:Choice>
-    <mc:Fallback xmlns="">
-      <p:transition>
-        <p:push dir="u"/>
-      </p:transition>
+    <mc:Fallback>
+      <p:transition/>
     </mc:Fallback>
   </mc:AlternateContent>
   <p:timing>
     <p:tnLst>
       <p:par>
-        <p:cTn id="1" dur="indefinite" restart="never" nodeType="tmRoot"/>
+        <p:cTn id="1" dur="indefinite" restart="never" nodeType="tmRoot">
+          <p:childTnLst>
+            <p:seq concurrent="1" nextAc="seek">
+              <p:cTn id="2" dur="indefinite" nodeType="mainSeq">
+                <p:childTnLst>
+                  <p:par>
+                    <p:cTn id="3" fill="hold">
+                      <p:stCondLst>
+                        <p:cond delay="indefinite"/>
+                        <p:cond evt="onBegin" delay="0">
+                          <p:tn val="2"/>
+                        </p:cond>
+                      </p:stCondLst>
+                      <p:childTnLst>
+                        <p:par>
+                          <p:cTn id="4" fill="hold">
+                            <p:stCondLst>
+                              <p:cond delay="0"/>
+                            </p:stCondLst>
+                            <p:childTnLst>
+                              <p:par>
+                                <p:cTn id="5" presetID="1" presetClass="entr" presetSubtype="0" fill="hold" nodeType="afterEffect">
+                                  <p:stCondLst>
+                                    <p:cond delay="1250"/>
+                                  </p:stCondLst>
+                                  <p:childTnLst>
+                                    <p:set>
+                                      <p:cBhvr>
+                                        <p:cTn id="6" dur="1" fill="hold">
+                                          <p:stCondLst>
+                                            <p:cond delay="0"/>
+                                          </p:stCondLst>
+                                        </p:cTn>
+                                        <p:tgtEl>
+                                          <p:spTgt spid="7"/>
+                                        </p:tgtEl>
+                                        <p:attrNameLst>
+                                          <p:attrName>style.visibility</p:attrName>
+                                        </p:attrNameLst>
+                                      </p:cBhvr>
+                                      <p:to>
+                                        <p:strVal val="visible"/>
+                                      </p:to>
+                                    </p:set>
+                                  </p:childTnLst>
+                                </p:cTn>
+                              </p:par>
+                              <p:par>
+                                <p:cTn id="7" presetID="1" presetClass="entr" presetSubtype="0" fill="hold" nodeType="withEffect">
+                                  <p:stCondLst>
+                                    <p:cond delay="1250"/>
+                                  </p:stCondLst>
+                                  <p:childTnLst>
+                                    <p:set>
+                                      <p:cBhvr>
+                                        <p:cTn id="8" dur="1" fill="hold">
+                                          <p:stCondLst>
+                                            <p:cond delay="0"/>
+                                          </p:stCondLst>
+                                        </p:cTn>
+                                        <p:tgtEl>
+                                          <p:spTgt spid="12"/>
+                                        </p:tgtEl>
+                                        <p:attrNameLst>
+                                          <p:attrName>style.visibility</p:attrName>
+                                        </p:attrNameLst>
+                                      </p:cBhvr>
+                                      <p:to>
+                                        <p:strVal val="visible"/>
+                                      </p:to>
+                                    </p:set>
+                                  </p:childTnLst>
+                                </p:cTn>
+                              </p:par>
+                              <p:par>
+                                <p:cTn id="9" presetID="1" presetClass="entr" presetSubtype="0" fill="hold" nodeType="withEffect">
+                                  <p:stCondLst>
+                                    <p:cond delay="1250"/>
+                                  </p:stCondLst>
+                                  <p:childTnLst>
+                                    <p:set>
+                                      <p:cBhvr>
+                                        <p:cTn id="10" dur="1" fill="hold">
+                                          <p:stCondLst>
+                                            <p:cond delay="0"/>
+                                          </p:stCondLst>
+                                        </p:cTn>
+                                        <p:tgtEl>
+                                          <p:spTgt spid="11"/>
+                                        </p:tgtEl>
+                                        <p:attrNameLst>
+                                          <p:attrName>style.visibility</p:attrName>
+                                        </p:attrNameLst>
+                                      </p:cBhvr>
+                                      <p:to>
+                                        <p:strVal val="visible"/>
+                                      </p:to>
+                                    </p:set>
+                                  </p:childTnLst>
+                                </p:cTn>
+                              </p:par>
+                            </p:childTnLst>
+                          </p:cTn>
+                        </p:par>
+                      </p:childTnLst>
+                    </p:cTn>
+                  </p:par>
+                </p:childTnLst>
+              </p:cTn>
+              <p:prevCondLst>
+                <p:cond evt="onPrev" delay="0">
+                  <p:tgtEl>
+                    <p:sldTgt/>
+                  </p:tgtEl>
+                </p:cond>
+              </p:prevCondLst>
+              <p:nextCondLst>
+                <p:cond evt="onNext" delay="0">
+                  <p:tgtEl>
+                    <p:sldTgt/>
+                  </p:tgtEl>
+                </p:cond>
+              </p:nextCondLst>
+            </p:seq>
+          </p:childTnLst>
+        </p:cTn>
       </p:par>
     </p:tnLst>
   </p:timing>
@@ -12712,13 +12650,181 @@
       </p:pic>
       <p:sp>
         <p:nvSpPr>
-          <p:cNvPr id="3" name="矩形 2"/>
+          <p:cNvPr id="4" name="圆角矩形 3"/>
           <p:cNvSpPr/>
           <p:nvPr/>
         </p:nvSpPr>
         <p:spPr>
           <a:xfrm>
-            <a:off x="12980081" y="2632253"/>
+            <a:off x="3829238" y="1122894"/>
+            <a:ext cx="4237524" cy="1036646"/>
+          </a:xfrm>
+          <a:prstGeom prst="roundRect">
+            <a:avLst/>
+          </a:prstGeom>
+          <a:solidFill>
+            <a:srgbClr val="383838"/>
+          </a:solidFill>
+          <a:ln>
+            <a:noFill/>
+          </a:ln>
+        </p:spPr>
+        <p:style>
+          <a:lnRef idx="2">
+            <a:schemeClr val="accent1">
+              <a:shade val="50000"/>
+            </a:schemeClr>
+          </a:lnRef>
+          <a:fillRef idx="1">
+            <a:schemeClr val="accent1"/>
+          </a:fillRef>
+          <a:effectRef idx="0">
+            <a:schemeClr val="accent1"/>
+          </a:effectRef>
+          <a:fontRef idx="minor">
+            <a:schemeClr val="lt1"/>
+          </a:fontRef>
+        </p:style>
+        <p:txBody>
+          <a:bodyPr rtlCol="0" anchor="ctr"/>
+          <a:lstStyle/>
+          <a:p>
+            <a:pPr algn="ctr"/>
+            <a:r>
+              <a:rPr lang="zh-CN" altLang="en-US" sz="2800" dirty="0" smtClean="0">
+                <a:latin typeface="微软雅黑" panose="020B0503020204020204" pitchFamily="34" charset="-122"/>
+                <a:ea typeface="微软雅黑" panose="020B0503020204020204" pitchFamily="34" charset="-122"/>
+              </a:rPr>
+              <a:t>部件 </a:t>
+            </a:r>
+            <a:r>
+              <a:rPr lang="en-US" altLang="zh-CN" sz="2800" dirty="0" smtClean="0">
+                <a:latin typeface="微软雅黑" panose="020B0503020204020204" pitchFamily="34" charset="-122"/>
+                <a:ea typeface="微软雅黑" panose="020B0503020204020204" pitchFamily="34" charset="-122"/>
+              </a:rPr>
+              <a:t>– </a:t>
+            </a:r>
+            <a:r>
+              <a:rPr lang="zh-CN" altLang="en-US" sz="2800" dirty="0" smtClean="0">
+                <a:latin typeface="微软雅黑" panose="020B0503020204020204" pitchFamily="34" charset="-122"/>
+                <a:ea typeface="微软雅黑" panose="020B0503020204020204" pitchFamily="34" charset="-122"/>
+              </a:rPr>
+              <a:t>部件关系</a:t>
+            </a:r>
+            <a:endParaRPr lang="zh-CN" altLang="en-US" sz="2800" dirty="0">
+              <a:latin typeface="微软雅黑" panose="020B0503020204020204" pitchFamily="34" charset="-122"/>
+              <a:ea typeface="微软雅黑" panose="020B0503020204020204" pitchFamily="34" charset="-122"/>
+            </a:endParaRPr>
+          </a:p>
+        </p:txBody>
+      </p:sp>
+      <p:pic>
+        <p:nvPicPr>
+          <p:cNvPr id="6" name="图片 5"/>
+          <p:cNvPicPr/>
+          <p:nvPr/>
+        </p:nvPicPr>
+        <p:blipFill>
+          <a:blip r:embed="rId4">
+            <a:extLst>
+              <a:ext uri="{28A0092B-C50C-407E-A947-70E740481C1C}">
+                <a14:useLocalDpi xmlns:a14="http://schemas.microsoft.com/office/drawing/2010/main" val="0"/>
+              </a:ext>
+            </a:extLst>
+          </a:blip>
+          <a:stretch>
+            <a:fillRect/>
+          </a:stretch>
+        </p:blipFill>
+        <p:spPr>
+          <a:xfrm>
+            <a:off x="1796846" y="2741158"/>
+            <a:ext cx="8489452" cy="3012649"/>
+          </a:xfrm>
+          <a:prstGeom prst="rect">
+            <a:avLst/>
+          </a:prstGeom>
+        </p:spPr>
+      </p:pic>
+      <p:sp>
+        <p:nvSpPr>
+          <p:cNvPr id="5" name="圆角矩形 4"/>
+          <p:cNvSpPr/>
+          <p:nvPr/>
+        </p:nvSpPr>
+        <p:spPr>
+          <a:xfrm>
+            <a:off x="4249778" y="244559"/>
+            <a:ext cx="3396443" cy="830888"/>
+          </a:xfrm>
+          <a:prstGeom prst="roundRect">
+            <a:avLst/>
+          </a:prstGeom>
+          <a:solidFill>
+            <a:srgbClr val="383838"/>
+          </a:solidFill>
+          <a:ln>
+            <a:noFill/>
+          </a:ln>
+        </p:spPr>
+        <p:style>
+          <a:lnRef idx="2">
+            <a:schemeClr val="accent1">
+              <a:shade val="50000"/>
+            </a:schemeClr>
+          </a:lnRef>
+          <a:fillRef idx="1">
+            <a:schemeClr val="accent1"/>
+          </a:fillRef>
+          <a:effectRef idx="0">
+            <a:schemeClr val="accent1"/>
+          </a:effectRef>
+          <a:fontRef idx="minor">
+            <a:schemeClr val="lt1"/>
+          </a:fontRef>
+        </p:style>
+        <p:txBody>
+          <a:bodyPr rtlCol="0" anchor="ctr"/>
+          <a:lstStyle/>
+          <a:p>
+            <a:pPr algn="ctr"/>
+            <a:r>
+              <a:rPr lang="zh-CN" altLang="en-US" sz="2800" dirty="0" smtClean="0">
+                <a:latin typeface="微软雅黑" panose="020B0503020204020204" pitchFamily="34" charset="-122"/>
+                <a:ea typeface="微软雅黑" panose="020B0503020204020204" pitchFamily="34" charset="-122"/>
+              </a:rPr>
+              <a:t>女</a:t>
+            </a:r>
+            <a:r>
+              <a:rPr lang="zh-CN" altLang="en-US" sz="2800" dirty="0">
+                <a:latin typeface="微软雅黑" panose="020B0503020204020204" pitchFamily="34" charset="-122"/>
+                <a:ea typeface="微软雅黑" panose="020B0503020204020204" pitchFamily="34" charset="-122"/>
+              </a:rPr>
+              <a:t>裤</a:t>
+            </a:r>
+            <a:r>
+              <a:rPr lang="zh-CN" altLang="en-US" sz="2800" dirty="0" smtClean="0">
+                <a:latin typeface="微软雅黑" panose="020B0503020204020204" pitchFamily="34" charset="-122"/>
+                <a:ea typeface="微软雅黑" panose="020B0503020204020204" pitchFamily="34" charset="-122"/>
+              </a:rPr>
+              <a:t>款式设计</a:t>
+            </a:r>
+            <a:endParaRPr lang="zh-CN" altLang="en-US" sz="2800" dirty="0">
+              <a:latin typeface="微软雅黑" panose="020B0503020204020204" pitchFamily="34" charset="-122"/>
+              <a:ea typeface="微软雅黑" panose="020B0503020204020204" pitchFamily="34" charset="-122"/>
+            </a:endParaRPr>
+          </a:p>
+        </p:txBody>
+      </p:sp>
+      <p:sp>
+        <p:nvSpPr>
+          <p:cNvPr id="7" name="矩形 6"/>
+          <p:cNvSpPr/>
+          <p:nvPr/>
+        </p:nvSpPr>
+        <p:spPr>
+          <a:xfrm>
+            <a:off x="12192000" y="2562584"/>
             <a:ext cx="3401542" cy="2677656"/>
           </a:xfrm>
           <a:prstGeom prst="rect">
@@ -12826,138 +12932,26 @@
           </a:p>
         </p:txBody>
       </p:sp>
-      <p:sp>
-        <p:nvSpPr>
-          <p:cNvPr id="4" name="圆角矩形 3"/>
-          <p:cNvSpPr/>
-          <p:nvPr/>
-        </p:nvSpPr>
-        <p:spPr>
-          <a:xfrm>
-            <a:off x="3516087" y="830888"/>
-            <a:ext cx="5072742" cy="1240969"/>
-          </a:xfrm>
-          <a:prstGeom prst="roundRect">
-            <a:avLst/>
-          </a:prstGeom>
-          <a:solidFill>
-            <a:srgbClr val="383838"/>
-          </a:solidFill>
-          <a:ln>
-            <a:noFill/>
-          </a:ln>
-        </p:spPr>
-        <p:style>
-          <a:lnRef idx="2">
-            <a:schemeClr val="accent1">
-              <a:shade val="50000"/>
-            </a:schemeClr>
-          </a:lnRef>
-          <a:fillRef idx="1">
-            <a:schemeClr val="accent1"/>
-          </a:fillRef>
-          <a:effectRef idx="0">
-            <a:schemeClr val="accent1"/>
-          </a:effectRef>
-          <a:fontRef idx="minor">
-            <a:schemeClr val="lt1"/>
-          </a:fontRef>
-        </p:style>
-        <p:txBody>
-          <a:bodyPr rtlCol="0" anchor="ctr"/>
-          <a:lstStyle/>
-          <a:p>
-            <a:pPr algn="ctr"/>
-            <a:r>
-              <a:rPr lang="zh-CN" altLang="en-US" sz="2800" dirty="0">
-                <a:latin typeface="微软雅黑" panose="020B0503020204020204" pitchFamily="34" charset="-122"/>
-                <a:ea typeface="微软雅黑" panose="020B0503020204020204" pitchFamily="34" charset="-122"/>
-              </a:rPr>
-              <a:t>组件</a:t>
-            </a:r>
-            <a:r>
-              <a:rPr lang="zh-CN" altLang="en-US" sz="2800" dirty="0" smtClean="0">
-                <a:latin typeface="微软雅黑" panose="020B0503020204020204" pitchFamily="34" charset="-122"/>
-                <a:ea typeface="微软雅黑" panose="020B0503020204020204" pitchFamily="34" charset="-122"/>
-              </a:rPr>
-              <a:t>化女裤</a:t>
-            </a:r>
-            <a:r>
-              <a:rPr lang="zh-CN" altLang="en-US" sz="2800" dirty="0">
-                <a:latin typeface="微软雅黑" panose="020B0503020204020204" pitchFamily="34" charset="-122"/>
-                <a:ea typeface="微软雅黑" panose="020B0503020204020204" pitchFamily="34" charset="-122"/>
-              </a:rPr>
-              <a:t>款式设计</a:t>
-            </a:r>
-          </a:p>
-        </p:txBody>
-      </p:sp>
-      <p:pic>
-        <p:nvPicPr>
-          <p:cNvPr id="6" name="图片 5"/>
-          <p:cNvPicPr/>
-          <p:nvPr/>
-        </p:nvPicPr>
-        <p:blipFill>
-          <a:blip r:embed="rId4">
-            <a:extLst>
-              <a:ext uri="{28A0092B-C50C-407E-A947-70E740481C1C}">
-                <a14:useLocalDpi xmlns:a14="http://schemas.microsoft.com/office/drawing/2010/main" val="0"/>
-              </a:ext>
-            </a:extLst>
-          </a:blip>
-          <a:stretch>
-            <a:fillRect/>
-          </a:stretch>
-        </p:blipFill>
-        <p:spPr>
-          <a:xfrm>
-            <a:off x="1796846" y="2741158"/>
-            <a:ext cx="8489452" cy="3012649"/>
-          </a:xfrm>
-          <a:prstGeom prst="rect">
-            <a:avLst/>
-          </a:prstGeom>
-        </p:spPr>
-      </p:pic>
-      <p:pic>
-        <p:nvPicPr>
-          <p:cNvPr id="7" name="图片 6"/>
-          <p:cNvPicPr/>
-          <p:nvPr/>
-        </p:nvPicPr>
-        <p:blipFill>
-          <a:blip r:embed="rId5"/>
-          <a:stretch>
-            <a:fillRect/>
-          </a:stretch>
-        </p:blipFill>
-        <p:spPr>
-          <a:xfrm>
-            <a:off x="16559882" y="2393829"/>
-            <a:ext cx="5031047" cy="4252621"/>
-          </a:xfrm>
-          <a:prstGeom prst="rect">
-            <a:avLst/>
-          </a:prstGeom>
-        </p:spPr>
-      </p:pic>
     </p:spTree>
     <p:extLst>
       <p:ext uri="{BB962C8B-B14F-4D97-AF65-F5344CB8AC3E}">
-        <p14:creationId xmlns:p14="http://schemas.microsoft.com/office/powerpoint/2010/main" val="3259396006"/>
+        <p14:creationId xmlns:p14="http://schemas.microsoft.com/office/powerpoint/2010/main" val="924159094"/>
       </p:ext>
     </p:extLst>
   </p:cSld>
   <p:clrMapOvr>
     <a:masterClrMapping/>
   </p:clrMapOvr>
-  <mc:AlternateContent xmlns:mc="http://schemas.openxmlformats.org/markup-compatibility/2006">
-    <mc:Choice xmlns:p14="http://schemas.microsoft.com/office/powerpoint/2010/main" Requires="p14">
-      <p:transition p14:dur="0"/>
+  <mc:AlternateContent xmlns:mc="http://schemas.openxmlformats.org/markup-compatibility/2006" xmlns:p14="http://schemas.microsoft.com/office/powerpoint/2010/main">
+    <mc:Choice Requires="p14">
+      <p:transition p14:dur="250">
+        <p:push dir="u"/>
+      </p:transition>
     </mc:Choice>
-    <mc:Fallback>
-      <p:transition/>
+    <mc:Fallback xmlns="">
+      <p:transition>
+        <p:push dir="u"/>
+      </p:transition>
     </mc:Fallback>
   </mc:AlternateContent>
   <p:timing>
@@ -12972,9 +12966,6 @@
                     <p:cTn id="3" fill="hold">
                       <p:stCondLst>
                         <p:cond delay="indefinite"/>
-                        <p:cond evt="onBegin" delay="0">
-                          <p:tn val="2"/>
-                        </p:cond>
                       </p:stCondLst>
                       <p:childTnLst>
                         <p:par>
@@ -12984,36 +12975,14 @@
                             </p:stCondLst>
                             <p:childTnLst>
                               <p:par>
-                                <p:cTn id="5" presetID="35" presetClass="path" presetSubtype="0" accel="50000" decel="50000" fill="hold" grpId="0" nodeType="withEffect">
+                                <p:cTn id="5" presetID="35" presetClass="path" presetSubtype="0" accel="50000" decel="50000" fill="hold" nodeType="clickEffect">
                                   <p:stCondLst>
                                     <p:cond delay="0"/>
                                   </p:stCondLst>
                                   <p:childTnLst>
-                                    <p:animMotion origin="layout" path="M 0.00286 0.01018 L -0.91784 -0.00996 " pathEditMode="relative" rAng="0" ptsTypes="AA">
+                                    <p:animMotion origin="layout" path="M -2.91667E-6 -2.96296E-6 L -0.12369 -2.96296E-6 " pathEditMode="relative" rAng="0" ptsTypes="AA">
                                       <p:cBhvr>
                                         <p:cTn id="6" dur="250" fill="hold"/>
-                                        <p:tgtEl>
-                                          <p:spTgt spid="3"/>
-                                        </p:tgtEl>
-                                        <p:attrNameLst>
-                                          <p:attrName>ppt_x</p:attrName>
-                                          <p:attrName>ppt_y</p:attrName>
-                                        </p:attrNameLst>
-                                      </p:cBhvr>
-                                      <p:rCtr x="-46042" y="-1019"/>
-                                    </p:animMotion>
-                                  </p:childTnLst>
-                                </p:cTn>
-                              </p:par>
-                              <p:par>
-                                <p:cTn id="7" presetID="35" presetClass="path" presetSubtype="0" accel="50000" decel="50000" fill="hold" nodeType="withEffect">
-                                  <p:stCondLst>
-                                    <p:cond delay="0"/>
-                                  </p:stCondLst>
-                                  <p:childTnLst>
-                                    <p:animMotion origin="layout" path="M -2.91667E-6 -2.96296E-6 L -0.84362 -2.96296E-6 " pathEditMode="relative" rAng="0" ptsTypes="AA">
-                                      <p:cBhvr>
-                                        <p:cTn id="8" dur="250" fill="hold"/>
                                         <p:tgtEl>
                                           <p:spTgt spid="6"/>
                                         </p:tgtEl>
@@ -13022,20 +12991,20 @@
                                           <p:attrName>ppt_y</p:attrName>
                                         </p:attrNameLst>
                                       </p:cBhvr>
-                                      <p:rCtr x="-42188" y="0"/>
+                                      <p:rCtr x="-6185" y="0"/>
                                     </p:animMotion>
                                   </p:childTnLst>
                                 </p:cTn>
                               </p:par>
                               <p:par>
-                                <p:cTn id="9" presetID="35" presetClass="path" presetSubtype="0" accel="50000" decel="50000" fill="hold" nodeType="withEffect">
+                                <p:cTn id="7" presetID="35" presetClass="path" presetSubtype="0" accel="50000" decel="50000" fill="hold" grpId="0" nodeType="withEffect">
                                   <p:stCondLst>
                                     <p:cond delay="0"/>
                                   </p:stCondLst>
                                   <p:childTnLst>
-                                    <p:animMotion origin="layout" path="M 0.00287 0.01018 L -0.91784 -0.00996 " pathEditMode="relative" rAng="0" ptsTypes="AA">
+                                    <p:animMotion origin="layout" path="M -3.125E-6 1.11022E-16 L -0.22591 1.11022E-16 " pathEditMode="relative" rAng="0" ptsTypes="AA">
                                       <p:cBhvr>
-                                        <p:cTn id="10" dur="250" fill="hold"/>
+                                        <p:cTn id="8" dur="250" fill="hold"/>
                                         <p:tgtEl>
                                           <p:spTgt spid="7"/>
                                         </p:tgtEl>
@@ -13044,7 +13013,7 @@
                                           <p:attrName>ppt_y</p:attrName>
                                         </p:attrNameLst>
                                       </p:cBhvr>
-                                      <p:rCtr x="-46042" y="-1019"/>
+                                      <p:rCtr x="-11302" y="0"/>
                                     </p:animMotion>
                                   </p:childTnLst>
                                 </p:cTn>
@@ -13077,7 +13046,7 @@
       </p:par>
     </p:tnLst>
     <p:bldLst>
-      <p:bldP spid="3" grpId="0"/>
+      <p:bldP spid="7" grpId="0"/>
     </p:bldLst>
   </p:timing>
 </p:sld>
@@ -22740,221 +22709,9 @@
   <p:timing>
     <p:tnLst>
       <p:par>
-        <p:cTn id="1" dur="indefinite" restart="never" nodeType="tmRoot">
-          <p:childTnLst>
-            <p:seq concurrent="1" nextAc="seek">
-              <p:cTn id="2" dur="indefinite" nodeType="mainSeq">
-                <p:childTnLst>
-                  <p:par>
-                    <p:cTn id="3" fill="hold">
-                      <p:stCondLst>
-                        <p:cond delay="indefinite"/>
-                        <p:cond evt="onBegin" delay="0">
-                          <p:tn val="2"/>
-                        </p:cond>
-                      </p:stCondLst>
-                      <p:childTnLst>
-                        <p:par>
-                          <p:cTn id="4" fill="hold">
-                            <p:stCondLst>
-                              <p:cond delay="0"/>
-                            </p:stCondLst>
-                            <p:childTnLst>
-                              <p:par>
-                                <p:cTn id="5" presetID="1" presetClass="entr" presetSubtype="0" fill="hold" nodeType="afterEffect">
-                                  <p:stCondLst>
-                                    <p:cond delay="1000"/>
-                                  </p:stCondLst>
-                                  <p:childTnLst>
-                                    <p:set>
-                                      <p:cBhvr>
-                                        <p:cTn id="6" dur="1" fill="hold">
-                                          <p:stCondLst>
-                                            <p:cond delay="0"/>
-                                          </p:stCondLst>
-                                        </p:cTn>
-                                        <p:tgtEl>
-                                          <p:spTgt spid="12"/>
-                                        </p:tgtEl>
-                                        <p:attrNameLst>
-                                          <p:attrName>style.visibility</p:attrName>
-                                        </p:attrNameLst>
-                                      </p:cBhvr>
-                                      <p:to>
-                                        <p:strVal val="visible"/>
-                                      </p:to>
-                                    </p:set>
-                                  </p:childTnLst>
-                                </p:cTn>
-                              </p:par>
-                            </p:childTnLst>
-                          </p:cTn>
-                        </p:par>
-                        <p:par>
-                          <p:cTn id="7" fill="hold">
-                            <p:stCondLst>
-                              <p:cond delay="1000"/>
-                            </p:stCondLst>
-                            <p:childTnLst>
-                              <p:par>
-                                <p:cTn id="8" presetID="1" presetClass="entr" presetSubtype="0" fill="hold" grpId="0" nodeType="afterEffect">
-                                  <p:stCondLst>
-                                    <p:cond delay="1000"/>
-                                  </p:stCondLst>
-                                  <p:childTnLst>
-                                    <p:set>
-                                      <p:cBhvr>
-                                        <p:cTn id="9" dur="1" fill="hold">
-                                          <p:stCondLst>
-                                            <p:cond delay="0"/>
-                                          </p:stCondLst>
-                                        </p:cTn>
-                                        <p:tgtEl>
-                                          <p:spTgt spid="18"/>
-                                        </p:tgtEl>
-                                        <p:attrNameLst>
-                                          <p:attrName>style.visibility</p:attrName>
-                                        </p:attrNameLst>
-                                      </p:cBhvr>
-                                      <p:to>
-                                        <p:strVal val="visible"/>
-                                      </p:to>
-                                    </p:set>
-                                  </p:childTnLst>
-                                </p:cTn>
-                              </p:par>
-                            </p:childTnLst>
-                          </p:cTn>
-                        </p:par>
-                      </p:childTnLst>
-                    </p:cTn>
-                  </p:par>
-                  <p:par>
-                    <p:cTn id="10" fill="hold">
-                      <p:stCondLst>
-                        <p:cond delay="indefinite"/>
-                      </p:stCondLst>
-                      <p:childTnLst>
-                        <p:par>
-                          <p:cTn id="11" fill="hold">
-                            <p:stCondLst>
-                              <p:cond delay="0"/>
-                            </p:stCondLst>
-                            <p:childTnLst>
-                              <p:par>
-                                <p:cTn id="12" presetID="1" presetClass="entr" presetSubtype="0" fill="hold" grpId="0" nodeType="clickEffect">
-                                  <p:stCondLst>
-                                    <p:cond delay="0"/>
-                                  </p:stCondLst>
-                                  <p:childTnLst>
-                                    <p:set>
-                                      <p:cBhvr>
-                                        <p:cTn id="13" dur="1" fill="hold">
-                                          <p:stCondLst>
-                                            <p:cond delay="0"/>
-                                          </p:stCondLst>
-                                        </p:cTn>
-                                        <p:tgtEl>
-                                          <p:spTgt spid="19"/>
-                                        </p:tgtEl>
-                                        <p:attrNameLst>
-                                          <p:attrName>style.visibility</p:attrName>
-                                        </p:attrNameLst>
-                                      </p:cBhvr>
-                                      <p:to>
-                                        <p:strVal val="visible"/>
-                                      </p:to>
-                                    </p:set>
-                                  </p:childTnLst>
-                                </p:cTn>
-                              </p:par>
-                              <p:par>
-                                <p:cTn id="14" presetID="1" presetClass="entr" presetSubtype="0" fill="hold" grpId="0" nodeType="withEffect">
-                                  <p:stCondLst>
-                                    <p:cond delay="0"/>
-                                  </p:stCondLst>
-                                  <p:childTnLst>
-                                    <p:set>
-                                      <p:cBhvr>
-                                        <p:cTn id="15" dur="1" fill="hold">
-                                          <p:stCondLst>
-                                            <p:cond delay="0"/>
-                                          </p:stCondLst>
-                                        </p:cTn>
-                                        <p:tgtEl>
-                                          <p:spTgt spid="20"/>
-                                        </p:tgtEl>
-                                        <p:attrNameLst>
-                                          <p:attrName>style.visibility</p:attrName>
-                                        </p:attrNameLst>
-                                      </p:cBhvr>
-                                      <p:to>
-                                        <p:strVal val="visible"/>
-                                      </p:to>
-                                    </p:set>
-                                  </p:childTnLst>
-                                </p:cTn>
-                              </p:par>
-                              <p:par>
-                                <p:cTn id="16" presetID="1" presetClass="entr" presetSubtype="0" fill="hold" grpId="0" nodeType="withEffect">
-                                  <p:stCondLst>
-                                    <p:cond delay="0"/>
-                                  </p:stCondLst>
-                                  <p:childTnLst>
-                                    <p:set>
-                                      <p:cBhvr>
-                                        <p:cTn id="17" dur="1" fill="hold">
-                                          <p:stCondLst>
-                                            <p:cond delay="0"/>
-                                          </p:stCondLst>
-                                        </p:cTn>
-                                        <p:tgtEl>
-                                          <p:spTgt spid="21"/>
-                                        </p:tgtEl>
-                                        <p:attrNameLst>
-                                          <p:attrName>style.visibility</p:attrName>
-                                        </p:attrNameLst>
-                                      </p:cBhvr>
-                                      <p:to>
-                                        <p:strVal val="visible"/>
-                                      </p:to>
-                                    </p:set>
-                                  </p:childTnLst>
-                                </p:cTn>
-                              </p:par>
-                            </p:childTnLst>
-                          </p:cTn>
-                        </p:par>
-                      </p:childTnLst>
-                    </p:cTn>
-                  </p:par>
-                </p:childTnLst>
-              </p:cTn>
-              <p:prevCondLst>
-                <p:cond evt="onPrev" delay="0">
-                  <p:tgtEl>
-                    <p:sldTgt/>
-                  </p:tgtEl>
-                </p:cond>
-              </p:prevCondLst>
-              <p:nextCondLst>
-                <p:cond evt="onNext" delay="0">
-                  <p:tgtEl>
-                    <p:sldTgt/>
-                  </p:tgtEl>
-                </p:cond>
-              </p:nextCondLst>
-            </p:seq>
-          </p:childTnLst>
-        </p:cTn>
+        <p:cTn id="1" dur="indefinite" restart="never" nodeType="tmRoot"/>
       </p:par>
     </p:tnLst>
-    <p:bldLst>
-      <p:bldP spid="18" grpId="0"/>
-      <p:bldP spid="19" grpId="0" animBg="1"/>
-      <p:bldP spid="20" grpId="0" animBg="1"/>
-      <p:bldP spid="21" grpId="0" animBg="1"/>
-    </p:bldLst>
   </p:timing>
 </p:sld>
 </file>
@@ -26004,6 +25761,117 @@
           </a:p>
         </p:txBody>
       </p:sp>
+      <p:sp>
+        <p:nvSpPr>
+          <p:cNvPr id="21" name="文本框 14"/>
+          <p:cNvSpPr txBox="1"/>
+          <p:nvPr/>
+        </p:nvSpPr>
+        <p:spPr>
+          <a:xfrm>
+            <a:off x="3715558" y="3970593"/>
+            <a:ext cx="2539916" cy="710985"/>
+          </a:xfrm>
+          <a:prstGeom prst="rect">
+            <a:avLst/>
+          </a:prstGeom>
+          <a:noFill/>
+          <a:ln w="6350">
+            <a:noFill/>
+          </a:ln>
+          <a:effectLst/>
+        </p:spPr>
+        <p:style>
+          <a:lnRef idx="0">
+            <a:schemeClr val="accent1"/>
+          </a:lnRef>
+          <a:fillRef idx="0">
+            <a:schemeClr val="accent1"/>
+          </a:fillRef>
+          <a:effectRef idx="0">
+            <a:schemeClr val="accent1"/>
+          </a:effectRef>
+          <a:fontRef idx="minor">
+            <a:schemeClr val="dk1"/>
+          </a:fontRef>
+        </p:style>
+        <p:txBody>
+          <a:bodyPr rot="0" spcFirstLastPara="0" vert="horz" wrap="square" lIns="91440" tIns="45720" rIns="91440" bIns="45720" numCol="1" spcCol="0" rtlCol="0" fromWordArt="0" anchor="t" anchorCtr="0" forceAA="0" compatLnSpc="1">
+            <a:prstTxWarp prst="textNoShape">
+              <a:avLst/>
+            </a:prstTxWarp>
+            <a:noAutofit/>
+          </a:bodyPr>
+          <a:lstStyle/>
+          <a:p>
+            <a:pPr algn="ctr">
+              <a:lnSpc>
+                <a:spcPct val="150000"/>
+              </a:lnSpc>
+              <a:spcAft>
+                <a:spcPts val="0"/>
+              </a:spcAft>
+            </a:pPr>
+            <a:r>
+              <a:rPr lang="zh-CN" altLang="en-US" kern="100" dirty="0" smtClean="0">
+                <a:solidFill>
+                  <a:schemeClr val="bg1"/>
+                </a:solidFill>
+                <a:effectLst/>
+                <a:latin typeface="微软雅黑" panose="020B0503020204020204" pitchFamily="34" charset="-122"/>
+                <a:ea typeface="微软雅黑" panose="020B0503020204020204" pitchFamily="34" charset="-122"/>
+                <a:cs typeface="Times New Roman" panose="02020603050405020304" pitchFamily="18" charset="0"/>
+              </a:rPr>
+              <a:t>服装</a:t>
+            </a:r>
+            <a:r>
+              <a:rPr lang="zh-CN" kern="100" dirty="0" smtClean="0">
+                <a:solidFill>
+                  <a:schemeClr val="bg1"/>
+                </a:solidFill>
+                <a:effectLst/>
+                <a:latin typeface="微软雅黑" panose="020B0503020204020204" pitchFamily="34" charset="-122"/>
+                <a:ea typeface="微软雅黑" panose="020B0503020204020204" pitchFamily="34" charset="-122"/>
+                <a:cs typeface="Times New Roman" panose="02020603050405020304" pitchFamily="18" charset="0"/>
+              </a:rPr>
+              <a:t>样</a:t>
+            </a:r>
+            <a:r>
+              <a:rPr lang="zh-CN" kern="100" dirty="0">
+                <a:solidFill>
+                  <a:schemeClr val="bg1"/>
+                </a:solidFill>
+                <a:effectLst/>
+                <a:latin typeface="微软雅黑" panose="020B0503020204020204" pitchFamily="34" charset="-122"/>
+                <a:ea typeface="微软雅黑" panose="020B0503020204020204" pitchFamily="34" charset="-122"/>
+                <a:cs typeface="Times New Roman" panose="02020603050405020304" pitchFamily="18" charset="0"/>
+              </a:rPr>
+              <a:t>板智能</a:t>
+            </a:r>
+            <a:r>
+              <a:rPr lang="en-US" kern="100" dirty="0">
+                <a:solidFill>
+                  <a:schemeClr val="bg1"/>
+                </a:solidFill>
+                <a:effectLst/>
+                <a:latin typeface="微软雅黑" panose="020B0503020204020204" pitchFamily="34" charset="-122"/>
+                <a:ea typeface="微软雅黑" panose="020B0503020204020204" pitchFamily="34" charset="-122"/>
+                <a:cs typeface="Times New Roman" panose="02020603050405020304" pitchFamily="18" charset="0"/>
+              </a:rPr>
+              <a:t>CAD</a:t>
+            </a:r>
+            <a:endParaRPr lang="zh-CN" kern="100" dirty="0">
+              <a:solidFill>
+                <a:schemeClr val="bg1"/>
+              </a:solidFill>
+              <a:effectLst/>
+              <a:latin typeface="微软雅黑" panose="020B0503020204020204" pitchFamily="34" charset="-122"/>
+              <a:ea typeface="微软雅黑" panose="020B0503020204020204" pitchFamily="34" charset="-122"/>
+              <a:cs typeface="Times New Roman" panose="02020603050405020304" pitchFamily="18" charset="0"/>
+            </a:endParaRPr>
+          </a:p>
+        </p:txBody>
+      </p:sp>
     </p:spTree>
     <p:extLst>
       <p:ext uri="{BB962C8B-B14F-4D97-AF65-F5344CB8AC3E}">
@@ -26047,7 +25915,7 @@
                             </p:stCondLst>
                             <p:childTnLst>
                               <p:par>
-                                <p:cTn id="5" presetID="53" presetClass="entr" presetSubtype="16" fill="hold" grpId="0" nodeType="clickEffect">
+                                <p:cTn id="5" presetID="1" presetClass="exit" presetSubtype="0" fill="hold" grpId="0" nodeType="clickEffect">
                                   <p:stCondLst>
                                     <p:cond delay="0"/>
                                   </p:stCondLst>
@@ -26055,6 +25923,42 @@
                                     <p:set>
                                       <p:cBhvr>
                                         <p:cTn id="6" dur="1" fill="hold">
+                                          <p:stCondLst>
+                                            <p:cond delay="0"/>
+                                          </p:stCondLst>
+                                        </p:cTn>
+                                        <p:tgtEl>
+                                          <p:spTgt spid="21"/>
+                                        </p:tgtEl>
+                                        <p:attrNameLst>
+                                          <p:attrName>style.visibility</p:attrName>
+                                        </p:attrNameLst>
+                                      </p:cBhvr>
+                                      <p:to>
+                                        <p:strVal val="hidden"/>
+                                      </p:to>
+                                    </p:set>
+                                  </p:childTnLst>
+                                </p:cTn>
+                              </p:par>
+                            </p:childTnLst>
+                          </p:cTn>
+                        </p:par>
+                        <p:par>
+                          <p:cTn id="7" fill="hold">
+                            <p:stCondLst>
+                              <p:cond delay="0"/>
+                            </p:stCondLst>
+                            <p:childTnLst>
+                              <p:par>
+                                <p:cTn id="8" presetID="53" presetClass="entr" presetSubtype="16" fill="hold" grpId="0" nodeType="afterEffect">
+                                  <p:stCondLst>
+                                    <p:cond delay="0"/>
+                                  </p:stCondLst>
+                                  <p:childTnLst>
+                                    <p:set>
+                                      <p:cBhvr>
+                                        <p:cTn id="9" dur="1" fill="hold">
                                           <p:stCondLst>
                                             <p:cond delay="0"/>
                                           </p:stCondLst>
@@ -26072,7 +25976,7 @@
                                     </p:set>
                                     <p:anim calcmode="lin" valueType="num">
                                       <p:cBhvr>
-                                        <p:cTn id="7" dur="250" fill="hold"/>
+                                        <p:cTn id="10" dur="250" fill="hold"/>
                                         <p:tgtEl>
                                           <p:spTgt spid="16"/>
                                         </p:tgtEl>
@@ -26095,7 +25999,7 @@
                                     </p:anim>
                                     <p:anim calcmode="lin" valueType="num">
                                       <p:cBhvr>
-                                        <p:cTn id="8" dur="250" fill="hold"/>
+                                        <p:cTn id="11" dur="250" fill="hold"/>
                                         <p:tgtEl>
                                           <p:spTgt spid="16"/>
                                         </p:tgtEl>
@@ -26118,12 +26022,52 @@
                                     </p:anim>
                                     <p:animEffect transition="in" filter="fade">
                                       <p:cBhvr>
-                                        <p:cTn id="9" dur="250"/>
+                                        <p:cTn id="12" dur="250"/>
                                         <p:tgtEl>
                                           <p:spTgt spid="16"/>
                                         </p:tgtEl>
                                       </p:cBhvr>
                                     </p:animEffect>
+                                  </p:childTnLst>
+                                </p:cTn>
+                              </p:par>
+                            </p:childTnLst>
+                          </p:cTn>
+                        </p:par>
+                        <p:par>
+                          <p:cTn id="13" fill="hold">
+                            <p:stCondLst>
+                              <p:cond delay="250"/>
+                            </p:stCondLst>
+                            <p:childTnLst>
+                              <p:par>
+                                <p:cTn id="14" presetID="1" presetClass="entr" presetSubtype="0" fill="hold" nodeType="afterEffect">
+                                  <p:stCondLst>
+                                    <p:cond delay="500"/>
+                                  </p:stCondLst>
+                                  <p:childTnLst>
+                                    <p:set>
+                                      <p:cBhvr>
+                                        <p:cTn id="15" dur="1" fill="hold">
+                                          <p:stCondLst>
+                                            <p:cond delay="0"/>
+                                          </p:stCondLst>
+                                        </p:cTn>
+                                        <p:tgtEl>
+                                          <p:spTgt spid="20">
+                                            <p:txEl>
+                                              <p:pRg st="1" end="1"/>
+                                            </p:txEl>
+                                          </p:spTgt>
+                                        </p:tgtEl>
+                                        <p:attrNameLst>
+                                          <p:attrName>style.visibility</p:attrName>
+                                        </p:attrNameLst>
+                                      </p:cBhvr>
+                                      <p:to>
+                                        <p:strVal val="visible"/>
+                                      </p:to>
+                                    </p:set>
                                   </p:childTnLst>
                                 </p:cTn>
                               </p:par>
@@ -26156,6 +26100,7 @@
     </p:tnLst>
     <p:bldLst>
       <p:bldP spid="16" grpId="0"/>
+      <p:bldP spid="21" grpId="0"/>
     </p:bldLst>
   </p:timing>
 </p:sld>
